--- a/시프ppt 제작중.pptx
+++ b/시프ppt 제작중.pptx
@@ -133,7 +133,7 @@
   </p:defaultTextStyle>
   <p:extLst>
     <p:ext uri="{EFAFB233-063F-42B5-8137-9DF3F51BA10A}">
-      <p15:sldGuideLst xmlns:p15="http://schemas.microsoft.com/office/powerpoint/2012/main">
+      <p15:sldGuideLst xmlns:p15="http://schemas.microsoft.com/office/powerpoint/2012/main" xmlns="">
         <p15:guide id="1" orient="horz" pos="2880">
           <p15:clr>
             <a:srgbClr val="A4A3A4"/>
@@ -232,7 +232,7 @@
           <a:p>
             <a:fld id="{3699E248-6EB0-48B5-B157-87D30BE33DEF}" type="datetimeFigureOut">
               <a:rPr lang="ko-KR" altLang="en-US" smtClean="0"/>
-              <a:t>2018-12-19</a:t>
+              <a:t>2018-12-20</a:t>
             </a:fld>
             <a:endParaRPr lang="ko-KR" altLang="en-US"/>
           </a:p>
@@ -544,150 +544,7 @@
           <a:bodyPr/>
           <a:lstStyle/>
           <a:p>
-            <a:r>
-              <a:rPr lang="ko-KR" altLang="en-US" dirty="0" smtClean="0"/>
-              <a:t>안녕하세요</a:t>
-            </a:r>
-            <a:r>
-              <a:rPr lang="en-US" altLang="ko-KR" dirty="0" smtClean="0"/>
-              <a:t>. </a:t>
-            </a:r>
-            <a:r>
-              <a:rPr lang="ko-KR" altLang="en-US" dirty="0" smtClean="0"/>
-              <a:t>시스템프로그래밍 </a:t>
-            </a:r>
-            <a:r>
-              <a:rPr lang="en-US" altLang="ko-KR" dirty="0" smtClean="0"/>
-              <a:t>5</a:t>
-            </a:r>
-            <a:r>
-              <a:rPr lang="ko-KR" altLang="en-US" dirty="0" smtClean="0"/>
-              <a:t>조의 발표를 맡게 된 손준우 입니다</a:t>
-            </a:r>
-            <a:r>
-              <a:rPr lang="en-US" altLang="ko-KR" dirty="0" smtClean="0"/>
-              <a:t>.</a:t>
-            </a:r>
-            <a:r>
-              <a:rPr lang="en-US" altLang="ko-KR" baseline="0" dirty="0" smtClean="0"/>
-              <a:t> </a:t>
-            </a:r>
-            <a:r>
-              <a:rPr lang="ko-KR" altLang="en-US" baseline="0" dirty="0" smtClean="0"/>
-              <a:t>반갑습니다</a:t>
-            </a:r>
-            <a:r>
-              <a:rPr lang="en-US" altLang="ko-KR" baseline="0" dirty="0" smtClean="0"/>
-              <a:t>.(</a:t>
-            </a:r>
-            <a:r>
-              <a:rPr lang="ko-KR" altLang="en-US" baseline="0" dirty="0" smtClean="0"/>
-              <a:t>확실히 말이 끝난 후 목례</a:t>
-            </a:r>
-            <a:r>
-              <a:rPr lang="en-US" altLang="ko-KR" baseline="0" dirty="0" smtClean="0"/>
-              <a:t>)(</a:t>
-            </a:r>
-            <a:r>
-              <a:rPr lang="ko-KR" altLang="en-US" baseline="0" dirty="0" smtClean="0"/>
-              <a:t>잠시 정지 후 고개 들고</a:t>
-            </a:r>
-            <a:r>
-              <a:rPr lang="en-US" altLang="ko-KR" baseline="0" dirty="0" smtClean="0"/>
-              <a:t>)(</a:t>
-            </a:r>
-            <a:r>
-              <a:rPr lang="ko-KR" altLang="en-US" baseline="0" dirty="0" smtClean="0"/>
-              <a:t>웃음</a:t>
-            </a:r>
-            <a:r>
-              <a:rPr lang="en-US" altLang="ko-KR" baseline="0" dirty="0" smtClean="0"/>
-              <a:t>) </a:t>
-            </a:r>
-          </a:p>
-          <a:p>
-            <a:r>
-              <a:rPr lang="ko-KR" altLang="en-US" dirty="0" smtClean="0"/>
-              <a:t>여러분들 이제 시험도 끝나고 빨리 </a:t>
-            </a:r>
-            <a:r>
-              <a:rPr lang="ko-KR" altLang="en-US" dirty="0" err="1" smtClean="0"/>
-              <a:t>집에가서</a:t>
-            </a:r>
-            <a:r>
-              <a:rPr lang="ko-KR" altLang="en-US" dirty="0" smtClean="0"/>
-              <a:t> 쉬고 싶으실 텐데</a:t>
-            </a:r>
-            <a:r>
-              <a:rPr lang="en-US" altLang="ko-KR" dirty="0" smtClean="0"/>
-              <a:t>. </a:t>
-            </a:r>
-            <a:r>
-              <a:rPr lang="ko-KR" altLang="en-US" dirty="0" smtClean="0"/>
-              <a:t>힘드시죠</a:t>
-            </a:r>
-            <a:r>
-              <a:rPr lang="en-US" altLang="ko-KR" dirty="0" smtClean="0"/>
-              <a:t>?(</a:t>
-            </a:r>
-            <a:r>
-              <a:rPr lang="ko-KR" altLang="en-US" dirty="0" smtClean="0"/>
-              <a:t>웃음</a:t>
-            </a:r>
-            <a:r>
-              <a:rPr lang="en-US" altLang="ko-KR" dirty="0" smtClean="0"/>
-              <a:t>)</a:t>
-            </a:r>
-          </a:p>
-          <a:p>
-            <a:r>
-              <a:rPr lang="ko-KR" altLang="en-US" dirty="0" smtClean="0"/>
-              <a:t>저도 그렇습니다</a:t>
-            </a:r>
-            <a:r>
-              <a:rPr lang="en-US" altLang="ko-KR" dirty="0" smtClean="0"/>
-              <a:t>.(</a:t>
-            </a:r>
-            <a:r>
-              <a:rPr lang="ko-KR" altLang="en-US" dirty="0" smtClean="0"/>
-              <a:t>웃음</a:t>
-            </a:r>
-            <a:r>
-              <a:rPr lang="en-US" altLang="ko-KR" dirty="0" smtClean="0"/>
-              <a:t>) </a:t>
-            </a:r>
-            <a:r>
-              <a:rPr lang="ko-KR" altLang="en-US" dirty="0" smtClean="0"/>
-              <a:t>그러니까 여러분들과 저를 위해서</a:t>
-            </a:r>
-            <a:r>
-              <a:rPr lang="en-US" altLang="ko-KR" dirty="0" smtClean="0"/>
-              <a:t>(</a:t>
-            </a:r>
-            <a:r>
-              <a:rPr lang="ko-KR" altLang="en-US" dirty="0" smtClean="0"/>
-              <a:t>힘있게</a:t>
-            </a:r>
-            <a:r>
-              <a:rPr lang="en-US" altLang="ko-KR" dirty="0" smtClean="0"/>
-              <a:t>)</a:t>
-            </a:r>
-            <a:r>
-              <a:rPr lang="ko-KR" altLang="en-US" dirty="0" smtClean="0"/>
-              <a:t> 최대한 빠르게 끝내 보겠습니다</a:t>
-            </a:r>
-            <a:r>
-              <a:rPr lang="en-US" altLang="ko-KR" dirty="0" smtClean="0"/>
-              <a:t>. (</a:t>
-            </a:r>
-            <a:r>
-              <a:rPr lang="ko-KR" altLang="en-US" dirty="0" smtClean="0"/>
-              <a:t>웃음</a:t>
-            </a:r>
-            <a:r>
-              <a:rPr lang="en-US" altLang="ko-KR" dirty="0" smtClean="0"/>
-              <a:t>)</a:t>
-            </a:r>
+            <a:endParaRPr lang="en-US" altLang="ko-KR" dirty="0" smtClean="0"/>
           </a:p>
         </p:txBody>
       </p:sp>
@@ -718,6 +575,614 @@
     <p:extLst>
       <p:ext uri="{BB962C8B-B14F-4D97-AF65-F5344CB8AC3E}">
         <p14:creationId xmlns:p14="http://schemas.microsoft.com/office/powerpoint/2010/main" val="435877893"/>
+      </p:ext>
+    </p:extLst>
+  </p:cSld>
+  <p:clrMapOvr>
+    <a:masterClrMapping/>
+  </p:clrMapOvr>
+</p:notes>
+</file>
+
+<file path=ppt/notesSlides/notesSlide10.xml><?xml version="1.0" encoding="utf-8"?>
+<p:notes xmlns:a="http://schemas.openxmlformats.org/drawingml/2006/main" xmlns:r="http://schemas.openxmlformats.org/officeDocument/2006/relationships" xmlns:p="http://schemas.openxmlformats.org/presentationml/2006/main">
+  <p:cSld>
+    <p:spTree>
+      <p:nvGrpSpPr>
+        <p:cNvPr id="1" name=""/>
+        <p:cNvGrpSpPr/>
+        <p:nvPr/>
+      </p:nvGrpSpPr>
+      <p:grpSpPr>
+        <a:xfrm>
+          <a:off x="0" y="0"/>
+          <a:ext cx="0" cy="0"/>
+          <a:chOff x="0" y="0"/>
+          <a:chExt cx="0" cy="0"/>
+        </a:xfrm>
+      </p:grpSpPr>
+      <p:sp>
+        <p:nvSpPr>
+          <p:cNvPr id="2" name="슬라이드 이미지 개체 틀 1"/>
+          <p:cNvSpPr>
+            <a:spLocks noGrp="1" noRot="1" noChangeAspect="1"/>
+          </p:cNvSpPr>
+          <p:nvPr>
+            <p:ph type="sldImg"/>
+          </p:nvPr>
+        </p:nvSpPr>
+        <p:spPr/>
+      </p:sp>
+      <p:sp>
+        <p:nvSpPr>
+          <p:cNvPr id="3" name="슬라이드 노트 개체 틀 2"/>
+          <p:cNvSpPr>
+            <a:spLocks noGrp="1"/>
+          </p:cNvSpPr>
+          <p:nvPr>
+            <p:ph type="body" idx="1"/>
+          </p:nvPr>
+        </p:nvSpPr>
+        <p:spPr/>
+        <p:txBody>
+          <a:bodyPr/>
+          <a:lstStyle/>
+          <a:p>
+            <a:endParaRPr lang="ko-KR" altLang="en-US" dirty="0"/>
+          </a:p>
+        </p:txBody>
+      </p:sp>
+      <p:sp>
+        <p:nvSpPr>
+          <p:cNvPr id="4" name="슬라이드 번호 개체 틀 3"/>
+          <p:cNvSpPr>
+            <a:spLocks noGrp="1"/>
+          </p:cNvSpPr>
+          <p:nvPr>
+            <p:ph type="sldNum" sz="quarter" idx="10"/>
+          </p:nvPr>
+        </p:nvSpPr>
+        <p:spPr/>
+        <p:txBody>
+          <a:bodyPr/>
+          <a:lstStyle/>
+          <a:p>
+            <a:fld id="{7F859A09-C47D-436D-8DC1-F57A02053515}" type="slidenum">
+              <a:rPr lang="ko-KR" altLang="en-US" smtClean="0"/>
+              <a:t>10</a:t>
+            </a:fld>
+            <a:endParaRPr lang="ko-KR" altLang="en-US"/>
+          </a:p>
+        </p:txBody>
+      </p:sp>
+    </p:spTree>
+    <p:extLst>
+      <p:ext uri="{BB962C8B-B14F-4D97-AF65-F5344CB8AC3E}">
+        <p14:creationId xmlns:p14="http://schemas.microsoft.com/office/powerpoint/2010/main" val="2670366077"/>
+      </p:ext>
+    </p:extLst>
+  </p:cSld>
+  <p:clrMapOvr>
+    <a:masterClrMapping/>
+  </p:clrMapOvr>
+</p:notes>
+</file>
+
+<file path=ppt/notesSlides/notesSlide11.xml><?xml version="1.0" encoding="utf-8"?>
+<p:notes xmlns:a="http://schemas.openxmlformats.org/drawingml/2006/main" xmlns:r="http://schemas.openxmlformats.org/officeDocument/2006/relationships" xmlns:p="http://schemas.openxmlformats.org/presentationml/2006/main">
+  <p:cSld>
+    <p:spTree>
+      <p:nvGrpSpPr>
+        <p:cNvPr id="1" name=""/>
+        <p:cNvGrpSpPr/>
+        <p:nvPr/>
+      </p:nvGrpSpPr>
+      <p:grpSpPr>
+        <a:xfrm>
+          <a:off x="0" y="0"/>
+          <a:ext cx="0" cy="0"/>
+          <a:chOff x="0" y="0"/>
+          <a:chExt cx="0" cy="0"/>
+        </a:xfrm>
+      </p:grpSpPr>
+      <p:sp>
+        <p:nvSpPr>
+          <p:cNvPr id="2" name="슬라이드 이미지 개체 틀 1"/>
+          <p:cNvSpPr>
+            <a:spLocks noGrp="1" noRot="1" noChangeAspect="1"/>
+          </p:cNvSpPr>
+          <p:nvPr>
+            <p:ph type="sldImg"/>
+          </p:nvPr>
+        </p:nvSpPr>
+        <p:spPr/>
+      </p:sp>
+      <p:sp>
+        <p:nvSpPr>
+          <p:cNvPr id="3" name="슬라이드 노트 개체 틀 2"/>
+          <p:cNvSpPr>
+            <a:spLocks noGrp="1"/>
+          </p:cNvSpPr>
+          <p:nvPr>
+            <p:ph type="body" idx="1"/>
+          </p:nvPr>
+        </p:nvSpPr>
+        <p:spPr/>
+        <p:txBody>
+          <a:bodyPr/>
+          <a:lstStyle/>
+          <a:p>
+            <a:r>
+              <a:rPr lang="ko-KR" altLang="en-US" dirty="0" smtClean="0"/>
+              <a:t>실제 저희 서비스</a:t>
+            </a:r>
+            <a:r>
+              <a:rPr lang="ko-KR" altLang="en-US" baseline="0" dirty="0" smtClean="0"/>
+              <a:t>의 모습입니다</a:t>
+            </a:r>
+            <a:r>
+              <a:rPr lang="en-US" altLang="ko-KR" baseline="0" dirty="0" smtClean="0"/>
+              <a:t>. </a:t>
+            </a:r>
+            <a:endParaRPr lang="ko-KR" altLang="en-US" dirty="0"/>
+          </a:p>
+        </p:txBody>
+      </p:sp>
+      <p:sp>
+        <p:nvSpPr>
+          <p:cNvPr id="4" name="슬라이드 번호 개체 틀 3"/>
+          <p:cNvSpPr>
+            <a:spLocks noGrp="1"/>
+          </p:cNvSpPr>
+          <p:nvPr>
+            <p:ph type="sldNum" sz="quarter" idx="10"/>
+          </p:nvPr>
+        </p:nvSpPr>
+        <p:spPr/>
+        <p:txBody>
+          <a:bodyPr/>
+          <a:lstStyle/>
+          <a:p>
+            <a:fld id="{7F859A09-C47D-436D-8DC1-F57A02053515}" type="slidenum">
+              <a:rPr lang="ko-KR" altLang="en-US" smtClean="0"/>
+              <a:t>11</a:t>
+            </a:fld>
+            <a:endParaRPr lang="ko-KR" altLang="en-US"/>
+          </a:p>
+        </p:txBody>
+      </p:sp>
+    </p:spTree>
+    <p:extLst>
+      <p:ext uri="{BB962C8B-B14F-4D97-AF65-F5344CB8AC3E}">
+        <p14:creationId xmlns:p14="http://schemas.microsoft.com/office/powerpoint/2010/main" val="3704275857"/>
+      </p:ext>
+    </p:extLst>
+  </p:cSld>
+  <p:clrMapOvr>
+    <a:masterClrMapping/>
+  </p:clrMapOvr>
+</p:notes>
+</file>
+
+<file path=ppt/notesSlides/notesSlide12.xml><?xml version="1.0" encoding="utf-8"?>
+<p:notes xmlns:a="http://schemas.openxmlformats.org/drawingml/2006/main" xmlns:r="http://schemas.openxmlformats.org/officeDocument/2006/relationships" xmlns:p="http://schemas.openxmlformats.org/presentationml/2006/main">
+  <p:cSld>
+    <p:spTree>
+      <p:nvGrpSpPr>
+        <p:cNvPr id="1" name=""/>
+        <p:cNvGrpSpPr/>
+        <p:nvPr/>
+      </p:nvGrpSpPr>
+      <p:grpSpPr>
+        <a:xfrm>
+          <a:off x="0" y="0"/>
+          <a:ext cx="0" cy="0"/>
+          <a:chOff x="0" y="0"/>
+          <a:chExt cx="0" cy="0"/>
+        </a:xfrm>
+      </p:grpSpPr>
+      <p:sp>
+        <p:nvSpPr>
+          <p:cNvPr id="2" name="슬라이드 이미지 개체 틀 1"/>
+          <p:cNvSpPr>
+            <a:spLocks noGrp="1" noRot="1" noChangeAspect="1"/>
+          </p:cNvSpPr>
+          <p:nvPr>
+            <p:ph type="sldImg"/>
+          </p:nvPr>
+        </p:nvSpPr>
+        <p:spPr/>
+      </p:sp>
+      <p:sp>
+        <p:nvSpPr>
+          <p:cNvPr id="3" name="슬라이드 노트 개체 틀 2"/>
+          <p:cNvSpPr>
+            <a:spLocks noGrp="1"/>
+          </p:cNvSpPr>
+          <p:nvPr>
+            <p:ph type="body" idx="1"/>
+          </p:nvPr>
+        </p:nvSpPr>
+        <p:spPr/>
+        <p:txBody>
+          <a:bodyPr/>
+          <a:lstStyle/>
+          <a:p>
+            <a:endParaRPr lang="ko-KR" altLang="en-US" dirty="0"/>
+          </a:p>
+        </p:txBody>
+      </p:sp>
+      <p:sp>
+        <p:nvSpPr>
+          <p:cNvPr id="4" name="슬라이드 번호 개체 틀 3"/>
+          <p:cNvSpPr>
+            <a:spLocks noGrp="1"/>
+          </p:cNvSpPr>
+          <p:nvPr>
+            <p:ph type="sldNum" sz="quarter" idx="10"/>
+          </p:nvPr>
+        </p:nvSpPr>
+        <p:spPr/>
+        <p:txBody>
+          <a:bodyPr/>
+          <a:lstStyle/>
+          <a:p>
+            <a:fld id="{7F859A09-C47D-436D-8DC1-F57A02053515}" type="slidenum">
+              <a:rPr lang="ko-KR" altLang="en-US" smtClean="0"/>
+              <a:t>14</a:t>
+            </a:fld>
+            <a:endParaRPr lang="ko-KR" altLang="en-US"/>
+          </a:p>
+        </p:txBody>
+      </p:sp>
+    </p:spTree>
+    <p:extLst>
+      <p:ext uri="{BB962C8B-B14F-4D97-AF65-F5344CB8AC3E}">
+        <p14:creationId xmlns:p14="http://schemas.microsoft.com/office/powerpoint/2010/main" val="3174454828"/>
+      </p:ext>
+    </p:extLst>
+  </p:cSld>
+  <p:clrMapOvr>
+    <a:masterClrMapping/>
+  </p:clrMapOvr>
+</p:notes>
+</file>
+
+<file path=ppt/notesSlides/notesSlide13.xml><?xml version="1.0" encoding="utf-8"?>
+<p:notes xmlns:a="http://schemas.openxmlformats.org/drawingml/2006/main" xmlns:r="http://schemas.openxmlformats.org/officeDocument/2006/relationships" xmlns:p="http://schemas.openxmlformats.org/presentationml/2006/main">
+  <p:cSld>
+    <p:spTree>
+      <p:nvGrpSpPr>
+        <p:cNvPr id="1" name=""/>
+        <p:cNvGrpSpPr/>
+        <p:nvPr/>
+      </p:nvGrpSpPr>
+      <p:grpSpPr>
+        <a:xfrm>
+          <a:off x="0" y="0"/>
+          <a:ext cx="0" cy="0"/>
+          <a:chOff x="0" y="0"/>
+          <a:chExt cx="0" cy="0"/>
+        </a:xfrm>
+      </p:grpSpPr>
+      <p:sp>
+        <p:nvSpPr>
+          <p:cNvPr id="2" name="슬라이드 이미지 개체 틀 1"/>
+          <p:cNvSpPr>
+            <a:spLocks noGrp="1" noRot="1" noChangeAspect="1"/>
+          </p:cNvSpPr>
+          <p:nvPr>
+            <p:ph type="sldImg"/>
+          </p:nvPr>
+        </p:nvSpPr>
+        <p:spPr/>
+      </p:sp>
+      <p:sp>
+        <p:nvSpPr>
+          <p:cNvPr id="3" name="슬라이드 노트 개체 틀 2"/>
+          <p:cNvSpPr>
+            <a:spLocks noGrp="1"/>
+          </p:cNvSpPr>
+          <p:nvPr>
+            <p:ph type="body" idx="1"/>
+          </p:nvPr>
+        </p:nvSpPr>
+        <p:spPr/>
+        <p:txBody>
+          <a:bodyPr/>
+          <a:lstStyle/>
+          <a:p>
+            <a:endParaRPr lang="ko-KR" altLang="en-US" dirty="0"/>
+          </a:p>
+        </p:txBody>
+      </p:sp>
+      <p:sp>
+        <p:nvSpPr>
+          <p:cNvPr id="4" name="슬라이드 번호 개체 틀 3"/>
+          <p:cNvSpPr>
+            <a:spLocks noGrp="1"/>
+          </p:cNvSpPr>
+          <p:nvPr>
+            <p:ph type="sldNum" sz="quarter" idx="10"/>
+          </p:nvPr>
+        </p:nvSpPr>
+        <p:spPr/>
+        <p:txBody>
+          <a:bodyPr/>
+          <a:lstStyle/>
+          <a:p>
+            <a:fld id="{7F859A09-C47D-436D-8DC1-F57A02053515}" type="slidenum">
+              <a:rPr lang="ko-KR" altLang="en-US" smtClean="0"/>
+              <a:t>15</a:t>
+            </a:fld>
+            <a:endParaRPr lang="ko-KR" altLang="en-US"/>
+          </a:p>
+        </p:txBody>
+      </p:sp>
+    </p:spTree>
+    <p:extLst>
+      <p:ext uri="{BB962C8B-B14F-4D97-AF65-F5344CB8AC3E}">
+        <p14:creationId xmlns:p14="http://schemas.microsoft.com/office/powerpoint/2010/main" val="3952636839"/>
+      </p:ext>
+    </p:extLst>
+  </p:cSld>
+  <p:clrMapOvr>
+    <a:masterClrMapping/>
+  </p:clrMapOvr>
+</p:notes>
+</file>
+
+<file path=ppt/notesSlides/notesSlide14.xml><?xml version="1.0" encoding="utf-8"?>
+<p:notes xmlns:a="http://schemas.openxmlformats.org/drawingml/2006/main" xmlns:r="http://schemas.openxmlformats.org/officeDocument/2006/relationships" xmlns:p="http://schemas.openxmlformats.org/presentationml/2006/main">
+  <p:cSld>
+    <p:spTree>
+      <p:nvGrpSpPr>
+        <p:cNvPr id="1" name=""/>
+        <p:cNvGrpSpPr/>
+        <p:nvPr/>
+      </p:nvGrpSpPr>
+      <p:grpSpPr>
+        <a:xfrm>
+          <a:off x="0" y="0"/>
+          <a:ext cx="0" cy="0"/>
+          <a:chOff x="0" y="0"/>
+          <a:chExt cx="0" cy="0"/>
+        </a:xfrm>
+      </p:grpSpPr>
+      <p:sp>
+        <p:nvSpPr>
+          <p:cNvPr id="2" name="슬라이드 이미지 개체 틀 1"/>
+          <p:cNvSpPr>
+            <a:spLocks noGrp="1" noRot="1" noChangeAspect="1"/>
+          </p:cNvSpPr>
+          <p:nvPr>
+            <p:ph type="sldImg"/>
+          </p:nvPr>
+        </p:nvSpPr>
+        <p:spPr/>
+      </p:sp>
+      <p:sp>
+        <p:nvSpPr>
+          <p:cNvPr id="3" name="슬라이드 노트 개체 틀 2"/>
+          <p:cNvSpPr>
+            <a:spLocks noGrp="1"/>
+          </p:cNvSpPr>
+          <p:nvPr>
+            <p:ph type="body" idx="1"/>
+          </p:nvPr>
+        </p:nvSpPr>
+        <p:spPr/>
+        <p:txBody>
+          <a:bodyPr/>
+          <a:lstStyle/>
+          <a:p>
+            <a:endParaRPr lang="en-US" altLang="ko-KR" baseline="0" dirty="0" smtClean="0"/>
+          </a:p>
+        </p:txBody>
+      </p:sp>
+      <p:sp>
+        <p:nvSpPr>
+          <p:cNvPr id="4" name="슬라이드 번호 개체 틀 3"/>
+          <p:cNvSpPr>
+            <a:spLocks noGrp="1"/>
+          </p:cNvSpPr>
+          <p:nvPr>
+            <p:ph type="sldNum" sz="quarter" idx="10"/>
+          </p:nvPr>
+        </p:nvSpPr>
+        <p:spPr/>
+        <p:txBody>
+          <a:bodyPr/>
+          <a:lstStyle/>
+          <a:p>
+            <a:fld id="{7F859A09-C47D-436D-8DC1-F57A02053515}" type="slidenum">
+              <a:rPr lang="ko-KR" altLang="en-US" smtClean="0"/>
+              <a:t>16</a:t>
+            </a:fld>
+            <a:endParaRPr lang="ko-KR" altLang="en-US"/>
+          </a:p>
+        </p:txBody>
+      </p:sp>
+    </p:spTree>
+    <p:extLst>
+      <p:ext uri="{BB962C8B-B14F-4D97-AF65-F5344CB8AC3E}">
+        <p14:creationId xmlns:p14="http://schemas.microsoft.com/office/powerpoint/2010/main" val="1110849565"/>
+      </p:ext>
+    </p:extLst>
+  </p:cSld>
+  <p:clrMapOvr>
+    <a:masterClrMapping/>
+  </p:clrMapOvr>
+</p:notes>
+</file>
+
+<file path=ppt/notesSlides/notesSlide15.xml><?xml version="1.0" encoding="utf-8"?>
+<p:notes xmlns:a="http://schemas.openxmlformats.org/drawingml/2006/main" xmlns:r="http://schemas.openxmlformats.org/officeDocument/2006/relationships" xmlns:p="http://schemas.openxmlformats.org/presentationml/2006/main">
+  <p:cSld>
+    <p:spTree>
+      <p:nvGrpSpPr>
+        <p:cNvPr id="1" name=""/>
+        <p:cNvGrpSpPr/>
+        <p:nvPr/>
+      </p:nvGrpSpPr>
+      <p:grpSpPr>
+        <a:xfrm>
+          <a:off x="0" y="0"/>
+          <a:ext cx="0" cy="0"/>
+          <a:chOff x="0" y="0"/>
+          <a:chExt cx="0" cy="0"/>
+        </a:xfrm>
+      </p:grpSpPr>
+      <p:sp>
+        <p:nvSpPr>
+          <p:cNvPr id="2" name="슬라이드 이미지 개체 틀 1"/>
+          <p:cNvSpPr>
+            <a:spLocks noGrp="1" noRot="1" noChangeAspect="1"/>
+          </p:cNvSpPr>
+          <p:nvPr>
+            <p:ph type="sldImg"/>
+          </p:nvPr>
+        </p:nvSpPr>
+        <p:spPr/>
+      </p:sp>
+      <p:sp>
+        <p:nvSpPr>
+          <p:cNvPr id="3" name="슬라이드 노트 개체 틀 2"/>
+          <p:cNvSpPr>
+            <a:spLocks noGrp="1"/>
+          </p:cNvSpPr>
+          <p:nvPr>
+            <p:ph type="body" idx="1"/>
+          </p:nvPr>
+        </p:nvSpPr>
+        <p:spPr/>
+        <p:txBody>
+          <a:bodyPr/>
+          <a:lstStyle/>
+          <a:p>
+            <a:endParaRPr lang="ko-KR" altLang="en-US" dirty="0"/>
+          </a:p>
+        </p:txBody>
+      </p:sp>
+      <p:sp>
+        <p:nvSpPr>
+          <p:cNvPr id="4" name="슬라이드 번호 개체 틀 3"/>
+          <p:cNvSpPr>
+            <a:spLocks noGrp="1"/>
+          </p:cNvSpPr>
+          <p:nvPr>
+            <p:ph type="sldNum" sz="quarter" idx="10"/>
+          </p:nvPr>
+        </p:nvSpPr>
+        <p:spPr/>
+        <p:txBody>
+          <a:bodyPr/>
+          <a:lstStyle/>
+          <a:p>
+            <a:fld id="{7F859A09-C47D-436D-8DC1-F57A02053515}" type="slidenum">
+              <a:rPr lang="ko-KR" altLang="en-US" smtClean="0"/>
+              <a:t>17</a:t>
+            </a:fld>
+            <a:endParaRPr lang="ko-KR" altLang="en-US"/>
+          </a:p>
+        </p:txBody>
+      </p:sp>
+    </p:spTree>
+    <p:extLst>
+      <p:ext uri="{BB962C8B-B14F-4D97-AF65-F5344CB8AC3E}">
+        <p14:creationId xmlns:p14="http://schemas.microsoft.com/office/powerpoint/2010/main" val="681312939"/>
+      </p:ext>
+    </p:extLst>
+  </p:cSld>
+  <p:clrMapOvr>
+    <a:masterClrMapping/>
+  </p:clrMapOvr>
+</p:notes>
+</file>
+
+<file path=ppt/notesSlides/notesSlide16.xml><?xml version="1.0" encoding="utf-8"?>
+<p:notes xmlns:a="http://schemas.openxmlformats.org/drawingml/2006/main" xmlns:r="http://schemas.openxmlformats.org/officeDocument/2006/relationships" xmlns:p="http://schemas.openxmlformats.org/presentationml/2006/main">
+  <p:cSld>
+    <p:spTree>
+      <p:nvGrpSpPr>
+        <p:cNvPr id="1" name=""/>
+        <p:cNvGrpSpPr/>
+        <p:nvPr/>
+      </p:nvGrpSpPr>
+      <p:grpSpPr>
+        <a:xfrm>
+          <a:off x="0" y="0"/>
+          <a:ext cx="0" cy="0"/>
+          <a:chOff x="0" y="0"/>
+          <a:chExt cx="0" cy="0"/>
+        </a:xfrm>
+      </p:grpSpPr>
+      <p:sp>
+        <p:nvSpPr>
+          <p:cNvPr id="2" name="슬라이드 이미지 개체 틀 1"/>
+          <p:cNvSpPr>
+            <a:spLocks noGrp="1" noRot="1" noChangeAspect="1"/>
+          </p:cNvSpPr>
+          <p:nvPr>
+            <p:ph type="sldImg"/>
+          </p:nvPr>
+        </p:nvSpPr>
+        <p:spPr/>
+      </p:sp>
+      <p:sp>
+        <p:nvSpPr>
+          <p:cNvPr id="3" name="슬라이드 노트 개체 틀 2"/>
+          <p:cNvSpPr>
+            <a:spLocks noGrp="1"/>
+          </p:cNvSpPr>
+          <p:nvPr>
+            <p:ph type="body" idx="1"/>
+          </p:nvPr>
+        </p:nvSpPr>
+        <p:spPr/>
+        <p:txBody>
+          <a:bodyPr/>
+          <a:lstStyle/>
+          <a:p>
+            <a:r>
+              <a:rPr lang="ko-KR" altLang="en-US" dirty="0" smtClean="0"/>
+              <a:t>주요 기능을 좀 더 </a:t>
+            </a:r>
+            <a:r>
+              <a:rPr lang="ko-KR" altLang="en-US" dirty="0" err="1" smtClean="0"/>
+              <a:t>설명드리자면</a:t>
+            </a:r>
+            <a:endParaRPr lang="ko-KR" altLang="en-US" dirty="0"/>
+          </a:p>
+        </p:txBody>
+      </p:sp>
+      <p:sp>
+        <p:nvSpPr>
+          <p:cNvPr id="4" name="슬라이드 번호 개체 틀 3"/>
+          <p:cNvSpPr>
+            <a:spLocks noGrp="1"/>
+          </p:cNvSpPr>
+          <p:nvPr>
+            <p:ph type="sldNum" sz="quarter" idx="10"/>
+          </p:nvPr>
+        </p:nvSpPr>
+        <p:spPr/>
+        <p:txBody>
+          <a:bodyPr/>
+          <a:lstStyle/>
+          <a:p>
+            <a:fld id="{7F859A09-C47D-436D-8DC1-F57A02053515}" type="slidenum">
+              <a:rPr lang="ko-KR" altLang="en-US" smtClean="0"/>
+              <a:t>18</a:t>
+            </a:fld>
+            <a:endParaRPr lang="ko-KR" altLang="en-US"/>
+          </a:p>
+        </p:txBody>
+      </p:sp>
+    </p:spTree>
+    <p:extLst>
+      <p:ext uri="{BB962C8B-B14F-4D97-AF65-F5344CB8AC3E}">
+        <p14:creationId xmlns:p14="http://schemas.microsoft.com/office/powerpoint/2010/main" val="3633577518"/>
       </p:ext>
     </p:extLst>
   </p:cSld>
@@ -771,64 +1236,6 @@
           <a:bodyPr/>
           <a:lstStyle/>
           <a:p>
-            <a:r>
-              <a:rPr lang="ko-KR" altLang="en-US" dirty="0" smtClean="0"/>
-              <a:t>그러기 위해서 바로 본론으로 들어가자면</a:t>
-            </a:r>
-            <a:r>
-              <a:rPr lang="en-US" altLang="ko-KR" dirty="0" smtClean="0"/>
-              <a:t>.</a:t>
-            </a:r>
-          </a:p>
-          <a:p>
-            <a:r>
-              <a:rPr lang="ko-KR" altLang="en-US" dirty="0" smtClean="0"/>
-              <a:t>저희가 만든 것은 강의실 대여 시스템입니다</a:t>
-            </a:r>
-            <a:r>
-              <a:rPr lang="en-US" altLang="ko-KR" dirty="0" smtClean="0"/>
-              <a:t>.</a:t>
-            </a:r>
-          </a:p>
-          <a:p>
-            <a:r>
-              <a:rPr lang="ko-KR" altLang="en-US" dirty="0" smtClean="0"/>
-              <a:t>공대</a:t>
-            </a:r>
-            <a:r>
-              <a:rPr lang="en-US" altLang="ko-KR" dirty="0" smtClean="0"/>
-              <a:t>9</a:t>
-            </a:r>
-            <a:r>
-              <a:rPr lang="ko-KR" altLang="en-US" dirty="0" smtClean="0"/>
-              <a:t>호관에 저희가 있을 때는 이런 말이 없었는데</a:t>
-            </a:r>
-            <a:r>
-              <a:rPr lang="en-US" altLang="ko-KR" dirty="0" smtClean="0"/>
-              <a:t>.</a:t>
-            </a:r>
-            <a:r>
-              <a:rPr lang="en-US" altLang="ko-KR" baseline="0" dirty="0" smtClean="0"/>
-              <a:t> </a:t>
-            </a:r>
-          </a:p>
-          <a:p>
-            <a:r>
-              <a:rPr lang="en-US" altLang="ko-KR" baseline="0" dirty="0" smtClean="0"/>
-              <a:t>5</a:t>
-            </a:r>
-            <a:r>
-              <a:rPr lang="ko-KR" altLang="en-US" baseline="0" dirty="0" err="1" smtClean="0"/>
-              <a:t>호관으로</a:t>
-            </a:r>
-            <a:r>
-              <a:rPr lang="ko-KR" altLang="en-US" baseline="0" dirty="0" smtClean="0"/>
-              <a:t> 옮기고 나서는 친구들 사이에서 이런 불편함에 대한 이야기가 많아 졌어요</a:t>
-            </a:r>
-            <a:r>
-              <a:rPr lang="en-US" altLang="ko-KR" baseline="0" dirty="0" smtClean="0"/>
-              <a:t>. </a:t>
-            </a:r>
             <a:endParaRPr lang="ko-KR" altLang="en-US" dirty="0"/>
           </a:p>
         </p:txBody>
@@ -913,15 +1320,7 @@
           <a:bodyPr/>
           <a:lstStyle/>
           <a:p>
-            <a:r>
-              <a:rPr lang="ko-KR" altLang="en-US" dirty="0" smtClean="0"/>
-              <a:t>실습</a:t>
-            </a:r>
-            <a:r>
-              <a:rPr lang="en-US" altLang="ko-KR" dirty="0" smtClean="0"/>
-              <a:t>,</a:t>
-            </a:r>
-            <a:endParaRPr lang="ko-KR" altLang="en-US" dirty="0"/>
+            <a:endParaRPr lang="en-US" altLang="ko-KR" dirty="0" smtClean="0"/>
           </a:p>
         </p:txBody>
       </p:sp>
@@ -1026,6 +1425,174 @@
           <a:p>
             <a:fld id="{7F859A09-C47D-436D-8DC1-F57A02053515}" type="slidenum">
               <a:rPr lang="ko-KR" altLang="en-US" smtClean="0"/>
+              <a:t>4</a:t>
+            </a:fld>
+            <a:endParaRPr lang="ko-KR" altLang="en-US"/>
+          </a:p>
+        </p:txBody>
+      </p:sp>
+    </p:spTree>
+    <p:extLst>
+      <p:ext uri="{BB962C8B-B14F-4D97-AF65-F5344CB8AC3E}">
+        <p14:creationId xmlns:p14="http://schemas.microsoft.com/office/powerpoint/2010/main" val="602629201"/>
+      </p:ext>
+    </p:extLst>
+  </p:cSld>
+  <p:clrMapOvr>
+    <a:masterClrMapping/>
+  </p:clrMapOvr>
+</p:notes>
+</file>
+
+<file path=ppt/notesSlides/notesSlide5.xml><?xml version="1.0" encoding="utf-8"?>
+<p:notes xmlns:a="http://schemas.openxmlformats.org/drawingml/2006/main" xmlns:r="http://schemas.openxmlformats.org/officeDocument/2006/relationships" xmlns:p="http://schemas.openxmlformats.org/presentationml/2006/main">
+  <p:cSld>
+    <p:spTree>
+      <p:nvGrpSpPr>
+        <p:cNvPr id="1" name=""/>
+        <p:cNvGrpSpPr/>
+        <p:nvPr/>
+      </p:nvGrpSpPr>
+      <p:grpSpPr>
+        <a:xfrm>
+          <a:off x="0" y="0"/>
+          <a:ext cx="0" cy="0"/>
+          <a:chOff x="0" y="0"/>
+          <a:chExt cx="0" cy="0"/>
+        </a:xfrm>
+      </p:grpSpPr>
+      <p:sp>
+        <p:nvSpPr>
+          <p:cNvPr id="2" name="슬라이드 이미지 개체 틀 1"/>
+          <p:cNvSpPr>
+            <a:spLocks noGrp="1" noRot="1" noChangeAspect="1"/>
+          </p:cNvSpPr>
+          <p:nvPr>
+            <p:ph type="sldImg"/>
+          </p:nvPr>
+        </p:nvSpPr>
+        <p:spPr/>
+      </p:sp>
+      <p:sp>
+        <p:nvSpPr>
+          <p:cNvPr id="3" name="슬라이드 노트 개체 틀 2"/>
+          <p:cNvSpPr>
+            <a:spLocks noGrp="1"/>
+          </p:cNvSpPr>
+          <p:nvPr>
+            <p:ph type="body" idx="1"/>
+          </p:nvPr>
+        </p:nvSpPr>
+        <p:spPr/>
+        <p:txBody>
+          <a:bodyPr/>
+          <a:lstStyle/>
+          <a:p>
+            <a:endParaRPr lang="ko-KR" altLang="en-US" dirty="0"/>
+          </a:p>
+        </p:txBody>
+      </p:sp>
+      <p:sp>
+        <p:nvSpPr>
+          <p:cNvPr id="4" name="슬라이드 번호 개체 틀 3"/>
+          <p:cNvSpPr>
+            <a:spLocks noGrp="1"/>
+          </p:cNvSpPr>
+          <p:nvPr>
+            <p:ph type="sldNum" sz="quarter" idx="10"/>
+          </p:nvPr>
+        </p:nvSpPr>
+        <p:spPr/>
+        <p:txBody>
+          <a:bodyPr/>
+          <a:lstStyle/>
+          <a:p>
+            <a:fld id="{7F859A09-C47D-436D-8DC1-F57A02053515}" type="slidenum">
+              <a:rPr lang="ko-KR" altLang="en-US" smtClean="0"/>
+              <a:t>5</a:t>
+            </a:fld>
+            <a:endParaRPr lang="ko-KR" altLang="en-US"/>
+          </a:p>
+        </p:txBody>
+      </p:sp>
+    </p:spTree>
+    <p:extLst>
+      <p:ext uri="{BB962C8B-B14F-4D97-AF65-F5344CB8AC3E}">
+        <p14:creationId xmlns:p14="http://schemas.microsoft.com/office/powerpoint/2010/main" val="330671375"/>
+      </p:ext>
+    </p:extLst>
+  </p:cSld>
+  <p:clrMapOvr>
+    <a:masterClrMapping/>
+  </p:clrMapOvr>
+</p:notes>
+</file>
+
+<file path=ppt/notesSlides/notesSlide6.xml><?xml version="1.0" encoding="utf-8"?>
+<p:notes xmlns:a="http://schemas.openxmlformats.org/drawingml/2006/main" xmlns:r="http://schemas.openxmlformats.org/officeDocument/2006/relationships" xmlns:p="http://schemas.openxmlformats.org/presentationml/2006/main">
+  <p:cSld>
+    <p:spTree>
+      <p:nvGrpSpPr>
+        <p:cNvPr id="1" name=""/>
+        <p:cNvGrpSpPr/>
+        <p:nvPr/>
+      </p:nvGrpSpPr>
+      <p:grpSpPr>
+        <a:xfrm>
+          <a:off x="0" y="0"/>
+          <a:ext cx="0" cy="0"/>
+          <a:chOff x="0" y="0"/>
+          <a:chExt cx="0" cy="0"/>
+        </a:xfrm>
+      </p:grpSpPr>
+      <p:sp>
+        <p:nvSpPr>
+          <p:cNvPr id="2" name="슬라이드 이미지 개체 틀 1"/>
+          <p:cNvSpPr>
+            <a:spLocks noGrp="1" noRot="1" noChangeAspect="1"/>
+          </p:cNvSpPr>
+          <p:nvPr>
+            <p:ph type="sldImg"/>
+          </p:nvPr>
+        </p:nvSpPr>
+        <p:spPr/>
+      </p:sp>
+      <p:sp>
+        <p:nvSpPr>
+          <p:cNvPr id="3" name="슬라이드 노트 개체 틀 2"/>
+          <p:cNvSpPr>
+            <a:spLocks noGrp="1"/>
+          </p:cNvSpPr>
+          <p:nvPr>
+            <p:ph type="body" idx="1"/>
+          </p:nvPr>
+        </p:nvSpPr>
+        <p:spPr/>
+        <p:txBody>
+          <a:bodyPr/>
+          <a:lstStyle/>
+          <a:p>
+            <a:endParaRPr lang="ko-KR" altLang="en-US" dirty="0"/>
+          </a:p>
+        </p:txBody>
+      </p:sp>
+      <p:sp>
+        <p:nvSpPr>
+          <p:cNvPr id="4" name="슬라이드 번호 개체 틀 3"/>
+          <p:cNvSpPr>
+            <a:spLocks noGrp="1"/>
+          </p:cNvSpPr>
+          <p:nvPr>
+            <p:ph type="sldNum" sz="quarter" idx="10"/>
+          </p:nvPr>
+        </p:nvSpPr>
+        <p:spPr/>
+        <p:txBody>
+          <a:bodyPr/>
+          <a:lstStyle/>
+          <a:p>
+            <a:fld id="{7F859A09-C47D-436D-8DC1-F57A02053515}" type="slidenum">
+              <a:rPr lang="ko-KR" altLang="en-US" smtClean="0"/>
               <a:t>6</a:t>
             </a:fld>
             <a:endParaRPr lang="ko-KR" altLang="en-US"/>
@@ -1036,6 +1603,258 @@
     <p:extLst>
       <p:ext uri="{BB962C8B-B14F-4D97-AF65-F5344CB8AC3E}">
         <p14:creationId xmlns:p14="http://schemas.microsoft.com/office/powerpoint/2010/main" val="3986175320"/>
+      </p:ext>
+    </p:extLst>
+  </p:cSld>
+  <p:clrMapOvr>
+    <a:masterClrMapping/>
+  </p:clrMapOvr>
+</p:notes>
+</file>
+
+<file path=ppt/notesSlides/notesSlide7.xml><?xml version="1.0" encoding="utf-8"?>
+<p:notes xmlns:a="http://schemas.openxmlformats.org/drawingml/2006/main" xmlns:r="http://schemas.openxmlformats.org/officeDocument/2006/relationships" xmlns:p="http://schemas.openxmlformats.org/presentationml/2006/main">
+  <p:cSld>
+    <p:spTree>
+      <p:nvGrpSpPr>
+        <p:cNvPr id="1" name=""/>
+        <p:cNvGrpSpPr/>
+        <p:nvPr/>
+      </p:nvGrpSpPr>
+      <p:grpSpPr>
+        <a:xfrm>
+          <a:off x="0" y="0"/>
+          <a:ext cx="0" cy="0"/>
+          <a:chOff x="0" y="0"/>
+          <a:chExt cx="0" cy="0"/>
+        </a:xfrm>
+      </p:grpSpPr>
+      <p:sp>
+        <p:nvSpPr>
+          <p:cNvPr id="2" name="슬라이드 이미지 개체 틀 1"/>
+          <p:cNvSpPr>
+            <a:spLocks noGrp="1" noRot="1" noChangeAspect="1"/>
+          </p:cNvSpPr>
+          <p:nvPr>
+            <p:ph type="sldImg"/>
+          </p:nvPr>
+        </p:nvSpPr>
+        <p:spPr/>
+      </p:sp>
+      <p:sp>
+        <p:nvSpPr>
+          <p:cNvPr id="3" name="슬라이드 노트 개체 틀 2"/>
+          <p:cNvSpPr>
+            <a:spLocks noGrp="1"/>
+          </p:cNvSpPr>
+          <p:nvPr>
+            <p:ph type="body" idx="1"/>
+          </p:nvPr>
+        </p:nvSpPr>
+        <p:spPr/>
+        <p:txBody>
+          <a:bodyPr/>
+          <a:lstStyle/>
+          <a:p>
+            <a:endParaRPr lang="en-US" altLang="ko-KR" dirty="0" smtClean="0"/>
+          </a:p>
+        </p:txBody>
+      </p:sp>
+      <p:sp>
+        <p:nvSpPr>
+          <p:cNvPr id="4" name="슬라이드 번호 개체 틀 3"/>
+          <p:cNvSpPr>
+            <a:spLocks noGrp="1"/>
+          </p:cNvSpPr>
+          <p:nvPr>
+            <p:ph type="sldNum" sz="quarter" idx="10"/>
+          </p:nvPr>
+        </p:nvSpPr>
+        <p:spPr/>
+        <p:txBody>
+          <a:bodyPr/>
+          <a:lstStyle/>
+          <a:p>
+            <a:fld id="{7F859A09-C47D-436D-8DC1-F57A02053515}" type="slidenum">
+              <a:rPr lang="ko-KR" altLang="en-US" smtClean="0"/>
+              <a:t>7</a:t>
+            </a:fld>
+            <a:endParaRPr lang="ko-KR" altLang="en-US"/>
+          </a:p>
+        </p:txBody>
+      </p:sp>
+    </p:spTree>
+    <p:extLst>
+      <p:ext uri="{BB962C8B-B14F-4D97-AF65-F5344CB8AC3E}">
+        <p14:creationId xmlns:p14="http://schemas.microsoft.com/office/powerpoint/2010/main" val="1363254337"/>
+      </p:ext>
+    </p:extLst>
+  </p:cSld>
+  <p:clrMapOvr>
+    <a:masterClrMapping/>
+  </p:clrMapOvr>
+</p:notes>
+</file>
+
+<file path=ppt/notesSlides/notesSlide8.xml><?xml version="1.0" encoding="utf-8"?>
+<p:notes xmlns:a="http://schemas.openxmlformats.org/drawingml/2006/main" xmlns:r="http://schemas.openxmlformats.org/officeDocument/2006/relationships" xmlns:p="http://schemas.openxmlformats.org/presentationml/2006/main">
+  <p:cSld>
+    <p:spTree>
+      <p:nvGrpSpPr>
+        <p:cNvPr id="1" name=""/>
+        <p:cNvGrpSpPr/>
+        <p:nvPr/>
+      </p:nvGrpSpPr>
+      <p:grpSpPr>
+        <a:xfrm>
+          <a:off x="0" y="0"/>
+          <a:ext cx="0" cy="0"/>
+          <a:chOff x="0" y="0"/>
+          <a:chExt cx="0" cy="0"/>
+        </a:xfrm>
+      </p:grpSpPr>
+      <p:sp>
+        <p:nvSpPr>
+          <p:cNvPr id="2" name="슬라이드 이미지 개체 틀 1"/>
+          <p:cNvSpPr>
+            <a:spLocks noGrp="1" noRot="1" noChangeAspect="1"/>
+          </p:cNvSpPr>
+          <p:nvPr>
+            <p:ph type="sldImg"/>
+          </p:nvPr>
+        </p:nvSpPr>
+        <p:spPr/>
+      </p:sp>
+      <p:sp>
+        <p:nvSpPr>
+          <p:cNvPr id="3" name="슬라이드 노트 개체 틀 2"/>
+          <p:cNvSpPr>
+            <a:spLocks noGrp="1"/>
+          </p:cNvSpPr>
+          <p:nvPr>
+            <p:ph type="body" idx="1"/>
+          </p:nvPr>
+        </p:nvSpPr>
+        <p:spPr/>
+        <p:txBody>
+          <a:bodyPr/>
+          <a:lstStyle/>
+          <a:p>
+            <a:endParaRPr lang="ko-KR" altLang="en-US" dirty="0"/>
+          </a:p>
+        </p:txBody>
+      </p:sp>
+      <p:sp>
+        <p:nvSpPr>
+          <p:cNvPr id="4" name="슬라이드 번호 개체 틀 3"/>
+          <p:cNvSpPr>
+            <a:spLocks noGrp="1"/>
+          </p:cNvSpPr>
+          <p:nvPr>
+            <p:ph type="sldNum" sz="quarter" idx="10"/>
+          </p:nvPr>
+        </p:nvSpPr>
+        <p:spPr/>
+        <p:txBody>
+          <a:bodyPr/>
+          <a:lstStyle/>
+          <a:p>
+            <a:fld id="{7F859A09-C47D-436D-8DC1-F57A02053515}" type="slidenum">
+              <a:rPr lang="ko-KR" altLang="en-US" smtClean="0"/>
+              <a:t>8</a:t>
+            </a:fld>
+            <a:endParaRPr lang="ko-KR" altLang="en-US"/>
+          </a:p>
+        </p:txBody>
+      </p:sp>
+    </p:spTree>
+    <p:extLst>
+      <p:ext uri="{BB962C8B-B14F-4D97-AF65-F5344CB8AC3E}">
+        <p14:creationId xmlns:p14="http://schemas.microsoft.com/office/powerpoint/2010/main" val="1879847196"/>
+      </p:ext>
+    </p:extLst>
+  </p:cSld>
+  <p:clrMapOvr>
+    <a:masterClrMapping/>
+  </p:clrMapOvr>
+</p:notes>
+</file>
+
+<file path=ppt/notesSlides/notesSlide9.xml><?xml version="1.0" encoding="utf-8"?>
+<p:notes xmlns:a="http://schemas.openxmlformats.org/drawingml/2006/main" xmlns:r="http://schemas.openxmlformats.org/officeDocument/2006/relationships" xmlns:p="http://schemas.openxmlformats.org/presentationml/2006/main">
+  <p:cSld>
+    <p:spTree>
+      <p:nvGrpSpPr>
+        <p:cNvPr id="1" name=""/>
+        <p:cNvGrpSpPr/>
+        <p:nvPr/>
+      </p:nvGrpSpPr>
+      <p:grpSpPr>
+        <a:xfrm>
+          <a:off x="0" y="0"/>
+          <a:ext cx="0" cy="0"/>
+          <a:chOff x="0" y="0"/>
+          <a:chExt cx="0" cy="0"/>
+        </a:xfrm>
+      </p:grpSpPr>
+      <p:sp>
+        <p:nvSpPr>
+          <p:cNvPr id="2" name="슬라이드 이미지 개체 틀 1"/>
+          <p:cNvSpPr>
+            <a:spLocks noGrp="1" noRot="1" noChangeAspect="1"/>
+          </p:cNvSpPr>
+          <p:nvPr>
+            <p:ph type="sldImg"/>
+          </p:nvPr>
+        </p:nvSpPr>
+        <p:spPr/>
+      </p:sp>
+      <p:sp>
+        <p:nvSpPr>
+          <p:cNvPr id="3" name="슬라이드 노트 개체 틀 2"/>
+          <p:cNvSpPr>
+            <a:spLocks noGrp="1"/>
+          </p:cNvSpPr>
+          <p:nvPr>
+            <p:ph type="body" idx="1"/>
+          </p:nvPr>
+        </p:nvSpPr>
+        <p:spPr/>
+        <p:txBody>
+          <a:bodyPr/>
+          <a:lstStyle/>
+          <a:p>
+            <a:endParaRPr lang="en-US" altLang="ko-KR" dirty="0" smtClean="0"/>
+          </a:p>
+        </p:txBody>
+      </p:sp>
+      <p:sp>
+        <p:nvSpPr>
+          <p:cNvPr id="4" name="슬라이드 번호 개체 틀 3"/>
+          <p:cNvSpPr>
+            <a:spLocks noGrp="1"/>
+          </p:cNvSpPr>
+          <p:nvPr>
+            <p:ph type="sldNum" sz="quarter" idx="10"/>
+          </p:nvPr>
+        </p:nvSpPr>
+        <p:spPr/>
+        <p:txBody>
+          <a:bodyPr/>
+          <a:lstStyle/>
+          <a:p>
+            <a:fld id="{7F859A09-C47D-436D-8DC1-F57A02053515}" type="slidenum">
+              <a:rPr lang="ko-KR" altLang="en-US" smtClean="0"/>
+              <a:t>9</a:t>
+            </a:fld>
+            <a:endParaRPr lang="ko-KR" altLang="en-US"/>
+          </a:p>
+        </p:txBody>
+      </p:sp>
+    </p:spTree>
+    <p:extLst>
+      <p:ext uri="{BB962C8B-B14F-4D97-AF65-F5344CB8AC3E}">
+        <p14:creationId xmlns:p14="http://schemas.microsoft.com/office/powerpoint/2010/main" val="3823594810"/>
       </p:ext>
     </p:extLst>
   </p:cSld>
@@ -1176,7 +1995,7 @@
           <a:p>
             <a:fld id="{1D8BD707-D9CF-40AE-B4C6-C98DA3205C09}" type="datetimeFigureOut">
               <a:rPr lang="en-US" smtClean="0"/>
-              <a:t>12/19/2018</a:t>
+              <a:t>12/20/2018</a:t>
             </a:fld>
             <a:endParaRPr lang="en-US"/>
           </a:p>
@@ -1346,7 +2165,7 @@
           <a:p>
             <a:fld id="{1D8BD707-D9CF-40AE-B4C6-C98DA3205C09}" type="datetimeFigureOut">
               <a:rPr lang="en-US" smtClean="0"/>
-              <a:t>12/19/2018</a:t>
+              <a:t>12/20/2018</a:t>
             </a:fld>
             <a:endParaRPr lang="en-US"/>
           </a:p>
@@ -1526,7 +2345,7 @@
           <a:p>
             <a:fld id="{1D8BD707-D9CF-40AE-B4C6-C98DA3205C09}" type="datetimeFigureOut">
               <a:rPr lang="en-US" smtClean="0"/>
-              <a:t>12/19/2018</a:t>
+              <a:t>12/20/2018</a:t>
             </a:fld>
             <a:endParaRPr lang="en-US"/>
           </a:p>
@@ -1668,7 +2487,7 @@
           <a:p>
             <a:fld id="{1D8BD707-D9CF-40AE-B4C6-C98DA3205C09}" type="datetimeFigureOut">
               <a:rPr lang="en-US"/>
-              <a:t>12/19/2018</a:t>
+              <a:t>12/20/2018</a:t>
             </a:fld>
             <a:endParaRPr lang="en-US"/>
           </a:p>
@@ -1829,7 +2648,7 @@
           <a:p>
             <a:fld id="{1D8BD707-D9CF-40AE-B4C6-C98DA3205C09}" type="datetimeFigureOut">
               <a:rPr lang="en-US"/>
-              <a:t>12/19/2018</a:t>
+              <a:t>12/20/2018</a:t>
             </a:fld>
             <a:endParaRPr lang="en-US"/>
           </a:p>
@@ -1989,7 +2808,7 @@
           <a:p>
             <a:fld id="{1D8BD707-D9CF-40AE-B4C6-C98DA3205C09}" type="datetimeFigureOut">
               <a:rPr lang="en-US" smtClean="0"/>
-              <a:t>12/19/2018</a:t>
+              <a:t>12/20/2018</a:t>
             </a:fld>
             <a:endParaRPr lang="en-US"/>
           </a:p>
@@ -2235,7 +3054,7 @@
           <a:p>
             <a:fld id="{1D8BD707-D9CF-40AE-B4C6-C98DA3205C09}" type="datetimeFigureOut">
               <a:rPr lang="en-US" smtClean="0"/>
-              <a:t>12/19/2018</a:t>
+              <a:t>12/20/2018</a:t>
             </a:fld>
             <a:endParaRPr lang="en-US"/>
           </a:p>
@@ -2467,7 +3286,7 @@
           <a:p>
             <a:fld id="{1D8BD707-D9CF-40AE-B4C6-C98DA3205C09}" type="datetimeFigureOut">
               <a:rPr lang="en-US" smtClean="0"/>
-              <a:t>12/19/2018</a:t>
+              <a:t>12/20/2018</a:t>
             </a:fld>
             <a:endParaRPr lang="en-US"/>
           </a:p>
@@ -2834,7 +3653,7 @@
           <a:p>
             <a:fld id="{1D8BD707-D9CF-40AE-B4C6-C98DA3205C09}" type="datetimeFigureOut">
               <a:rPr lang="en-US" smtClean="0"/>
-              <a:t>12/19/2018</a:t>
+              <a:t>12/20/2018</a:t>
             </a:fld>
             <a:endParaRPr lang="en-US"/>
           </a:p>
@@ -2952,7 +3771,7 @@
           <a:p>
             <a:fld id="{1D8BD707-D9CF-40AE-B4C6-C98DA3205C09}" type="datetimeFigureOut">
               <a:rPr lang="en-US" smtClean="0"/>
-              <a:t>12/19/2018</a:t>
+              <a:t>12/20/2018</a:t>
             </a:fld>
             <a:endParaRPr lang="en-US"/>
           </a:p>
@@ -3047,7 +3866,7 @@
           <a:p>
             <a:fld id="{1D8BD707-D9CF-40AE-B4C6-C98DA3205C09}" type="datetimeFigureOut">
               <a:rPr lang="en-US" smtClean="0"/>
-              <a:t>12/19/2018</a:t>
+              <a:t>12/20/2018</a:t>
             </a:fld>
             <a:endParaRPr lang="en-US"/>
           </a:p>
@@ -3324,7 +4143,7 @@
           <a:p>
             <a:fld id="{1D8BD707-D9CF-40AE-B4C6-C98DA3205C09}" type="datetimeFigureOut">
               <a:rPr lang="en-US" smtClean="0"/>
-              <a:t>12/19/2018</a:t>
+              <a:t>12/20/2018</a:t>
             </a:fld>
             <a:endParaRPr lang="en-US"/>
           </a:p>
@@ -3577,7 +4396,7 @@
           <a:p>
             <a:fld id="{1D8BD707-D9CF-40AE-B4C6-C98DA3205C09}" type="datetimeFigureOut">
               <a:rPr lang="en-US" smtClean="0"/>
-              <a:t>12/19/2018</a:t>
+              <a:t>12/20/2018</a:t>
             </a:fld>
             <a:endParaRPr lang="en-US"/>
           </a:p>
@@ -3790,7 +4609,7 @@
           <a:p>
             <a:fld id="{1D8BD707-D9CF-40AE-B4C6-C98DA3205C09}" type="datetimeFigureOut">
               <a:rPr lang="en-US" smtClean="0"/>
-              <a:t>12/19/2018</a:t>
+              <a:t>12/20/2018</a:t>
             </a:fld>
             <a:endParaRPr lang="en-US"/>
           </a:p>
@@ -4237,6 +5056,8 @@
                 <a:solidFill>
                   <a:schemeClr val="bg1"/>
                 </a:solidFill>
+                <a:latin typeface="HY나무M" panose="02030600000101010101" pitchFamily="18" charset="-127"/>
+                <a:ea typeface="HY나무M" panose="02030600000101010101" pitchFamily="18" charset="-127"/>
               </a:rPr>
               <a:t>시스템 프로그래밍 </a:t>
             </a:r>
@@ -4245,6 +5066,8 @@
                 <a:solidFill>
                   <a:schemeClr val="bg1"/>
                 </a:solidFill>
+                <a:latin typeface="HY나무M" panose="02030600000101010101" pitchFamily="18" charset="-127"/>
+                <a:ea typeface="HY나무M" panose="02030600000101010101" pitchFamily="18" charset="-127"/>
               </a:rPr>
               <a:t>5</a:t>
             </a:r>
@@ -4253,6 +5076,8 @@
                 <a:solidFill>
                   <a:schemeClr val="bg1"/>
                 </a:solidFill>
+                <a:latin typeface="HY나무M" panose="02030600000101010101" pitchFamily="18" charset="-127"/>
+                <a:ea typeface="HY나무M" panose="02030600000101010101" pitchFamily="18" charset="-127"/>
               </a:rPr>
               <a:t>조</a:t>
             </a:r>
@@ -4260,6 +5085,8 @@
               <a:solidFill>
                 <a:schemeClr val="bg1"/>
               </a:solidFill>
+              <a:latin typeface="HY나무M" panose="02030600000101010101" pitchFamily="18" charset="-127"/>
+              <a:ea typeface="HY나무M" panose="02030600000101010101" pitchFamily="18" charset="-127"/>
             </a:endParaRPr>
           </a:p>
         </p:txBody>
@@ -4562,30 +5389,44 @@
       </p:sp>
       <p:pic>
         <p:nvPicPr>
-          <p:cNvPr id="21" name="Google Shape;79;p7"/>
-          <p:cNvPicPr preferRelativeResize="0"/>
+          <p:cNvPr id="1026" name="Picture 2" descr="ì±+ì ìì´ì½ì ëí ì´ë¯¸ì§ ê²ìê²°ê³¼"/>
+          <p:cNvPicPr>
+            <a:picLocks noChangeAspect="1" noChangeArrowheads="1"/>
+          </p:cNvPicPr>
           <p:nvPr/>
         </p:nvPicPr>
         <p:blipFill>
           <a:blip r:embed="rId3">
-            <a:alphaModFix/>
+            <a:extLst>
+              <a:ext uri="{28A0092B-C50C-407E-A947-70E740481C1C}">
+                <a14:useLocalDpi xmlns:a14="http://schemas.microsoft.com/office/drawing/2010/main" val="0"/>
+              </a:ext>
+            </a:extLst>
           </a:blip>
+          <a:srcRect/>
           <a:stretch>
             <a:fillRect/>
           </a:stretch>
         </p:blipFill>
-        <p:spPr>
-          <a:xfrm>
-            <a:off x="1938275" y="2044484"/>
-            <a:ext cx="1623925" cy="1623925"/>
+        <p:spPr bwMode="auto">
+          <a:xfrm>
+            <a:off x="1417486" y="2194477"/>
+            <a:ext cx="2143125" cy="2143125"/>
           </a:xfrm>
           <a:prstGeom prst="rect">
             <a:avLst/>
           </a:prstGeom>
           <a:noFill/>
-          <a:ln>
-            <a:noFill/>
-          </a:ln>
+          <a:extLst>
+            <a:ext uri="{909E8E84-426E-40DD-AFC4-6F175D3DCCD1}">
+              <a14:hiddenFill xmlns:a14="http://schemas.microsoft.com/office/drawing/2010/main">
+                <a:solidFill>
+                  <a:srgbClr val="FFFFFF"/>
+                </a:solidFill>
+              </a14:hiddenFill>
+            </a:ext>
+          </a:extLst>
         </p:spPr>
       </p:pic>
     </p:spTree>
@@ -4912,7 +5753,7 @@
           <p:cNvPr id="31" name="직사각형 30">
             <a:extLst>
               <a:ext uri="{FF2B5EF4-FFF2-40B4-BE49-F238E27FC236}">
-                <a16:creationId xmlns="" xmlns:a16="http://schemas.microsoft.com/office/drawing/2014/main" id="{DFA00BE3-81FE-4FF2-86E9-DCF50AC1E47F}"/>
+                <a16:creationId xmlns:a16="http://schemas.microsoft.com/office/drawing/2014/main" xmlns="" id="{DFA00BE3-81FE-4FF2-86E9-DCF50AC1E47F}"/>
               </a:ext>
             </a:extLst>
           </p:cNvPr>
@@ -5004,8 +5845,8 @@
           <a:p>
             <a:pPr algn="ctr"/>
             <a:endParaRPr lang="en-US" altLang="ko-KR" sz="2000" dirty="0" smtClean="0">
-              <a:latin typeface="Arial"/>
-              <a:ea typeface="Arial"/>
+              <a:latin typeface="HY견고딕" panose="02030600000101010101" pitchFamily="18" charset="-127"/>
+              <a:ea typeface="HY견고딕" panose="02030600000101010101" pitchFamily="18" charset="-127"/>
               <a:cs typeface="Arial"/>
               <a:sym typeface="Arial"/>
             </a:endParaRPr>
@@ -5014,8 +5855,8 @@
             <a:pPr algn="ctr"/>
             <a:r>
               <a:rPr lang="ko-KR" altLang="en-US" sz="2000" dirty="0" smtClean="0">
-                <a:latin typeface="Arial"/>
-                <a:ea typeface="Arial"/>
+                <a:latin typeface="한컴 백제 B" panose="02020603020101020101" pitchFamily="18" charset="-127"/>
+                <a:ea typeface="한컴 백제 B" panose="02020603020101020101" pitchFamily="18" charset="-127"/>
                 <a:cs typeface="Arial"/>
                 <a:sym typeface="Arial"/>
               </a:rPr>
@@ -5023,8 +5864,8 @@
             </a:r>
             <a:r>
               <a:rPr lang="ko-KR" altLang="en-US" sz="2000" dirty="0">
-                <a:latin typeface="Arial"/>
-                <a:ea typeface="Arial"/>
+                <a:latin typeface="한컴 백제 B" panose="02020603020101020101" pitchFamily="18" charset="-127"/>
+                <a:ea typeface="한컴 백제 B" panose="02020603020101020101" pitchFamily="18" charset="-127"/>
                 <a:cs typeface="Arial"/>
                 <a:sym typeface="Arial"/>
               </a:rPr>
@@ -5032,8 +5873,8 @@
             </a:r>
             <a:r>
               <a:rPr lang="en-US" altLang="ko-KR" sz="2000" dirty="0">
-                <a:latin typeface="Arial"/>
-                <a:ea typeface="Arial"/>
+                <a:latin typeface="한컴 백제 B" panose="02020603020101020101" pitchFamily="18" charset="-127"/>
+                <a:ea typeface="한컴 백제 B" panose="02020603020101020101" pitchFamily="18" charset="-127"/>
                 <a:cs typeface="Arial"/>
                 <a:sym typeface="Arial"/>
               </a:rPr>
@@ -5041,8 +5882,8 @@
             </a:r>
             <a:r>
               <a:rPr lang="ko-KR" altLang="en-US" sz="2000" dirty="0" smtClean="0">
-                <a:latin typeface="Arial"/>
-                <a:ea typeface="Arial"/>
+                <a:latin typeface="한컴 백제 B" panose="02020603020101020101" pitchFamily="18" charset="-127"/>
+                <a:ea typeface="한컴 백제 B" panose="02020603020101020101" pitchFamily="18" charset="-127"/>
                 <a:cs typeface="Arial"/>
                 <a:sym typeface="Arial"/>
               </a:rPr>
@@ -5050,8 +5891,8 @@
             </a:r>
             <a:r>
               <a:rPr lang="ko-KR" altLang="en-US" sz="2000" dirty="0">
-                <a:latin typeface="Arial"/>
-                <a:ea typeface="Arial"/>
+                <a:latin typeface="한컴 백제 B" panose="02020603020101020101" pitchFamily="18" charset="-127"/>
+                <a:ea typeface="한컴 백제 B" panose="02020603020101020101" pitchFamily="18" charset="-127"/>
                 <a:cs typeface="Arial"/>
                 <a:sym typeface="Arial"/>
               </a:rPr>
@@ -5059,16 +5900,16 @@
             </a:r>
             <a:r>
               <a:rPr lang="en-US" altLang="ko-KR" sz="2000" dirty="0">
-                <a:latin typeface="Arial"/>
-                <a:ea typeface="Arial"/>
+                <a:latin typeface="한컴 백제 B" panose="02020603020101020101" pitchFamily="18" charset="-127"/>
+                <a:ea typeface="한컴 백제 B" panose="02020603020101020101" pitchFamily="18" charset="-127"/>
                 <a:cs typeface="Arial"/>
                 <a:sym typeface="Arial"/>
               </a:rPr>
               <a:t>)</a:t>
             </a:r>
             <a:endParaRPr lang="ko-KR" altLang="en-US" sz="2000" dirty="0">
-              <a:latin typeface="Arial"/>
-              <a:ea typeface="Arial"/>
+              <a:latin typeface="한컴 백제 B" panose="02020603020101020101" pitchFamily="18" charset="-127"/>
+              <a:ea typeface="한컴 백제 B" panose="02020603020101020101" pitchFamily="18" charset="-127"/>
               <a:cs typeface="Arial"/>
               <a:sym typeface="Arial"/>
             </a:endParaRPr>
@@ -5127,7 +5968,7 @@
           <p:nvPr/>
         </p:nvPicPr>
         <p:blipFill rotWithShape="1">
-          <a:blip r:embed="rId2">
+          <a:blip r:embed="rId3">
             <a:extLst>
               <a:ext uri="{28A0092B-C50C-407E-A947-70E740481C1C}">
                 <a14:useLocalDpi xmlns:a14="http://schemas.microsoft.com/office/drawing/2010/main" val="0"/>
@@ -5166,7 +6007,7 @@
           <p:nvPr/>
         </p:nvPicPr>
         <p:blipFill rotWithShape="1">
-          <a:blip r:embed="rId2">
+          <a:blip r:embed="rId3">
             <a:extLst>
               <a:ext uri="{28A0092B-C50C-407E-A947-70E740481C1C}">
                 <a14:useLocalDpi xmlns:a14="http://schemas.microsoft.com/office/drawing/2010/main" val="0"/>
@@ -5316,6 +6157,19 @@
           <a:lstStyle/>
           <a:p>
             <a:r>
+              <a:rPr lang="en-US" altLang="ko-KR" sz="1600" dirty="0">
+                <a:solidFill>
+                  <a:schemeClr val="tx1">
+                    <a:lumMod val="75000"/>
+                    <a:lumOff val="25000"/>
+                  </a:schemeClr>
+                </a:solidFill>
+                <a:latin typeface="휴먼굵은팸체" panose="02010804000101010101" pitchFamily="2" charset="-127"/>
+                <a:ea typeface="휴먼굵은팸체" panose="02010804000101010101" pitchFamily="2" charset="-127"/>
+              </a:rPr>
+              <a:t>301</a:t>
+            </a:r>
+            <a:r>
               <a:rPr lang="ko-KR" altLang="en-US" sz="1600" dirty="0">
                 <a:solidFill>
                   <a:schemeClr val="tx1">
@@ -5326,7 +6180,32 @@
                 <a:latin typeface="휴먼굵은팸체" panose="02010804000101010101" pitchFamily="2" charset="-127"/>
                 <a:ea typeface="휴먼굵은팸체" panose="02010804000101010101" pitchFamily="2" charset="-127"/>
               </a:rPr>
-              <a:t>지금 열려있는 강의실 있나요</a:t>
+              <a:t>호 강의실 </a:t>
+            </a:r>
+            <a:endParaRPr lang="en-US" altLang="ko-KR" sz="1600" dirty="0">
+              <a:solidFill>
+                <a:schemeClr val="tx1">
+                  <a:lumMod val="75000"/>
+                  <a:lumOff val="25000"/>
+                </a:schemeClr>
+              </a:solidFill>
+              <a:latin typeface="휴먼굵은팸체" panose="02010804000101010101" pitchFamily="2" charset="-127"/>
+              <a:ea typeface="휴먼굵은팸체" panose="02010804000101010101" pitchFamily="2" charset="-127"/>
+            </a:endParaRPr>
+          </a:p>
+          <a:p>
+            <a:r>
+              <a:rPr lang="ko-KR" altLang="en-US" sz="1600" dirty="0">
+                <a:solidFill>
+                  <a:schemeClr val="tx1">
+                    <a:lumMod val="75000"/>
+                    <a:lumOff val="25000"/>
+                  </a:schemeClr>
+                </a:solidFill>
+                <a:latin typeface="휴먼굵은팸체" panose="02010804000101010101" pitchFamily="2" charset="-127"/>
+                <a:ea typeface="휴먼굵은팸체" panose="02010804000101010101" pitchFamily="2" charset="-127"/>
+              </a:rPr>
+              <a:t>쓰는 사람 있나요</a:t>
             </a:r>
             <a:r>
               <a:rPr lang="en-US" altLang="ko-KR" sz="1600" dirty="0" smtClean="0">
@@ -5363,7 +6242,7 @@
         <p:spPr>
           <a:xfrm>
             <a:off x="2301079" y="2721684"/>
-            <a:ext cx="1744388" cy="646331"/>
+            <a:ext cx="1406154" cy="923330"/>
           </a:xfrm>
           <a:prstGeom prst="rect">
             <a:avLst/>
@@ -5376,7 +6255,7 @@
           <a:lstStyle/>
           <a:p>
             <a:r>
-              <a:rPr lang="en-US" altLang="ko-KR" dirty="0">
+              <a:rPr lang="ko-KR" altLang="en-US" dirty="0" smtClean="0">
                 <a:solidFill>
                   <a:schemeClr val="tx1">
                     <a:lumMod val="75000"/>
@@ -5386,48 +6265,7 @@
                 <a:latin typeface="휴먼굵은팸체" panose="02010804000101010101" pitchFamily="2" charset="-127"/>
                 <a:ea typeface="휴먼굵은팸체" panose="02010804000101010101" pitchFamily="2" charset="-127"/>
               </a:rPr>
-              <a:t>303, 351 </a:t>
-            </a:r>
-            <a:r>
-              <a:rPr lang="ko-KR" altLang="en-US" dirty="0">
-                <a:solidFill>
-                  <a:schemeClr val="tx1">
-                    <a:lumMod val="75000"/>
-                    <a:lumOff val="25000"/>
-                  </a:schemeClr>
-                </a:solidFill>
-                <a:latin typeface="휴먼굵은팸체" panose="02010804000101010101" pitchFamily="2" charset="-127"/>
-                <a:ea typeface="휴먼굵은팸체" panose="02010804000101010101" pitchFamily="2" charset="-127"/>
-              </a:rPr>
-              <a:t>열려 있고</a:t>
-            </a:r>
-            <a:r>
-              <a:rPr lang="en-US" altLang="ko-KR" dirty="0">
-                <a:solidFill>
-                  <a:schemeClr val="tx1">
-                    <a:lumMod val="75000"/>
-                    <a:lumOff val="25000"/>
-                  </a:schemeClr>
-                </a:solidFill>
-                <a:latin typeface="휴먼굵은팸체" panose="02010804000101010101" pitchFamily="2" charset="-127"/>
-                <a:ea typeface="휴먼굵은팸체" panose="02010804000101010101" pitchFamily="2" charset="-127"/>
-              </a:rPr>
-              <a:t>,</a:t>
-            </a:r>
-          </a:p>
-          <a:p>
-            <a:r>
-              <a:rPr lang="ko-KR" altLang="en-US" dirty="0">
-                <a:solidFill>
-                  <a:schemeClr val="tx1">
-                    <a:lumMod val="75000"/>
-                    <a:lumOff val="25000"/>
-                  </a:schemeClr>
-                </a:solidFill>
-                <a:latin typeface="휴먼굵은팸체" panose="02010804000101010101" pitchFamily="2" charset="-127"/>
-                <a:ea typeface="휴먼굵은팸체" panose="02010804000101010101" pitchFamily="2" charset="-127"/>
-              </a:rPr>
-              <a:t>자습용입니다</a:t>
+              <a:t>없습니다</a:t>
             </a:r>
             <a:r>
               <a:rPr lang="en-US" altLang="ko-KR" dirty="0">
@@ -5442,6 +6280,36 @@
               </a:rPr>
               <a:t>.</a:t>
             </a:r>
+          </a:p>
+          <a:p>
+            <a:r>
+              <a:rPr lang="ko-KR" altLang="en-US" dirty="0">
+                <a:solidFill>
+                  <a:schemeClr val="tx1">
+                    <a:lumMod val="75000"/>
+                    <a:lumOff val="25000"/>
+                  </a:schemeClr>
+                </a:solidFill>
+                <a:latin typeface="휴먼굵은팸체" panose="02010804000101010101" pitchFamily="2" charset="-127"/>
+                <a:ea typeface="휴먼굵은팸체" panose="02010804000101010101" pitchFamily="2" charset="-127"/>
+              </a:rPr>
+              <a:t>사용하시겠습니까</a:t>
+            </a:r>
+            <a:r>
+              <a:rPr lang="en-US" altLang="ko-KR" dirty="0">
+                <a:solidFill>
+                  <a:schemeClr val="tx1">
+                    <a:lumMod val="75000"/>
+                    <a:lumOff val="25000"/>
+                  </a:schemeClr>
+                </a:solidFill>
+                <a:latin typeface="휴먼굵은팸체" panose="02010804000101010101" pitchFamily="2" charset="-127"/>
+                <a:ea typeface="휴먼굵은팸체" panose="02010804000101010101" pitchFamily="2" charset="-127"/>
+              </a:rPr>
+              <a:t>?</a:t>
+            </a:r>
+          </a:p>
+          <a:p>
             <a:endParaRPr lang="ko-KR" altLang="en-US" dirty="0">
               <a:solidFill>
                 <a:schemeClr val="tx1">
@@ -5561,8 +6429,8 @@
         </p:nvSpPr>
         <p:spPr>
           <a:xfrm>
-            <a:off x="6661410" y="4202223"/>
-            <a:ext cx="2270701" cy="584775"/>
+            <a:off x="6534252" y="4412548"/>
+            <a:ext cx="2270701" cy="338554"/>
           </a:xfrm>
           <a:prstGeom prst="rect">
             <a:avLst/>
@@ -5574,19 +6442,6 @@
           </a:bodyPr>
           <a:lstStyle/>
           <a:p>
-            <a:r>
-              <a:rPr lang="en-US" altLang="ko-KR" sz="1600" dirty="0" smtClean="0">
-                <a:solidFill>
-                  <a:schemeClr val="tx1">
-                    <a:lumMod val="75000"/>
-                    <a:lumOff val="25000"/>
-                  </a:schemeClr>
-                </a:solidFill>
-                <a:latin typeface="휴먼굵은팸체" panose="02010804000101010101" pitchFamily="2" charset="-127"/>
-                <a:ea typeface="휴먼굵은팸체" panose="02010804000101010101" pitchFamily="2" charset="-127"/>
-              </a:rPr>
-              <a:t>301</a:t>
-            </a:r>
             <a:r>
               <a:rPr lang="ko-KR" altLang="en-US" sz="1600" dirty="0">
                 <a:solidFill>
@@ -5598,35 +6453,10 @@
                 <a:latin typeface="휴먼굵은팸체" panose="02010804000101010101" pitchFamily="2" charset="-127"/>
                 <a:ea typeface="휴먼굵은팸체" panose="02010804000101010101" pitchFamily="2" charset="-127"/>
               </a:rPr>
-              <a:t>호 강의실 </a:t>
-            </a:r>
-            <a:endParaRPr lang="en-US" altLang="ko-KR" sz="1600" dirty="0">
-              <a:solidFill>
-                <a:schemeClr val="tx1">
-                  <a:lumMod val="75000"/>
-                  <a:lumOff val="25000"/>
-                </a:schemeClr>
-              </a:solidFill>
-              <a:latin typeface="휴먼굵은팸체" panose="02010804000101010101" pitchFamily="2" charset="-127"/>
-              <a:ea typeface="휴먼굵은팸체" panose="02010804000101010101" pitchFamily="2" charset="-127"/>
-            </a:endParaRPr>
-          </a:p>
-          <a:p>
-            <a:r>
-              <a:rPr lang="ko-KR" altLang="en-US" sz="1600" dirty="0">
-                <a:solidFill>
-                  <a:schemeClr val="tx1">
-                    <a:lumMod val="75000"/>
-                    <a:lumOff val="25000"/>
-                  </a:schemeClr>
-                </a:solidFill>
-                <a:latin typeface="휴먼굵은팸체" panose="02010804000101010101" pitchFamily="2" charset="-127"/>
-                <a:ea typeface="휴먼굵은팸체" panose="02010804000101010101" pitchFamily="2" charset="-127"/>
-              </a:rPr>
-              <a:t>쓰는 사람 있나요</a:t>
-            </a:r>
-            <a:r>
-              <a:rPr lang="en-US" altLang="ko-KR" sz="1600" dirty="0" smtClean="0">
+              <a:t>지금 열려있는 강의실 있나요</a:t>
+            </a:r>
+            <a:r>
+              <a:rPr lang="en-US" altLang="ko-KR" sz="1600" dirty="0">
                 <a:solidFill>
                   <a:schemeClr val="tx1">
                     <a:lumMod val="75000"/>
@@ -5784,7 +6614,7 @@
           <p:nvPr/>
         </p:nvPicPr>
         <p:blipFill rotWithShape="1">
-          <a:blip r:embed="rId2">
+          <a:blip r:embed="rId3">
             <a:extLst>
               <a:ext uri="{28A0092B-C50C-407E-A947-70E740481C1C}">
                 <a14:useLocalDpi xmlns:a14="http://schemas.microsoft.com/office/drawing/2010/main" val="0"/>
@@ -5823,7 +6653,7 @@
         <p:spPr>
           <a:xfrm>
             <a:off x="5300333" y="2616158"/>
-            <a:ext cx="1406154" cy="646331"/>
+            <a:ext cx="2020105" cy="369332"/>
           </a:xfrm>
           <a:prstGeom prst="rect">
             <a:avLst/>
@@ -5835,6 +6665,32 @@
           </a:bodyPr>
           <a:lstStyle/>
           <a:p>
+            <a:r>
+              <a:rPr lang="en-US" altLang="ko-KR" dirty="0">
+                <a:solidFill>
+                  <a:schemeClr val="tx1">
+                    <a:lumMod val="75000"/>
+                    <a:lumOff val="25000"/>
+                  </a:schemeClr>
+                </a:solidFill>
+                <a:latin typeface="휴먼굵은팸체" panose="02010804000101010101" pitchFamily="2" charset="-127"/>
+                <a:ea typeface="휴먼굵은팸체" panose="02010804000101010101" pitchFamily="2" charset="-127"/>
+              </a:rPr>
+              <a:t>303, 351 </a:t>
+            </a:r>
+            <a:r>
+              <a:rPr lang="ko-KR" altLang="en-US" dirty="0">
+                <a:solidFill>
+                  <a:schemeClr val="tx1">
+                    <a:lumMod val="75000"/>
+                    <a:lumOff val="25000"/>
+                  </a:schemeClr>
+                </a:solidFill>
+                <a:latin typeface="휴먼굵은팸체" panose="02010804000101010101" pitchFamily="2" charset="-127"/>
+                <a:ea typeface="휴먼굵은팸체" panose="02010804000101010101" pitchFamily="2" charset="-127"/>
+              </a:rPr>
+              <a:t>열려 </a:t>
+            </a:r>
             <a:r>
               <a:rPr lang="ko-KR" altLang="en-US" dirty="0" smtClean="0">
                 <a:solidFill>
@@ -5846,10 +6702,10 @@
                 <a:latin typeface="휴먼굵은팸체" panose="02010804000101010101" pitchFamily="2" charset="-127"/>
                 <a:ea typeface="휴먼굵은팸체" panose="02010804000101010101" pitchFamily="2" charset="-127"/>
               </a:rPr>
-              <a:t>없습니다</a:t>
-            </a:r>
-            <a:r>
-              <a:rPr lang="en-US" altLang="ko-KR" dirty="0">
+              <a:t>있습니다</a:t>
+            </a:r>
+            <a:r>
+              <a:rPr lang="en-US" altLang="ko-KR" dirty="0" smtClean="0">
                 <a:solidFill>
                   <a:schemeClr val="tx1">
                     <a:lumMod val="75000"/>
@@ -5861,35 +6717,7 @@
               </a:rPr>
               <a:t>.</a:t>
             </a:r>
-          </a:p>
-          <a:p>
-            <a:r>
-              <a:rPr lang="ko-KR" altLang="en-US" dirty="0" smtClean="0">
-                <a:solidFill>
-                  <a:schemeClr val="tx1">
-                    <a:lumMod val="75000"/>
-                    <a:lumOff val="25000"/>
-                  </a:schemeClr>
-                </a:solidFill>
-                <a:latin typeface="휴먼굵은팸체" panose="02010804000101010101" pitchFamily="2" charset="-127"/>
-                <a:ea typeface="휴먼굵은팸체" panose="02010804000101010101" pitchFamily="2" charset="-127"/>
-              </a:rPr>
-              <a:t>사용하시겠습니까</a:t>
-            </a:r>
-            <a:r>
-              <a:rPr lang="en-US" altLang="ko-KR" dirty="0" smtClean="0">
-                <a:solidFill>
-                  <a:schemeClr val="tx1">
-                    <a:lumMod val="75000"/>
-                    <a:lumOff val="25000"/>
-                  </a:schemeClr>
-                </a:solidFill>
-                <a:latin typeface="휴먼굵은팸체" panose="02010804000101010101" pitchFamily="2" charset="-127"/>
-                <a:ea typeface="휴먼굵은팸체" panose="02010804000101010101" pitchFamily="2" charset="-127"/>
-              </a:rPr>
-              <a:t>?</a:t>
-            </a:r>
-            <a:endParaRPr lang="en-US" altLang="ko-KR" dirty="0" smtClean="0">
+            <a:endParaRPr lang="en-US" altLang="ko-KR" dirty="0">
               <a:solidFill>
                 <a:schemeClr val="tx1">
                   <a:lumMod val="75000"/>
@@ -6102,7 +6930,7 @@
           <p:nvPr/>
         </p:nvPicPr>
         <p:blipFill>
-          <a:blip r:embed="rId3" cstate="print">
+          <a:blip r:embed="rId4" cstate="print">
             <a:extLst>
               <a:ext uri="{28A0092B-C50C-407E-A947-70E740481C1C}">
                 <a14:useLocalDpi xmlns:a14="http://schemas.microsoft.com/office/drawing/2010/main" val="0"/>
@@ -7514,7 +8342,7 @@
             <p:cNvPr id="18" name="직사각형 17">
               <a:extLst>
                 <a:ext uri="{FF2B5EF4-FFF2-40B4-BE49-F238E27FC236}">
-                  <a16:creationId xmlns="" xmlns:a16="http://schemas.microsoft.com/office/drawing/2014/main" id="{DFA00BE3-81FE-4FF2-86E9-DCF50AC1E47F}"/>
+                  <a16:creationId xmlns:a16="http://schemas.microsoft.com/office/drawing/2014/main" xmlns="" id="{DFA00BE3-81FE-4FF2-86E9-DCF50AC1E47F}"/>
                 </a:ext>
               </a:extLst>
             </p:cNvPr>
@@ -7608,15 +8436,17 @@
             <a:p>
               <a:pPr algn="ctr"/>
               <a:r>
-                <a:rPr lang="ko-KR" altLang="en-US" sz="2000" dirty="0" smtClean="0">
-                  <a:latin typeface="HY견고딕" panose="02030600000101010101" pitchFamily="18" charset="-127"/>
-                  <a:ea typeface="HY견고딕" panose="02030600000101010101" pitchFamily="18" charset="-127"/>
+                <a:rPr lang="ko-KR" altLang="en-US" sz="2000" dirty="0">
+                  <a:latin typeface="한컴 백제 B" panose="02020603020101020101" pitchFamily="18" charset="-127"/>
+                  <a:ea typeface="한컴 백제 B" panose="02020603020101020101" pitchFamily="18" charset="-127"/>
+                  <a:cs typeface="Arial"/>
                 </a:rPr>
                 <a:t>서비스 구현</a:t>
               </a:r>
               <a:endParaRPr lang="ko-KR" altLang="en-US" sz="2000" dirty="0">
-                <a:latin typeface="HY견고딕" panose="02030600000101010101" pitchFamily="18" charset="-127"/>
-                <a:ea typeface="HY견고딕" panose="02030600000101010101" pitchFamily="18" charset="-127"/>
+                <a:latin typeface="한컴 백제 B" panose="02020603020101020101" pitchFamily="18" charset="-127"/>
+                <a:ea typeface="한컴 백제 B" panose="02020603020101020101" pitchFamily="18" charset="-127"/>
+                <a:cs typeface="Arial"/>
               </a:endParaRPr>
             </a:p>
           </p:txBody>
@@ -7641,7 +8471,7 @@
             <p:cNvPr id="32" name="직사각형 31">
               <a:extLst>
                 <a:ext uri="{FF2B5EF4-FFF2-40B4-BE49-F238E27FC236}">
-                  <a16:creationId xmlns="" xmlns:a16="http://schemas.microsoft.com/office/drawing/2014/main" id="{DFA00BE3-81FE-4FF2-86E9-DCF50AC1E47F}"/>
+                  <a16:creationId xmlns:a16="http://schemas.microsoft.com/office/drawing/2014/main" xmlns="" id="{DFA00BE3-81FE-4FF2-86E9-DCF50AC1E47F}"/>
                 </a:ext>
               </a:extLst>
             </p:cNvPr>
@@ -7735,15 +8565,17 @@
             <a:p>
               <a:pPr algn="ctr"/>
               <a:r>
-                <a:rPr lang="ko-KR" altLang="en-US" sz="2000" dirty="0" smtClean="0">
-                  <a:latin typeface="HY견고딕" panose="02030600000101010101" pitchFamily="18" charset="-127"/>
-                  <a:ea typeface="HY견고딕" panose="02030600000101010101" pitchFamily="18" charset="-127"/>
+                <a:rPr lang="ko-KR" altLang="en-US" sz="2000" dirty="0">
+                  <a:latin typeface="한컴 백제 B" panose="02020603020101020101" pitchFamily="18" charset="-127"/>
+                  <a:ea typeface="한컴 백제 B" panose="02020603020101020101" pitchFamily="18" charset="-127"/>
+                  <a:cs typeface="Arial"/>
                 </a:rPr>
                 <a:t>회의록</a:t>
               </a:r>
               <a:endParaRPr lang="ko-KR" altLang="en-US" sz="2000" dirty="0">
-                <a:latin typeface="HY견고딕" panose="02030600000101010101" pitchFamily="18" charset="-127"/>
-                <a:ea typeface="HY견고딕" panose="02030600000101010101" pitchFamily="18" charset="-127"/>
+                <a:latin typeface="한컴 백제 B" panose="02020603020101020101" pitchFamily="18" charset="-127"/>
+                <a:ea typeface="한컴 백제 B" panose="02020603020101020101" pitchFamily="18" charset="-127"/>
+                <a:cs typeface="Arial"/>
               </a:endParaRPr>
             </a:p>
           </p:txBody>
@@ -8092,7 +8924,7 @@
             <p:cNvPr id="18" name="직사각형 17">
               <a:extLst>
                 <a:ext uri="{FF2B5EF4-FFF2-40B4-BE49-F238E27FC236}">
-                  <a16:creationId xmlns="" xmlns:a16="http://schemas.microsoft.com/office/drawing/2014/main" id="{DFA00BE3-81FE-4FF2-86E9-DCF50AC1E47F}"/>
+                  <a16:creationId xmlns:a16="http://schemas.microsoft.com/office/drawing/2014/main" xmlns="" id="{DFA00BE3-81FE-4FF2-86E9-DCF50AC1E47F}"/>
                 </a:ext>
               </a:extLst>
             </p:cNvPr>
@@ -8186,15 +9018,17 @@
             <a:p>
               <a:pPr algn="ctr"/>
               <a:r>
-                <a:rPr lang="ko-KR" altLang="en-US" sz="2000" dirty="0" smtClean="0">
-                  <a:latin typeface="HY견고딕" panose="02030600000101010101" pitchFamily="18" charset="-127"/>
-                  <a:ea typeface="HY견고딕" panose="02030600000101010101" pitchFamily="18" charset="-127"/>
+                <a:rPr lang="ko-KR" altLang="en-US" sz="2000" dirty="0">
+                  <a:latin typeface="한컴 백제 B" panose="02020603020101020101" pitchFamily="18" charset="-127"/>
+                  <a:ea typeface="한컴 백제 B" panose="02020603020101020101" pitchFamily="18" charset="-127"/>
+                  <a:cs typeface="Arial"/>
                 </a:rPr>
                 <a:t>서비스 구현</a:t>
               </a:r>
               <a:endParaRPr lang="ko-KR" altLang="en-US" sz="2000" dirty="0">
-                <a:latin typeface="HY견고딕" panose="02030600000101010101" pitchFamily="18" charset="-127"/>
-                <a:ea typeface="HY견고딕" panose="02030600000101010101" pitchFamily="18" charset="-127"/>
+                <a:latin typeface="한컴 백제 B" panose="02020603020101020101" pitchFamily="18" charset="-127"/>
+                <a:ea typeface="한컴 백제 B" panose="02020603020101020101" pitchFamily="18" charset="-127"/>
+                <a:cs typeface="Arial"/>
               </a:endParaRPr>
             </a:p>
           </p:txBody>
@@ -8219,7 +9053,7 @@
             <p:cNvPr id="32" name="직사각형 31">
               <a:extLst>
                 <a:ext uri="{FF2B5EF4-FFF2-40B4-BE49-F238E27FC236}">
-                  <a16:creationId xmlns="" xmlns:a16="http://schemas.microsoft.com/office/drawing/2014/main" id="{DFA00BE3-81FE-4FF2-86E9-DCF50AC1E47F}"/>
+                  <a16:creationId xmlns:a16="http://schemas.microsoft.com/office/drawing/2014/main" xmlns="" id="{DFA00BE3-81FE-4FF2-86E9-DCF50AC1E47F}"/>
                 </a:ext>
               </a:extLst>
             </p:cNvPr>
@@ -8313,15 +9147,17 @@
             <a:p>
               <a:pPr algn="ctr"/>
               <a:r>
-                <a:rPr lang="ko-KR" altLang="en-US" sz="2000" dirty="0" smtClean="0">
-                  <a:latin typeface="HY견고딕" panose="02030600000101010101" pitchFamily="18" charset="-127"/>
-                  <a:ea typeface="HY견고딕" panose="02030600000101010101" pitchFamily="18" charset="-127"/>
+                <a:rPr lang="ko-KR" altLang="en-US" sz="2000" dirty="0">
+                  <a:latin typeface="한컴 백제 B" panose="02020603020101020101" pitchFamily="18" charset="-127"/>
+                  <a:ea typeface="한컴 백제 B" panose="02020603020101020101" pitchFamily="18" charset="-127"/>
+                  <a:cs typeface="Arial"/>
                 </a:rPr>
                 <a:t>회의록</a:t>
               </a:r>
               <a:endParaRPr lang="ko-KR" altLang="en-US" sz="2000" dirty="0">
-                <a:latin typeface="HY견고딕" panose="02030600000101010101" pitchFamily="18" charset="-127"/>
-                <a:ea typeface="HY견고딕" panose="02030600000101010101" pitchFamily="18" charset="-127"/>
+                <a:latin typeface="한컴 백제 B" panose="02020603020101020101" pitchFamily="18" charset="-127"/>
+                <a:ea typeface="한컴 백제 B" panose="02020603020101020101" pitchFamily="18" charset="-127"/>
+                <a:cs typeface="Arial"/>
               </a:endParaRPr>
             </a:p>
           </p:txBody>
@@ -8670,7 +9506,7 @@
             <p:cNvPr id="18" name="직사각형 17">
               <a:extLst>
                 <a:ext uri="{FF2B5EF4-FFF2-40B4-BE49-F238E27FC236}">
-                  <a16:creationId xmlns="" xmlns:a16="http://schemas.microsoft.com/office/drawing/2014/main" id="{DFA00BE3-81FE-4FF2-86E9-DCF50AC1E47F}"/>
+                  <a16:creationId xmlns:a16="http://schemas.microsoft.com/office/drawing/2014/main" xmlns="" id="{DFA00BE3-81FE-4FF2-86E9-DCF50AC1E47F}"/>
                 </a:ext>
               </a:extLst>
             </p:cNvPr>
@@ -8764,15 +9600,17 @@
             <a:p>
               <a:pPr algn="ctr"/>
               <a:r>
-                <a:rPr lang="ko-KR" altLang="en-US" sz="2000" dirty="0" smtClean="0">
-                  <a:latin typeface="HY견고딕" panose="02030600000101010101" pitchFamily="18" charset="-127"/>
-                  <a:ea typeface="HY견고딕" panose="02030600000101010101" pitchFamily="18" charset="-127"/>
+                <a:rPr lang="ko-KR" altLang="en-US" sz="2000" dirty="0">
+                  <a:latin typeface="한컴 백제 B" panose="02020603020101020101" pitchFamily="18" charset="-127"/>
+                  <a:ea typeface="한컴 백제 B" panose="02020603020101020101" pitchFamily="18" charset="-127"/>
+                  <a:cs typeface="Arial"/>
                 </a:rPr>
                 <a:t>서비스 구현</a:t>
               </a:r>
               <a:endParaRPr lang="ko-KR" altLang="en-US" sz="2000" dirty="0">
-                <a:latin typeface="HY견고딕" panose="02030600000101010101" pitchFamily="18" charset="-127"/>
-                <a:ea typeface="HY견고딕" panose="02030600000101010101" pitchFamily="18" charset="-127"/>
+                <a:latin typeface="한컴 백제 B" panose="02020603020101020101" pitchFamily="18" charset="-127"/>
+                <a:ea typeface="한컴 백제 B" panose="02020603020101020101" pitchFamily="18" charset="-127"/>
+                <a:cs typeface="Arial"/>
               </a:endParaRPr>
             </a:p>
           </p:txBody>
@@ -8797,7 +9635,7 @@
             <p:cNvPr id="32" name="직사각형 31">
               <a:extLst>
                 <a:ext uri="{FF2B5EF4-FFF2-40B4-BE49-F238E27FC236}">
-                  <a16:creationId xmlns="" xmlns:a16="http://schemas.microsoft.com/office/drawing/2014/main" id="{DFA00BE3-81FE-4FF2-86E9-DCF50AC1E47F}"/>
+                  <a16:creationId xmlns:a16="http://schemas.microsoft.com/office/drawing/2014/main" xmlns="" id="{DFA00BE3-81FE-4FF2-86E9-DCF50AC1E47F}"/>
                 </a:ext>
               </a:extLst>
             </p:cNvPr>
@@ -8891,15 +9729,17 @@
             <a:p>
               <a:pPr algn="ctr"/>
               <a:r>
-                <a:rPr lang="ko-KR" altLang="en-US" sz="2000" dirty="0" smtClean="0">
-                  <a:latin typeface="HY견고딕" panose="02030600000101010101" pitchFamily="18" charset="-127"/>
-                  <a:ea typeface="HY견고딕" panose="02030600000101010101" pitchFamily="18" charset="-127"/>
+                <a:rPr lang="ko-KR" altLang="en-US" sz="2000" dirty="0">
+                  <a:latin typeface="한컴 백제 B" panose="02020603020101020101" pitchFamily="18" charset="-127"/>
+                  <a:ea typeface="한컴 백제 B" panose="02020603020101020101" pitchFamily="18" charset="-127"/>
+                  <a:cs typeface="Arial"/>
                 </a:rPr>
                 <a:t>회의록</a:t>
               </a:r>
               <a:endParaRPr lang="ko-KR" altLang="en-US" sz="2000" dirty="0">
-                <a:latin typeface="HY견고딕" panose="02030600000101010101" pitchFamily="18" charset="-127"/>
-                <a:ea typeface="HY견고딕" panose="02030600000101010101" pitchFamily="18" charset="-127"/>
+                <a:latin typeface="한컴 백제 B" panose="02020603020101020101" pitchFamily="18" charset="-127"/>
+                <a:ea typeface="한컴 백제 B" panose="02020603020101020101" pitchFamily="18" charset="-127"/>
+                <a:cs typeface="Arial"/>
               </a:endParaRPr>
             </a:p>
           </p:txBody>
@@ -9926,7 +10766,6 @@
               <a:rPr lang="ko-KR" altLang="en-US" dirty="0"/>
               <a:t>해당 강의실 사용 현황 실시간 관리</a:t>
             </a:r>
-            <a:endParaRPr lang="ko-KR" altLang="en-US" dirty="0"/>
           </a:p>
         </p:txBody>
       </p:sp>
@@ -10371,7 +11210,7 @@
           <p:nvPr/>
         </p:nvPicPr>
         <p:blipFill>
-          <a:blip r:embed="rId2" cstate="print">
+          <a:blip r:embed="rId3" cstate="print">
             <a:extLst>
               <a:ext uri="{28A0092B-C50C-407E-A947-70E740481C1C}">
                 <a14:useLocalDpi xmlns:a14="http://schemas.microsoft.com/office/drawing/2010/main" val="0"/>
@@ -10412,7 +11251,7 @@
           <p:nvPr/>
         </p:nvPicPr>
         <p:blipFill>
-          <a:blip r:embed="rId2" cstate="print">
+          <a:blip r:embed="rId3" cstate="print">
             <a:extLst>
               <a:ext uri="{28A0092B-C50C-407E-A947-70E740481C1C}">
                 <a14:useLocalDpi xmlns:a14="http://schemas.microsoft.com/office/drawing/2010/main" val="0"/>
@@ -10449,7 +11288,7 @@
           <p:cNvPr id="31" name="직사각형 30">
             <a:extLst>
               <a:ext uri="{FF2B5EF4-FFF2-40B4-BE49-F238E27FC236}">
-                <a16:creationId xmlns="" xmlns:a16="http://schemas.microsoft.com/office/drawing/2014/main" id="{DFA00BE3-81FE-4FF2-86E9-DCF50AC1E47F}"/>
+                <a16:creationId xmlns:a16="http://schemas.microsoft.com/office/drawing/2014/main" xmlns="" id="{DFA00BE3-81FE-4FF2-86E9-DCF50AC1E47F}"/>
               </a:ext>
             </a:extLst>
           </p:cNvPr>
@@ -10541,17 +11380,18 @@
           <a:p>
             <a:pPr algn="ctr"/>
             <a:r>
-              <a:rPr lang="ko-KR" altLang="en-US" sz="2000" dirty="0" smtClean="0">
-                <a:latin typeface="Arial"/>
-                <a:ea typeface="Arial"/>
+              <a:rPr lang="ko-KR" altLang="en-US" sz="2000" dirty="0">
+                <a:latin typeface="한컴 백제 B" panose="02020603020101020101" pitchFamily="18" charset="-127"/>
+                <a:ea typeface="한컴 백제 B" panose="02020603020101020101" pitchFamily="18" charset="-127"/>
                 <a:cs typeface="Arial"/>
                 <a:sym typeface="Arial"/>
               </a:rPr>
               <a:t>개발 도식화</a:t>
             </a:r>
             <a:endParaRPr lang="ko-KR" altLang="en-US" sz="2000" dirty="0">
-              <a:latin typeface="HY견고딕" panose="02030600000101010101" pitchFamily="18" charset="-127"/>
-              <a:ea typeface="HY견고딕" panose="02030600000101010101" pitchFamily="18" charset="-127"/>
+              <a:latin typeface="한컴 백제 B" panose="02020603020101020101" pitchFamily="18" charset="-127"/>
+              <a:ea typeface="한컴 백제 B" panose="02020603020101020101" pitchFamily="18" charset="-127"/>
+              <a:cs typeface="Arial"/>
             </a:endParaRPr>
           </a:p>
         </p:txBody>
@@ -10828,6 +11668,122 @@
               </a:solidFill>
               <a:latin typeface="한컴 백제 M" panose="02020603020101020101" pitchFamily="18" charset="-127"/>
               <a:ea typeface="한컴 백제 M" panose="02020603020101020101" pitchFamily="18" charset="-127"/>
+            </a:endParaRPr>
+          </a:p>
+        </p:txBody>
+      </p:sp>
+      <p:sp>
+        <p:nvSpPr>
+          <p:cNvPr id="21" name="Google Shape;188;p13"/>
+          <p:cNvSpPr txBox="1"/>
+          <p:nvPr/>
+        </p:nvSpPr>
+        <p:spPr>
+          <a:xfrm>
+            <a:off x="6783056" y="4873145"/>
+            <a:ext cx="1976790" cy="369300"/>
+          </a:xfrm>
+          <a:prstGeom prst="rect">
+            <a:avLst/>
+          </a:prstGeom>
+          <a:noFill/>
+          <a:ln>
+            <a:noFill/>
+          </a:ln>
+        </p:spPr>
+        <p:txBody>
+          <a:bodyPr spcFirstLastPara="1" wrap="square" lIns="91425" tIns="45700" rIns="91425" bIns="45700" anchor="t" anchorCtr="0">
+            <a:noAutofit/>
+          </a:bodyPr>
+          <a:lstStyle/>
+          <a:p>
+            <a:pPr marL="0" marR="0" lvl="0" indent="0" algn="ctr" rtl="0">
+              <a:spcBef>
+                <a:spcPts val="0"/>
+              </a:spcBef>
+              <a:spcAft>
+                <a:spcPts val="0"/>
+              </a:spcAft>
+              <a:buNone/>
+            </a:pPr>
+            <a:r>
+              <a:rPr lang="en-US" sz="1400" b="1" dirty="0" smtClean="0">
+                <a:solidFill>
+                  <a:schemeClr val="dk1"/>
+                </a:solidFill>
+                <a:latin typeface="HY견고딕" panose="02030600000101010101" pitchFamily="18" charset="-127"/>
+                <a:ea typeface="HY견고딕" panose="02030600000101010101" pitchFamily="18" charset="-127"/>
+                <a:cs typeface="Jua"/>
+                <a:sym typeface="Jua"/>
+              </a:rPr>
+              <a:t>CUSTOMER</a:t>
+            </a:r>
+            <a:endParaRPr sz="1400" b="1" dirty="0">
+              <a:solidFill>
+                <a:schemeClr val="dk1"/>
+              </a:solidFill>
+              <a:latin typeface="HY견고딕" panose="02030600000101010101" pitchFamily="18" charset="-127"/>
+              <a:ea typeface="HY견고딕" panose="02030600000101010101" pitchFamily="18" charset="-127"/>
+              <a:cs typeface="Jua"/>
+              <a:sym typeface="Jua"/>
+            </a:endParaRPr>
+          </a:p>
+        </p:txBody>
+      </p:sp>
+      <p:sp>
+        <p:nvSpPr>
+          <p:cNvPr id="22" name="Google Shape;188;p13"/>
+          <p:cNvSpPr txBox="1"/>
+          <p:nvPr/>
+        </p:nvSpPr>
+        <p:spPr>
+          <a:xfrm>
+            <a:off x="401190" y="4873145"/>
+            <a:ext cx="1976790" cy="369300"/>
+          </a:xfrm>
+          <a:prstGeom prst="rect">
+            <a:avLst/>
+          </a:prstGeom>
+          <a:noFill/>
+          <a:ln>
+            <a:noFill/>
+          </a:ln>
+        </p:spPr>
+        <p:txBody>
+          <a:bodyPr spcFirstLastPara="1" wrap="square" lIns="91425" tIns="45700" rIns="91425" bIns="45700" anchor="t" anchorCtr="0">
+            <a:noAutofit/>
+          </a:bodyPr>
+          <a:lstStyle/>
+          <a:p>
+            <a:pPr marL="0" marR="0" lvl="0" indent="0" algn="ctr" rtl="0">
+              <a:spcBef>
+                <a:spcPts val="0"/>
+              </a:spcBef>
+              <a:spcAft>
+                <a:spcPts val="0"/>
+              </a:spcAft>
+              <a:buNone/>
+            </a:pPr>
+            <a:r>
+              <a:rPr lang="en-US" sz="1400" b="1" dirty="0" smtClean="0">
+                <a:solidFill>
+                  <a:schemeClr val="dk1"/>
+                </a:solidFill>
+                <a:latin typeface="HY견고딕" panose="02030600000101010101" pitchFamily="18" charset="-127"/>
+                <a:ea typeface="HY견고딕" panose="02030600000101010101" pitchFamily="18" charset="-127"/>
+                <a:cs typeface="Jua"/>
+                <a:sym typeface="Jua"/>
+              </a:rPr>
+              <a:t>ADMIN</a:t>
+            </a:r>
+            <a:endParaRPr sz="1400" b="1" dirty="0">
+              <a:solidFill>
+                <a:schemeClr val="dk1"/>
+              </a:solidFill>
+              <a:latin typeface="HY견고딕" panose="02030600000101010101" pitchFamily="18" charset="-127"/>
+              <a:ea typeface="HY견고딕" panose="02030600000101010101" pitchFamily="18" charset="-127"/>
+              <a:cs typeface="Jua"/>
+              <a:sym typeface="Jua"/>
             </a:endParaRPr>
           </a:p>
         </p:txBody>
@@ -10985,24 +11941,15 @@
                                   </p:childTnLst>
                                 </p:cTn>
                               </p:par>
-                            </p:childTnLst>
-                          </p:cTn>
-                        </p:par>
-                        <p:par>
-                          <p:cTn id="16" fill="hold">
-                            <p:stCondLst>
-                              <p:cond delay="500"/>
-                            </p:stCondLst>
-                            <p:childTnLst>
                               <p:par>
-                                <p:cTn id="17" presetID="10" presetClass="entr" presetSubtype="0" fill="hold" grpId="0" nodeType="afterEffect">
+                                <p:cTn id="16" presetID="10" presetClass="entr" presetSubtype="0" fill="hold" grpId="0" nodeType="withEffect">
                                   <p:stCondLst>
                                     <p:cond delay="0"/>
                                   </p:stCondLst>
                                   <p:childTnLst>
                                     <p:set>
                                       <p:cBhvr>
-                                        <p:cTn id="18" dur="1" fill="hold">
+                                        <p:cTn id="17" dur="1" fill="hold">
                                           <p:stCondLst>
                                             <p:cond delay="0"/>
                                           </p:stCondLst>
@@ -11020,7 +11967,7 @@
                                     </p:set>
                                     <p:animEffect transition="in" filter="fade">
                                       <p:cBhvr>
-                                        <p:cTn id="19" dur="500"/>
+                                        <p:cTn id="18" dur="500"/>
                                         <p:tgtEl>
                                           <p:spTgt spid="32"/>
                                         </p:tgtEl>
@@ -11530,7 +12477,7 @@
           <p:nvPr/>
         </p:nvPicPr>
         <p:blipFill>
-          <a:blip r:embed="rId2" cstate="print">
+          <a:blip r:embed="rId3" cstate="print">
             <a:extLst>
               <a:ext uri="{28A0092B-C50C-407E-A947-70E740481C1C}">
                 <a14:useLocalDpi xmlns:a14="http://schemas.microsoft.com/office/drawing/2010/main" val="0"/>
@@ -11571,7 +12518,7 @@
           <p:nvPr/>
         </p:nvPicPr>
         <p:blipFill>
-          <a:blip r:embed="rId2" cstate="print">
+          <a:blip r:embed="rId3" cstate="print">
             <a:extLst>
               <a:ext uri="{28A0092B-C50C-407E-A947-70E740481C1C}">
                 <a14:useLocalDpi xmlns:a14="http://schemas.microsoft.com/office/drawing/2010/main" val="0"/>
@@ -11608,7 +12555,7 @@
           <p:cNvPr id="31" name="직사각형 30">
             <a:extLst>
               <a:ext uri="{FF2B5EF4-FFF2-40B4-BE49-F238E27FC236}">
-                <a16:creationId xmlns="" xmlns:a16="http://schemas.microsoft.com/office/drawing/2014/main" id="{DFA00BE3-81FE-4FF2-86E9-DCF50AC1E47F}"/>
+                <a16:creationId xmlns:a16="http://schemas.microsoft.com/office/drawing/2014/main" xmlns="" id="{DFA00BE3-81FE-4FF2-86E9-DCF50AC1E47F}"/>
               </a:ext>
             </a:extLst>
           </p:cNvPr>
@@ -11700,17 +12647,18 @@
           <a:p>
             <a:pPr algn="ctr"/>
             <a:r>
-              <a:rPr lang="ko-KR" altLang="en-US" sz="2000" dirty="0" smtClean="0">
-                <a:latin typeface="Arial"/>
-                <a:ea typeface="Arial"/>
+              <a:rPr lang="ko-KR" altLang="en-US" sz="2000" dirty="0">
+                <a:latin typeface="한컴 백제 B" panose="02020603020101020101" pitchFamily="18" charset="-127"/>
+                <a:ea typeface="한컴 백제 B" panose="02020603020101020101" pitchFamily="18" charset="-127"/>
                 <a:cs typeface="Arial"/>
                 <a:sym typeface="Arial"/>
               </a:rPr>
               <a:t>개발 도식화</a:t>
             </a:r>
             <a:endParaRPr lang="ko-KR" altLang="en-US" sz="2000" dirty="0">
-              <a:latin typeface="HY견고딕" panose="02030600000101010101" pitchFamily="18" charset="-127"/>
-              <a:ea typeface="HY견고딕" panose="02030600000101010101" pitchFamily="18" charset="-127"/>
+              <a:latin typeface="한컴 백제 B" panose="02020603020101020101" pitchFamily="18" charset="-127"/>
+              <a:ea typeface="한컴 백제 B" panose="02020603020101020101" pitchFamily="18" charset="-127"/>
+              <a:cs typeface="Arial"/>
             </a:endParaRPr>
           </a:p>
         </p:txBody>
@@ -11988,8 +12936,8 @@
         </p:nvSpPr>
         <p:spPr>
           <a:xfrm>
-            <a:off x="2984928" y="2944792"/>
-            <a:ext cx="3174267" cy="307777"/>
+            <a:off x="2601190" y="2944792"/>
+            <a:ext cx="3951723" cy="307777"/>
           </a:xfrm>
           <a:prstGeom prst="rect">
             <a:avLst/>
@@ -12001,6 +12949,45 @@
           </a:bodyPr>
           <a:lstStyle/>
           <a:p>
+            <a:r>
+              <a:rPr lang="ko-KR" altLang="en-US" sz="1400" smtClean="0">
+                <a:solidFill>
+                  <a:schemeClr val="tx1">
+                    <a:lumMod val="75000"/>
+                    <a:lumOff val="25000"/>
+                  </a:schemeClr>
+                </a:solidFill>
+                <a:latin typeface="HY나무B" panose="02030600000101010101" pitchFamily="18" charset="-127"/>
+                <a:ea typeface="HY나무B" panose="02030600000101010101" pitchFamily="18" charset="-127"/>
+              </a:rPr>
+              <a:t>승인 </a:t>
+            </a:r>
+            <a:r>
+              <a:rPr lang="ko-KR" altLang="en-US" sz="1400" smtClean="0">
+                <a:solidFill>
+                  <a:schemeClr val="tx1">
+                    <a:lumMod val="75000"/>
+                    <a:lumOff val="25000"/>
+                  </a:schemeClr>
+                </a:solidFill>
+                <a:latin typeface="HY나무B" panose="02030600000101010101" pitchFamily="18" charset="-127"/>
+                <a:ea typeface="HY나무B" panose="02030600000101010101" pitchFamily="18" charset="-127"/>
+              </a:rPr>
+              <a:t>데이터를 이용하여</a:t>
+            </a:r>
+            <a:r>
+              <a:rPr lang="ko-KR" altLang="en-US" sz="1400" smtClean="0">
+                <a:solidFill>
+                  <a:schemeClr val="tx1">
+                    <a:lumMod val="75000"/>
+                    <a:lumOff val="25000"/>
+                  </a:schemeClr>
+                </a:solidFill>
+                <a:latin typeface="HY나무B" panose="02030600000101010101" pitchFamily="18" charset="-127"/>
+                <a:ea typeface="HY나무B" panose="02030600000101010101" pitchFamily="18" charset="-127"/>
+              </a:rPr>
+              <a:t> </a:t>
+            </a:r>
             <a:r>
               <a:rPr lang="ko-KR" altLang="en-US" sz="1400" dirty="0" smtClean="0">
                 <a:solidFill>
@@ -12012,7 +12999,7 @@
                 <a:latin typeface="HY나무B" panose="02030600000101010101" pitchFamily="18" charset="-127"/>
                 <a:ea typeface="HY나무B" panose="02030600000101010101" pitchFamily="18" charset="-127"/>
               </a:rPr>
-              <a:t>승인 정보이용 강의실 현황  업데이트</a:t>
+              <a:t>강의실 현황  업데이트</a:t>
             </a:r>
             <a:endParaRPr lang="ko-KR" altLang="en-US" sz="1400" dirty="0">
               <a:solidFill>
@@ -12154,6 +13141,122 @@
               </a:solidFill>
               <a:latin typeface="한컴 백제 M" panose="02020603020101020101" pitchFamily="18" charset="-127"/>
               <a:ea typeface="한컴 백제 M" panose="02020603020101020101" pitchFamily="18" charset="-127"/>
+            </a:endParaRPr>
+          </a:p>
+        </p:txBody>
+      </p:sp>
+      <p:sp>
+        <p:nvSpPr>
+          <p:cNvPr id="27" name="Google Shape;188;p13"/>
+          <p:cNvSpPr txBox="1"/>
+          <p:nvPr/>
+        </p:nvSpPr>
+        <p:spPr>
+          <a:xfrm>
+            <a:off x="6783056" y="4873145"/>
+            <a:ext cx="1976790" cy="369300"/>
+          </a:xfrm>
+          <a:prstGeom prst="rect">
+            <a:avLst/>
+          </a:prstGeom>
+          <a:noFill/>
+          <a:ln>
+            <a:noFill/>
+          </a:ln>
+        </p:spPr>
+        <p:txBody>
+          <a:bodyPr spcFirstLastPara="1" wrap="square" lIns="91425" tIns="45700" rIns="91425" bIns="45700" anchor="t" anchorCtr="0">
+            <a:noAutofit/>
+          </a:bodyPr>
+          <a:lstStyle/>
+          <a:p>
+            <a:pPr marL="0" marR="0" lvl="0" indent="0" algn="ctr" rtl="0">
+              <a:spcBef>
+                <a:spcPts val="0"/>
+              </a:spcBef>
+              <a:spcAft>
+                <a:spcPts val="0"/>
+              </a:spcAft>
+              <a:buNone/>
+            </a:pPr>
+            <a:r>
+              <a:rPr lang="en-US" sz="1400" b="1" dirty="0" smtClean="0">
+                <a:solidFill>
+                  <a:schemeClr val="dk1"/>
+                </a:solidFill>
+                <a:latin typeface="HY견고딕" panose="02030600000101010101" pitchFamily="18" charset="-127"/>
+                <a:ea typeface="HY견고딕" panose="02030600000101010101" pitchFamily="18" charset="-127"/>
+                <a:cs typeface="Jua"/>
+                <a:sym typeface="Jua"/>
+              </a:rPr>
+              <a:t>CUSTOMER</a:t>
+            </a:r>
+            <a:endParaRPr sz="1400" b="1" dirty="0">
+              <a:solidFill>
+                <a:schemeClr val="dk1"/>
+              </a:solidFill>
+              <a:latin typeface="HY견고딕" panose="02030600000101010101" pitchFamily="18" charset="-127"/>
+              <a:ea typeface="HY견고딕" panose="02030600000101010101" pitchFamily="18" charset="-127"/>
+              <a:cs typeface="Jua"/>
+              <a:sym typeface="Jua"/>
+            </a:endParaRPr>
+          </a:p>
+        </p:txBody>
+      </p:sp>
+      <p:sp>
+        <p:nvSpPr>
+          <p:cNvPr id="28" name="Google Shape;188;p13"/>
+          <p:cNvSpPr txBox="1"/>
+          <p:nvPr/>
+        </p:nvSpPr>
+        <p:spPr>
+          <a:xfrm>
+            <a:off x="401190" y="4873145"/>
+            <a:ext cx="1976790" cy="369300"/>
+          </a:xfrm>
+          <a:prstGeom prst="rect">
+            <a:avLst/>
+          </a:prstGeom>
+          <a:noFill/>
+          <a:ln>
+            <a:noFill/>
+          </a:ln>
+        </p:spPr>
+        <p:txBody>
+          <a:bodyPr spcFirstLastPara="1" wrap="square" lIns="91425" tIns="45700" rIns="91425" bIns="45700" anchor="t" anchorCtr="0">
+            <a:noAutofit/>
+          </a:bodyPr>
+          <a:lstStyle/>
+          <a:p>
+            <a:pPr marL="0" marR="0" lvl="0" indent="0" algn="ctr" rtl="0">
+              <a:spcBef>
+                <a:spcPts val="0"/>
+              </a:spcBef>
+              <a:spcAft>
+                <a:spcPts val="0"/>
+              </a:spcAft>
+              <a:buNone/>
+            </a:pPr>
+            <a:r>
+              <a:rPr lang="en-US" sz="1400" b="1" dirty="0" smtClean="0">
+                <a:solidFill>
+                  <a:schemeClr val="dk1"/>
+                </a:solidFill>
+                <a:latin typeface="HY견고딕" panose="02030600000101010101" pitchFamily="18" charset="-127"/>
+                <a:ea typeface="HY견고딕" panose="02030600000101010101" pitchFamily="18" charset="-127"/>
+                <a:cs typeface="Jua"/>
+                <a:sym typeface="Jua"/>
+              </a:rPr>
+              <a:t>ADMIN</a:t>
+            </a:r>
+            <a:endParaRPr sz="1400" b="1" dirty="0">
+              <a:solidFill>
+                <a:schemeClr val="dk1"/>
+              </a:solidFill>
+              <a:latin typeface="HY견고딕" panose="02030600000101010101" pitchFamily="18" charset="-127"/>
+              <a:ea typeface="HY견고딕" panose="02030600000101010101" pitchFamily="18" charset="-127"/>
+              <a:cs typeface="Jua"/>
+              <a:sym typeface="Jua"/>
             </a:endParaRPr>
           </a:p>
         </p:txBody>
@@ -13378,7 +14481,7 @@
           <p:nvPr/>
         </p:nvPicPr>
         <p:blipFill>
-          <a:blip r:embed="rId2" cstate="print">
+          <a:blip r:embed="rId3" cstate="print">
             <a:extLst>
               <a:ext uri="{28A0092B-C50C-407E-A947-70E740481C1C}">
                 <a14:useLocalDpi xmlns:a14="http://schemas.microsoft.com/office/drawing/2010/main" val="0"/>
@@ -13419,7 +14522,7 @@
           <p:nvPr/>
         </p:nvPicPr>
         <p:blipFill>
-          <a:blip r:embed="rId2" cstate="print">
+          <a:blip r:embed="rId3" cstate="print">
             <a:extLst>
               <a:ext uri="{28A0092B-C50C-407E-A947-70E740481C1C}">
                 <a14:useLocalDpi xmlns:a14="http://schemas.microsoft.com/office/drawing/2010/main" val="0"/>
@@ -13460,7 +14563,7 @@
           <p:nvPr/>
         </p:nvPicPr>
         <p:blipFill>
-          <a:blip r:embed="rId2" cstate="print">
+          <a:blip r:embed="rId3" cstate="print">
             <a:extLst>
               <a:ext uri="{28A0092B-C50C-407E-A947-70E740481C1C}">
                 <a14:useLocalDpi xmlns:a14="http://schemas.microsoft.com/office/drawing/2010/main" val="0"/>
@@ -13553,7 +14656,7 @@
           <p:cNvPr id="31" name="직사각형 30">
             <a:extLst>
               <a:ext uri="{FF2B5EF4-FFF2-40B4-BE49-F238E27FC236}">
-                <a16:creationId xmlns="" xmlns:a16="http://schemas.microsoft.com/office/drawing/2014/main" id="{DFA00BE3-81FE-4FF2-86E9-DCF50AC1E47F}"/>
+                <a16:creationId xmlns:a16="http://schemas.microsoft.com/office/drawing/2014/main" xmlns="" id="{DFA00BE3-81FE-4FF2-86E9-DCF50AC1E47F}"/>
               </a:ext>
             </a:extLst>
           </p:cNvPr>
@@ -13645,17 +14748,18 @@
           <a:p>
             <a:pPr algn="ctr"/>
             <a:r>
-              <a:rPr lang="ko-KR" altLang="en-US" sz="2000" dirty="0" smtClean="0">
-                <a:latin typeface="Arial"/>
-                <a:ea typeface="Arial"/>
+              <a:rPr lang="ko-KR" altLang="en-US" sz="2000" dirty="0">
+                <a:latin typeface="한컴 백제 B" panose="02020603020101020101" pitchFamily="18" charset="-127"/>
+                <a:ea typeface="한컴 백제 B" panose="02020603020101020101" pitchFamily="18" charset="-127"/>
                 <a:cs typeface="Arial"/>
                 <a:sym typeface="Arial"/>
               </a:rPr>
               <a:t>개발 도식화</a:t>
             </a:r>
             <a:endParaRPr lang="ko-KR" altLang="en-US" sz="2000" dirty="0">
-              <a:latin typeface="HY견고딕" panose="02030600000101010101" pitchFamily="18" charset="-127"/>
-              <a:ea typeface="HY견고딕" panose="02030600000101010101" pitchFamily="18" charset="-127"/>
+              <a:latin typeface="한컴 백제 B" panose="02020603020101020101" pitchFamily="18" charset="-127"/>
+              <a:ea typeface="한컴 백제 B" panose="02020603020101020101" pitchFamily="18" charset="-127"/>
+              <a:cs typeface="Arial"/>
             </a:endParaRPr>
           </a:p>
         </p:txBody>
@@ -13895,7 +14999,7 @@
           <p:nvPr/>
         </p:nvPicPr>
         <p:blipFill>
-          <a:blip r:embed="rId2" cstate="print">
+          <a:blip r:embed="rId3" cstate="print">
             <a:extLst>
               <a:ext uri="{28A0092B-C50C-407E-A947-70E740481C1C}">
                 <a14:useLocalDpi xmlns:a14="http://schemas.microsoft.com/office/drawing/2010/main" val="0"/>
@@ -14215,7 +15319,7 @@
         </p:nvSpPr>
         <p:spPr>
           <a:xfrm>
-            <a:off x="4081293" y="5143781"/>
+            <a:off x="7728327" y="3648435"/>
             <a:ext cx="1077996" cy="338554"/>
           </a:xfrm>
           <a:prstGeom prst="rect">
@@ -14245,7 +15349,7 @@
         </p:nvSpPr>
         <p:spPr>
           <a:xfrm>
-            <a:off x="3448775" y="1572422"/>
+            <a:off x="3344611" y="1572424"/>
             <a:ext cx="2216740" cy="584775"/>
           </a:xfrm>
           <a:prstGeom prst="rect">
@@ -14668,6 +15772,492 @@
           </a:p>
         </p:txBody>
       </p:sp>
+      <p:sp>
+        <p:nvSpPr>
+          <p:cNvPr id="45" name="TextBox 44"/>
+          <p:cNvSpPr txBox="1"/>
+          <p:nvPr/>
+        </p:nvSpPr>
+        <p:spPr>
+          <a:xfrm>
+            <a:off x="3592743" y="5272112"/>
+            <a:ext cx="1077996" cy="338554"/>
+          </a:xfrm>
+          <a:prstGeom prst="rect">
+            <a:avLst/>
+          </a:prstGeom>
+          <a:noFill/>
+        </p:spPr>
+        <p:txBody>
+          <a:bodyPr vert="horz" wrap="square" rtlCol="0">
+            <a:spAutoFit/>
+          </a:bodyPr>
+          <a:lstStyle/>
+          <a:p>
+            <a:r>
+              <a:rPr lang="en-US" altLang="ko-KR" sz="1600" b="1" dirty="0" smtClean="0"/>
+              <a:t>receiver</a:t>
+            </a:r>
+            <a:endParaRPr lang="ko-KR" altLang="en-US" sz="1600" b="1" dirty="0"/>
+          </a:p>
+        </p:txBody>
+      </p:sp>
+      <p:sp>
+        <p:nvSpPr>
+          <p:cNvPr id="46" name="TextBox 45"/>
+          <p:cNvSpPr txBox="1"/>
+          <p:nvPr/>
+        </p:nvSpPr>
+        <p:spPr>
+          <a:xfrm>
+            <a:off x="3553561" y="4666623"/>
+            <a:ext cx="1077996" cy="338554"/>
+          </a:xfrm>
+          <a:prstGeom prst="rect">
+            <a:avLst/>
+          </a:prstGeom>
+          <a:noFill/>
+        </p:spPr>
+        <p:txBody>
+          <a:bodyPr vert="horz" wrap="square" rtlCol="0">
+            <a:spAutoFit/>
+          </a:bodyPr>
+          <a:lstStyle/>
+          <a:p>
+            <a:pPr algn="ctr"/>
+            <a:r>
+              <a:rPr lang="en-US" altLang="ko-KR" sz="1600" b="1" dirty="0" smtClean="0"/>
+              <a:t>sender</a:t>
+            </a:r>
+            <a:endParaRPr lang="ko-KR" altLang="en-US" sz="1600" b="1" dirty="0"/>
+          </a:p>
+        </p:txBody>
+      </p:sp>
+      <p:grpSp>
+        <p:nvGrpSpPr>
+          <p:cNvPr id="49" name="그룹 48"/>
+          <p:cNvGrpSpPr/>
+          <p:nvPr/>
+        </p:nvGrpSpPr>
+        <p:grpSpPr>
+          <a:xfrm>
+            <a:off x="4557145" y="4844952"/>
+            <a:ext cx="2007210" cy="606439"/>
+            <a:chOff x="7905755" y="1479645"/>
+            <a:chExt cx="1196140" cy="3668329"/>
+          </a:xfrm>
+        </p:grpSpPr>
+        <p:cxnSp>
+          <p:nvCxnSpPr>
+            <p:cNvPr id="61" name="직선 연결선 60"/>
+            <p:cNvCxnSpPr/>
+            <p:nvPr/>
+          </p:nvCxnSpPr>
+          <p:spPr>
+            <a:xfrm flipV="1">
+              <a:off x="7905755" y="1479645"/>
+              <a:ext cx="278287" cy="0"/>
+            </a:xfrm>
+            <a:prstGeom prst="line">
+              <a:avLst/>
+            </a:prstGeom>
+            <a:ln w="19050">
+              <a:solidFill>
+                <a:schemeClr val="tx1">
+                  <a:lumMod val="50000"/>
+                  <a:lumOff val="50000"/>
+                </a:schemeClr>
+              </a:solidFill>
+            </a:ln>
+          </p:spPr>
+          <p:style>
+            <a:lnRef idx="1">
+              <a:schemeClr val="accent1"/>
+            </a:lnRef>
+            <a:fillRef idx="0">
+              <a:schemeClr val="accent1"/>
+            </a:fillRef>
+            <a:effectRef idx="0">
+              <a:schemeClr val="accent1"/>
+            </a:effectRef>
+            <a:fontRef idx="minor">
+              <a:schemeClr val="tx1"/>
+            </a:fontRef>
+          </p:style>
+        </p:cxnSp>
+        <p:cxnSp>
+          <p:nvCxnSpPr>
+            <p:cNvPr id="62" name="직선 연결선 61"/>
+            <p:cNvCxnSpPr/>
+            <p:nvPr/>
+          </p:nvCxnSpPr>
+          <p:spPr>
+            <a:xfrm rot="5400000">
+              <a:off x="6349881" y="3313808"/>
+              <a:ext cx="3668329" cy="3"/>
+            </a:xfrm>
+            <a:prstGeom prst="line">
+              <a:avLst/>
+            </a:prstGeom>
+            <a:ln w="19050">
+              <a:solidFill>
+                <a:schemeClr val="tx1">
+                  <a:lumMod val="50000"/>
+                  <a:lumOff val="50000"/>
+                </a:schemeClr>
+              </a:solidFill>
+            </a:ln>
+          </p:spPr>
+          <p:style>
+            <a:lnRef idx="1">
+              <a:schemeClr val="accent1"/>
+            </a:lnRef>
+            <a:fillRef idx="0">
+              <a:schemeClr val="accent1"/>
+            </a:fillRef>
+            <a:effectRef idx="0">
+              <a:schemeClr val="accent1"/>
+            </a:effectRef>
+            <a:fontRef idx="minor">
+              <a:schemeClr val="tx1"/>
+            </a:fontRef>
+          </p:style>
+        </p:cxnSp>
+        <p:cxnSp>
+          <p:nvCxnSpPr>
+            <p:cNvPr id="66" name="직선 연결선 65"/>
+            <p:cNvCxnSpPr/>
+            <p:nvPr/>
+          </p:nvCxnSpPr>
+          <p:spPr>
+            <a:xfrm>
+              <a:off x="7905755" y="5147974"/>
+              <a:ext cx="278289" cy="0"/>
+            </a:xfrm>
+            <a:prstGeom prst="line">
+              <a:avLst/>
+            </a:prstGeom>
+            <a:ln w="19050">
+              <a:solidFill>
+                <a:schemeClr val="tx1">
+                  <a:lumMod val="50000"/>
+                  <a:lumOff val="50000"/>
+                </a:schemeClr>
+              </a:solidFill>
+            </a:ln>
+          </p:spPr>
+          <p:style>
+            <a:lnRef idx="1">
+              <a:schemeClr val="accent1"/>
+            </a:lnRef>
+            <a:fillRef idx="0">
+              <a:schemeClr val="accent1"/>
+            </a:fillRef>
+            <a:effectRef idx="0">
+              <a:schemeClr val="accent1"/>
+            </a:effectRef>
+            <a:fontRef idx="minor">
+              <a:schemeClr val="tx1"/>
+            </a:fontRef>
+          </p:style>
+        </p:cxnSp>
+        <p:cxnSp>
+          <p:nvCxnSpPr>
+            <p:cNvPr id="67" name="직선 연결선 66"/>
+            <p:cNvCxnSpPr>
+              <a:endCxn id="65" idx="1"/>
+            </p:cNvCxnSpPr>
+            <p:nvPr/>
+          </p:nvCxnSpPr>
+          <p:spPr>
+            <a:xfrm>
+              <a:off x="8161394" y="3362465"/>
+              <a:ext cx="940501" cy="0"/>
+            </a:xfrm>
+            <a:prstGeom prst="line">
+              <a:avLst/>
+            </a:prstGeom>
+            <a:ln w="19050">
+              <a:solidFill>
+                <a:schemeClr val="tx1">
+                  <a:lumMod val="50000"/>
+                  <a:lumOff val="50000"/>
+                </a:schemeClr>
+              </a:solidFill>
+            </a:ln>
+          </p:spPr>
+          <p:style>
+            <a:lnRef idx="1">
+              <a:schemeClr val="accent1"/>
+            </a:lnRef>
+            <a:fillRef idx="0">
+              <a:schemeClr val="accent1"/>
+            </a:fillRef>
+            <a:effectRef idx="0">
+              <a:schemeClr val="accent1"/>
+            </a:effectRef>
+            <a:fontRef idx="minor">
+              <a:schemeClr val="tx1"/>
+            </a:fontRef>
+          </p:style>
+        </p:cxnSp>
+      </p:grpSp>
+      <p:sp>
+        <p:nvSpPr>
+          <p:cNvPr id="68" name="모서리가 둥근 직사각형 67"/>
+          <p:cNvSpPr/>
+          <p:nvPr/>
+        </p:nvSpPr>
+        <p:spPr>
+          <a:xfrm>
+            <a:off x="830914" y="3192299"/>
+            <a:ext cx="1117342" cy="1193397"/>
+          </a:xfrm>
+          <a:prstGeom prst="roundRect">
+            <a:avLst/>
+          </a:prstGeom>
+          <a:noFill/>
+          <a:ln w="15875">
+            <a:solidFill>
+              <a:schemeClr val="tx1">
+                <a:lumMod val="50000"/>
+                <a:lumOff val="50000"/>
+              </a:schemeClr>
+            </a:solidFill>
+          </a:ln>
+        </p:spPr>
+        <p:style>
+          <a:lnRef idx="2">
+            <a:schemeClr val="accent1">
+              <a:shade val="50000"/>
+            </a:schemeClr>
+          </a:lnRef>
+          <a:fillRef idx="1">
+            <a:schemeClr val="accent1"/>
+          </a:fillRef>
+          <a:effectRef idx="0">
+            <a:schemeClr val="accent1"/>
+          </a:effectRef>
+          <a:fontRef idx="minor">
+            <a:schemeClr val="lt1"/>
+          </a:fontRef>
+        </p:style>
+        <p:txBody>
+          <a:bodyPr rtlCol="0" anchor="ctr"/>
+          <a:lstStyle/>
+          <a:p>
+            <a:pPr algn="ctr"/>
+            <a:endParaRPr lang="ko-KR" altLang="en-US"/>
+          </a:p>
+        </p:txBody>
+      </p:sp>
+      <p:grpSp>
+        <p:nvGrpSpPr>
+          <p:cNvPr id="69" name="그룹 68"/>
+          <p:cNvGrpSpPr/>
+          <p:nvPr/>
+        </p:nvGrpSpPr>
+        <p:grpSpPr>
+          <a:xfrm flipH="1">
+            <a:off x="1389583" y="4852995"/>
+            <a:ext cx="2059191" cy="606439"/>
+            <a:chOff x="7905755" y="1479645"/>
+            <a:chExt cx="3298115" cy="3668329"/>
+          </a:xfrm>
+        </p:grpSpPr>
+        <p:cxnSp>
+          <p:nvCxnSpPr>
+            <p:cNvPr id="70" name="직선 연결선 69"/>
+            <p:cNvCxnSpPr/>
+            <p:nvPr/>
+          </p:nvCxnSpPr>
+          <p:spPr>
+            <a:xfrm flipV="1">
+              <a:off x="7905755" y="1479645"/>
+              <a:ext cx="278287" cy="0"/>
+            </a:xfrm>
+            <a:prstGeom prst="line">
+              <a:avLst/>
+            </a:prstGeom>
+            <a:ln w="19050">
+              <a:solidFill>
+                <a:schemeClr val="tx1">
+                  <a:lumMod val="50000"/>
+                  <a:lumOff val="50000"/>
+                </a:schemeClr>
+              </a:solidFill>
+            </a:ln>
+          </p:spPr>
+          <p:style>
+            <a:lnRef idx="1">
+              <a:schemeClr val="accent1"/>
+            </a:lnRef>
+            <a:fillRef idx="0">
+              <a:schemeClr val="accent1"/>
+            </a:fillRef>
+            <a:effectRef idx="0">
+              <a:schemeClr val="accent1"/>
+            </a:effectRef>
+            <a:fontRef idx="minor">
+              <a:schemeClr val="tx1"/>
+            </a:fontRef>
+          </p:style>
+        </p:cxnSp>
+        <p:cxnSp>
+          <p:nvCxnSpPr>
+            <p:cNvPr id="71" name="직선 연결선 70"/>
+            <p:cNvCxnSpPr/>
+            <p:nvPr/>
+          </p:nvCxnSpPr>
+          <p:spPr>
+            <a:xfrm rot="5400000">
+              <a:off x="6349881" y="3313808"/>
+              <a:ext cx="3668329" cy="3"/>
+            </a:xfrm>
+            <a:prstGeom prst="line">
+              <a:avLst/>
+            </a:prstGeom>
+            <a:ln w="19050">
+              <a:solidFill>
+                <a:schemeClr val="tx1">
+                  <a:lumMod val="50000"/>
+                  <a:lumOff val="50000"/>
+                </a:schemeClr>
+              </a:solidFill>
+            </a:ln>
+          </p:spPr>
+          <p:style>
+            <a:lnRef idx="1">
+              <a:schemeClr val="accent1"/>
+            </a:lnRef>
+            <a:fillRef idx="0">
+              <a:schemeClr val="accent1"/>
+            </a:fillRef>
+            <a:effectRef idx="0">
+              <a:schemeClr val="accent1"/>
+            </a:effectRef>
+            <a:fontRef idx="minor">
+              <a:schemeClr val="tx1"/>
+            </a:fontRef>
+          </p:style>
+        </p:cxnSp>
+        <p:cxnSp>
+          <p:nvCxnSpPr>
+            <p:cNvPr id="72" name="직선 연결선 71"/>
+            <p:cNvCxnSpPr/>
+            <p:nvPr/>
+          </p:nvCxnSpPr>
+          <p:spPr>
+            <a:xfrm>
+              <a:off x="7905755" y="5147974"/>
+              <a:ext cx="278289" cy="0"/>
+            </a:xfrm>
+            <a:prstGeom prst="line">
+              <a:avLst/>
+            </a:prstGeom>
+            <a:ln w="19050">
+              <a:solidFill>
+                <a:schemeClr val="tx1">
+                  <a:lumMod val="50000"/>
+                  <a:lumOff val="50000"/>
+                </a:schemeClr>
+              </a:solidFill>
+            </a:ln>
+          </p:spPr>
+          <p:style>
+            <a:lnRef idx="1">
+              <a:schemeClr val="accent1"/>
+            </a:lnRef>
+            <a:fillRef idx="0">
+              <a:schemeClr val="accent1"/>
+            </a:fillRef>
+            <a:effectRef idx="0">
+              <a:schemeClr val="accent1"/>
+            </a:effectRef>
+            <a:fontRef idx="minor">
+              <a:schemeClr val="tx1"/>
+            </a:fontRef>
+          </p:style>
+        </p:cxnSp>
+        <p:cxnSp>
+          <p:nvCxnSpPr>
+            <p:cNvPr id="73" name="직선 연결선 72"/>
+            <p:cNvCxnSpPr/>
+            <p:nvPr/>
+          </p:nvCxnSpPr>
+          <p:spPr>
+            <a:xfrm>
+              <a:off x="8161394" y="3362464"/>
+              <a:ext cx="3042476" cy="0"/>
+            </a:xfrm>
+            <a:prstGeom prst="line">
+              <a:avLst/>
+            </a:prstGeom>
+            <a:ln w="19050">
+              <a:solidFill>
+                <a:schemeClr val="tx1">
+                  <a:lumMod val="50000"/>
+                  <a:lumOff val="50000"/>
+                </a:schemeClr>
+              </a:solidFill>
+            </a:ln>
+          </p:spPr>
+          <p:style>
+            <a:lnRef idx="1">
+              <a:schemeClr val="accent1"/>
+            </a:lnRef>
+            <a:fillRef idx="0">
+              <a:schemeClr val="accent1"/>
+            </a:fillRef>
+            <a:effectRef idx="0">
+              <a:schemeClr val="accent1"/>
+            </a:effectRef>
+            <a:fontRef idx="minor">
+              <a:schemeClr val="tx1"/>
+            </a:fontRef>
+          </p:style>
+        </p:cxnSp>
+      </p:grpSp>
+      <p:cxnSp>
+        <p:nvCxnSpPr>
+          <p:cNvPr id="74" name="직선 연결선 73"/>
+          <p:cNvCxnSpPr>
+            <a:stCxn id="68" idx="2"/>
+          </p:cNvCxnSpPr>
+          <p:nvPr/>
+        </p:nvCxnSpPr>
+        <p:spPr>
+          <a:xfrm>
+            <a:off x="1389585" y="4385696"/>
+            <a:ext cx="0" cy="770519"/>
+          </a:xfrm>
+          <a:prstGeom prst="line">
+            <a:avLst/>
+          </a:prstGeom>
+          <a:ln w="19050">
+            <a:solidFill>
+              <a:schemeClr val="tx1">
+                <a:lumMod val="50000"/>
+                <a:lumOff val="50000"/>
+              </a:schemeClr>
+            </a:solidFill>
+          </a:ln>
+        </p:spPr>
+        <p:style>
+          <a:lnRef idx="1">
+            <a:schemeClr val="accent1"/>
+          </a:lnRef>
+          <a:fillRef idx="0">
+            <a:schemeClr val="accent1"/>
+          </a:fillRef>
+          <a:effectRef idx="0">
+            <a:schemeClr val="accent1"/>
+          </a:effectRef>
+          <a:fontRef idx="minor">
+            <a:schemeClr val="tx1"/>
+          </a:fontRef>
+        </p:style>
+      </p:cxnSp>
     </p:spTree>
     <p:extLst>
       <p:ext uri="{BB962C8B-B14F-4D97-AF65-F5344CB8AC3E}">
@@ -15084,15 +16674,261 @@
                                   </p:childTnLst>
                                 </p:cTn>
                               </p:par>
+                            </p:childTnLst>
+                          </p:cTn>
+                        </p:par>
+                      </p:childTnLst>
+                    </p:cTn>
+                  </p:par>
+                  <p:par>
+                    <p:cTn id="39" fill="hold">
+                      <p:stCondLst>
+                        <p:cond delay="indefinite"/>
+                      </p:stCondLst>
+                      <p:childTnLst>
+                        <p:par>
+                          <p:cTn id="40" fill="hold">
+                            <p:stCondLst>
+                              <p:cond delay="0"/>
+                            </p:stCondLst>
+                            <p:childTnLst>
                               <p:par>
-                                <p:cTn id="39" presetID="10" presetClass="entr" presetSubtype="0" fill="hold" grpId="0" nodeType="withEffect">
+                                <p:cTn id="41" presetID="10" presetClass="exit" presetSubtype="0" fill="hold" nodeType="clickEffect">
+                                  <p:stCondLst>
+                                    <p:cond delay="0"/>
+                                  </p:stCondLst>
+                                  <p:childTnLst>
+                                    <p:animEffect transition="out" filter="fade">
+                                      <p:cBhvr>
+                                        <p:cTn id="42" dur="500"/>
+                                        <p:tgtEl>
+                                          <p:spTgt spid="16"/>
+                                        </p:tgtEl>
+                                      </p:cBhvr>
+                                    </p:animEffect>
+                                    <p:set>
+                                      <p:cBhvr>
+                                        <p:cTn id="43" dur="1" fill="hold">
+                                          <p:stCondLst>
+                                            <p:cond delay="499"/>
+                                          </p:stCondLst>
+                                        </p:cTn>
+                                        <p:tgtEl>
+                                          <p:spTgt spid="16"/>
+                                        </p:tgtEl>
+                                        <p:attrNameLst>
+                                          <p:attrName>style.visibility</p:attrName>
+                                        </p:attrNameLst>
+                                      </p:cBhvr>
+                                      <p:to>
+                                        <p:strVal val="hidden"/>
+                                      </p:to>
+                                    </p:set>
+                                  </p:childTnLst>
+                                </p:cTn>
+                              </p:par>
+                              <p:par>
+                                <p:cTn id="44" presetID="10" presetClass="exit" presetSubtype="0" fill="hold" grpId="1" nodeType="withEffect">
+                                  <p:stCondLst>
+                                    <p:cond delay="0"/>
+                                  </p:stCondLst>
+                                  <p:childTnLst>
+                                    <p:animEffect transition="out" filter="fade">
+                                      <p:cBhvr>
+                                        <p:cTn id="45" dur="500"/>
+                                        <p:tgtEl>
+                                          <p:spTgt spid="14"/>
+                                        </p:tgtEl>
+                                      </p:cBhvr>
+                                    </p:animEffect>
+                                    <p:set>
+                                      <p:cBhvr>
+                                        <p:cTn id="46" dur="1" fill="hold">
+                                          <p:stCondLst>
+                                            <p:cond delay="499"/>
+                                          </p:stCondLst>
+                                        </p:cTn>
+                                        <p:tgtEl>
+                                          <p:spTgt spid="14"/>
+                                        </p:tgtEl>
+                                        <p:attrNameLst>
+                                          <p:attrName>style.visibility</p:attrName>
+                                        </p:attrNameLst>
+                                      </p:cBhvr>
+                                      <p:to>
+                                        <p:strVal val="hidden"/>
+                                      </p:to>
+                                    </p:set>
+                                  </p:childTnLst>
+                                </p:cTn>
+                              </p:par>
+                            </p:childTnLst>
+                          </p:cTn>
+                        </p:par>
+                      </p:childTnLst>
+                    </p:cTn>
+                  </p:par>
+                  <p:par>
+                    <p:cTn id="47" fill="hold">
+                      <p:stCondLst>
+                        <p:cond delay="indefinite"/>
+                      </p:stCondLst>
+                      <p:childTnLst>
+                        <p:par>
+                          <p:cTn id="48" fill="hold">
+                            <p:stCondLst>
+                              <p:cond delay="0"/>
+                            </p:stCondLst>
+                            <p:childTnLst>
+                              <p:par>
+                                <p:cTn id="49" presetID="10" presetClass="entr" presetSubtype="0" fill="hold" nodeType="clickEffect">
                                   <p:stCondLst>
                                     <p:cond delay="0"/>
                                   </p:stCondLst>
                                   <p:childTnLst>
                                     <p:set>
                                       <p:cBhvr>
-                                        <p:cTn id="40" dur="1" fill="hold">
+                                        <p:cTn id="50" dur="1" fill="hold">
+                                          <p:stCondLst>
+                                            <p:cond delay="0"/>
+                                          </p:stCondLst>
+                                        </p:cTn>
+                                        <p:tgtEl>
+                                          <p:spTgt spid="74"/>
+                                        </p:tgtEl>
+                                        <p:attrNameLst>
+                                          <p:attrName>style.visibility</p:attrName>
+                                        </p:attrNameLst>
+                                      </p:cBhvr>
+                                      <p:to>
+                                        <p:strVal val="visible"/>
+                                      </p:to>
+                                    </p:set>
+                                    <p:animEffect transition="in" filter="fade">
+                                      <p:cBhvr>
+                                        <p:cTn id="51" dur="500"/>
+                                        <p:tgtEl>
+                                          <p:spTgt spid="74"/>
+                                        </p:tgtEl>
+                                      </p:cBhvr>
+                                    </p:animEffect>
+                                  </p:childTnLst>
+                                </p:cTn>
+                              </p:par>
+                              <p:par>
+                                <p:cTn id="52" presetID="10" presetClass="entr" presetSubtype="0" fill="hold" nodeType="withEffect">
+                                  <p:stCondLst>
+                                    <p:cond delay="0"/>
+                                  </p:stCondLst>
+                                  <p:childTnLst>
+                                    <p:set>
+                                      <p:cBhvr>
+                                        <p:cTn id="53" dur="1" fill="hold">
+                                          <p:stCondLst>
+                                            <p:cond delay="0"/>
+                                          </p:stCondLst>
+                                        </p:cTn>
+                                        <p:tgtEl>
+                                          <p:spTgt spid="69"/>
+                                        </p:tgtEl>
+                                        <p:attrNameLst>
+                                          <p:attrName>style.visibility</p:attrName>
+                                        </p:attrNameLst>
+                                      </p:cBhvr>
+                                      <p:to>
+                                        <p:strVal val="visible"/>
+                                      </p:to>
+                                    </p:set>
+                                    <p:animEffect transition="in" filter="fade">
+                                      <p:cBhvr>
+                                        <p:cTn id="54" dur="500"/>
+                                        <p:tgtEl>
+                                          <p:spTgt spid="69"/>
+                                        </p:tgtEl>
+                                      </p:cBhvr>
+                                    </p:animEffect>
+                                  </p:childTnLst>
+                                </p:cTn>
+                              </p:par>
+                              <p:par>
+                                <p:cTn id="55" presetID="10" presetClass="entr" presetSubtype="0" fill="hold" grpId="0" nodeType="withEffect">
+                                  <p:stCondLst>
+                                    <p:cond delay="0"/>
+                                  </p:stCondLst>
+                                  <p:childTnLst>
+                                    <p:set>
+                                      <p:cBhvr>
+                                        <p:cTn id="56" dur="1" fill="hold">
+                                          <p:stCondLst>
+                                            <p:cond delay="0"/>
+                                          </p:stCondLst>
+                                        </p:cTn>
+                                        <p:tgtEl>
+                                          <p:spTgt spid="68"/>
+                                        </p:tgtEl>
+                                        <p:attrNameLst>
+                                          <p:attrName>style.visibility</p:attrName>
+                                        </p:attrNameLst>
+                                      </p:cBhvr>
+                                      <p:to>
+                                        <p:strVal val="visible"/>
+                                      </p:to>
+                                    </p:set>
+                                    <p:animEffect transition="in" filter="fade">
+                                      <p:cBhvr>
+                                        <p:cTn id="57" dur="500"/>
+                                        <p:tgtEl>
+                                          <p:spTgt spid="68"/>
+                                        </p:tgtEl>
+                                      </p:cBhvr>
+                                    </p:animEffect>
+                                  </p:childTnLst>
+                                </p:cTn>
+                              </p:par>
+                              <p:par>
+                                <p:cTn id="58" presetID="10" presetClass="entr" presetSubtype="0" fill="hold" nodeType="withEffect">
+                                  <p:stCondLst>
+                                    <p:cond delay="0"/>
+                                  </p:stCondLst>
+                                  <p:childTnLst>
+                                    <p:set>
+                                      <p:cBhvr>
+                                        <p:cTn id="59" dur="1" fill="hold">
+                                          <p:stCondLst>
+                                            <p:cond delay="0"/>
+                                          </p:stCondLst>
+                                        </p:cTn>
+                                        <p:tgtEl>
+                                          <p:spTgt spid="49"/>
+                                        </p:tgtEl>
+                                        <p:attrNameLst>
+                                          <p:attrName>style.visibility</p:attrName>
+                                        </p:attrNameLst>
+                                      </p:cBhvr>
+                                      <p:to>
+                                        <p:strVal val="visible"/>
+                                      </p:to>
+                                    </p:set>
+                                    <p:animEffect transition="in" filter="fade">
+                                      <p:cBhvr>
+                                        <p:cTn id="60" dur="500"/>
+                                        <p:tgtEl>
+                                          <p:spTgt spid="49"/>
+                                        </p:tgtEl>
+                                      </p:cBhvr>
+                                    </p:animEffect>
+                                  </p:childTnLst>
+                                </p:cTn>
+                              </p:par>
+                              <p:par>
+                                <p:cTn id="61" presetID="10" presetClass="entr" presetSubtype="0" fill="hold" grpId="0" nodeType="withEffect">
+                                  <p:stCondLst>
+                                    <p:cond delay="0"/>
+                                  </p:stCondLst>
+                                  <p:childTnLst>
+                                    <p:set>
+                                      <p:cBhvr>
+                                        <p:cTn id="62" dur="1" fill="hold">
                                           <p:stCondLst>
                                             <p:cond delay="0"/>
                                           </p:stCondLst>
@@ -15110,7 +16946,7 @@
                                     </p:set>
                                     <p:animEffect transition="in" filter="fade">
                                       <p:cBhvr>
-                                        <p:cTn id="41" dur="500"/>
+                                        <p:cTn id="63" dur="500"/>
                                         <p:tgtEl>
                                           <p:spTgt spid="65"/>
                                         </p:tgtEl>
@@ -15120,37 +16956,72 @@
                                 </p:cTn>
                               </p:par>
                               <p:par>
-                                <p:cTn id="42" presetID="10" presetClass="exit" presetSubtype="0" fill="hold" grpId="1" nodeType="withEffect">
+                                <p:cTn id="64" presetID="10" presetClass="entr" presetSubtype="0" fill="hold" grpId="0" nodeType="withEffect">
                                   <p:stCondLst>
                                     <p:cond delay="0"/>
                                   </p:stCondLst>
                                   <p:childTnLst>
-                                    <p:animEffect transition="out" filter="fade">
-                                      <p:cBhvr>
-                                        <p:cTn id="43" dur="500"/>
-                                        <p:tgtEl>
-                                          <p:spTgt spid="65"/>
-                                        </p:tgtEl>
-                                      </p:cBhvr>
-                                    </p:animEffect>
                                     <p:set>
                                       <p:cBhvr>
-                                        <p:cTn id="44" dur="1" fill="hold">
+                                        <p:cTn id="65" dur="1" fill="hold">
                                           <p:stCondLst>
-                                            <p:cond delay="499"/>
+                                            <p:cond delay="0"/>
                                           </p:stCondLst>
                                         </p:cTn>
                                         <p:tgtEl>
-                                          <p:spTgt spid="65"/>
+                                          <p:spTgt spid="46"/>
                                         </p:tgtEl>
                                         <p:attrNameLst>
                                           <p:attrName>style.visibility</p:attrName>
                                         </p:attrNameLst>
                                       </p:cBhvr>
                                       <p:to>
-                                        <p:strVal val="hidden"/>
+                                        <p:strVal val="visible"/>
                                       </p:to>
                                     </p:set>
+                                    <p:animEffect transition="in" filter="fade">
+                                      <p:cBhvr>
+                                        <p:cTn id="66" dur="500"/>
+                                        <p:tgtEl>
+                                          <p:spTgt spid="46"/>
+                                        </p:tgtEl>
+                                      </p:cBhvr>
+                                    </p:animEffect>
+                                  </p:childTnLst>
+                                </p:cTn>
+                              </p:par>
+                              <p:par>
+                                <p:cTn id="67" presetID="10" presetClass="entr" presetSubtype="0" fill="hold" grpId="0" nodeType="withEffect">
+                                  <p:stCondLst>
+                                    <p:cond delay="0"/>
+                                  </p:stCondLst>
+                                  <p:childTnLst>
+                                    <p:set>
+                                      <p:cBhvr>
+                                        <p:cTn id="68" dur="1" fill="hold">
+                                          <p:stCondLst>
+                                            <p:cond delay="0"/>
+                                          </p:stCondLst>
+                                        </p:cTn>
+                                        <p:tgtEl>
+                                          <p:spTgt spid="45"/>
+                                        </p:tgtEl>
+                                        <p:attrNameLst>
+                                          <p:attrName>style.visibility</p:attrName>
+                                        </p:attrNameLst>
+                                      </p:cBhvr>
+                                      <p:to>
+                                        <p:strVal val="visible"/>
+                                      </p:to>
+                                    </p:set>
+                                    <p:animEffect transition="in" filter="fade">
+                                      <p:cBhvr>
+                                        <p:cTn id="69" dur="500"/>
+                                        <p:tgtEl>
+                                          <p:spTgt spid="45"/>
+                                        </p:tgtEl>
+                                      </p:cBhvr>
+                                    </p:animEffect>
                                   </p:childTnLst>
                                 </p:cTn>
                               </p:par>
@@ -15183,6 +17054,7 @@
     </p:tnLst>
     <p:bldLst>
       <p:bldP spid="14" grpId="0"/>
+      <p:bldP spid="14" grpId="1"/>
       <p:bldP spid="54" grpId="0"/>
       <p:bldP spid="54" grpId="1"/>
       <p:bldP spid="18" grpId="0" animBg="1"/>
@@ -15190,7 +17062,9 @@
       <p:bldP spid="60" grpId="0" animBg="1"/>
       <p:bldP spid="60" grpId="1" animBg="1"/>
       <p:bldP spid="65" grpId="0" animBg="1"/>
-      <p:bldP spid="65" grpId="1" animBg="1"/>
+      <p:bldP spid="45" grpId="0"/>
+      <p:bldP spid="46" grpId="0"/>
+      <p:bldP spid="68" grpId="0" animBg="1"/>
     </p:bldLst>
   </p:timing>
 </p:sld>
@@ -15435,7 +17309,7 @@
             <p:cNvPr id="18" name="직사각형 17">
               <a:extLst>
                 <a:ext uri="{FF2B5EF4-FFF2-40B4-BE49-F238E27FC236}">
-                  <a16:creationId xmlns="" xmlns:a16="http://schemas.microsoft.com/office/drawing/2014/main" id="{DFA00BE3-81FE-4FF2-86E9-DCF50AC1E47F}"/>
+                  <a16:creationId xmlns:a16="http://schemas.microsoft.com/office/drawing/2014/main" xmlns="" id="{DFA00BE3-81FE-4FF2-86E9-DCF50AC1E47F}"/>
                 </a:ext>
               </a:extLst>
             </p:cNvPr>
@@ -15529,15 +17403,17 @@
             <a:p>
               <a:pPr algn="ctr"/>
               <a:r>
-                <a:rPr lang="ko-KR" altLang="en-US" sz="2000" dirty="0" smtClean="0">
-                  <a:latin typeface="HY견고딕" panose="02030600000101010101" pitchFamily="18" charset="-127"/>
-                  <a:ea typeface="HY견고딕" panose="02030600000101010101" pitchFamily="18" charset="-127"/>
+                <a:rPr lang="ko-KR" altLang="en-US" sz="2000" dirty="0">
+                  <a:latin typeface="한컴 백제 B" panose="02020603020101020101" pitchFamily="18" charset="-127"/>
+                  <a:ea typeface="한컴 백제 B" panose="02020603020101020101" pitchFamily="18" charset="-127"/>
+                  <a:cs typeface="Arial"/>
                 </a:rPr>
                 <a:t>서비스 구현</a:t>
               </a:r>
               <a:endParaRPr lang="ko-KR" altLang="en-US" sz="2000" dirty="0">
-                <a:latin typeface="HY견고딕" panose="02030600000101010101" pitchFamily="18" charset="-127"/>
-                <a:ea typeface="HY견고딕" panose="02030600000101010101" pitchFamily="18" charset="-127"/>
+                <a:latin typeface="한컴 백제 B" panose="02020603020101020101" pitchFamily="18" charset="-127"/>
+                <a:ea typeface="한컴 백제 B" panose="02020603020101020101" pitchFamily="18" charset="-127"/>
+                <a:cs typeface="Arial"/>
               </a:endParaRPr>
             </a:p>
           </p:txBody>
@@ -15562,7 +17438,7 @@
             <p:cNvPr id="32" name="직사각형 31">
               <a:extLst>
                 <a:ext uri="{FF2B5EF4-FFF2-40B4-BE49-F238E27FC236}">
-                  <a16:creationId xmlns="" xmlns:a16="http://schemas.microsoft.com/office/drawing/2014/main" id="{DFA00BE3-81FE-4FF2-86E9-DCF50AC1E47F}"/>
+                  <a16:creationId xmlns:a16="http://schemas.microsoft.com/office/drawing/2014/main" xmlns="" id="{DFA00BE3-81FE-4FF2-86E9-DCF50AC1E47F}"/>
                 </a:ext>
               </a:extLst>
             </p:cNvPr>
@@ -15656,15 +17532,17 @@
             <a:p>
               <a:pPr algn="ctr"/>
               <a:r>
-                <a:rPr lang="ko-KR" altLang="en-US" sz="2000" dirty="0" smtClean="0">
-                  <a:latin typeface="HY견고딕" panose="02030600000101010101" pitchFamily="18" charset="-127"/>
-                  <a:ea typeface="HY견고딕" panose="02030600000101010101" pitchFamily="18" charset="-127"/>
+                <a:rPr lang="ko-KR" altLang="en-US" sz="2000" dirty="0">
+                  <a:latin typeface="한컴 백제 B" panose="02020603020101020101" pitchFamily="18" charset="-127"/>
+                  <a:ea typeface="한컴 백제 B" panose="02020603020101020101" pitchFamily="18" charset="-127"/>
+                  <a:cs typeface="Arial"/>
                 </a:rPr>
                 <a:t>회의록</a:t>
               </a:r>
               <a:endParaRPr lang="ko-KR" altLang="en-US" sz="2000" dirty="0">
-                <a:latin typeface="HY견고딕" panose="02030600000101010101" pitchFamily="18" charset="-127"/>
-                <a:ea typeface="HY견고딕" panose="02030600000101010101" pitchFamily="18" charset="-127"/>
+                <a:latin typeface="한컴 백제 B" panose="02020603020101020101" pitchFamily="18" charset="-127"/>
+                <a:ea typeface="한컴 백제 B" panose="02020603020101020101" pitchFamily="18" charset="-127"/>
+                <a:cs typeface="Arial"/>
               </a:endParaRPr>
             </a:p>
           </p:txBody>
@@ -16013,7 +17891,7 @@
             <p:cNvPr id="18" name="직사각형 17">
               <a:extLst>
                 <a:ext uri="{FF2B5EF4-FFF2-40B4-BE49-F238E27FC236}">
-                  <a16:creationId xmlns="" xmlns:a16="http://schemas.microsoft.com/office/drawing/2014/main" id="{DFA00BE3-81FE-4FF2-86E9-DCF50AC1E47F}"/>
+                  <a16:creationId xmlns:a16="http://schemas.microsoft.com/office/drawing/2014/main" xmlns="" id="{DFA00BE3-81FE-4FF2-86E9-DCF50AC1E47F}"/>
                 </a:ext>
               </a:extLst>
             </p:cNvPr>
@@ -16107,15 +17985,17 @@
             <a:p>
               <a:pPr algn="ctr"/>
               <a:r>
-                <a:rPr lang="ko-KR" altLang="en-US" sz="2000" dirty="0" smtClean="0">
-                  <a:latin typeface="HY견고딕" panose="02030600000101010101" pitchFamily="18" charset="-127"/>
-                  <a:ea typeface="HY견고딕" panose="02030600000101010101" pitchFamily="18" charset="-127"/>
+                <a:rPr lang="ko-KR" altLang="en-US" sz="2000" dirty="0">
+                  <a:latin typeface="한컴 백제 B" panose="02020603020101020101" pitchFamily="18" charset="-127"/>
+                  <a:ea typeface="한컴 백제 B" panose="02020603020101020101" pitchFamily="18" charset="-127"/>
+                  <a:cs typeface="Arial"/>
                 </a:rPr>
                 <a:t>서비스 구현</a:t>
               </a:r>
               <a:endParaRPr lang="ko-KR" altLang="en-US" sz="2000" dirty="0">
-                <a:latin typeface="HY견고딕" panose="02030600000101010101" pitchFamily="18" charset="-127"/>
-                <a:ea typeface="HY견고딕" panose="02030600000101010101" pitchFamily="18" charset="-127"/>
+                <a:latin typeface="한컴 백제 B" panose="02020603020101020101" pitchFamily="18" charset="-127"/>
+                <a:ea typeface="한컴 백제 B" panose="02020603020101020101" pitchFamily="18" charset="-127"/>
+                <a:cs typeface="Arial"/>
               </a:endParaRPr>
             </a:p>
           </p:txBody>
@@ -16140,7 +18020,7 @@
             <p:cNvPr id="32" name="직사각형 31">
               <a:extLst>
                 <a:ext uri="{FF2B5EF4-FFF2-40B4-BE49-F238E27FC236}">
-                  <a16:creationId xmlns="" xmlns:a16="http://schemas.microsoft.com/office/drawing/2014/main" id="{DFA00BE3-81FE-4FF2-86E9-DCF50AC1E47F}"/>
+                  <a16:creationId xmlns:a16="http://schemas.microsoft.com/office/drawing/2014/main" xmlns="" id="{DFA00BE3-81FE-4FF2-86E9-DCF50AC1E47F}"/>
                 </a:ext>
               </a:extLst>
             </p:cNvPr>
@@ -16234,15 +18114,17 @@
             <a:p>
               <a:pPr algn="ctr"/>
               <a:r>
-                <a:rPr lang="ko-KR" altLang="en-US" sz="2000" dirty="0" smtClean="0">
-                  <a:latin typeface="HY견고딕" panose="02030600000101010101" pitchFamily="18" charset="-127"/>
-                  <a:ea typeface="HY견고딕" panose="02030600000101010101" pitchFamily="18" charset="-127"/>
+                <a:rPr lang="ko-KR" altLang="en-US" sz="2000" dirty="0">
+                  <a:latin typeface="한컴 백제 B" panose="02020603020101020101" pitchFamily="18" charset="-127"/>
+                  <a:ea typeface="한컴 백제 B" panose="02020603020101020101" pitchFamily="18" charset="-127"/>
+                  <a:cs typeface="Arial"/>
                 </a:rPr>
                 <a:t>회의록</a:t>
               </a:r>
               <a:endParaRPr lang="ko-KR" altLang="en-US" sz="2000" dirty="0">
-                <a:latin typeface="HY견고딕" panose="02030600000101010101" pitchFamily="18" charset="-127"/>
-                <a:ea typeface="HY견고딕" panose="02030600000101010101" pitchFamily="18" charset="-127"/>
+                <a:latin typeface="한컴 백제 B" panose="02020603020101020101" pitchFamily="18" charset="-127"/>
+                <a:ea typeface="한컴 백제 B" panose="02020603020101020101" pitchFamily="18" charset="-127"/>
+                <a:cs typeface="Arial"/>
               </a:endParaRPr>
             </a:p>
           </p:txBody>
@@ -18328,6 +20210,178 @@
               </a:solidFill>
               <a:latin typeface="한컴 백제 M" panose="02020603020101020101" pitchFamily="18" charset="-127"/>
               <a:ea typeface="한컴 백제 M" panose="02020603020101020101" pitchFamily="18" charset="-127"/>
+            </a:endParaRPr>
+          </a:p>
+        </p:txBody>
+      </p:sp>
+      <p:pic>
+        <p:nvPicPr>
+          <p:cNvPr id="2051" name="Picture 3"/>
+          <p:cNvPicPr>
+            <a:picLocks noChangeAspect="1" noChangeArrowheads="1"/>
+          </p:cNvPicPr>
+          <p:nvPr/>
+        </p:nvPicPr>
+        <p:blipFill rotWithShape="1">
+          <a:blip r:embed="rId2">
+            <a:extLst>
+              <a:ext uri="{28A0092B-C50C-407E-A947-70E740481C1C}">
+                <a14:useLocalDpi xmlns:a14="http://schemas.microsoft.com/office/drawing/2010/main" val="0"/>
+              </a:ext>
+            </a:extLst>
+          </a:blip>
+          <a:srcRect l="24271" t="33746" r="24063" b="25883"/>
+          <a:stretch/>
+        </p:blipFill>
+        <p:spPr bwMode="auto">
+          <a:xfrm>
+            <a:off x="317349" y="1916791"/>
+            <a:ext cx="8519405" cy="3744416"/>
+          </a:xfrm>
+          <a:prstGeom prst="rect">
+            <a:avLst/>
+          </a:prstGeom>
+          <a:noFill/>
+          <a:ln>
+            <a:noFill/>
+          </a:ln>
+          <a:extLst>
+            <a:ext uri="{909E8E84-426E-40DD-AFC4-6F175D3DCCD1}">
+              <a14:hiddenFill xmlns:a14="http://schemas.microsoft.com/office/drawing/2010/main">
+                <a:solidFill>
+                  <a:schemeClr val="accent1"/>
+                </a:solidFill>
+              </a14:hiddenFill>
+            </a:ext>
+            <a:ext uri="{91240B29-F687-4F45-9708-019B960494DF}">
+              <a14:hiddenLine xmlns:a14="http://schemas.microsoft.com/office/drawing/2010/main" w="9525">
+                <a:solidFill>
+                  <a:schemeClr val="tx1"/>
+                </a:solidFill>
+                <a:miter lim="800000"/>
+                <a:headEnd/>
+                <a:tailEnd/>
+              </a14:hiddenLine>
+            </a:ext>
+          </a:extLst>
+        </p:spPr>
+      </p:pic>
+      <p:sp>
+        <p:nvSpPr>
+          <p:cNvPr id="10" name="직사각형 9">
+            <a:extLst>
+              <a:ext uri="{FF2B5EF4-FFF2-40B4-BE49-F238E27FC236}">
+                <a16:creationId xmlns:a16="http://schemas.microsoft.com/office/drawing/2014/main" xmlns="" id="{DFA00BE3-81FE-4FF2-86E9-DCF50AC1E47F}"/>
+              </a:ext>
+            </a:extLst>
+          </p:cNvPr>
+          <p:cNvSpPr/>
+          <p:nvPr/>
+        </p:nvSpPr>
+        <p:spPr>
+          <a:xfrm>
+            <a:off x="262106" y="1269000"/>
+            <a:ext cx="8629893" cy="5039999"/>
+          </a:xfrm>
+          <a:prstGeom prst="rect">
+            <a:avLst/>
+          </a:prstGeom>
+          <a:noFill/>
+          <a:ln w="12700">
+            <a:solidFill>
+              <a:schemeClr val="tx1"/>
+            </a:solidFill>
+          </a:ln>
+        </p:spPr>
+        <p:style>
+          <a:lnRef idx="2">
+            <a:schemeClr val="accent1">
+              <a:shade val="50000"/>
+            </a:schemeClr>
+          </a:lnRef>
+          <a:fillRef idx="1">
+            <a:schemeClr val="accent1"/>
+          </a:fillRef>
+          <a:effectRef idx="0">
+            <a:schemeClr val="accent1"/>
+          </a:effectRef>
+          <a:fontRef idx="minor">
+            <a:schemeClr val="lt1"/>
+          </a:fontRef>
+        </p:style>
+        <p:txBody>
+          <a:bodyPr rtlCol="0" anchor="ctr"/>
+          <a:lstStyle/>
+          <a:p>
+            <a:pPr algn="ctr"/>
+            <a:endParaRPr lang="ko-KR" altLang="en-US"/>
+          </a:p>
+        </p:txBody>
+      </p:sp>
+      <p:sp>
+        <p:nvSpPr>
+          <p:cNvPr id="11" name="모서리가 둥근 직사각형 10"/>
+          <p:cNvSpPr/>
+          <p:nvPr/>
+        </p:nvSpPr>
+        <p:spPr>
+          <a:xfrm>
+            <a:off x="986796" y="1072703"/>
+            <a:ext cx="2868531" cy="426654"/>
+          </a:xfrm>
+          <a:prstGeom prst="roundRect">
+            <a:avLst/>
+          </a:prstGeom>
+          <a:solidFill>
+            <a:schemeClr val="bg1">
+              <a:lumMod val="50000"/>
+            </a:schemeClr>
+          </a:solidFill>
+          <a:ln>
+            <a:noFill/>
+          </a:ln>
+        </p:spPr>
+        <p:style>
+          <a:lnRef idx="2">
+            <a:schemeClr val="accent1">
+              <a:shade val="50000"/>
+            </a:schemeClr>
+          </a:lnRef>
+          <a:fillRef idx="1">
+            <a:schemeClr val="accent1"/>
+          </a:fillRef>
+          <a:effectRef idx="0">
+            <a:schemeClr val="accent1"/>
+          </a:effectRef>
+          <a:fontRef idx="minor">
+            <a:schemeClr val="lt1"/>
+          </a:fontRef>
+        </p:style>
+        <p:txBody>
+          <a:bodyPr rtlCol="0" anchor="ctr"/>
+          <a:lstStyle/>
+          <a:p>
+            <a:pPr algn="ctr"/>
+            <a:r>
+              <a:rPr lang="ko-KR" altLang="en-US" sz="2000" dirty="0" err="1" smtClean="0">
+                <a:latin typeface="한컴 백제 B" panose="02020603020101020101" pitchFamily="18" charset="-127"/>
+                <a:ea typeface="한컴 백제 B" panose="02020603020101020101" pitchFamily="18" charset="-127"/>
+                <a:cs typeface="Arial"/>
+              </a:rPr>
+              <a:t>깃허브</a:t>
+            </a:r>
+            <a:r>
+              <a:rPr lang="ko-KR" altLang="en-US" sz="2000" dirty="0" smtClean="0">
+                <a:latin typeface="한컴 백제 B" panose="02020603020101020101" pitchFamily="18" charset="-127"/>
+                <a:ea typeface="한컴 백제 B" panose="02020603020101020101" pitchFamily="18" charset="-127"/>
+                <a:cs typeface="Arial"/>
+              </a:rPr>
+              <a:t> 사용</a:t>
+            </a:r>
+            <a:endParaRPr lang="ko-KR" altLang="en-US" sz="2000" dirty="0">
+              <a:latin typeface="한컴 백제 B" panose="02020603020101020101" pitchFamily="18" charset="-127"/>
+              <a:ea typeface="한컴 백제 B" panose="02020603020101020101" pitchFamily="18" charset="-127"/>
+              <a:cs typeface="Arial"/>
             </a:endParaRPr>
           </a:p>
         </p:txBody>
@@ -18620,7 +20674,7 @@
             <p:cNvPr id="18" name="직사각형 17">
               <a:extLst>
                 <a:ext uri="{FF2B5EF4-FFF2-40B4-BE49-F238E27FC236}">
-                  <a16:creationId xmlns="" xmlns:a16="http://schemas.microsoft.com/office/drawing/2014/main" id="{DFA00BE3-81FE-4FF2-86E9-DCF50AC1E47F}"/>
+                  <a16:creationId xmlns:a16="http://schemas.microsoft.com/office/drawing/2014/main" xmlns="" id="{DFA00BE3-81FE-4FF2-86E9-DCF50AC1E47F}"/>
                 </a:ext>
               </a:extLst>
             </p:cNvPr>
@@ -18747,7 +20801,7 @@
             <p:cNvPr id="32" name="직사각형 31">
               <a:extLst>
                 <a:ext uri="{FF2B5EF4-FFF2-40B4-BE49-F238E27FC236}">
-                  <a16:creationId xmlns="" xmlns:a16="http://schemas.microsoft.com/office/drawing/2014/main" id="{DFA00BE3-81FE-4FF2-86E9-DCF50AC1E47F}"/>
+                  <a16:creationId xmlns:a16="http://schemas.microsoft.com/office/drawing/2014/main" xmlns="" id="{DFA00BE3-81FE-4FF2-86E9-DCF50AC1E47F}"/>
                 </a:ext>
               </a:extLst>
             </p:cNvPr>
@@ -18903,7 +20957,7 @@
             <p:cNvPr id="25" name="직사각형 24">
               <a:extLst>
                 <a:ext uri="{FF2B5EF4-FFF2-40B4-BE49-F238E27FC236}">
-                  <a16:creationId xmlns="" xmlns:a16="http://schemas.microsoft.com/office/drawing/2014/main" id="{DFA00BE3-81FE-4FF2-86E9-DCF50AC1E47F}"/>
+                  <a16:creationId xmlns:a16="http://schemas.microsoft.com/office/drawing/2014/main" xmlns="" id="{DFA00BE3-81FE-4FF2-86E9-DCF50AC1E47F}"/>
                 </a:ext>
               </a:extLst>
             </p:cNvPr>
@@ -19541,7 +21595,7 @@
             <p:cNvPr id="18" name="직사각형 17">
               <a:extLst>
                 <a:ext uri="{FF2B5EF4-FFF2-40B4-BE49-F238E27FC236}">
-                  <a16:creationId xmlns="" xmlns:a16="http://schemas.microsoft.com/office/drawing/2014/main" id="{DFA00BE3-81FE-4FF2-86E9-DCF50AC1E47F}"/>
+                  <a16:creationId xmlns:a16="http://schemas.microsoft.com/office/drawing/2014/main" xmlns="" id="{DFA00BE3-81FE-4FF2-86E9-DCF50AC1E47F}"/>
                 </a:ext>
               </a:extLst>
             </p:cNvPr>
@@ -19668,7 +21722,7 @@
             <p:cNvPr id="32" name="직사각형 31">
               <a:extLst>
                 <a:ext uri="{FF2B5EF4-FFF2-40B4-BE49-F238E27FC236}">
-                  <a16:creationId xmlns="" xmlns:a16="http://schemas.microsoft.com/office/drawing/2014/main" id="{DFA00BE3-81FE-4FF2-86E9-DCF50AC1E47F}"/>
+                  <a16:creationId xmlns:a16="http://schemas.microsoft.com/office/drawing/2014/main" xmlns="" id="{DFA00BE3-81FE-4FF2-86E9-DCF50AC1E47F}"/>
                 </a:ext>
               </a:extLst>
             </p:cNvPr>
@@ -19776,35 +21830,6 @@
           </p:txBody>
         </p:sp>
       </p:grpSp>
-      <p:pic>
-        <p:nvPicPr>
-          <p:cNvPr id="14" name="그림 13"/>
-          <p:cNvPicPr>
-            <a:picLocks noChangeAspect="1"/>
-          </p:cNvPicPr>
-          <p:nvPr/>
-        </p:nvPicPr>
-        <p:blipFill rotWithShape="1">
-          <a:blip r:embed="rId2" cstate="print">
-            <a:extLst>
-              <a:ext uri="{28A0092B-C50C-407E-A947-70E740481C1C}">
-                <a14:useLocalDpi xmlns:a14="http://schemas.microsoft.com/office/drawing/2010/main" val="0"/>
-              </a:ext>
-            </a:extLst>
-          </a:blip>
-          <a:srcRect t="13392"/>
-          <a:stretch/>
-        </p:blipFill>
-        <p:spPr>
-          <a:xfrm>
-            <a:off x="629798" y="1506165"/>
-            <a:ext cx="3142511" cy="1937724"/>
-          </a:xfrm>
-          <a:prstGeom prst="rect">
-            <a:avLst/>
-          </a:prstGeom>
-        </p:spPr>
-      </p:pic>
       <p:grpSp>
         <p:nvGrpSpPr>
           <p:cNvPr id="24" name="그룹 23"/>
@@ -19824,7 +21849,7 @@
             <p:cNvPr id="25" name="직사각형 24">
               <a:extLst>
                 <a:ext uri="{FF2B5EF4-FFF2-40B4-BE49-F238E27FC236}">
-                  <a16:creationId xmlns="" xmlns:a16="http://schemas.microsoft.com/office/drawing/2014/main" id="{DFA00BE3-81FE-4FF2-86E9-DCF50AC1E47F}"/>
+                  <a16:creationId xmlns:a16="http://schemas.microsoft.com/office/drawing/2014/main" xmlns="" id="{DFA00BE3-81FE-4FF2-86E9-DCF50AC1E47F}"/>
                 </a:ext>
               </a:extLst>
             </p:cNvPr>
@@ -20300,6 +22325,35 @@
           </a:p>
         </p:txBody>
       </p:sp>
+      <p:pic>
+        <p:nvPicPr>
+          <p:cNvPr id="27" name="그림 26"/>
+          <p:cNvPicPr>
+            <a:picLocks noChangeAspect="1"/>
+          </p:cNvPicPr>
+          <p:nvPr/>
+        </p:nvPicPr>
+        <p:blipFill rotWithShape="1">
+          <a:blip r:embed="rId2" cstate="print">
+            <a:extLst>
+              <a:ext uri="{28A0092B-C50C-407E-A947-70E740481C1C}">
+                <a14:useLocalDpi xmlns:a14="http://schemas.microsoft.com/office/drawing/2010/main" val="0"/>
+              </a:ext>
+            </a:extLst>
+          </a:blip>
+          <a:srcRect l="6" t="18416" r="-6" b="-924"/>
+          <a:stretch/>
+        </p:blipFill>
+        <p:spPr>
+          <a:xfrm>
+            <a:off x="629798" y="1506165"/>
+            <a:ext cx="3142512" cy="1937219"/>
+          </a:xfrm>
+          <a:prstGeom prst="rect">
+            <a:avLst/>
+          </a:prstGeom>
+        </p:spPr>
+      </p:pic>
     </p:spTree>
     <p:extLst>
       <p:ext uri="{BB962C8B-B14F-4D97-AF65-F5344CB8AC3E}">
@@ -20337,6 +22391,47 @@
           <a:chExt cx="0" cy="0"/>
         </a:xfrm>
       </p:grpSpPr>
+      <p:pic>
+        <p:nvPicPr>
+          <p:cNvPr id="31" name="Picture 2" descr="C:\Users\basic\Downloads\20181220_165154.jpg"/>
+          <p:cNvPicPr>
+            <a:picLocks noChangeAspect="1" noChangeArrowheads="1"/>
+          </p:cNvPicPr>
+          <p:nvPr/>
+        </p:nvPicPr>
+        <p:blipFill>
+          <a:blip r:embed="rId2" cstate="print">
+            <a:extLst>
+              <a:ext uri="{28A0092B-C50C-407E-A947-70E740481C1C}">
+                <a14:useLocalDpi xmlns:a14="http://schemas.microsoft.com/office/drawing/2010/main" val="0"/>
+              </a:ext>
+            </a:extLst>
+          </a:blip>
+          <a:srcRect/>
+          <a:stretch>
+            <a:fillRect/>
+          </a:stretch>
+        </p:blipFill>
+        <p:spPr bwMode="auto">
+          <a:xfrm>
+            <a:off x="629798" y="1507525"/>
+            <a:ext cx="3142511" cy="1941439"/>
+          </a:xfrm>
+          <a:prstGeom prst="rect">
+            <a:avLst/>
+          </a:prstGeom>
+          <a:noFill/>
+          <a:extLst>
+            <a:ext uri="{909E8E84-426E-40DD-AFC4-6F175D3DCCD1}">
+              <a14:hiddenFill xmlns:a14="http://schemas.microsoft.com/office/drawing/2010/main">
+                <a:solidFill>
+                  <a:srgbClr val="FFFFFF"/>
+                </a:solidFill>
+              </a14:hiddenFill>
+            </a:ext>
+          </a:extLst>
+        </p:spPr>
+      </p:pic>
       <p:sp>
         <p:nvSpPr>
           <p:cNvPr id="79" name="object 10"/>
@@ -20690,7 +22785,7 @@
             <p:cNvPr id="18" name="직사각형 17">
               <a:extLst>
                 <a:ext uri="{FF2B5EF4-FFF2-40B4-BE49-F238E27FC236}">
-                  <a16:creationId xmlns="" xmlns:a16="http://schemas.microsoft.com/office/drawing/2014/main" id="{DFA00BE3-81FE-4FF2-86E9-DCF50AC1E47F}"/>
+                  <a16:creationId xmlns:a16="http://schemas.microsoft.com/office/drawing/2014/main" xmlns="" id="{DFA00BE3-81FE-4FF2-86E9-DCF50AC1E47F}"/>
                 </a:ext>
               </a:extLst>
             </p:cNvPr>
@@ -20817,7 +22912,7 @@
             <p:cNvPr id="32" name="직사각형 31">
               <a:extLst>
                 <a:ext uri="{FF2B5EF4-FFF2-40B4-BE49-F238E27FC236}">
-                  <a16:creationId xmlns="" xmlns:a16="http://schemas.microsoft.com/office/drawing/2014/main" id="{DFA00BE3-81FE-4FF2-86E9-DCF50AC1E47F}"/>
+                  <a16:creationId xmlns:a16="http://schemas.microsoft.com/office/drawing/2014/main" xmlns="" id="{DFA00BE3-81FE-4FF2-86E9-DCF50AC1E47F}"/>
                 </a:ext>
               </a:extLst>
             </p:cNvPr>
@@ -20925,35 +23020,6 @@
           </p:txBody>
         </p:sp>
       </p:grpSp>
-      <p:pic>
-        <p:nvPicPr>
-          <p:cNvPr id="14" name="그림 13"/>
-          <p:cNvPicPr>
-            <a:picLocks noChangeAspect="1"/>
-          </p:cNvPicPr>
-          <p:nvPr/>
-        </p:nvPicPr>
-        <p:blipFill rotWithShape="1">
-          <a:blip r:embed="rId2" cstate="print">
-            <a:extLst>
-              <a:ext uri="{28A0092B-C50C-407E-A947-70E740481C1C}">
-                <a14:useLocalDpi xmlns:a14="http://schemas.microsoft.com/office/drawing/2010/main" val="0"/>
-              </a:ext>
-            </a:extLst>
-          </a:blip>
-          <a:srcRect t="13392"/>
-          <a:stretch/>
-        </p:blipFill>
-        <p:spPr>
-          <a:xfrm>
-            <a:off x="629798" y="1506165"/>
-            <a:ext cx="3142511" cy="1937724"/>
-          </a:xfrm>
-          <a:prstGeom prst="rect">
-            <a:avLst/>
-          </a:prstGeom>
-        </p:spPr>
-      </p:pic>
       <p:grpSp>
         <p:nvGrpSpPr>
           <p:cNvPr id="24" name="그룹 23"/>
@@ -20973,7 +23039,7 @@
             <p:cNvPr id="25" name="직사각형 24">
               <a:extLst>
                 <a:ext uri="{FF2B5EF4-FFF2-40B4-BE49-F238E27FC236}">
-                  <a16:creationId xmlns="" xmlns:a16="http://schemas.microsoft.com/office/drawing/2014/main" id="{DFA00BE3-81FE-4FF2-86E9-DCF50AC1E47F}"/>
+                  <a16:creationId xmlns:a16="http://schemas.microsoft.com/office/drawing/2014/main" xmlns="" id="{DFA00BE3-81FE-4FF2-86E9-DCF50AC1E47F}"/>
                 </a:ext>
               </a:extLst>
             </p:cNvPr>
@@ -21456,35 +23522,6 @@
       </p:grpSpPr>
       <p:pic>
         <p:nvPicPr>
-          <p:cNvPr id="31" name="그림 30"/>
-          <p:cNvPicPr>
-            <a:picLocks noChangeAspect="1"/>
-          </p:cNvPicPr>
-          <p:nvPr/>
-        </p:nvPicPr>
-        <p:blipFill rotWithShape="1">
-          <a:blip r:embed="rId2" cstate="print">
-            <a:extLst>
-              <a:ext uri="{28A0092B-C50C-407E-A947-70E740481C1C}">
-                <a14:useLocalDpi xmlns:a14="http://schemas.microsoft.com/office/drawing/2010/main" val="0"/>
-              </a:ext>
-            </a:extLst>
-          </a:blip>
-          <a:srcRect l="6" t="18416" r="-6" b="-924"/>
-          <a:stretch/>
-        </p:blipFill>
-        <p:spPr>
-          <a:xfrm>
-            <a:off x="629798" y="1506165"/>
-            <a:ext cx="3142512" cy="1937219"/>
-          </a:xfrm>
-          <a:prstGeom prst="rect">
-            <a:avLst/>
-          </a:prstGeom>
-        </p:spPr>
-      </p:pic>
-      <p:pic>
-        <p:nvPicPr>
           <p:cNvPr id="6" name="그림 5"/>
           <p:cNvPicPr>
             <a:picLocks noChangeAspect="1"/>
@@ -21492,7 +23529,7 @@
           <p:nvPr/>
         </p:nvPicPr>
         <p:blipFill>
-          <a:blip r:embed="rId3" cstate="print">
+          <a:blip r:embed="rId2" cstate="print">
             <a:extLst>
               <a:ext uri="{28A0092B-C50C-407E-A947-70E740481C1C}">
                 <a14:useLocalDpi xmlns:a14="http://schemas.microsoft.com/office/drawing/2010/main" val="0"/>
@@ -21866,7 +23903,7 @@
             <p:cNvPr id="18" name="직사각형 17">
               <a:extLst>
                 <a:ext uri="{FF2B5EF4-FFF2-40B4-BE49-F238E27FC236}">
-                  <a16:creationId xmlns="" xmlns:a16="http://schemas.microsoft.com/office/drawing/2014/main" id="{DFA00BE3-81FE-4FF2-86E9-DCF50AC1E47F}"/>
+                  <a16:creationId xmlns:a16="http://schemas.microsoft.com/office/drawing/2014/main" xmlns="" id="{DFA00BE3-81FE-4FF2-86E9-DCF50AC1E47F}"/>
                 </a:ext>
               </a:extLst>
             </p:cNvPr>
@@ -21993,7 +24030,7 @@
             <p:cNvPr id="32" name="직사각형 31">
               <a:extLst>
                 <a:ext uri="{FF2B5EF4-FFF2-40B4-BE49-F238E27FC236}">
-                  <a16:creationId xmlns="" xmlns:a16="http://schemas.microsoft.com/office/drawing/2014/main" id="{DFA00BE3-81FE-4FF2-86E9-DCF50AC1E47F}"/>
+                  <a16:creationId xmlns:a16="http://schemas.microsoft.com/office/drawing/2014/main" xmlns="" id="{DFA00BE3-81FE-4FF2-86E9-DCF50AC1E47F}"/>
                 </a:ext>
               </a:extLst>
             </p:cNvPr>
@@ -22120,7 +24157,7 @@
             <p:cNvPr id="25" name="직사각형 24">
               <a:extLst>
                 <a:ext uri="{FF2B5EF4-FFF2-40B4-BE49-F238E27FC236}">
-                  <a16:creationId xmlns="" xmlns:a16="http://schemas.microsoft.com/office/drawing/2014/main" id="{DFA00BE3-81FE-4FF2-86E9-DCF50AC1E47F}"/>
+                  <a16:creationId xmlns:a16="http://schemas.microsoft.com/office/drawing/2014/main" xmlns="" id="{DFA00BE3-81FE-4FF2-86E9-DCF50AC1E47F}"/>
                 </a:ext>
               </a:extLst>
             </p:cNvPr>
@@ -22571,6 +24608,47 @@
           </a:p>
         </p:txBody>
       </p:sp>
+      <p:pic>
+        <p:nvPicPr>
+          <p:cNvPr id="35" name="Picture 2" descr="C:\Users\basic\Downloads\20181220_165154.jpg"/>
+          <p:cNvPicPr>
+            <a:picLocks noChangeAspect="1" noChangeArrowheads="1"/>
+          </p:cNvPicPr>
+          <p:nvPr/>
+        </p:nvPicPr>
+        <p:blipFill>
+          <a:blip r:embed="rId3" cstate="print">
+            <a:extLst>
+              <a:ext uri="{28A0092B-C50C-407E-A947-70E740481C1C}">
+                <a14:useLocalDpi xmlns:a14="http://schemas.microsoft.com/office/drawing/2010/main" val="0"/>
+              </a:ext>
+            </a:extLst>
+          </a:blip>
+          <a:srcRect/>
+          <a:stretch>
+            <a:fillRect/>
+          </a:stretch>
+        </p:blipFill>
+        <p:spPr bwMode="auto">
+          <a:xfrm>
+            <a:off x="629798" y="1507525"/>
+            <a:ext cx="3142511" cy="1941439"/>
+          </a:xfrm>
+          <a:prstGeom prst="rect">
+            <a:avLst/>
+          </a:prstGeom>
+          <a:noFill/>
+          <a:extLst>
+            <a:ext uri="{909E8E84-426E-40DD-AFC4-6F175D3DCCD1}">
+              <a14:hiddenFill xmlns:a14="http://schemas.microsoft.com/office/drawing/2010/main">
+                <a:solidFill>
+                  <a:srgbClr val="FFFFFF"/>
+                </a:solidFill>
+              </a14:hiddenFill>
+            </a:ext>
+          </a:extLst>
+        </p:spPr>
+      </p:pic>
     </p:spTree>
     <p:extLst>
       <p:ext uri="{BB962C8B-B14F-4D97-AF65-F5344CB8AC3E}">
@@ -24244,7 +26322,7 @@
           <p:nvPr/>
         </p:nvPicPr>
         <p:blipFill rotWithShape="1">
-          <a:blip r:embed="rId2">
+          <a:blip r:embed="rId3">
             <a:extLst>
               <a:ext uri="{28A0092B-C50C-407E-A947-70E740481C1C}">
                 <a14:useLocalDpi xmlns:a14="http://schemas.microsoft.com/office/drawing/2010/main" val="0"/>
@@ -24722,7 +26800,7 @@
           <p:nvPr/>
         </p:nvPicPr>
         <p:blipFill rotWithShape="1">
-          <a:blip r:embed="rId2">
+          <a:blip r:embed="rId3">
             <a:alphaModFix/>
           </a:blip>
           <a:srcRect l="5400" t="10339" r="19345" b="4034"/>
@@ -26940,7 +29018,7 @@
             <a:avLst/>
           </a:prstGeom>
           <a:blipFill>
-            <a:blip r:embed="rId2" cstate="print"/>
+            <a:blip r:embed="rId3" cstate="print"/>
             <a:stretch>
               <a:fillRect/>
             </a:stretch>
@@ -27149,7 +29227,7 @@
             <a:avLst/>
           </a:prstGeom>
           <a:blipFill>
-            <a:blip r:embed="rId2" cstate="print"/>
+            <a:blip r:embed="rId3" cstate="print"/>
             <a:stretch>
               <a:fillRect/>
             </a:stretch>
@@ -28563,7 +30641,7 @@
   <a:extraClrSchemeLst/>
   <a:extLst>
     <a:ext uri="{05A4C25C-085E-4340-85A3-A5531E510DB2}">
-      <thm15:themeFamily xmlns:thm15="http://schemas.microsoft.com/office/thememl/2012/main" name="Office Theme" id="{62F939B6-93AF-4DB8-9C6B-D6C7DFDC589F}" vid="{4A3C46E8-61CC-4603-A589-7422A47A8E4A}"/>
+      <thm15:themeFamily xmlns:thm15="http://schemas.microsoft.com/office/thememl/2012/main" xmlns="" name="Office Theme" id="{62F939B6-93AF-4DB8-9C6B-D6C7DFDC589F}" vid="{4A3C46E8-61CC-4603-A589-7422A47A8E4A}"/>
     </a:ext>
   </a:extLst>
 </a:theme>
@@ -28824,7 +30902,7 @@
   <a:extraClrSchemeLst/>
   <a:extLst>
     <a:ext uri="{05A4C25C-085E-4340-85A3-A5531E510DB2}">
-      <thm15:themeFamily xmlns:thm15="http://schemas.microsoft.com/office/thememl/2012/main" name="Office Theme" id="{62F939B6-93AF-4DB8-9C6B-D6C7DFDC589F}" vid="{4A3C46E8-61CC-4603-A589-7422A47A8E4A}"/>
+      <thm15:themeFamily xmlns:thm15="http://schemas.microsoft.com/office/thememl/2012/main" xmlns="" name="Office Theme" id="{62F939B6-93AF-4DB8-9C6B-D6C7DFDC589F}" vid="{4A3C46E8-61CC-4603-A589-7422A47A8E4A}"/>
     </a:ext>
   </a:extLst>
 </a:theme>

--- a/시프ppt 제작중.pptx
+++ b/시프ppt 제작중.pptx
@@ -5,7 +5,7 @@
     <p:sldMasterId id="2147483667" r:id="rId1"/>
   </p:sldMasterIdLst>
   <p:notesMasterIdLst>
-    <p:notesMasterId r:id="rId27"/>
+    <p:notesMasterId r:id="rId26"/>
   </p:notesMasterIdLst>
   <p:sldIdLst>
     <p:sldId id="285" r:id="rId2"/>
@@ -18,21 +18,20 @@
     <p:sldId id="258" r:id="rId9"/>
     <p:sldId id="304" r:id="rId10"/>
     <p:sldId id="306" r:id="rId11"/>
-    <p:sldId id="309" r:id="rId12"/>
-    <p:sldId id="310" r:id="rId13"/>
-    <p:sldId id="308" r:id="rId14"/>
-    <p:sldId id="321" r:id="rId15"/>
-    <p:sldId id="319" r:id="rId16"/>
-    <p:sldId id="320" r:id="rId17"/>
-    <p:sldId id="315" r:id="rId18"/>
-    <p:sldId id="322" r:id="rId19"/>
-    <p:sldId id="313" r:id="rId20"/>
-    <p:sldId id="284" r:id="rId21"/>
-    <p:sldId id="323" r:id="rId22"/>
-    <p:sldId id="293" r:id="rId23"/>
-    <p:sldId id="302" r:id="rId24"/>
-    <p:sldId id="303" r:id="rId25"/>
-    <p:sldId id="296" r:id="rId26"/>
+    <p:sldId id="330" r:id="rId12"/>
+    <p:sldId id="329" r:id="rId13"/>
+    <p:sldId id="310" r:id="rId14"/>
+    <p:sldId id="328" r:id="rId15"/>
+    <p:sldId id="331" r:id="rId16"/>
+    <p:sldId id="321" r:id="rId17"/>
+    <p:sldId id="319" r:id="rId18"/>
+    <p:sldId id="320" r:id="rId19"/>
+    <p:sldId id="315" r:id="rId20"/>
+    <p:sldId id="332" r:id="rId21"/>
+    <p:sldId id="322" r:id="rId22"/>
+    <p:sldId id="323" r:id="rId23"/>
+    <p:sldId id="293" r:id="rId24"/>
+    <p:sldId id="326" r:id="rId25"/>
   </p:sldIdLst>
   <p:sldSz cx="9144000" cy="6858000" type="screen4x3"/>
   <p:notesSz cx="9144000" cy="6858000"/>
@@ -133,7 +132,7 @@
   </p:defaultTextStyle>
   <p:extLst>
     <p:ext uri="{EFAFB233-063F-42B5-8137-9DF3F51BA10A}">
-      <p15:sldGuideLst xmlns:p15="http://schemas.microsoft.com/office/powerpoint/2012/main" xmlns="">
+      <p15:sldGuideLst xmlns="" xmlns:p15="http://schemas.microsoft.com/office/powerpoint/2012/main">
         <p15:guide id="1" orient="horz" pos="2880">
           <p15:clr>
             <a:srgbClr val="A4A3A4"/>
@@ -745,7 +744,7 @@
           <a:p>
             <a:fld id="{7F859A09-C47D-436D-8DC1-F57A02053515}" type="slidenum">
               <a:rPr lang="ko-KR" altLang="en-US" smtClean="0"/>
-              <a:t>11</a:t>
+              <a:t>12</a:t>
             </a:fld>
             <a:endParaRPr lang="ko-KR" altLang="en-US"/>
           </a:p>
@@ -829,7 +828,7 @@
           <a:p>
             <a:fld id="{7F859A09-C47D-436D-8DC1-F57A02053515}" type="slidenum">
               <a:rPr lang="ko-KR" altLang="en-US" smtClean="0"/>
-              <a:t>14</a:t>
+              <a:t>16</a:t>
             </a:fld>
             <a:endParaRPr lang="ko-KR" altLang="en-US"/>
           </a:p>
@@ -913,7 +912,7 @@
           <a:p>
             <a:fld id="{7F859A09-C47D-436D-8DC1-F57A02053515}" type="slidenum">
               <a:rPr lang="ko-KR" altLang="en-US" smtClean="0"/>
-              <a:t>15</a:t>
+              <a:t>17</a:t>
             </a:fld>
             <a:endParaRPr lang="ko-KR" altLang="en-US"/>
           </a:p>
@@ -997,7 +996,7 @@
           <a:p>
             <a:fld id="{7F859A09-C47D-436D-8DC1-F57A02053515}" type="slidenum">
               <a:rPr lang="ko-KR" altLang="en-US" smtClean="0"/>
-              <a:t>16</a:t>
+              <a:t>18</a:t>
             </a:fld>
             <a:endParaRPr lang="ko-KR" altLang="en-US"/>
           </a:p>
@@ -1081,7 +1080,7 @@
           <a:p>
             <a:fld id="{7F859A09-C47D-436D-8DC1-F57A02053515}" type="slidenum">
               <a:rPr lang="ko-KR" altLang="en-US" smtClean="0"/>
-              <a:t>17</a:t>
+              <a:t>19</a:t>
             </a:fld>
             <a:endParaRPr lang="ko-KR" altLang="en-US"/>
           </a:p>
@@ -1173,7 +1172,99 @@
           <a:p>
             <a:fld id="{7F859A09-C47D-436D-8DC1-F57A02053515}" type="slidenum">
               <a:rPr lang="ko-KR" altLang="en-US" smtClean="0"/>
-              <a:t>18</a:t>
+              <a:t>20</a:t>
+            </a:fld>
+            <a:endParaRPr lang="ko-KR" altLang="en-US"/>
+          </a:p>
+        </p:txBody>
+      </p:sp>
+    </p:spTree>
+    <p:extLst>
+      <p:ext uri="{BB962C8B-B14F-4D97-AF65-F5344CB8AC3E}">
+        <p14:creationId xmlns:p14="http://schemas.microsoft.com/office/powerpoint/2010/main" val="3633577518"/>
+      </p:ext>
+    </p:extLst>
+  </p:cSld>
+  <p:clrMapOvr>
+    <a:masterClrMapping/>
+  </p:clrMapOvr>
+</p:notes>
+</file>
+
+<file path=ppt/notesSlides/notesSlide17.xml><?xml version="1.0" encoding="utf-8"?>
+<p:notes xmlns:a="http://schemas.openxmlformats.org/drawingml/2006/main" xmlns:r="http://schemas.openxmlformats.org/officeDocument/2006/relationships" xmlns:p="http://schemas.openxmlformats.org/presentationml/2006/main">
+  <p:cSld>
+    <p:spTree>
+      <p:nvGrpSpPr>
+        <p:cNvPr id="1" name=""/>
+        <p:cNvGrpSpPr/>
+        <p:nvPr/>
+      </p:nvGrpSpPr>
+      <p:grpSpPr>
+        <a:xfrm>
+          <a:off x="0" y="0"/>
+          <a:ext cx="0" cy="0"/>
+          <a:chOff x="0" y="0"/>
+          <a:chExt cx="0" cy="0"/>
+        </a:xfrm>
+      </p:grpSpPr>
+      <p:sp>
+        <p:nvSpPr>
+          <p:cNvPr id="2" name="슬라이드 이미지 개체 틀 1"/>
+          <p:cNvSpPr>
+            <a:spLocks noGrp="1" noRot="1" noChangeAspect="1"/>
+          </p:cNvSpPr>
+          <p:nvPr>
+            <p:ph type="sldImg"/>
+          </p:nvPr>
+        </p:nvSpPr>
+        <p:spPr/>
+      </p:sp>
+      <p:sp>
+        <p:nvSpPr>
+          <p:cNvPr id="3" name="슬라이드 노트 개체 틀 2"/>
+          <p:cNvSpPr>
+            <a:spLocks noGrp="1"/>
+          </p:cNvSpPr>
+          <p:nvPr>
+            <p:ph type="body" idx="1"/>
+          </p:nvPr>
+        </p:nvSpPr>
+        <p:spPr/>
+        <p:txBody>
+          <a:bodyPr/>
+          <a:lstStyle/>
+          <a:p>
+            <a:r>
+              <a:rPr lang="ko-KR" altLang="en-US" dirty="0" smtClean="0"/>
+              <a:t>주요 기능을 좀 더 </a:t>
+            </a:r>
+            <a:r>
+              <a:rPr lang="ko-KR" altLang="en-US" dirty="0" err="1" smtClean="0"/>
+              <a:t>설명드리자면</a:t>
+            </a:r>
+            <a:endParaRPr lang="ko-KR" altLang="en-US" dirty="0"/>
+          </a:p>
+        </p:txBody>
+      </p:sp>
+      <p:sp>
+        <p:nvSpPr>
+          <p:cNvPr id="4" name="슬라이드 번호 개체 틀 3"/>
+          <p:cNvSpPr>
+            <a:spLocks noGrp="1"/>
+          </p:cNvSpPr>
+          <p:nvPr>
+            <p:ph type="sldNum" sz="quarter" idx="10"/>
+          </p:nvPr>
+        </p:nvSpPr>
+        <p:spPr/>
+        <p:txBody>
+          <a:bodyPr/>
+          <a:lstStyle/>
+          <a:p>
+            <a:fld id="{7F859A09-C47D-436D-8DC1-F57A02053515}" type="slidenum">
+              <a:rPr lang="ko-KR" altLang="en-US" smtClean="0"/>
+              <a:t>21</a:t>
             </a:fld>
             <a:endParaRPr lang="ko-KR" altLang="en-US"/>
           </a:p>
@@ -5753,7 +5844,7 @@
           <p:cNvPr id="31" name="직사각형 30">
             <a:extLst>
               <a:ext uri="{FF2B5EF4-FFF2-40B4-BE49-F238E27FC236}">
-                <a16:creationId xmlns:a16="http://schemas.microsoft.com/office/drawing/2014/main" xmlns="" id="{DFA00BE3-81FE-4FF2-86E9-DCF50AC1E47F}"/>
+                <a16:creationId xmlns="" xmlns:a16="http://schemas.microsoft.com/office/drawing/2014/main" id="{DFA00BE3-81FE-4FF2-86E9-DCF50AC1E47F}"/>
               </a:ext>
             </a:extLst>
           </p:cNvPr>
@@ -8331,7 +8422,7 @@
         </p:nvGrpSpPr>
         <p:grpSpPr>
           <a:xfrm>
-            <a:off x="262107" y="1080872"/>
+            <a:off x="2633115" y="1080872"/>
             <a:ext cx="3877894" cy="5228128"/>
             <a:chOff x="262107" y="1080872"/>
             <a:chExt cx="3589893" cy="5228128"/>
@@ -8342,7 +8433,7 @@
             <p:cNvPr id="18" name="직사각형 17">
               <a:extLst>
                 <a:ext uri="{FF2B5EF4-FFF2-40B4-BE49-F238E27FC236}">
-                  <a16:creationId xmlns:a16="http://schemas.microsoft.com/office/drawing/2014/main" xmlns="" id="{DFA00BE3-81FE-4FF2-86E9-DCF50AC1E47F}"/>
+                  <a16:creationId xmlns="" xmlns:a16="http://schemas.microsoft.com/office/drawing/2014/main" id="{DFA00BE3-81FE-4FF2-86E9-DCF50AC1E47F}"/>
                 </a:ext>
               </a:extLst>
             </p:cNvPr>
@@ -8436,12 +8527,12 @@
             <a:p>
               <a:pPr algn="ctr"/>
               <a:r>
-                <a:rPr lang="ko-KR" altLang="en-US" sz="2000" dirty="0">
+                <a:rPr lang="ko-KR" altLang="en-US" sz="2000" dirty="0" smtClean="0">
                   <a:latin typeface="한컴 백제 B" panose="02020603020101020101" pitchFamily="18" charset="-127"/>
                   <a:ea typeface="한컴 백제 B" panose="02020603020101020101" pitchFamily="18" charset="-127"/>
                   <a:cs typeface="Arial"/>
                 </a:rPr>
-                <a:t>서비스 구현</a:t>
+                <a:t>학생 대여신청</a:t>
               </a:r>
               <a:endParaRPr lang="ko-KR" altLang="en-US" sz="2000" dirty="0">
                 <a:latin typeface="한컴 백제 B" panose="02020603020101020101" pitchFamily="18" charset="-127"/>
@@ -8452,6 +8543,887 @@
           </p:txBody>
         </p:sp>
       </p:grpSp>
+      <p:sp>
+        <p:nvSpPr>
+          <p:cNvPr id="14" name="TextBox 13"/>
+          <p:cNvSpPr txBox="1"/>
+          <p:nvPr/>
+        </p:nvSpPr>
+        <p:spPr>
+          <a:xfrm>
+            <a:off x="233907" y="198597"/>
+            <a:ext cx="3886200" cy="369332"/>
+          </a:xfrm>
+          <a:prstGeom prst="rect">
+            <a:avLst/>
+          </a:prstGeom>
+          <a:noFill/>
+        </p:spPr>
+        <p:txBody>
+          <a:bodyPr wrap="square" rtlCol="0">
+            <a:spAutoFit/>
+          </a:bodyPr>
+          <a:lstStyle/>
+          <a:p>
+            <a:r>
+              <a:rPr lang="ko-KR" altLang="en-US" dirty="0" smtClean="0">
+                <a:latin typeface="한컴 백제 B" panose="02020603020101020101" pitchFamily="18" charset="-127"/>
+                <a:ea typeface="한컴 백제 B" panose="02020603020101020101" pitchFamily="18" charset="-127"/>
+              </a:rPr>
+              <a:t>서비스 구현</a:t>
+            </a:r>
+            <a:endParaRPr lang="ko-KR" altLang="en-US" dirty="0">
+              <a:latin typeface="한컴 백제 B" panose="02020603020101020101" pitchFamily="18" charset="-127"/>
+              <a:ea typeface="한컴 백제 B" panose="02020603020101020101" pitchFamily="18" charset="-127"/>
+            </a:endParaRPr>
+          </a:p>
+        </p:txBody>
+      </p:sp>
+      <p:sp>
+        <p:nvSpPr>
+          <p:cNvPr id="15" name="TextBox 14"/>
+          <p:cNvSpPr txBox="1"/>
+          <p:nvPr/>
+        </p:nvSpPr>
+        <p:spPr>
+          <a:xfrm>
+            <a:off x="244066" y="490667"/>
+            <a:ext cx="3595789" cy="276999"/>
+          </a:xfrm>
+          <a:prstGeom prst="rect">
+            <a:avLst/>
+          </a:prstGeom>
+          <a:noFill/>
+        </p:spPr>
+        <p:txBody>
+          <a:bodyPr wrap="square" rtlCol="0">
+            <a:spAutoFit/>
+          </a:bodyPr>
+          <a:lstStyle/>
+          <a:p>
+            <a:r>
+              <a:rPr lang="ko-KR" altLang="en-US" sz="1200" dirty="0" smtClean="0">
+                <a:solidFill>
+                  <a:schemeClr val="tx1">
+                    <a:lumMod val="50000"/>
+                    <a:lumOff val="50000"/>
+                  </a:schemeClr>
+                </a:solidFill>
+                <a:latin typeface="한컴 백제 M" panose="02020603020101020101" pitchFamily="18" charset="-127"/>
+                <a:ea typeface="한컴 백제 M" panose="02020603020101020101" pitchFamily="18" charset="-127"/>
+              </a:rPr>
+              <a:t>서비스 사진</a:t>
+            </a:r>
+            <a:endParaRPr lang="ko-KR" altLang="en-US" sz="1200" dirty="0">
+              <a:solidFill>
+                <a:schemeClr val="tx1">
+                  <a:lumMod val="50000"/>
+                  <a:lumOff val="50000"/>
+                </a:schemeClr>
+              </a:solidFill>
+              <a:latin typeface="한컴 백제 M" panose="02020603020101020101" pitchFamily="18" charset="-127"/>
+              <a:ea typeface="한컴 백제 M" panose="02020603020101020101" pitchFamily="18" charset="-127"/>
+            </a:endParaRPr>
+          </a:p>
+        </p:txBody>
+      </p:sp>
+      <p:pic>
+        <p:nvPicPr>
+          <p:cNvPr id="16" name="Picture 3"/>
+          <p:cNvPicPr>
+            <a:picLocks noChangeAspect="1" noChangeArrowheads="1"/>
+          </p:cNvPicPr>
+          <p:nvPr/>
+        </p:nvPicPr>
+        <p:blipFill rotWithShape="1">
+          <a:blip r:embed="rId2">
+            <a:extLst>
+              <a:ext uri="{28A0092B-C50C-407E-A947-70E740481C1C}">
+                <a14:useLocalDpi xmlns:a14="http://schemas.microsoft.com/office/drawing/2010/main" val="0"/>
+              </a:ext>
+            </a:extLst>
+          </a:blip>
+          <a:srcRect l="49186" t="61537" r="34772"/>
+          <a:stretch/>
+        </p:blipFill>
+        <p:spPr bwMode="auto">
+          <a:xfrm>
+            <a:off x="3112109" y="1810640"/>
+            <a:ext cx="2933762" cy="3956720"/>
+          </a:xfrm>
+          <a:prstGeom prst="rect">
+            <a:avLst/>
+          </a:prstGeom>
+          <a:noFill/>
+          <a:ln>
+            <a:noFill/>
+          </a:ln>
+          <a:extLst>
+            <a:ext uri="{909E8E84-426E-40DD-AFC4-6F175D3DCCD1}">
+              <a14:hiddenFill xmlns:a14="http://schemas.microsoft.com/office/drawing/2010/main">
+                <a:solidFill>
+                  <a:schemeClr val="accent1"/>
+                </a:solidFill>
+              </a14:hiddenFill>
+            </a:ext>
+            <a:ext uri="{91240B29-F687-4F45-9708-019B960494DF}">
+              <a14:hiddenLine xmlns:a14="http://schemas.microsoft.com/office/drawing/2010/main" w="9525">
+                <a:solidFill>
+                  <a:schemeClr val="tx1"/>
+                </a:solidFill>
+                <a:miter lim="800000"/>
+                <a:headEnd/>
+                <a:tailEnd/>
+              </a14:hiddenLine>
+            </a:ext>
+          </a:extLst>
+        </p:spPr>
+      </p:pic>
+    </p:spTree>
+    <p:extLst>
+      <p:ext uri="{BB962C8B-B14F-4D97-AF65-F5344CB8AC3E}">
+        <p14:creationId xmlns:p14="http://schemas.microsoft.com/office/powerpoint/2010/main" val="2119130080"/>
+      </p:ext>
+    </p:extLst>
+  </p:cSld>
+  <p:clrMapOvr>
+    <a:masterClrMapping/>
+  </p:clrMapOvr>
+  <p:timing>
+    <p:tnLst>
+      <p:par>
+        <p:cTn id="1" dur="indefinite" restart="never" nodeType="tmRoot"/>
+      </p:par>
+    </p:tnLst>
+  </p:timing>
+</p:sld>
+</file>
+
+<file path=ppt/slides/slide12.xml><?xml version="1.0" encoding="utf-8"?>
+<p:sld xmlns:a="http://schemas.openxmlformats.org/drawingml/2006/main" xmlns:r="http://schemas.openxmlformats.org/officeDocument/2006/relationships" xmlns:p="http://schemas.openxmlformats.org/presentationml/2006/main" showMasterSp="0">
+  <p:cSld>
+    <p:spTree>
+      <p:nvGrpSpPr>
+        <p:cNvPr id="1" name=""/>
+        <p:cNvGrpSpPr/>
+        <p:nvPr/>
+      </p:nvGrpSpPr>
+      <p:grpSpPr>
+        <a:xfrm>
+          <a:off x="0" y="0"/>
+          <a:ext cx="0" cy="0"/>
+          <a:chOff x="0" y="0"/>
+          <a:chExt cx="0" cy="0"/>
+        </a:xfrm>
+      </p:grpSpPr>
+      <p:sp>
+        <p:nvSpPr>
+          <p:cNvPr id="79" name="object 10"/>
+          <p:cNvSpPr/>
+          <p:nvPr/>
+        </p:nvSpPr>
+        <p:spPr>
+          <a:xfrm>
+            <a:off x="0" y="0"/>
+            <a:ext cx="3060065" cy="86995"/>
+          </a:xfrm>
+          <a:custGeom>
+            <a:avLst/>
+            <a:gdLst/>
+            <a:ahLst/>
+            <a:cxnLst/>
+            <a:rect l="l" t="t" r="r" b="b"/>
+            <a:pathLst>
+              <a:path w="3060065" h="86995">
+                <a:moveTo>
+                  <a:pt x="0" y="86409"/>
+                </a:moveTo>
+                <a:lnTo>
+                  <a:pt x="3059938" y="86409"/>
+                </a:lnTo>
+                <a:lnTo>
+                  <a:pt x="3059938" y="0"/>
+                </a:lnTo>
+                <a:lnTo>
+                  <a:pt x="0" y="0"/>
+                </a:lnTo>
+                <a:lnTo>
+                  <a:pt x="0" y="86409"/>
+                </a:lnTo>
+                <a:close/>
+              </a:path>
+            </a:pathLst>
+          </a:custGeom>
+          <a:solidFill>
+            <a:schemeClr val="tx1">
+              <a:lumMod val="75000"/>
+              <a:lumOff val="25000"/>
+            </a:schemeClr>
+          </a:solidFill>
+        </p:spPr>
+        <p:txBody>
+          <a:bodyPr wrap="square" lIns="0" tIns="0" rIns="0" bIns="0" rtlCol="0"/>
+          <a:lstStyle/>
+          <a:p>
+            <a:endParaRPr/>
+          </a:p>
+        </p:txBody>
+      </p:sp>
+      <p:sp>
+        <p:nvSpPr>
+          <p:cNvPr id="80" name="object 11"/>
+          <p:cNvSpPr/>
+          <p:nvPr/>
+        </p:nvSpPr>
+        <p:spPr>
+          <a:xfrm>
+            <a:off x="3042030" y="0"/>
+            <a:ext cx="3060065" cy="86995"/>
+          </a:xfrm>
+          <a:custGeom>
+            <a:avLst/>
+            <a:gdLst/>
+            <a:ahLst/>
+            <a:cxnLst/>
+            <a:rect l="l" t="t" r="r" b="b"/>
+            <a:pathLst>
+              <a:path w="3060065" h="86995">
+                <a:moveTo>
+                  <a:pt x="0" y="86409"/>
+                </a:moveTo>
+                <a:lnTo>
+                  <a:pt x="3059938" y="86409"/>
+                </a:lnTo>
+                <a:lnTo>
+                  <a:pt x="3059938" y="0"/>
+                </a:lnTo>
+                <a:lnTo>
+                  <a:pt x="0" y="0"/>
+                </a:lnTo>
+                <a:lnTo>
+                  <a:pt x="0" y="86409"/>
+                </a:lnTo>
+                <a:close/>
+              </a:path>
+            </a:pathLst>
+          </a:custGeom>
+          <a:solidFill>
+            <a:schemeClr val="tx1">
+              <a:lumMod val="50000"/>
+              <a:lumOff val="50000"/>
+            </a:schemeClr>
+          </a:solidFill>
+        </p:spPr>
+        <p:txBody>
+          <a:bodyPr wrap="square" lIns="0" tIns="0" rIns="0" bIns="0" rtlCol="0"/>
+          <a:lstStyle/>
+          <a:p>
+            <a:endParaRPr/>
+          </a:p>
+        </p:txBody>
+      </p:sp>
+      <p:sp>
+        <p:nvSpPr>
+          <p:cNvPr id="81" name="object 12"/>
+          <p:cNvSpPr/>
+          <p:nvPr/>
+        </p:nvSpPr>
+        <p:spPr>
+          <a:xfrm>
+            <a:off x="6084061" y="0"/>
+            <a:ext cx="3060065" cy="86995"/>
+          </a:xfrm>
+          <a:custGeom>
+            <a:avLst/>
+            <a:gdLst/>
+            <a:ahLst/>
+            <a:cxnLst/>
+            <a:rect l="l" t="t" r="r" b="b"/>
+            <a:pathLst>
+              <a:path w="3060065" h="86995">
+                <a:moveTo>
+                  <a:pt x="0" y="86409"/>
+                </a:moveTo>
+                <a:lnTo>
+                  <a:pt x="3059938" y="86409"/>
+                </a:lnTo>
+                <a:lnTo>
+                  <a:pt x="3059938" y="0"/>
+                </a:lnTo>
+                <a:lnTo>
+                  <a:pt x="0" y="0"/>
+                </a:lnTo>
+                <a:lnTo>
+                  <a:pt x="0" y="86409"/>
+                </a:lnTo>
+                <a:close/>
+              </a:path>
+            </a:pathLst>
+          </a:custGeom>
+          <a:solidFill>
+            <a:schemeClr val="bg1">
+              <a:lumMod val="75000"/>
+            </a:schemeClr>
+          </a:solidFill>
+        </p:spPr>
+        <p:txBody>
+          <a:bodyPr wrap="square" lIns="0" tIns="0" rIns="0" bIns="0" rtlCol="0"/>
+          <a:lstStyle/>
+          <a:p>
+            <a:endParaRPr/>
+          </a:p>
+        </p:txBody>
+      </p:sp>
+      <p:sp>
+        <p:nvSpPr>
+          <p:cNvPr id="82" name="object 6"/>
+          <p:cNvSpPr/>
+          <p:nvPr/>
+        </p:nvSpPr>
+        <p:spPr>
+          <a:xfrm>
+            <a:off x="233907" y="250761"/>
+            <a:ext cx="0" cy="417195"/>
+          </a:xfrm>
+          <a:custGeom>
+            <a:avLst/>
+            <a:gdLst/>
+            <a:ahLst/>
+            <a:cxnLst/>
+            <a:rect l="l" t="t" r="r" b="b"/>
+            <a:pathLst>
+              <a:path h="417195">
+                <a:moveTo>
+                  <a:pt x="0" y="0"/>
+                </a:moveTo>
+                <a:lnTo>
+                  <a:pt x="0" y="416750"/>
+                </a:lnTo>
+              </a:path>
+            </a:pathLst>
+          </a:custGeom>
+          <a:ln w="39927">
+            <a:solidFill>
+              <a:schemeClr val="tx1">
+                <a:lumMod val="50000"/>
+                <a:lumOff val="50000"/>
+              </a:schemeClr>
+            </a:solidFill>
+          </a:ln>
+        </p:spPr>
+        <p:txBody>
+          <a:bodyPr wrap="square" lIns="0" tIns="0" rIns="0" bIns="0" rtlCol="0"/>
+          <a:lstStyle/>
+          <a:p>
+            <a:endParaRPr/>
+          </a:p>
+        </p:txBody>
+      </p:sp>
+      <p:grpSp>
+        <p:nvGrpSpPr>
+          <p:cNvPr id="4" name="그룹 3"/>
+          <p:cNvGrpSpPr/>
+          <p:nvPr/>
+        </p:nvGrpSpPr>
+        <p:grpSpPr>
+          <a:xfrm>
+            <a:off x="262106" y="1080872"/>
+            <a:ext cx="8594369" cy="5228128"/>
+            <a:chOff x="262107" y="1080872"/>
+            <a:chExt cx="3589893" cy="5228128"/>
+          </a:xfrm>
+        </p:grpSpPr>
+        <p:sp>
+          <p:nvSpPr>
+            <p:cNvPr id="18" name="직사각형 17">
+              <a:extLst>
+                <a:ext uri="{FF2B5EF4-FFF2-40B4-BE49-F238E27FC236}">
+                  <a16:creationId xmlns="" xmlns:a16="http://schemas.microsoft.com/office/drawing/2014/main" id="{DFA00BE3-81FE-4FF2-86E9-DCF50AC1E47F}"/>
+                </a:ext>
+              </a:extLst>
+            </p:cNvPr>
+            <p:cNvSpPr/>
+            <p:nvPr/>
+          </p:nvSpPr>
+          <p:spPr>
+            <a:xfrm>
+              <a:off x="262107" y="1269000"/>
+              <a:ext cx="3589893" cy="5040000"/>
+            </a:xfrm>
+            <a:prstGeom prst="rect">
+              <a:avLst/>
+            </a:prstGeom>
+            <a:noFill/>
+            <a:ln w="15875">
+              <a:solidFill>
+                <a:schemeClr val="tx1"/>
+              </a:solidFill>
+            </a:ln>
+          </p:spPr>
+          <p:style>
+            <a:lnRef idx="2">
+              <a:schemeClr val="accent1">
+                <a:shade val="50000"/>
+              </a:schemeClr>
+            </a:lnRef>
+            <a:fillRef idx="1">
+              <a:schemeClr val="accent1"/>
+            </a:fillRef>
+            <a:effectRef idx="0">
+              <a:schemeClr val="accent1"/>
+            </a:effectRef>
+            <a:fontRef idx="minor">
+              <a:schemeClr val="lt1"/>
+            </a:fontRef>
+          </p:style>
+          <p:txBody>
+            <a:bodyPr rtlCol="0" anchor="ctr"/>
+            <a:lstStyle/>
+            <a:p>
+              <a:pPr algn="ctr"/>
+              <a:endParaRPr lang="ko-KR" altLang="en-US"/>
+            </a:p>
+          </p:txBody>
+        </p:sp>
+        <p:sp>
+          <p:nvSpPr>
+            <p:cNvPr id="2" name="모서리가 둥근 직사각형 1"/>
+            <p:cNvSpPr/>
+            <p:nvPr/>
+          </p:nvSpPr>
+          <p:spPr>
+            <a:xfrm>
+              <a:off x="1195579" y="1080872"/>
+              <a:ext cx="1722947" cy="426654"/>
+            </a:xfrm>
+            <a:prstGeom prst="roundRect">
+              <a:avLst/>
+            </a:prstGeom>
+            <a:solidFill>
+              <a:schemeClr val="bg1">
+                <a:lumMod val="50000"/>
+              </a:schemeClr>
+            </a:solidFill>
+            <a:ln>
+              <a:solidFill>
+                <a:schemeClr val="tx1"/>
+              </a:solidFill>
+            </a:ln>
+          </p:spPr>
+          <p:style>
+            <a:lnRef idx="2">
+              <a:schemeClr val="accent1">
+                <a:shade val="50000"/>
+              </a:schemeClr>
+            </a:lnRef>
+            <a:fillRef idx="1">
+              <a:schemeClr val="accent1"/>
+            </a:fillRef>
+            <a:effectRef idx="0">
+              <a:schemeClr val="accent1"/>
+            </a:effectRef>
+            <a:fontRef idx="minor">
+              <a:schemeClr val="lt1"/>
+            </a:fontRef>
+          </p:style>
+          <p:txBody>
+            <a:bodyPr rtlCol="0" anchor="ctr"/>
+            <a:lstStyle/>
+            <a:p>
+              <a:pPr algn="ctr"/>
+              <a:r>
+                <a:rPr lang="ko-KR" altLang="en-US" sz="2000" dirty="0" smtClean="0">
+                  <a:latin typeface="한컴 백제 B" panose="02020603020101020101" pitchFamily="18" charset="-127"/>
+                  <a:ea typeface="한컴 백제 B" panose="02020603020101020101" pitchFamily="18" charset="-127"/>
+                  <a:cs typeface="Arial"/>
+                </a:rPr>
+                <a:t>관리자 신청 승인</a:t>
+              </a:r>
+              <a:endParaRPr lang="ko-KR" altLang="en-US" sz="2000" dirty="0">
+                <a:latin typeface="한컴 백제 B" panose="02020603020101020101" pitchFamily="18" charset="-127"/>
+                <a:ea typeface="한컴 백제 B" panose="02020603020101020101" pitchFamily="18" charset="-127"/>
+                <a:cs typeface="Arial"/>
+              </a:endParaRPr>
+            </a:p>
+          </p:txBody>
+        </p:sp>
+      </p:grpSp>
+      <p:sp>
+        <p:nvSpPr>
+          <p:cNvPr id="14" name="TextBox 13"/>
+          <p:cNvSpPr txBox="1"/>
+          <p:nvPr/>
+        </p:nvSpPr>
+        <p:spPr>
+          <a:xfrm>
+            <a:off x="233907" y="198597"/>
+            <a:ext cx="3886200" cy="369332"/>
+          </a:xfrm>
+          <a:prstGeom prst="rect">
+            <a:avLst/>
+          </a:prstGeom>
+          <a:noFill/>
+        </p:spPr>
+        <p:txBody>
+          <a:bodyPr wrap="square" rtlCol="0">
+            <a:spAutoFit/>
+          </a:bodyPr>
+          <a:lstStyle/>
+          <a:p>
+            <a:r>
+              <a:rPr lang="ko-KR" altLang="en-US" dirty="0" smtClean="0">
+                <a:latin typeface="한컴 백제 B" panose="02020603020101020101" pitchFamily="18" charset="-127"/>
+                <a:ea typeface="한컴 백제 B" panose="02020603020101020101" pitchFamily="18" charset="-127"/>
+              </a:rPr>
+              <a:t>서비스 구현</a:t>
+            </a:r>
+            <a:endParaRPr lang="ko-KR" altLang="en-US" dirty="0">
+              <a:latin typeface="한컴 백제 B" panose="02020603020101020101" pitchFamily="18" charset="-127"/>
+              <a:ea typeface="한컴 백제 B" panose="02020603020101020101" pitchFamily="18" charset="-127"/>
+            </a:endParaRPr>
+          </a:p>
+        </p:txBody>
+      </p:sp>
+      <p:sp>
+        <p:nvSpPr>
+          <p:cNvPr id="15" name="TextBox 14"/>
+          <p:cNvSpPr txBox="1"/>
+          <p:nvPr/>
+        </p:nvSpPr>
+        <p:spPr>
+          <a:xfrm>
+            <a:off x="244066" y="490667"/>
+            <a:ext cx="3595789" cy="276999"/>
+          </a:xfrm>
+          <a:prstGeom prst="rect">
+            <a:avLst/>
+          </a:prstGeom>
+          <a:noFill/>
+        </p:spPr>
+        <p:txBody>
+          <a:bodyPr wrap="square" rtlCol="0">
+            <a:spAutoFit/>
+          </a:bodyPr>
+          <a:lstStyle/>
+          <a:p>
+            <a:r>
+              <a:rPr lang="ko-KR" altLang="en-US" sz="1200" dirty="0" smtClean="0">
+                <a:solidFill>
+                  <a:schemeClr val="tx1">
+                    <a:lumMod val="50000"/>
+                    <a:lumOff val="50000"/>
+                  </a:schemeClr>
+                </a:solidFill>
+                <a:latin typeface="한컴 백제 M" panose="02020603020101020101" pitchFamily="18" charset="-127"/>
+                <a:ea typeface="한컴 백제 M" panose="02020603020101020101" pitchFamily="18" charset="-127"/>
+              </a:rPr>
+              <a:t>서비스 사진</a:t>
+            </a:r>
+            <a:endParaRPr lang="ko-KR" altLang="en-US" sz="1200" dirty="0">
+              <a:solidFill>
+                <a:schemeClr val="tx1">
+                  <a:lumMod val="50000"/>
+                  <a:lumOff val="50000"/>
+                </a:schemeClr>
+              </a:solidFill>
+              <a:latin typeface="한컴 백제 M" panose="02020603020101020101" pitchFamily="18" charset="-127"/>
+              <a:ea typeface="한컴 백제 M" panose="02020603020101020101" pitchFamily="18" charset="-127"/>
+            </a:endParaRPr>
+          </a:p>
+        </p:txBody>
+      </p:sp>
+      <p:pic>
+        <p:nvPicPr>
+          <p:cNvPr id="8196" name="Picture 4"/>
+          <p:cNvPicPr>
+            <a:picLocks noChangeAspect="1" noChangeArrowheads="1"/>
+          </p:cNvPicPr>
+          <p:nvPr/>
+        </p:nvPicPr>
+        <p:blipFill rotWithShape="1">
+          <a:blip r:embed="rId3">
+            <a:extLst>
+              <a:ext uri="{28A0092B-C50C-407E-A947-70E740481C1C}">
+                <a14:useLocalDpi xmlns:a14="http://schemas.microsoft.com/office/drawing/2010/main" val="0"/>
+              </a:ext>
+            </a:extLst>
+          </a:blip>
+          <a:srcRect l="49217" t="10212" r="14782" b="60634"/>
+          <a:stretch/>
+        </p:blipFill>
+        <p:spPr bwMode="auto">
+          <a:xfrm>
+            <a:off x="580609" y="2132856"/>
+            <a:ext cx="7982906" cy="3636404"/>
+          </a:xfrm>
+          <a:prstGeom prst="rect">
+            <a:avLst/>
+          </a:prstGeom>
+          <a:noFill/>
+          <a:ln>
+            <a:noFill/>
+          </a:ln>
+          <a:extLst>
+            <a:ext uri="{909E8E84-426E-40DD-AFC4-6F175D3DCCD1}">
+              <a14:hiddenFill xmlns:a14="http://schemas.microsoft.com/office/drawing/2010/main">
+                <a:solidFill>
+                  <a:schemeClr val="accent1"/>
+                </a:solidFill>
+              </a14:hiddenFill>
+            </a:ext>
+            <a:ext uri="{91240B29-F687-4F45-9708-019B960494DF}">
+              <a14:hiddenLine xmlns:a14="http://schemas.microsoft.com/office/drawing/2010/main" w="9525">
+                <a:solidFill>
+                  <a:schemeClr val="tx1"/>
+                </a:solidFill>
+                <a:miter lim="800000"/>
+                <a:headEnd/>
+                <a:tailEnd/>
+              </a14:hiddenLine>
+            </a:ext>
+          </a:extLst>
+        </p:spPr>
+      </p:pic>
+    </p:spTree>
+    <p:extLst>
+      <p:ext uri="{BB962C8B-B14F-4D97-AF65-F5344CB8AC3E}">
+        <p14:creationId xmlns:p14="http://schemas.microsoft.com/office/powerpoint/2010/main" val="173626795"/>
+      </p:ext>
+    </p:extLst>
+  </p:cSld>
+  <p:clrMapOvr>
+    <a:masterClrMapping/>
+  </p:clrMapOvr>
+  <p:timing>
+    <p:tnLst>
+      <p:par>
+        <p:cTn id="1" dur="indefinite" restart="never" nodeType="tmRoot"/>
+      </p:par>
+    </p:tnLst>
+  </p:timing>
+</p:sld>
+</file>
+
+<file path=ppt/slides/slide13.xml><?xml version="1.0" encoding="utf-8"?>
+<p:sld xmlns:a="http://schemas.openxmlformats.org/drawingml/2006/main" xmlns:r="http://schemas.openxmlformats.org/officeDocument/2006/relationships" xmlns:p="http://schemas.openxmlformats.org/presentationml/2006/main" showMasterSp="0">
+  <p:cSld>
+    <p:spTree>
+      <p:nvGrpSpPr>
+        <p:cNvPr id="1" name=""/>
+        <p:cNvGrpSpPr/>
+        <p:nvPr/>
+      </p:nvGrpSpPr>
+      <p:grpSpPr>
+        <a:xfrm>
+          <a:off x="0" y="0"/>
+          <a:ext cx="0" cy="0"/>
+          <a:chOff x="0" y="0"/>
+          <a:chExt cx="0" cy="0"/>
+        </a:xfrm>
+      </p:grpSpPr>
+      <p:sp>
+        <p:nvSpPr>
+          <p:cNvPr id="79" name="object 10"/>
+          <p:cNvSpPr/>
+          <p:nvPr/>
+        </p:nvSpPr>
+        <p:spPr>
+          <a:xfrm>
+            <a:off x="0" y="0"/>
+            <a:ext cx="3060065" cy="86995"/>
+          </a:xfrm>
+          <a:custGeom>
+            <a:avLst/>
+            <a:gdLst/>
+            <a:ahLst/>
+            <a:cxnLst/>
+            <a:rect l="l" t="t" r="r" b="b"/>
+            <a:pathLst>
+              <a:path w="3060065" h="86995">
+                <a:moveTo>
+                  <a:pt x="0" y="86409"/>
+                </a:moveTo>
+                <a:lnTo>
+                  <a:pt x="3059938" y="86409"/>
+                </a:lnTo>
+                <a:lnTo>
+                  <a:pt x="3059938" y="0"/>
+                </a:lnTo>
+                <a:lnTo>
+                  <a:pt x="0" y="0"/>
+                </a:lnTo>
+                <a:lnTo>
+                  <a:pt x="0" y="86409"/>
+                </a:lnTo>
+                <a:close/>
+              </a:path>
+            </a:pathLst>
+          </a:custGeom>
+          <a:solidFill>
+            <a:schemeClr val="tx1">
+              <a:lumMod val="75000"/>
+              <a:lumOff val="25000"/>
+            </a:schemeClr>
+          </a:solidFill>
+        </p:spPr>
+        <p:txBody>
+          <a:bodyPr wrap="square" lIns="0" tIns="0" rIns="0" bIns="0" rtlCol="0"/>
+          <a:lstStyle/>
+          <a:p>
+            <a:endParaRPr/>
+          </a:p>
+        </p:txBody>
+      </p:sp>
+      <p:sp>
+        <p:nvSpPr>
+          <p:cNvPr id="80" name="object 11"/>
+          <p:cNvSpPr/>
+          <p:nvPr/>
+        </p:nvSpPr>
+        <p:spPr>
+          <a:xfrm>
+            <a:off x="3042030" y="0"/>
+            <a:ext cx="3060065" cy="86995"/>
+          </a:xfrm>
+          <a:custGeom>
+            <a:avLst/>
+            <a:gdLst/>
+            <a:ahLst/>
+            <a:cxnLst/>
+            <a:rect l="l" t="t" r="r" b="b"/>
+            <a:pathLst>
+              <a:path w="3060065" h="86995">
+                <a:moveTo>
+                  <a:pt x="0" y="86409"/>
+                </a:moveTo>
+                <a:lnTo>
+                  <a:pt x="3059938" y="86409"/>
+                </a:lnTo>
+                <a:lnTo>
+                  <a:pt x="3059938" y="0"/>
+                </a:lnTo>
+                <a:lnTo>
+                  <a:pt x="0" y="0"/>
+                </a:lnTo>
+                <a:lnTo>
+                  <a:pt x="0" y="86409"/>
+                </a:lnTo>
+                <a:close/>
+              </a:path>
+            </a:pathLst>
+          </a:custGeom>
+          <a:solidFill>
+            <a:schemeClr val="tx1">
+              <a:lumMod val="50000"/>
+              <a:lumOff val="50000"/>
+            </a:schemeClr>
+          </a:solidFill>
+        </p:spPr>
+        <p:txBody>
+          <a:bodyPr wrap="square" lIns="0" tIns="0" rIns="0" bIns="0" rtlCol="0"/>
+          <a:lstStyle/>
+          <a:p>
+            <a:endParaRPr/>
+          </a:p>
+        </p:txBody>
+      </p:sp>
+      <p:sp>
+        <p:nvSpPr>
+          <p:cNvPr id="81" name="object 12"/>
+          <p:cNvSpPr/>
+          <p:nvPr/>
+        </p:nvSpPr>
+        <p:spPr>
+          <a:xfrm>
+            <a:off x="6084061" y="0"/>
+            <a:ext cx="3060065" cy="86995"/>
+          </a:xfrm>
+          <a:custGeom>
+            <a:avLst/>
+            <a:gdLst/>
+            <a:ahLst/>
+            <a:cxnLst/>
+            <a:rect l="l" t="t" r="r" b="b"/>
+            <a:pathLst>
+              <a:path w="3060065" h="86995">
+                <a:moveTo>
+                  <a:pt x="0" y="86409"/>
+                </a:moveTo>
+                <a:lnTo>
+                  <a:pt x="3059938" y="86409"/>
+                </a:lnTo>
+                <a:lnTo>
+                  <a:pt x="3059938" y="0"/>
+                </a:lnTo>
+                <a:lnTo>
+                  <a:pt x="0" y="0"/>
+                </a:lnTo>
+                <a:lnTo>
+                  <a:pt x="0" y="86409"/>
+                </a:lnTo>
+                <a:close/>
+              </a:path>
+            </a:pathLst>
+          </a:custGeom>
+          <a:solidFill>
+            <a:schemeClr val="bg1">
+              <a:lumMod val="75000"/>
+            </a:schemeClr>
+          </a:solidFill>
+        </p:spPr>
+        <p:txBody>
+          <a:bodyPr wrap="square" lIns="0" tIns="0" rIns="0" bIns="0" rtlCol="0"/>
+          <a:lstStyle/>
+          <a:p>
+            <a:endParaRPr/>
+          </a:p>
+        </p:txBody>
+      </p:sp>
+      <p:sp>
+        <p:nvSpPr>
+          <p:cNvPr id="82" name="object 6"/>
+          <p:cNvSpPr/>
+          <p:nvPr/>
+        </p:nvSpPr>
+        <p:spPr>
+          <a:xfrm>
+            <a:off x="233907" y="250761"/>
+            <a:ext cx="0" cy="417195"/>
+          </a:xfrm>
+          <a:custGeom>
+            <a:avLst/>
+            <a:gdLst/>
+            <a:ahLst/>
+            <a:cxnLst/>
+            <a:rect l="l" t="t" r="r" b="b"/>
+            <a:pathLst>
+              <a:path h="417195">
+                <a:moveTo>
+                  <a:pt x="0" y="0"/>
+                </a:moveTo>
+                <a:lnTo>
+                  <a:pt x="0" y="416750"/>
+                </a:lnTo>
+              </a:path>
+            </a:pathLst>
+          </a:custGeom>
+          <a:ln w="39927">
+            <a:solidFill>
+              <a:schemeClr val="tx1">
+                <a:lumMod val="50000"/>
+                <a:lumOff val="50000"/>
+              </a:schemeClr>
+            </a:solidFill>
+          </a:ln>
+        </p:spPr>
+        <p:txBody>
+          <a:bodyPr wrap="square" lIns="0" tIns="0" rIns="0" bIns="0" rtlCol="0"/>
+          <a:lstStyle/>
+          <a:p>
+            <a:endParaRPr/>
+          </a:p>
+        </p:txBody>
+      </p:sp>
       <p:grpSp>
         <p:nvGrpSpPr>
           <p:cNvPr id="3" name="그룹 2"/>
@@ -8460,7 +9432,7 @@
         </p:nvGrpSpPr>
         <p:grpSpPr>
           <a:xfrm>
-            <a:off x="5004000" y="1080872"/>
+            <a:off x="2633115" y="1080872"/>
             <a:ext cx="3877893" cy="5228128"/>
             <a:chOff x="5292000" y="1080872"/>
             <a:chExt cx="3589893" cy="5228128"/>
@@ -8471,7 +9443,7 @@
             <p:cNvPr id="32" name="직사각형 31">
               <a:extLst>
                 <a:ext uri="{FF2B5EF4-FFF2-40B4-BE49-F238E27FC236}">
-                  <a16:creationId xmlns:a16="http://schemas.microsoft.com/office/drawing/2014/main" xmlns="" id="{DFA00BE3-81FE-4FF2-86E9-DCF50AC1E47F}"/>
+                  <a16:creationId xmlns="" xmlns:a16="http://schemas.microsoft.com/office/drawing/2014/main" id="{DFA00BE3-81FE-4FF2-86E9-DCF50AC1E47F}"/>
                 </a:ext>
               </a:extLst>
             </p:cNvPr>
@@ -8565,12 +9537,12 @@
             <a:p>
               <a:pPr algn="ctr"/>
               <a:r>
-                <a:rPr lang="ko-KR" altLang="en-US" sz="2000" dirty="0">
+                <a:rPr lang="ko-KR" altLang="en-US" sz="2000" dirty="0" smtClean="0">
                   <a:latin typeface="한컴 백제 B" panose="02020603020101020101" pitchFamily="18" charset="-127"/>
                   <a:ea typeface="한컴 백제 B" panose="02020603020101020101" pitchFamily="18" charset="-127"/>
                   <a:cs typeface="Arial"/>
                 </a:rPr>
-                <a:t>회의록</a:t>
+                <a:t>신청 후 정보</a:t>
               </a:r>
               <a:endParaRPr lang="ko-KR" altLang="en-US" sz="2000" dirty="0">
                 <a:latin typeface="한컴 백제 B" panose="02020603020101020101" pitchFamily="18" charset="-127"/>
@@ -8665,10 +9637,62 @@
           </a:p>
         </p:txBody>
       </p:sp>
+      <p:pic>
+        <p:nvPicPr>
+          <p:cNvPr id="7171" name="Picture 3"/>
+          <p:cNvPicPr>
+            <a:picLocks noChangeAspect="1" noChangeArrowheads="1"/>
+          </p:cNvPicPr>
+          <p:nvPr/>
+        </p:nvPicPr>
+        <p:blipFill rotWithShape="1">
+          <a:blip r:embed="rId2">
+            <a:extLst>
+              <a:ext uri="{28A0092B-C50C-407E-A947-70E740481C1C}">
+                <a14:useLocalDpi xmlns:a14="http://schemas.microsoft.com/office/drawing/2010/main" val="0"/>
+              </a:ext>
+            </a:extLst>
+          </a:blip>
+          <a:srcRect l="3041" t="67250" r="81042"/>
+          <a:stretch/>
+        </p:blipFill>
+        <p:spPr bwMode="auto">
+          <a:xfrm>
+            <a:off x="2885191" y="1810640"/>
+            <a:ext cx="3418850" cy="3956720"/>
+          </a:xfrm>
+          <a:prstGeom prst="rect">
+            <a:avLst/>
+          </a:prstGeom>
+          <a:noFill/>
+          <a:ln>
+            <a:noFill/>
+          </a:ln>
+          <a:extLst>
+            <a:ext uri="{909E8E84-426E-40DD-AFC4-6F175D3DCCD1}">
+              <a14:hiddenFill xmlns:a14="http://schemas.microsoft.com/office/drawing/2010/main">
+                <a:solidFill>
+                  <a:schemeClr val="accent1"/>
+                </a:solidFill>
+              </a14:hiddenFill>
+            </a:ext>
+            <a:ext uri="{91240B29-F687-4F45-9708-019B960494DF}">
+              <a14:hiddenLine xmlns:a14="http://schemas.microsoft.com/office/drawing/2010/main" w="9525">
+                <a:solidFill>
+                  <a:schemeClr val="tx1"/>
+                </a:solidFill>
+                <a:miter lim="800000"/>
+                <a:headEnd/>
+                <a:tailEnd/>
+              </a14:hiddenLine>
+            </a:ext>
+          </a:extLst>
+        </p:spPr>
+      </p:pic>
     </p:spTree>
     <p:extLst>
       <p:ext uri="{BB962C8B-B14F-4D97-AF65-F5344CB8AC3E}">
-        <p14:creationId xmlns:p14="http://schemas.microsoft.com/office/powerpoint/2010/main" val="3958798718"/>
+        <p14:creationId xmlns:p14="http://schemas.microsoft.com/office/powerpoint/2010/main" val="3278642926"/>
       </p:ext>
     </p:extLst>
   </p:cSld>
@@ -8685,8 +9709,8 @@
 </p:sld>
 </file>
 
-<file path=ppt/slides/slide12.xml><?xml version="1.0" encoding="utf-8"?>
-<p:sld xmlns:a="http://schemas.openxmlformats.org/drawingml/2006/main" xmlns:r="http://schemas.openxmlformats.org/officeDocument/2006/relationships" xmlns:p="http://schemas.openxmlformats.org/presentationml/2006/main" showMasterSp="0">
+<file path=ppt/slides/slide14.xml><?xml version="1.0" encoding="utf-8"?>
+<p:sld xmlns:a="http://schemas.openxmlformats.org/drawingml/2006/main" xmlns:r="http://schemas.openxmlformats.org/officeDocument/2006/relationships" xmlns:p="http://schemas.openxmlformats.org/presentationml/2006/main">
   <p:cSld>
     <p:spTree>
       <p:nvGrpSpPr>
@@ -8913,10 +9937,10 @@
         </p:nvGrpSpPr>
         <p:grpSpPr>
           <a:xfrm>
-            <a:off x="262107" y="1080872"/>
-            <a:ext cx="3877894" cy="5228128"/>
-            <a:chOff x="262107" y="1080872"/>
-            <a:chExt cx="3589893" cy="5228128"/>
+            <a:off x="2046642" y="1129538"/>
+            <a:ext cx="5173990" cy="2466008"/>
+            <a:chOff x="262107" y="1137314"/>
+            <a:chExt cx="3589893" cy="2466008"/>
           </a:xfrm>
         </p:grpSpPr>
         <p:sp>
@@ -8924,7 +9948,7 @@
             <p:cNvPr id="18" name="직사각형 17">
               <a:extLst>
                 <a:ext uri="{FF2B5EF4-FFF2-40B4-BE49-F238E27FC236}">
-                  <a16:creationId xmlns:a16="http://schemas.microsoft.com/office/drawing/2014/main" xmlns="" id="{DFA00BE3-81FE-4FF2-86E9-DCF50AC1E47F}"/>
+                  <a16:creationId xmlns="" xmlns:a16="http://schemas.microsoft.com/office/drawing/2014/main" id="{DFA00BE3-81FE-4FF2-86E9-DCF50AC1E47F}"/>
                 </a:ext>
               </a:extLst>
             </p:cNvPr>
@@ -8934,13 +9958,13 @@
           <p:spPr>
             <a:xfrm>
               <a:off x="262107" y="1269000"/>
-              <a:ext cx="3589893" cy="5040000"/>
+              <a:ext cx="3589893" cy="2334322"/>
             </a:xfrm>
             <a:prstGeom prst="rect">
               <a:avLst/>
             </a:prstGeom>
             <a:noFill/>
-            <a:ln w="15875">
+            <a:ln w="12700">
               <a:solidFill>
                 <a:schemeClr val="tx1"/>
               </a:solidFill>
@@ -8979,8 +10003,8 @@
           </p:nvSpPr>
           <p:spPr>
             <a:xfrm>
-              <a:off x="1195579" y="1080872"/>
-              <a:ext cx="1722947" cy="426654"/>
+              <a:off x="1456342" y="1137314"/>
+              <a:ext cx="1156900" cy="237165"/>
             </a:xfrm>
             <a:prstGeom prst="roundRect">
               <a:avLst/>
@@ -9018,17 +10042,43 @@
             <a:p>
               <a:pPr algn="ctr"/>
               <a:r>
-                <a:rPr lang="ko-KR" altLang="en-US" sz="2000" dirty="0">
-                  <a:latin typeface="한컴 백제 B" panose="02020603020101020101" pitchFamily="18" charset="-127"/>
-                  <a:ea typeface="한컴 백제 B" panose="02020603020101020101" pitchFamily="18" charset="-127"/>
-                  <a:cs typeface="Arial"/>
+                <a:rPr lang="ko-KR" altLang="en-US" sz="1600" dirty="0" smtClean="0">
+                  <a:latin typeface="HY견고딕" panose="02030600000101010101" pitchFamily="18" charset="-127"/>
+                  <a:ea typeface="HY견고딕" panose="02030600000101010101" pitchFamily="18" charset="-127"/>
                 </a:rPr>
-                <a:t>서비스 구현</a:t>
+                <a:t>채팅 </a:t>
               </a:r>
-              <a:endParaRPr lang="ko-KR" altLang="en-US" sz="2000" dirty="0">
-                <a:latin typeface="한컴 백제 B" panose="02020603020101020101" pitchFamily="18" charset="-127"/>
-                <a:ea typeface="한컴 백제 B" panose="02020603020101020101" pitchFamily="18" charset="-127"/>
-                <a:cs typeface="Arial"/>
+              <a:r>
+                <a:rPr lang="en-US" altLang="ko-KR" sz="1600" dirty="0" smtClean="0">
+                  <a:latin typeface="HY견고딕" panose="02030600000101010101" pitchFamily="18" charset="-127"/>
+                  <a:ea typeface="HY견고딕" panose="02030600000101010101" pitchFamily="18" charset="-127"/>
+                </a:rPr>
+                <a:t>(</a:t>
+              </a:r>
+              <a:r>
+                <a:rPr lang="ko-KR" altLang="en-US" sz="1600" dirty="0" smtClean="0">
+                  <a:latin typeface="HY견고딕" panose="02030600000101010101" pitchFamily="18" charset="-127"/>
+                  <a:ea typeface="HY견고딕" panose="02030600000101010101" pitchFamily="18" charset="-127"/>
+                </a:rPr>
+                <a:t>학</a:t>
+              </a:r>
+              <a:r>
+                <a:rPr lang="ko-KR" altLang="en-US" sz="1600" dirty="0">
+                  <a:latin typeface="HY견고딕" panose="02030600000101010101" pitchFamily="18" charset="-127"/>
+                  <a:ea typeface="HY견고딕" panose="02030600000101010101" pitchFamily="18" charset="-127"/>
+                </a:rPr>
+                <a:t>생</a:t>
+              </a:r>
+              <a:r>
+                <a:rPr lang="en-US" altLang="ko-KR" sz="1600" dirty="0" smtClean="0">
+                  <a:latin typeface="HY견고딕" panose="02030600000101010101" pitchFamily="18" charset="-127"/>
+                  <a:ea typeface="HY견고딕" panose="02030600000101010101" pitchFamily="18" charset="-127"/>
+                </a:rPr>
+                <a:t>)</a:t>
+              </a:r>
+              <a:endParaRPr lang="ko-KR" altLang="en-US" sz="1600" dirty="0">
+                <a:latin typeface="HY견고딕" panose="02030600000101010101" pitchFamily="18" charset="-127"/>
+                <a:ea typeface="HY견고딕" panose="02030600000101010101" pitchFamily="18" charset="-127"/>
               </a:endParaRPr>
             </a:p>
           </p:txBody>
@@ -9036,24 +10086,24 @@
       </p:grpSp>
       <p:grpSp>
         <p:nvGrpSpPr>
-          <p:cNvPr id="3" name="그룹 2"/>
+          <p:cNvPr id="24" name="그룹 23"/>
           <p:cNvGrpSpPr/>
           <p:nvPr/>
         </p:nvGrpSpPr>
         <p:grpSpPr>
           <a:xfrm>
-            <a:off x="5004000" y="1080872"/>
-            <a:ext cx="3877893" cy="5228128"/>
-            <a:chOff x="5292000" y="1080872"/>
-            <a:chExt cx="3589893" cy="5228128"/>
+            <a:off x="2036602" y="3835216"/>
+            <a:ext cx="5184030" cy="2466008"/>
+            <a:chOff x="262107" y="1137314"/>
+            <a:chExt cx="3589893" cy="2466008"/>
           </a:xfrm>
         </p:grpSpPr>
         <p:sp>
           <p:nvSpPr>
-            <p:cNvPr id="32" name="직사각형 31">
+            <p:cNvPr id="25" name="직사각형 24">
               <a:extLst>
                 <a:ext uri="{FF2B5EF4-FFF2-40B4-BE49-F238E27FC236}">
-                  <a16:creationId xmlns:a16="http://schemas.microsoft.com/office/drawing/2014/main" xmlns="" id="{DFA00BE3-81FE-4FF2-86E9-DCF50AC1E47F}"/>
+                  <a16:creationId xmlns="" xmlns:a16="http://schemas.microsoft.com/office/drawing/2014/main" id="{DFA00BE3-81FE-4FF2-86E9-DCF50AC1E47F}"/>
                 </a:ext>
               </a:extLst>
             </p:cNvPr>
@@ -9062,8 +10112,8 @@
           </p:nvSpPr>
           <p:spPr>
             <a:xfrm>
-              <a:off x="5292000" y="1269000"/>
-              <a:ext cx="3589893" cy="5040000"/>
+              <a:off x="262107" y="1269000"/>
+              <a:ext cx="3589893" cy="2334322"/>
             </a:xfrm>
             <a:prstGeom prst="rect">
               <a:avLst/>
@@ -9102,14 +10152,14 @@
         </p:sp>
         <p:sp>
           <p:nvSpPr>
-            <p:cNvPr id="33" name="모서리가 둥근 직사각형 32"/>
+            <p:cNvPr id="26" name="모서리가 둥근 직사각형 25"/>
             <p:cNvSpPr/>
             <p:nvPr/>
           </p:nvSpPr>
           <p:spPr>
             <a:xfrm>
-              <a:off x="6225472" y="1080872"/>
-              <a:ext cx="1722947" cy="426654"/>
+              <a:off x="1456342" y="1137314"/>
+              <a:ext cx="1156900" cy="237165"/>
             </a:xfrm>
             <a:prstGeom prst="roundRect">
               <a:avLst/>
@@ -9147,17 +10197,43 @@
             <a:p>
               <a:pPr algn="ctr"/>
               <a:r>
-                <a:rPr lang="ko-KR" altLang="en-US" sz="2000" dirty="0">
-                  <a:latin typeface="한컴 백제 B" panose="02020603020101020101" pitchFamily="18" charset="-127"/>
-                  <a:ea typeface="한컴 백제 B" panose="02020603020101020101" pitchFamily="18" charset="-127"/>
-                  <a:cs typeface="Arial"/>
+                <a:rPr lang="ko-KR" altLang="en-US" sz="1600" dirty="0">
+                  <a:latin typeface="HY견고딕" panose="02030600000101010101" pitchFamily="18" charset="-127"/>
+                  <a:ea typeface="HY견고딕" panose="02030600000101010101" pitchFamily="18" charset="-127"/>
                 </a:rPr>
-                <a:t>회의록</a:t>
+                <a:t>채팅 </a:t>
               </a:r>
-              <a:endParaRPr lang="ko-KR" altLang="en-US" sz="2000" dirty="0">
-                <a:latin typeface="한컴 백제 B" panose="02020603020101020101" pitchFamily="18" charset="-127"/>
-                <a:ea typeface="한컴 백제 B" panose="02020603020101020101" pitchFamily="18" charset="-127"/>
-                <a:cs typeface="Arial"/>
+              <a:r>
+                <a:rPr lang="en-US" altLang="ko-KR" sz="1600" dirty="0" smtClean="0">
+                  <a:latin typeface="HY견고딕" panose="02030600000101010101" pitchFamily="18" charset="-127"/>
+                  <a:ea typeface="HY견고딕" panose="02030600000101010101" pitchFamily="18" charset="-127"/>
+                </a:rPr>
+                <a:t>(</a:t>
+              </a:r>
+              <a:r>
+                <a:rPr lang="ko-KR" altLang="en-US" sz="1600" dirty="0" smtClean="0">
+                  <a:latin typeface="HY견고딕" panose="02030600000101010101" pitchFamily="18" charset="-127"/>
+                  <a:ea typeface="HY견고딕" panose="02030600000101010101" pitchFamily="18" charset="-127"/>
+                </a:rPr>
+                <a:t>관리</a:t>
+              </a:r>
+              <a:r>
+                <a:rPr lang="ko-KR" altLang="en-US" sz="1600" dirty="0">
+                  <a:latin typeface="HY견고딕" panose="02030600000101010101" pitchFamily="18" charset="-127"/>
+                  <a:ea typeface="HY견고딕" panose="02030600000101010101" pitchFamily="18" charset="-127"/>
+                </a:rPr>
+                <a:t>자</a:t>
+              </a:r>
+              <a:r>
+                <a:rPr lang="en-US" altLang="ko-KR" sz="1600" dirty="0" smtClean="0">
+                  <a:latin typeface="HY견고딕" panose="02030600000101010101" pitchFamily="18" charset="-127"/>
+                  <a:ea typeface="HY견고딕" panose="02030600000101010101" pitchFamily="18" charset="-127"/>
+                </a:rPr>
+                <a:t>)</a:t>
+              </a:r>
+              <a:endParaRPr lang="ko-KR" altLang="en-US" sz="1600" dirty="0">
+                <a:latin typeface="HY견고딕" panose="02030600000101010101" pitchFamily="18" charset="-127"/>
+                <a:ea typeface="HY견고딕" panose="02030600000101010101" pitchFamily="18" charset="-127"/>
               </a:endParaRPr>
             </a:p>
           </p:txBody>
@@ -9165,7 +10241,7 @@
       </p:grpSp>
       <p:sp>
         <p:nvSpPr>
-          <p:cNvPr id="14" name="TextBox 13"/>
+          <p:cNvPr id="21" name="TextBox 20"/>
           <p:cNvSpPr txBox="1"/>
           <p:nvPr/>
         </p:nvSpPr>
@@ -9190,7 +10266,7 @@
                 <a:latin typeface="한컴 백제 B" panose="02020603020101020101" pitchFamily="18" charset="-127"/>
                 <a:ea typeface="한컴 백제 B" panose="02020603020101020101" pitchFamily="18" charset="-127"/>
               </a:rPr>
-              <a:t>서비스 구현</a:t>
+              <a:t>회의 모습</a:t>
             </a:r>
             <a:endParaRPr lang="ko-KR" altLang="en-US" dirty="0">
               <a:latin typeface="한컴 백제 B" panose="02020603020101020101" pitchFamily="18" charset="-127"/>
@@ -9201,7 +10277,7 @@
       </p:sp>
       <p:sp>
         <p:nvSpPr>
-          <p:cNvPr id="15" name="TextBox 14"/>
+          <p:cNvPr id="22" name="TextBox 21"/>
           <p:cNvSpPr txBox="1"/>
           <p:nvPr/>
         </p:nvSpPr>
@@ -9232,7 +10308,33 @@
                 <a:latin typeface="한컴 백제 M" panose="02020603020101020101" pitchFamily="18" charset="-127"/>
                 <a:ea typeface="한컴 백제 M" panose="02020603020101020101" pitchFamily="18" charset="-127"/>
               </a:rPr>
-              <a:t>서비스 사진</a:t>
+              <a:t>회의록</a:t>
+            </a:r>
+            <a:r>
+              <a:rPr lang="en-US" altLang="ko-KR" sz="1200" dirty="0" smtClean="0">
+                <a:solidFill>
+                  <a:schemeClr val="tx1">
+                    <a:lumMod val="50000"/>
+                    <a:lumOff val="50000"/>
+                  </a:schemeClr>
+                </a:solidFill>
+                <a:latin typeface="한컴 백제 M" panose="02020603020101020101" pitchFamily="18" charset="-127"/>
+                <a:ea typeface="한컴 백제 M" panose="02020603020101020101" pitchFamily="18" charset="-127"/>
+              </a:rPr>
+              <a:t>, </a:t>
+            </a:r>
+            <a:r>
+              <a:rPr lang="ko-KR" altLang="en-US" sz="1200" dirty="0" smtClean="0">
+                <a:solidFill>
+                  <a:schemeClr val="tx1">
+                    <a:lumMod val="50000"/>
+                    <a:lumOff val="50000"/>
+                  </a:schemeClr>
+                </a:solidFill>
+                <a:latin typeface="한컴 백제 M" panose="02020603020101020101" pitchFamily="18" charset="-127"/>
+                <a:ea typeface="한컴 백제 M" panose="02020603020101020101" pitchFamily="18" charset="-127"/>
+              </a:rPr>
+              <a:t>회의 사진</a:t>
             </a:r>
             <a:endParaRPr lang="ko-KR" altLang="en-US" sz="1200" dirty="0">
               <a:solidFill>
@@ -9247,10 +10349,114 @@
           </a:p>
         </p:txBody>
       </p:sp>
+      <p:pic>
+        <p:nvPicPr>
+          <p:cNvPr id="20" name="Picture 2"/>
+          <p:cNvPicPr>
+            <a:picLocks noChangeAspect="1" noChangeArrowheads="1"/>
+          </p:cNvPicPr>
+          <p:nvPr/>
+        </p:nvPicPr>
+        <p:blipFill rotWithShape="1">
+          <a:blip r:embed="rId2">
+            <a:extLst>
+              <a:ext uri="{28A0092B-C50C-407E-A947-70E740481C1C}">
+                <a14:useLocalDpi xmlns:a14="http://schemas.microsoft.com/office/drawing/2010/main" val="0"/>
+              </a:ext>
+            </a:extLst>
+          </a:blip>
+          <a:srcRect l="45687" t="5146" r="29364" b="78767"/>
+          <a:stretch/>
+        </p:blipFill>
+        <p:spPr bwMode="auto">
+          <a:xfrm>
+            <a:off x="2317725" y="4223792"/>
+            <a:ext cx="4557490" cy="1897732"/>
+          </a:xfrm>
+          <a:prstGeom prst="rect">
+            <a:avLst/>
+          </a:prstGeom>
+          <a:noFill/>
+          <a:ln>
+            <a:noFill/>
+          </a:ln>
+          <a:extLst>
+            <a:ext uri="{909E8E84-426E-40DD-AFC4-6F175D3DCCD1}">
+              <a14:hiddenFill xmlns:a14="http://schemas.microsoft.com/office/drawing/2010/main">
+                <a:solidFill>
+                  <a:schemeClr val="accent1"/>
+                </a:solidFill>
+              </a14:hiddenFill>
+            </a:ext>
+            <a:ext uri="{91240B29-F687-4F45-9708-019B960494DF}">
+              <a14:hiddenLine xmlns:a14="http://schemas.microsoft.com/office/drawing/2010/main" w="9525">
+                <a:solidFill>
+                  <a:schemeClr val="tx1"/>
+                </a:solidFill>
+                <a:miter lim="800000"/>
+                <a:headEnd/>
+                <a:tailEnd/>
+              </a14:hiddenLine>
+            </a:ext>
+          </a:extLst>
+        </p:spPr>
+      </p:pic>
+      <p:pic>
+        <p:nvPicPr>
+          <p:cNvPr id="23" name="Picture 2"/>
+          <p:cNvPicPr>
+            <a:picLocks noChangeAspect="1" noChangeArrowheads="1"/>
+          </p:cNvPicPr>
+          <p:nvPr/>
+        </p:nvPicPr>
+        <p:blipFill rotWithShape="1">
+          <a:blip r:embed="rId2">
+            <a:extLst>
+              <a:ext uri="{28A0092B-C50C-407E-A947-70E740481C1C}">
+                <a14:useLocalDpi xmlns:a14="http://schemas.microsoft.com/office/drawing/2010/main" val="0"/>
+              </a:ext>
+            </a:extLst>
+          </a:blip>
+          <a:srcRect t="55701" r="75051" b="25040"/>
+          <a:stretch/>
+        </p:blipFill>
+        <p:spPr bwMode="auto">
+          <a:xfrm>
+            <a:off x="2312467" y="1437785"/>
+            <a:ext cx="4562748" cy="1981200"/>
+          </a:xfrm>
+          <a:prstGeom prst="rect">
+            <a:avLst/>
+          </a:prstGeom>
+          <a:noFill/>
+          <a:ln>
+            <a:noFill/>
+          </a:ln>
+          <a:extLst>
+            <a:ext uri="{909E8E84-426E-40DD-AFC4-6F175D3DCCD1}">
+              <a14:hiddenFill xmlns:a14="http://schemas.microsoft.com/office/drawing/2010/main">
+                <a:solidFill>
+                  <a:schemeClr val="accent1"/>
+                </a:solidFill>
+              </a14:hiddenFill>
+            </a:ext>
+            <a:ext uri="{91240B29-F687-4F45-9708-019B960494DF}">
+              <a14:hiddenLine xmlns:a14="http://schemas.microsoft.com/office/drawing/2010/main" w="9525">
+                <a:solidFill>
+                  <a:schemeClr val="tx1"/>
+                </a:solidFill>
+                <a:miter lim="800000"/>
+                <a:headEnd/>
+                <a:tailEnd/>
+              </a14:hiddenLine>
+            </a:ext>
+          </a:extLst>
+        </p:spPr>
+      </p:pic>
     </p:spTree>
     <p:extLst>
       <p:ext uri="{BB962C8B-B14F-4D97-AF65-F5344CB8AC3E}">
-        <p14:creationId xmlns:p14="http://schemas.microsoft.com/office/powerpoint/2010/main" val="3278642926"/>
+        <p14:creationId xmlns:p14="http://schemas.microsoft.com/office/powerpoint/2010/main" val="2859463569"/>
       </p:ext>
     </p:extLst>
   </p:cSld>
@@ -9267,8 +10473,8 @@
 </p:sld>
 </file>
 
-<file path=ppt/slides/slide13.xml><?xml version="1.0" encoding="utf-8"?>
-<p:sld xmlns:a="http://schemas.openxmlformats.org/drawingml/2006/main" xmlns:r="http://schemas.openxmlformats.org/officeDocument/2006/relationships" xmlns:p="http://schemas.openxmlformats.org/presentationml/2006/main" showMasterSp="0">
+<file path=ppt/slides/slide15.xml><?xml version="1.0" encoding="utf-8"?>
+<p:sld xmlns:a="http://schemas.openxmlformats.org/drawingml/2006/main" xmlns:r="http://schemas.openxmlformats.org/officeDocument/2006/relationships" xmlns:p="http://schemas.openxmlformats.org/presentationml/2006/main">
   <p:cSld>
     <p:spTree>
       <p:nvGrpSpPr>
@@ -9487,267 +10693,9 @@
           </a:p>
         </p:txBody>
       </p:sp>
-      <p:grpSp>
-        <p:nvGrpSpPr>
-          <p:cNvPr id="4" name="그룹 3"/>
-          <p:cNvGrpSpPr/>
-          <p:nvPr/>
-        </p:nvGrpSpPr>
-        <p:grpSpPr>
-          <a:xfrm>
-            <a:off x="262107" y="1080872"/>
-            <a:ext cx="3877894" cy="5228128"/>
-            <a:chOff x="262107" y="1080872"/>
-            <a:chExt cx="3589893" cy="5228128"/>
-          </a:xfrm>
-        </p:grpSpPr>
-        <p:sp>
-          <p:nvSpPr>
-            <p:cNvPr id="18" name="직사각형 17">
-              <a:extLst>
-                <a:ext uri="{FF2B5EF4-FFF2-40B4-BE49-F238E27FC236}">
-                  <a16:creationId xmlns:a16="http://schemas.microsoft.com/office/drawing/2014/main" xmlns="" id="{DFA00BE3-81FE-4FF2-86E9-DCF50AC1E47F}"/>
-                </a:ext>
-              </a:extLst>
-            </p:cNvPr>
-            <p:cNvSpPr/>
-            <p:nvPr/>
-          </p:nvSpPr>
-          <p:spPr>
-            <a:xfrm>
-              <a:off x="262107" y="1269000"/>
-              <a:ext cx="3589893" cy="5040000"/>
-            </a:xfrm>
-            <a:prstGeom prst="rect">
-              <a:avLst/>
-            </a:prstGeom>
-            <a:noFill/>
-            <a:ln w="15875">
-              <a:solidFill>
-                <a:schemeClr val="tx1"/>
-              </a:solidFill>
-            </a:ln>
-          </p:spPr>
-          <p:style>
-            <a:lnRef idx="2">
-              <a:schemeClr val="accent1">
-                <a:shade val="50000"/>
-              </a:schemeClr>
-            </a:lnRef>
-            <a:fillRef idx="1">
-              <a:schemeClr val="accent1"/>
-            </a:fillRef>
-            <a:effectRef idx="0">
-              <a:schemeClr val="accent1"/>
-            </a:effectRef>
-            <a:fontRef idx="minor">
-              <a:schemeClr val="lt1"/>
-            </a:fontRef>
-          </p:style>
-          <p:txBody>
-            <a:bodyPr rtlCol="0" anchor="ctr"/>
-            <a:lstStyle/>
-            <a:p>
-              <a:pPr algn="ctr"/>
-              <a:endParaRPr lang="ko-KR" altLang="en-US"/>
-            </a:p>
-          </p:txBody>
-        </p:sp>
-        <p:sp>
-          <p:nvSpPr>
-            <p:cNvPr id="2" name="모서리가 둥근 직사각형 1"/>
-            <p:cNvSpPr/>
-            <p:nvPr/>
-          </p:nvSpPr>
-          <p:spPr>
-            <a:xfrm>
-              <a:off x="1195579" y="1080872"/>
-              <a:ext cx="1722947" cy="426654"/>
-            </a:xfrm>
-            <a:prstGeom prst="roundRect">
-              <a:avLst/>
-            </a:prstGeom>
-            <a:solidFill>
-              <a:schemeClr val="bg1">
-                <a:lumMod val="50000"/>
-              </a:schemeClr>
-            </a:solidFill>
-            <a:ln>
-              <a:solidFill>
-                <a:schemeClr val="tx1"/>
-              </a:solidFill>
-            </a:ln>
-          </p:spPr>
-          <p:style>
-            <a:lnRef idx="2">
-              <a:schemeClr val="accent1">
-                <a:shade val="50000"/>
-              </a:schemeClr>
-            </a:lnRef>
-            <a:fillRef idx="1">
-              <a:schemeClr val="accent1"/>
-            </a:fillRef>
-            <a:effectRef idx="0">
-              <a:schemeClr val="accent1"/>
-            </a:effectRef>
-            <a:fontRef idx="minor">
-              <a:schemeClr val="lt1"/>
-            </a:fontRef>
-          </p:style>
-          <p:txBody>
-            <a:bodyPr rtlCol="0" anchor="ctr"/>
-            <a:lstStyle/>
-            <a:p>
-              <a:pPr algn="ctr"/>
-              <a:r>
-                <a:rPr lang="ko-KR" altLang="en-US" sz="2000" dirty="0">
-                  <a:latin typeface="한컴 백제 B" panose="02020603020101020101" pitchFamily="18" charset="-127"/>
-                  <a:ea typeface="한컴 백제 B" panose="02020603020101020101" pitchFamily="18" charset="-127"/>
-                  <a:cs typeface="Arial"/>
-                </a:rPr>
-                <a:t>서비스 구현</a:t>
-              </a:r>
-              <a:endParaRPr lang="ko-KR" altLang="en-US" sz="2000" dirty="0">
-                <a:latin typeface="한컴 백제 B" panose="02020603020101020101" pitchFamily="18" charset="-127"/>
-                <a:ea typeface="한컴 백제 B" panose="02020603020101020101" pitchFamily="18" charset="-127"/>
-                <a:cs typeface="Arial"/>
-              </a:endParaRPr>
-            </a:p>
-          </p:txBody>
-        </p:sp>
-      </p:grpSp>
-      <p:grpSp>
-        <p:nvGrpSpPr>
-          <p:cNvPr id="3" name="그룹 2"/>
-          <p:cNvGrpSpPr/>
-          <p:nvPr/>
-        </p:nvGrpSpPr>
-        <p:grpSpPr>
-          <a:xfrm>
-            <a:off x="5004000" y="1080872"/>
-            <a:ext cx="3877893" cy="5228128"/>
-            <a:chOff x="5292000" y="1080872"/>
-            <a:chExt cx="3589893" cy="5228128"/>
-          </a:xfrm>
-        </p:grpSpPr>
-        <p:sp>
-          <p:nvSpPr>
-            <p:cNvPr id="32" name="직사각형 31">
-              <a:extLst>
-                <a:ext uri="{FF2B5EF4-FFF2-40B4-BE49-F238E27FC236}">
-                  <a16:creationId xmlns:a16="http://schemas.microsoft.com/office/drawing/2014/main" xmlns="" id="{DFA00BE3-81FE-4FF2-86E9-DCF50AC1E47F}"/>
-                </a:ext>
-              </a:extLst>
-            </p:cNvPr>
-            <p:cNvSpPr/>
-            <p:nvPr/>
-          </p:nvSpPr>
-          <p:spPr>
-            <a:xfrm>
-              <a:off x="5292000" y="1269000"/>
-              <a:ext cx="3589893" cy="5040000"/>
-            </a:xfrm>
-            <a:prstGeom prst="rect">
-              <a:avLst/>
-            </a:prstGeom>
-            <a:noFill/>
-            <a:ln w="12700">
-              <a:solidFill>
-                <a:schemeClr val="tx1"/>
-              </a:solidFill>
-            </a:ln>
-          </p:spPr>
-          <p:style>
-            <a:lnRef idx="2">
-              <a:schemeClr val="accent1">
-                <a:shade val="50000"/>
-              </a:schemeClr>
-            </a:lnRef>
-            <a:fillRef idx="1">
-              <a:schemeClr val="accent1"/>
-            </a:fillRef>
-            <a:effectRef idx="0">
-              <a:schemeClr val="accent1"/>
-            </a:effectRef>
-            <a:fontRef idx="minor">
-              <a:schemeClr val="lt1"/>
-            </a:fontRef>
-          </p:style>
-          <p:txBody>
-            <a:bodyPr rtlCol="0" anchor="ctr"/>
-            <a:lstStyle/>
-            <a:p>
-              <a:pPr algn="ctr"/>
-              <a:endParaRPr lang="ko-KR" altLang="en-US"/>
-            </a:p>
-          </p:txBody>
-        </p:sp>
-        <p:sp>
-          <p:nvSpPr>
-            <p:cNvPr id="33" name="모서리가 둥근 직사각형 32"/>
-            <p:cNvSpPr/>
-            <p:nvPr/>
-          </p:nvSpPr>
-          <p:spPr>
-            <a:xfrm>
-              <a:off x="6225472" y="1080872"/>
-              <a:ext cx="1722947" cy="426654"/>
-            </a:xfrm>
-            <a:prstGeom prst="roundRect">
-              <a:avLst/>
-            </a:prstGeom>
-            <a:solidFill>
-              <a:schemeClr val="bg1">
-                <a:lumMod val="50000"/>
-              </a:schemeClr>
-            </a:solidFill>
-            <a:ln>
-              <a:solidFill>
-                <a:schemeClr val="tx1"/>
-              </a:solidFill>
-            </a:ln>
-          </p:spPr>
-          <p:style>
-            <a:lnRef idx="2">
-              <a:schemeClr val="accent1">
-                <a:shade val="50000"/>
-              </a:schemeClr>
-            </a:lnRef>
-            <a:fillRef idx="1">
-              <a:schemeClr val="accent1"/>
-            </a:fillRef>
-            <a:effectRef idx="0">
-              <a:schemeClr val="accent1"/>
-            </a:effectRef>
-            <a:fontRef idx="minor">
-              <a:schemeClr val="lt1"/>
-            </a:fontRef>
-          </p:style>
-          <p:txBody>
-            <a:bodyPr rtlCol="0" anchor="ctr"/>
-            <a:lstStyle/>
-            <a:p>
-              <a:pPr algn="ctr"/>
-              <a:r>
-                <a:rPr lang="ko-KR" altLang="en-US" sz="2000" dirty="0">
-                  <a:latin typeface="한컴 백제 B" panose="02020603020101020101" pitchFamily="18" charset="-127"/>
-                  <a:ea typeface="한컴 백제 B" panose="02020603020101020101" pitchFamily="18" charset="-127"/>
-                  <a:cs typeface="Arial"/>
-                </a:rPr>
-                <a:t>회의록</a:t>
-              </a:r>
-              <a:endParaRPr lang="ko-KR" altLang="en-US" sz="2000" dirty="0">
-                <a:latin typeface="한컴 백제 B" panose="02020603020101020101" pitchFamily="18" charset="-127"/>
-                <a:ea typeface="한컴 백제 B" panose="02020603020101020101" pitchFamily="18" charset="-127"/>
-                <a:cs typeface="Arial"/>
-              </a:endParaRPr>
-            </a:p>
-          </p:txBody>
-        </p:sp>
-      </p:grpSp>
-      <p:sp>
-        <p:nvSpPr>
-          <p:cNvPr id="14" name="TextBox 13"/>
+      <p:sp>
+        <p:nvSpPr>
+          <p:cNvPr id="21" name="TextBox 20"/>
           <p:cNvSpPr txBox="1"/>
           <p:nvPr/>
         </p:nvSpPr>
@@ -9772,7 +10720,7 @@
                 <a:latin typeface="한컴 백제 B" panose="02020603020101020101" pitchFamily="18" charset="-127"/>
                 <a:ea typeface="한컴 백제 B" panose="02020603020101020101" pitchFamily="18" charset="-127"/>
               </a:rPr>
-              <a:t>서비스 구현</a:t>
+              <a:t>회의 모습</a:t>
             </a:r>
             <a:endParaRPr lang="ko-KR" altLang="en-US" dirty="0">
               <a:latin typeface="한컴 백제 B" panose="02020603020101020101" pitchFamily="18" charset="-127"/>
@@ -9783,7 +10731,7 @@
       </p:sp>
       <p:sp>
         <p:nvSpPr>
-          <p:cNvPr id="15" name="TextBox 14"/>
+          <p:cNvPr id="22" name="TextBox 21"/>
           <p:cNvSpPr txBox="1"/>
           <p:nvPr/>
         </p:nvSpPr>
@@ -9814,7 +10762,33 @@
                 <a:latin typeface="한컴 백제 M" panose="02020603020101020101" pitchFamily="18" charset="-127"/>
                 <a:ea typeface="한컴 백제 M" panose="02020603020101020101" pitchFamily="18" charset="-127"/>
               </a:rPr>
-              <a:t>서비스 사진</a:t>
+              <a:t>회의록</a:t>
+            </a:r>
+            <a:r>
+              <a:rPr lang="en-US" altLang="ko-KR" sz="1200" dirty="0" smtClean="0">
+                <a:solidFill>
+                  <a:schemeClr val="tx1">
+                    <a:lumMod val="50000"/>
+                    <a:lumOff val="50000"/>
+                  </a:schemeClr>
+                </a:solidFill>
+                <a:latin typeface="한컴 백제 M" panose="02020603020101020101" pitchFamily="18" charset="-127"/>
+                <a:ea typeface="한컴 백제 M" panose="02020603020101020101" pitchFamily="18" charset="-127"/>
+              </a:rPr>
+              <a:t>, </a:t>
+            </a:r>
+            <a:r>
+              <a:rPr lang="ko-KR" altLang="en-US" sz="1200" dirty="0" smtClean="0">
+                <a:solidFill>
+                  <a:schemeClr val="tx1">
+                    <a:lumMod val="50000"/>
+                    <a:lumOff val="50000"/>
+                  </a:schemeClr>
+                </a:solidFill>
+                <a:latin typeface="한컴 백제 M" panose="02020603020101020101" pitchFamily="18" charset="-127"/>
+                <a:ea typeface="한컴 백제 M" panose="02020603020101020101" pitchFamily="18" charset="-127"/>
+              </a:rPr>
+              <a:t>회의 사진</a:t>
             </a:r>
             <a:endParaRPr lang="ko-KR" altLang="en-US" sz="1200" dirty="0">
               <a:solidFill>
@@ -9829,10 +10803,172 @@
           </a:p>
         </p:txBody>
       </p:sp>
+      <p:sp>
+        <p:nvSpPr>
+          <p:cNvPr id="16" name="직사각형 15">
+            <a:extLst>
+              <a:ext uri="{FF2B5EF4-FFF2-40B4-BE49-F238E27FC236}">
+                <a16:creationId xmlns="" xmlns:a16="http://schemas.microsoft.com/office/drawing/2014/main" id="{DFA00BE3-81FE-4FF2-86E9-DCF50AC1E47F}"/>
+              </a:ext>
+            </a:extLst>
+          </p:cNvPr>
+          <p:cNvSpPr/>
+          <p:nvPr/>
+        </p:nvSpPr>
+        <p:spPr>
+          <a:xfrm>
+            <a:off x="262106" y="1269000"/>
+            <a:ext cx="8629893" cy="5039999"/>
+          </a:xfrm>
+          <a:prstGeom prst="rect">
+            <a:avLst/>
+          </a:prstGeom>
+          <a:noFill/>
+          <a:ln w="12700">
+            <a:solidFill>
+              <a:schemeClr val="tx1"/>
+            </a:solidFill>
+          </a:ln>
+        </p:spPr>
+        <p:style>
+          <a:lnRef idx="2">
+            <a:schemeClr val="accent1">
+              <a:shade val="50000"/>
+            </a:schemeClr>
+          </a:lnRef>
+          <a:fillRef idx="1">
+            <a:schemeClr val="accent1"/>
+          </a:fillRef>
+          <a:effectRef idx="0">
+            <a:schemeClr val="accent1"/>
+          </a:effectRef>
+          <a:fontRef idx="minor">
+            <a:schemeClr val="lt1"/>
+          </a:fontRef>
+        </p:style>
+        <p:txBody>
+          <a:bodyPr rtlCol="0" anchor="ctr"/>
+          <a:lstStyle/>
+          <a:p>
+            <a:pPr algn="ctr"/>
+            <a:endParaRPr lang="ko-KR" altLang="en-US"/>
+          </a:p>
+        </p:txBody>
+      </p:sp>
+      <p:sp>
+        <p:nvSpPr>
+          <p:cNvPr id="17" name="모서리가 둥근 직사각형 16"/>
+          <p:cNvSpPr/>
+          <p:nvPr/>
+        </p:nvSpPr>
+        <p:spPr>
+          <a:xfrm>
+            <a:off x="683395" y="1097417"/>
+            <a:ext cx="5001434" cy="426654"/>
+          </a:xfrm>
+          <a:prstGeom prst="roundRect">
+            <a:avLst/>
+          </a:prstGeom>
+          <a:solidFill>
+            <a:schemeClr val="bg1">
+              <a:lumMod val="50000"/>
+            </a:schemeClr>
+          </a:solidFill>
+          <a:ln>
+            <a:noFill/>
+          </a:ln>
+        </p:spPr>
+        <p:style>
+          <a:lnRef idx="2">
+            <a:schemeClr val="accent1">
+              <a:shade val="50000"/>
+            </a:schemeClr>
+          </a:lnRef>
+          <a:fillRef idx="1">
+            <a:schemeClr val="accent1"/>
+          </a:fillRef>
+          <a:effectRef idx="0">
+            <a:schemeClr val="accent1"/>
+          </a:effectRef>
+          <a:fontRef idx="minor">
+            <a:schemeClr val="lt1"/>
+          </a:fontRef>
+        </p:style>
+        <p:txBody>
+          <a:bodyPr rtlCol="0" anchor="ctr"/>
+          <a:lstStyle/>
+          <a:p>
+            <a:pPr algn="ctr"/>
+            <a:endParaRPr lang="en-US" altLang="ko-KR" sz="2000" dirty="0" smtClean="0">
+              <a:latin typeface="HY견고딕" panose="02030600000101010101" pitchFamily="18" charset="-127"/>
+              <a:ea typeface="HY견고딕" panose="02030600000101010101" pitchFamily="18" charset="-127"/>
+              <a:cs typeface="Arial"/>
+              <a:sym typeface="Arial"/>
+            </a:endParaRPr>
+          </a:p>
+          <a:p>
+            <a:pPr algn="ctr"/>
+            <a:r>
+              <a:rPr lang="ko-KR" altLang="en-US" sz="2000" dirty="0" smtClean="0">
+                <a:latin typeface="한컴 백제 B" panose="02020603020101020101" pitchFamily="18" charset="-127"/>
+                <a:ea typeface="한컴 백제 B" panose="02020603020101020101" pitchFamily="18" charset="-127"/>
+                <a:cs typeface="Arial"/>
+                <a:sym typeface="Arial"/>
+              </a:rPr>
+              <a:t>서비스 데모 영상</a:t>
+            </a:r>
+            <a:endParaRPr lang="ko-KR" altLang="en-US" sz="2000" dirty="0">
+              <a:latin typeface="한컴 백제 B" panose="02020603020101020101" pitchFamily="18" charset="-127"/>
+              <a:ea typeface="한컴 백제 B" panose="02020603020101020101" pitchFamily="18" charset="-127"/>
+              <a:cs typeface="Arial"/>
+              <a:sym typeface="Arial"/>
+            </a:endParaRPr>
+          </a:p>
+          <a:p>
+            <a:pPr algn="ctr"/>
+            <a:endParaRPr lang="ko-KR" altLang="en-US" sz="2000" dirty="0">
+              <a:latin typeface="HY견고딕" panose="02030600000101010101" pitchFamily="18" charset="-127"/>
+              <a:ea typeface="HY견고딕" panose="02030600000101010101" pitchFamily="18" charset="-127"/>
+            </a:endParaRPr>
+          </a:p>
+        </p:txBody>
+      </p:sp>
+      <p:sp>
+        <p:nvSpPr>
+          <p:cNvPr id="5" name="직사각형 4">
+            <a:hlinkClick r:id="rId2"/>
+          </p:cNvPr>
+          <p:cNvSpPr/>
+          <p:nvPr/>
+        </p:nvSpPr>
+        <p:spPr>
+          <a:xfrm>
+            <a:off x="1977914" y="3419667"/>
+            <a:ext cx="5188296" cy="523220"/>
+          </a:xfrm>
+          <a:prstGeom prst="rect">
+            <a:avLst/>
+          </a:prstGeom>
+        </p:spPr>
+        <p:txBody>
+          <a:bodyPr wrap="square">
+            <a:spAutoFit/>
+          </a:bodyPr>
+          <a:lstStyle/>
+          <a:p>
+            <a:pPr algn="ctr"/>
+            <a:r>
+              <a:rPr lang="en-US" altLang="ko-KR" sz="2800" dirty="0"/>
+              <a:t>https://youtu.be/ADobrfyUG8k</a:t>
+            </a:r>
+            <a:endParaRPr lang="ko-KR" altLang="en-US" sz="2800" dirty="0"/>
+          </a:p>
+        </p:txBody>
+      </p:sp>
     </p:spTree>
     <p:extLst>
       <p:ext uri="{BB962C8B-B14F-4D97-AF65-F5344CB8AC3E}">
-        <p14:creationId xmlns:p14="http://schemas.microsoft.com/office/powerpoint/2010/main" val="3995047987"/>
+        <p14:creationId xmlns:p14="http://schemas.microsoft.com/office/powerpoint/2010/main" val="2962939475"/>
       </p:ext>
     </p:extLst>
   </p:cSld>
@@ -9849,7 +10985,7 @@
 </p:sld>
 </file>
 
-<file path=ppt/slides/slide14.xml><?xml version="1.0" encoding="utf-8"?>
+<file path=ppt/slides/slide16.xml><?xml version="1.0" encoding="utf-8"?>
 <p:sld xmlns:a="http://schemas.openxmlformats.org/drawingml/2006/main" xmlns:r="http://schemas.openxmlformats.org/officeDocument/2006/relationships" xmlns:p="http://schemas.openxmlformats.org/presentationml/2006/main">
   <p:cSld>
     <p:spTree>
@@ -10844,7 +11980,7 @@
 </p:sld>
 </file>
 
-<file path=ppt/slides/slide15.xml><?xml version="1.0" encoding="utf-8"?>
+<file path=ppt/slides/slide17.xml><?xml version="1.0" encoding="utf-8"?>
 <p:sld xmlns:a="http://schemas.openxmlformats.org/drawingml/2006/main" xmlns:r="http://schemas.openxmlformats.org/officeDocument/2006/relationships" xmlns:p="http://schemas.openxmlformats.org/presentationml/2006/main">
   <p:cSld>
     <p:spTree>
@@ -11288,7 +12424,7 @@
           <p:cNvPr id="31" name="직사각형 30">
             <a:extLst>
               <a:ext uri="{FF2B5EF4-FFF2-40B4-BE49-F238E27FC236}">
-                <a16:creationId xmlns:a16="http://schemas.microsoft.com/office/drawing/2014/main" xmlns="" id="{DFA00BE3-81FE-4FF2-86E9-DCF50AC1E47F}"/>
+                <a16:creationId xmlns="" xmlns:a16="http://schemas.microsoft.com/office/drawing/2014/main" id="{DFA00BE3-81FE-4FF2-86E9-DCF50AC1E47F}"/>
               </a:ext>
             </a:extLst>
           </p:cNvPr>
@@ -12013,7 +13149,7 @@
 </p:sld>
 </file>
 
-<file path=ppt/slides/slide16.xml><?xml version="1.0" encoding="utf-8"?>
+<file path=ppt/slides/slide18.xml><?xml version="1.0" encoding="utf-8"?>
 <p:sld xmlns:a="http://schemas.openxmlformats.org/drawingml/2006/main" xmlns:r="http://schemas.openxmlformats.org/officeDocument/2006/relationships" xmlns:p="http://schemas.openxmlformats.org/presentationml/2006/main">
   <p:cSld>
     <p:spTree>
@@ -12555,7 +13691,7 @@
           <p:cNvPr id="31" name="직사각형 30">
             <a:extLst>
               <a:ext uri="{FF2B5EF4-FFF2-40B4-BE49-F238E27FC236}">
-                <a16:creationId xmlns:a16="http://schemas.microsoft.com/office/drawing/2014/main" xmlns="" id="{DFA00BE3-81FE-4FF2-86E9-DCF50AC1E47F}"/>
+                <a16:creationId xmlns="" xmlns:a16="http://schemas.microsoft.com/office/drawing/2014/main" id="{DFA00BE3-81FE-4FF2-86E9-DCF50AC1E47F}"/>
               </a:ext>
             </a:extLst>
           </p:cNvPr>
@@ -12960,33 +14096,7 @@
                 <a:latin typeface="HY나무B" panose="02030600000101010101" pitchFamily="18" charset="-127"/>
                 <a:ea typeface="HY나무B" panose="02030600000101010101" pitchFamily="18" charset="-127"/>
               </a:rPr>
-              <a:t>승인 </a:t>
-            </a:r>
-            <a:r>
-              <a:rPr lang="ko-KR" altLang="en-US" sz="1400" smtClean="0">
-                <a:solidFill>
-                  <a:schemeClr val="tx1">
-                    <a:lumMod val="75000"/>
-                    <a:lumOff val="25000"/>
-                  </a:schemeClr>
-                </a:solidFill>
-                <a:latin typeface="HY나무B" panose="02030600000101010101" pitchFamily="18" charset="-127"/>
-                <a:ea typeface="HY나무B" panose="02030600000101010101" pitchFamily="18" charset="-127"/>
-              </a:rPr>
-              <a:t>데이터를 이용하여</a:t>
-            </a:r>
-            <a:r>
-              <a:rPr lang="ko-KR" altLang="en-US" sz="1400" smtClean="0">
-                <a:solidFill>
-                  <a:schemeClr val="tx1">
-                    <a:lumMod val="75000"/>
-                    <a:lumOff val="25000"/>
-                  </a:schemeClr>
-                </a:solidFill>
-                <a:latin typeface="HY나무B" panose="02030600000101010101" pitchFamily="18" charset="-127"/>
-                <a:ea typeface="HY나무B" panose="02030600000101010101" pitchFamily="18" charset="-127"/>
-              </a:rPr>
-              <a:t> </a:t>
+              <a:t>승인 데이터를 이용하여 </a:t>
             </a:r>
             <a:r>
               <a:rPr lang="ko-KR" altLang="en-US" sz="1400" dirty="0" smtClean="0">
@@ -14017,7 +15127,7 @@
 </p:sld>
 </file>
 
-<file path=ppt/slides/slide17.xml><?xml version="1.0" encoding="utf-8"?>
+<file path=ppt/slides/slide19.xml><?xml version="1.0" encoding="utf-8"?>
 <p:sld xmlns:a="http://schemas.openxmlformats.org/drawingml/2006/main" xmlns:r="http://schemas.openxmlformats.org/officeDocument/2006/relationships" xmlns:p="http://schemas.openxmlformats.org/presentationml/2006/main">
   <p:cSld>
     <p:spTree>
@@ -14656,7 +15766,7 @@
           <p:cNvPr id="31" name="직사각형 30">
             <a:extLst>
               <a:ext uri="{FF2B5EF4-FFF2-40B4-BE49-F238E27FC236}">
-                <a16:creationId xmlns:a16="http://schemas.microsoft.com/office/drawing/2014/main" xmlns="" id="{DFA00BE3-81FE-4FF2-86E9-DCF50AC1E47F}"/>
+                <a16:creationId xmlns="" xmlns:a16="http://schemas.microsoft.com/office/drawing/2014/main" id="{DFA00BE3-81FE-4FF2-86E9-DCF50AC1E47F}"/>
               </a:ext>
             </a:extLst>
           </p:cNvPr>
@@ -17070,7 +18180,7 @@
 </p:sld>
 </file>
 
-<file path=ppt/slides/slide18.xml><?xml version="1.0" encoding="utf-8"?>
+<file path=ppt/slides/slide2.xml><?xml version="1.0" encoding="utf-8"?>
 <p:sld xmlns:a="http://schemas.openxmlformats.org/drawingml/2006/main" xmlns:r="http://schemas.openxmlformats.org/officeDocument/2006/relationships" xmlns:p="http://schemas.openxmlformats.org/presentationml/2006/main" showMasterSp="0">
   <p:cSld>
     <p:spTree>
@@ -17089,7 +18199,378 @@
       </p:grpSpPr>
       <p:sp>
         <p:nvSpPr>
-          <p:cNvPr id="79" name="object 10"/>
+          <p:cNvPr id="2" name="object 2"/>
+          <p:cNvSpPr txBox="1"/>
+          <p:nvPr/>
+        </p:nvSpPr>
+        <p:spPr>
+          <a:xfrm>
+            <a:off x="8511285" y="6432441"/>
+            <a:ext cx="84455" cy="203200"/>
+          </a:xfrm>
+          <a:prstGeom prst="rect">
+            <a:avLst/>
+          </a:prstGeom>
+        </p:spPr>
+        <p:txBody>
+          <a:bodyPr vert="horz" wrap="square" lIns="0" tIns="13335" rIns="0" bIns="0" rtlCol="0">
+            <a:spAutoFit/>
+          </a:bodyPr>
+          <a:lstStyle/>
+          <a:p>
+            <a:pPr>
+              <a:lnSpc>
+                <a:spcPct val="100000"/>
+              </a:lnSpc>
+              <a:spcBef>
+                <a:spcPts val="105"/>
+              </a:spcBef>
+            </a:pPr>
+            <a:r>
+              <a:rPr sz="1200" spc="-10" dirty="0">
+                <a:solidFill>
+                  <a:srgbClr val="888888"/>
+                </a:solidFill>
+                <a:latin typeface="Noto Sans CJK JP Regular"/>
+                <a:cs typeface="Noto Sans CJK JP Regular"/>
+              </a:rPr>
+              <a:t>3</a:t>
+            </a:r>
+            <a:endParaRPr sz="1200">
+              <a:latin typeface="Noto Sans CJK JP Regular"/>
+              <a:cs typeface="Noto Sans CJK JP Regular"/>
+            </a:endParaRPr>
+          </a:p>
+        </p:txBody>
+      </p:sp>
+      <p:sp>
+        <p:nvSpPr>
+          <p:cNvPr id="6" name="object 6"/>
+          <p:cNvSpPr/>
+          <p:nvPr/>
+        </p:nvSpPr>
+        <p:spPr>
+          <a:xfrm>
+            <a:off x="6796" y="849884"/>
+            <a:ext cx="9137203" cy="6008114"/>
+          </a:xfrm>
+          <a:prstGeom prst="rect">
+            <a:avLst/>
+          </a:prstGeom>
+          <a:blipFill>
+            <a:blip r:embed="rId3" cstate="print"/>
+            <a:stretch>
+              <a:fillRect/>
+            </a:stretch>
+          </a:blipFill>
+        </p:spPr>
+        <p:txBody>
+          <a:bodyPr wrap="square" lIns="0" tIns="0" rIns="0" bIns="0" rtlCol="0"/>
+          <a:lstStyle/>
+          <a:p>
+            <a:endParaRPr/>
+          </a:p>
+        </p:txBody>
+      </p:sp>
+      <p:sp>
+        <p:nvSpPr>
+          <p:cNvPr id="7" name="object 7"/>
+          <p:cNvSpPr/>
+          <p:nvPr/>
+        </p:nvSpPr>
+        <p:spPr>
+          <a:xfrm>
+            <a:off x="6796" y="1203101"/>
+            <a:ext cx="9137650" cy="5643880"/>
+          </a:xfrm>
+          <a:custGeom>
+            <a:avLst/>
+            <a:gdLst/>
+            <a:ahLst/>
+            <a:cxnLst/>
+            <a:rect l="l" t="t" r="r" b="b"/>
+            <a:pathLst>
+              <a:path w="9137650" h="5643880">
+                <a:moveTo>
+                  <a:pt x="9137203" y="5643495"/>
+                </a:moveTo>
+                <a:lnTo>
+                  <a:pt x="9137203" y="0"/>
+                </a:lnTo>
+                <a:lnTo>
+                  <a:pt x="0" y="0"/>
+                </a:lnTo>
+                <a:lnTo>
+                  <a:pt x="0" y="5643495"/>
+                </a:lnTo>
+                <a:lnTo>
+                  <a:pt x="9137203" y="5643495"/>
+                </a:lnTo>
+                <a:close/>
+              </a:path>
+            </a:pathLst>
+          </a:custGeom>
+          <a:solidFill>
+            <a:srgbClr val="404040">
+              <a:alpha val="87057"/>
+            </a:srgbClr>
+          </a:solidFill>
+        </p:spPr>
+        <p:txBody>
+          <a:bodyPr wrap="square" lIns="0" tIns="0" rIns="0" bIns="0" rtlCol="0"/>
+          <a:lstStyle/>
+          <a:p>
+            <a:endParaRPr dirty="0"/>
+          </a:p>
+        </p:txBody>
+      </p:sp>
+      <p:sp>
+        <p:nvSpPr>
+          <p:cNvPr id="16" name="object 16"/>
+          <p:cNvSpPr/>
+          <p:nvPr/>
+        </p:nvSpPr>
+        <p:spPr>
+          <a:xfrm>
+            <a:off x="4390009" y="2551938"/>
+            <a:ext cx="753110" cy="575310"/>
+          </a:xfrm>
+          <a:custGeom>
+            <a:avLst/>
+            <a:gdLst/>
+            <a:ahLst/>
+            <a:cxnLst/>
+            <a:rect l="l" t="t" r="r" b="b"/>
+            <a:pathLst>
+              <a:path w="753110" h="575310">
+                <a:moveTo>
+                  <a:pt x="722121" y="0"/>
+                </a:moveTo>
+                <a:lnTo>
+                  <a:pt x="673017" y="32508"/>
+                </a:lnTo>
+                <a:lnTo>
+                  <a:pt x="628875" y="66035"/>
+                </a:lnTo>
+                <a:lnTo>
+                  <a:pt x="589689" y="100593"/>
+                </a:lnTo>
+                <a:lnTo>
+                  <a:pt x="555453" y="136192"/>
+                </a:lnTo>
+                <a:lnTo>
+                  <a:pt x="526161" y="172847"/>
+                </a:lnTo>
+                <a:lnTo>
+                  <a:pt x="498304" y="218642"/>
+                </a:lnTo>
+                <a:lnTo>
+                  <a:pt x="476616" y="267326"/>
+                </a:lnTo>
+                <a:lnTo>
+                  <a:pt x="461110" y="318894"/>
+                </a:lnTo>
+                <a:lnTo>
+                  <a:pt x="451797" y="373340"/>
+                </a:lnTo>
+                <a:lnTo>
+                  <a:pt x="448690" y="430657"/>
+                </a:lnTo>
+                <a:lnTo>
+                  <a:pt x="450786" y="458085"/>
+                </a:lnTo>
+                <a:lnTo>
+                  <a:pt x="467550" y="507130"/>
+                </a:lnTo>
+                <a:lnTo>
+                  <a:pt x="503392" y="549036"/>
+                </a:lnTo>
+                <a:lnTo>
+                  <a:pt x="556263" y="572277"/>
+                </a:lnTo>
+                <a:lnTo>
+                  <a:pt x="588010" y="575183"/>
+                </a:lnTo>
+                <a:lnTo>
+                  <a:pt x="618660" y="572277"/>
+                </a:lnTo>
+                <a:lnTo>
+                  <a:pt x="670198" y="549036"/>
+                </a:lnTo>
+                <a:lnTo>
+                  <a:pt x="706969" y="508077"/>
+                </a:lnTo>
+                <a:lnTo>
+                  <a:pt x="725066" y="459067"/>
+                </a:lnTo>
+                <a:lnTo>
+                  <a:pt x="727328" y="430657"/>
+                </a:lnTo>
+                <a:lnTo>
+                  <a:pt x="725066" y="401060"/>
+                </a:lnTo>
+                <a:lnTo>
+                  <a:pt x="706969" y="349486"/>
+                </a:lnTo>
+                <a:lnTo>
+                  <a:pt x="670198" y="308363"/>
+                </a:lnTo>
+                <a:lnTo>
+                  <a:pt x="618660" y="286456"/>
+                </a:lnTo>
+                <a:lnTo>
+                  <a:pt x="588010" y="283717"/>
+                </a:lnTo>
+                <a:lnTo>
+                  <a:pt x="593173" y="253376"/>
+                </a:lnTo>
+                <a:lnTo>
+                  <a:pt x="618978" y="188884"/>
+                </a:lnTo>
+                <a:lnTo>
+                  <a:pt x="639571" y="154686"/>
+                </a:lnTo>
+                <a:lnTo>
+                  <a:pt x="664098" y="121038"/>
+                </a:lnTo>
+                <a:lnTo>
+                  <a:pt x="691197" y="89630"/>
+                </a:lnTo>
+                <a:lnTo>
+                  <a:pt x="720867" y="60459"/>
+                </a:lnTo>
+                <a:lnTo>
+                  <a:pt x="753110" y="33527"/>
+                </a:lnTo>
+                <a:lnTo>
+                  <a:pt x="722121" y="0"/>
+                </a:lnTo>
+                <a:close/>
+              </a:path>
+              <a:path w="753110" h="575310">
+                <a:moveTo>
+                  <a:pt x="273303" y="0"/>
+                </a:moveTo>
+                <a:lnTo>
+                  <a:pt x="224248" y="32508"/>
+                </a:lnTo>
+                <a:lnTo>
+                  <a:pt x="180112" y="66035"/>
+                </a:lnTo>
+                <a:lnTo>
+                  <a:pt x="140908" y="100593"/>
+                </a:lnTo>
+                <a:lnTo>
+                  <a:pt x="106647" y="136192"/>
+                </a:lnTo>
+                <a:lnTo>
+                  <a:pt x="77342" y="172847"/>
+                </a:lnTo>
+                <a:lnTo>
+                  <a:pt x="49499" y="218642"/>
+                </a:lnTo>
+                <a:lnTo>
+                  <a:pt x="27843" y="267326"/>
+                </a:lnTo>
+                <a:lnTo>
+                  <a:pt x="12374" y="318894"/>
+                </a:lnTo>
+                <a:lnTo>
+                  <a:pt x="3093" y="373340"/>
+                </a:lnTo>
+                <a:lnTo>
+                  <a:pt x="0" y="430657"/>
+                </a:lnTo>
+                <a:lnTo>
+                  <a:pt x="2095" y="458085"/>
+                </a:lnTo>
+                <a:lnTo>
+                  <a:pt x="18859" y="507130"/>
+                </a:lnTo>
+                <a:lnTo>
+                  <a:pt x="53645" y="549036"/>
+                </a:lnTo>
+                <a:lnTo>
+                  <a:pt x="106501" y="572277"/>
+                </a:lnTo>
+                <a:lnTo>
+                  <a:pt x="139191" y="575183"/>
+                </a:lnTo>
+                <a:lnTo>
+                  <a:pt x="169862" y="572277"/>
+                </a:lnTo>
+                <a:lnTo>
+                  <a:pt x="221487" y="549036"/>
+                </a:lnTo>
+                <a:lnTo>
+                  <a:pt x="258204" y="508077"/>
+                </a:lnTo>
+                <a:lnTo>
+                  <a:pt x="276250" y="459067"/>
+                </a:lnTo>
+                <a:lnTo>
+                  <a:pt x="278511" y="430657"/>
+                </a:lnTo>
+                <a:lnTo>
+                  <a:pt x="276250" y="401060"/>
+                </a:lnTo>
+                <a:lnTo>
+                  <a:pt x="258204" y="349486"/>
+                </a:lnTo>
+                <a:lnTo>
+                  <a:pt x="221488" y="308363"/>
+                </a:lnTo>
+                <a:lnTo>
+                  <a:pt x="169862" y="286456"/>
+                </a:lnTo>
+                <a:lnTo>
+                  <a:pt x="139191" y="283717"/>
+                </a:lnTo>
+                <a:lnTo>
+                  <a:pt x="144410" y="253376"/>
+                </a:lnTo>
+                <a:lnTo>
+                  <a:pt x="170231" y="188884"/>
+                </a:lnTo>
+                <a:lnTo>
+                  <a:pt x="190880" y="154686"/>
+                </a:lnTo>
+                <a:lnTo>
+                  <a:pt x="215334" y="121038"/>
+                </a:lnTo>
+                <a:lnTo>
+                  <a:pt x="242395" y="89630"/>
+                </a:lnTo>
+                <a:lnTo>
+                  <a:pt x="272051" y="60459"/>
+                </a:lnTo>
+                <a:lnTo>
+                  <a:pt x="304291" y="33527"/>
+                </a:lnTo>
+                <a:lnTo>
+                  <a:pt x="273303" y="0"/>
+                </a:lnTo>
+                <a:close/>
+              </a:path>
+            </a:pathLst>
+          </a:custGeom>
+          <a:solidFill>
+            <a:schemeClr val="bg2">
+              <a:lumMod val="90000"/>
+            </a:schemeClr>
+          </a:solidFill>
+        </p:spPr>
+        <p:txBody>
+          <a:bodyPr wrap="square" lIns="0" tIns="0" rIns="0" bIns="0" rtlCol="0"/>
+          <a:lstStyle/>
+          <a:p>
+            <a:endParaRPr/>
+          </a:p>
+        </p:txBody>
+      </p:sp>
+      <p:sp>
+        <p:nvSpPr>
+          <p:cNvPr id="19" name="object 10"/>
           <p:cNvSpPr/>
           <p:nvPr/>
         </p:nvSpPr>
@@ -17142,7 +18623,7 @@
       </p:sp>
       <p:sp>
         <p:nvSpPr>
-          <p:cNvPr id="80" name="object 11"/>
+          <p:cNvPr id="20" name="object 11"/>
           <p:cNvSpPr/>
           <p:nvPr/>
         </p:nvSpPr>
@@ -17195,7 +18676,7 @@
       </p:sp>
       <p:sp>
         <p:nvSpPr>
-          <p:cNvPr id="81" name="object 12"/>
+          <p:cNvPr id="21" name="object 12"/>
           <p:cNvSpPr/>
           <p:nvPr/>
         </p:nvSpPr>
@@ -17247,7 +18728,7 @@
       </p:sp>
       <p:sp>
         <p:nvSpPr>
-          <p:cNvPr id="82" name="object 6"/>
+          <p:cNvPr id="22" name="object 6"/>
           <p:cNvSpPr/>
           <p:nvPr/>
         </p:nvSpPr>
@@ -17290,6 +18771,425 @@
           </a:p>
         </p:txBody>
       </p:sp>
+      <p:sp>
+        <p:nvSpPr>
+          <p:cNvPr id="23" name="TextBox 22"/>
+          <p:cNvSpPr txBox="1"/>
+          <p:nvPr/>
+        </p:nvSpPr>
+        <p:spPr>
+          <a:xfrm>
+            <a:off x="233907" y="198597"/>
+            <a:ext cx="3886200" cy="369332"/>
+          </a:xfrm>
+          <a:prstGeom prst="rect">
+            <a:avLst/>
+          </a:prstGeom>
+          <a:noFill/>
+        </p:spPr>
+        <p:txBody>
+          <a:bodyPr wrap="square" rtlCol="0">
+            <a:spAutoFit/>
+          </a:bodyPr>
+          <a:lstStyle/>
+          <a:p>
+            <a:r>
+              <a:rPr lang="ko-KR" altLang="en-US" dirty="0" smtClean="0">
+                <a:latin typeface="한컴 백제 B" panose="02020603020101020101" pitchFamily="18" charset="-127"/>
+                <a:ea typeface="한컴 백제 B" panose="02020603020101020101" pitchFamily="18" charset="-127"/>
+              </a:rPr>
+              <a:t>서비스 소개</a:t>
+            </a:r>
+            <a:endParaRPr lang="ko-KR" altLang="en-US" dirty="0">
+              <a:latin typeface="한컴 백제 B" panose="02020603020101020101" pitchFamily="18" charset="-127"/>
+              <a:ea typeface="한컴 백제 B" panose="02020603020101020101" pitchFamily="18" charset="-127"/>
+            </a:endParaRPr>
+          </a:p>
+        </p:txBody>
+      </p:sp>
+      <p:sp>
+        <p:nvSpPr>
+          <p:cNvPr id="24" name="TextBox 23"/>
+          <p:cNvSpPr txBox="1"/>
+          <p:nvPr/>
+        </p:nvSpPr>
+        <p:spPr>
+          <a:xfrm>
+            <a:off x="244066" y="490667"/>
+            <a:ext cx="3595789" cy="276999"/>
+          </a:xfrm>
+          <a:prstGeom prst="rect">
+            <a:avLst/>
+          </a:prstGeom>
+          <a:noFill/>
+        </p:spPr>
+        <p:txBody>
+          <a:bodyPr wrap="square" rtlCol="0">
+            <a:spAutoFit/>
+          </a:bodyPr>
+          <a:lstStyle/>
+          <a:p>
+            <a:r>
+              <a:rPr lang="ko-KR" altLang="en-US" sz="1200" dirty="0" smtClean="0">
+                <a:solidFill>
+                  <a:schemeClr val="tx1">
+                    <a:lumMod val="50000"/>
+                    <a:lumOff val="50000"/>
+                  </a:schemeClr>
+                </a:solidFill>
+                <a:latin typeface="한컴 백제 M" panose="02020603020101020101" pitchFamily="18" charset="-127"/>
+                <a:ea typeface="한컴 백제 M" panose="02020603020101020101" pitchFamily="18" charset="-127"/>
+              </a:rPr>
+              <a:t>빈 강의실 대여 자동화 서비스</a:t>
+            </a:r>
+            <a:endParaRPr lang="ko-KR" altLang="en-US" sz="1200" dirty="0">
+              <a:solidFill>
+                <a:schemeClr val="tx1">
+                  <a:lumMod val="50000"/>
+                  <a:lumOff val="50000"/>
+                </a:schemeClr>
+              </a:solidFill>
+              <a:latin typeface="한컴 백제 M" panose="02020603020101020101" pitchFamily="18" charset="-127"/>
+              <a:ea typeface="한컴 백제 M" panose="02020603020101020101" pitchFamily="18" charset="-127"/>
+            </a:endParaRPr>
+          </a:p>
+        </p:txBody>
+      </p:sp>
+      <p:sp>
+        <p:nvSpPr>
+          <p:cNvPr id="25" name="TextBox 24"/>
+          <p:cNvSpPr txBox="1"/>
+          <p:nvPr/>
+        </p:nvSpPr>
+        <p:spPr>
+          <a:xfrm>
+            <a:off x="1827305" y="3530775"/>
+            <a:ext cx="5878533" cy="646331"/>
+          </a:xfrm>
+          <a:prstGeom prst="rect">
+            <a:avLst/>
+          </a:prstGeom>
+          <a:noFill/>
+        </p:spPr>
+        <p:txBody>
+          <a:bodyPr wrap="none" rtlCol="0">
+            <a:spAutoFit/>
+          </a:bodyPr>
+          <a:lstStyle/>
+          <a:p>
+            <a:pPr algn="ctr"/>
+            <a:r>
+              <a:rPr lang="ko-KR" altLang="en-US" sz="3600" dirty="0" smtClean="0">
+                <a:solidFill>
+                  <a:schemeClr val="bg1"/>
+                </a:solidFill>
+                <a:latin typeface="HY동녘M" panose="02030600000101010101" pitchFamily="18" charset="-127"/>
+                <a:ea typeface="HY동녘M" panose="02030600000101010101" pitchFamily="18" charset="-127"/>
+              </a:rPr>
+              <a:t>빈 강의실 사용 요청 시스템</a:t>
+            </a:r>
+            <a:endParaRPr lang="ko-KR" altLang="en-US" sz="3600" dirty="0">
+              <a:solidFill>
+                <a:schemeClr val="bg1"/>
+              </a:solidFill>
+              <a:latin typeface="HY동녘M" panose="02030600000101010101" pitchFamily="18" charset="-127"/>
+              <a:ea typeface="HY동녘M" panose="02030600000101010101" pitchFamily="18" charset="-127"/>
+            </a:endParaRPr>
+          </a:p>
+        </p:txBody>
+      </p:sp>
+    </p:spTree>
+    <p:extLst>
+      <p:ext uri="{BB962C8B-B14F-4D97-AF65-F5344CB8AC3E}">
+        <p14:creationId xmlns:p14="http://schemas.microsoft.com/office/powerpoint/2010/main" val="2462795168"/>
+      </p:ext>
+    </p:extLst>
+  </p:cSld>
+  <p:clrMapOvr>
+    <a:masterClrMapping/>
+  </p:clrMapOvr>
+  <p:timing>
+    <p:tnLst>
+      <p:par>
+        <p:cTn id="1" dur="indefinite" restart="never" nodeType="tmRoot"/>
+      </p:par>
+    </p:tnLst>
+  </p:timing>
+</p:sld>
+</file>
+
+<file path=ppt/slides/slide20.xml><?xml version="1.0" encoding="utf-8"?>
+<p:sld xmlns:a="http://schemas.openxmlformats.org/drawingml/2006/main" xmlns:r="http://schemas.openxmlformats.org/officeDocument/2006/relationships" xmlns:p="http://schemas.openxmlformats.org/presentationml/2006/main" showMasterSp="0">
+  <p:cSld>
+    <p:spTree>
+      <p:nvGrpSpPr>
+        <p:cNvPr id="1" name=""/>
+        <p:cNvGrpSpPr/>
+        <p:nvPr/>
+      </p:nvGrpSpPr>
+      <p:grpSpPr>
+        <a:xfrm>
+          <a:off x="0" y="0"/>
+          <a:ext cx="0" cy="0"/>
+          <a:chOff x="0" y="0"/>
+          <a:chExt cx="0" cy="0"/>
+        </a:xfrm>
+      </p:grpSpPr>
+      <p:pic>
+        <p:nvPicPr>
+          <p:cNvPr id="1026" name="Picture 2"/>
+          <p:cNvPicPr>
+            <a:picLocks noChangeAspect="1" noChangeArrowheads="1"/>
+          </p:cNvPicPr>
+          <p:nvPr/>
+        </p:nvPicPr>
+        <p:blipFill rotWithShape="1">
+          <a:blip r:embed="rId3">
+            <a:extLst>
+              <a:ext uri="{28A0092B-C50C-407E-A947-70E740481C1C}">
+                <a14:useLocalDpi xmlns:a14="http://schemas.microsoft.com/office/drawing/2010/main" val="0"/>
+              </a:ext>
+            </a:extLst>
+          </a:blip>
+          <a:srcRect t="62056" b="7804"/>
+          <a:stretch/>
+        </p:blipFill>
+        <p:spPr bwMode="auto">
+          <a:xfrm>
+            <a:off x="957328" y="4194901"/>
+            <a:ext cx="4205474" cy="585155"/>
+          </a:xfrm>
+          <a:prstGeom prst="rect">
+            <a:avLst/>
+          </a:prstGeom>
+          <a:noFill/>
+          <a:ln>
+            <a:noFill/>
+          </a:ln>
+          <a:extLst>
+            <a:ext uri="{909E8E84-426E-40DD-AFC4-6F175D3DCCD1}">
+              <a14:hiddenFill xmlns:a14="http://schemas.microsoft.com/office/drawing/2010/main">
+                <a:solidFill>
+                  <a:schemeClr val="accent1"/>
+                </a:solidFill>
+              </a14:hiddenFill>
+            </a:ext>
+            <a:ext uri="{91240B29-F687-4F45-9708-019B960494DF}">
+              <a14:hiddenLine xmlns:a14="http://schemas.microsoft.com/office/drawing/2010/main" w="9525">
+                <a:solidFill>
+                  <a:schemeClr val="tx1"/>
+                </a:solidFill>
+                <a:miter lim="800000"/>
+                <a:headEnd/>
+                <a:tailEnd/>
+              </a14:hiddenLine>
+            </a:ext>
+          </a:extLst>
+        </p:spPr>
+      </p:pic>
+      <p:sp>
+        <p:nvSpPr>
+          <p:cNvPr id="79" name="object 10"/>
+          <p:cNvSpPr/>
+          <p:nvPr/>
+        </p:nvSpPr>
+        <p:spPr>
+          <a:xfrm>
+            <a:off x="0" y="0"/>
+            <a:ext cx="3060065" cy="86995"/>
+          </a:xfrm>
+          <a:custGeom>
+            <a:avLst/>
+            <a:gdLst/>
+            <a:ahLst/>
+            <a:cxnLst/>
+            <a:rect l="l" t="t" r="r" b="b"/>
+            <a:pathLst>
+              <a:path w="3060065" h="86995">
+                <a:moveTo>
+                  <a:pt x="0" y="86409"/>
+                </a:moveTo>
+                <a:lnTo>
+                  <a:pt x="3059938" y="86409"/>
+                </a:lnTo>
+                <a:lnTo>
+                  <a:pt x="3059938" y="0"/>
+                </a:lnTo>
+                <a:lnTo>
+                  <a:pt x="0" y="0"/>
+                </a:lnTo>
+                <a:lnTo>
+                  <a:pt x="0" y="86409"/>
+                </a:lnTo>
+                <a:close/>
+              </a:path>
+            </a:pathLst>
+          </a:custGeom>
+          <a:solidFill>
+            <a:schemeClr val="tx1">
+              <a:lumMod val="75000"/>
+              <a:lumOff val="25000"/>
+            </a:schemeClr>
+          </a:solidFill>
+        </p:spPr>
+        <p:txBody>
+          <a:bodyPr wrap="square" lIns="0" tIns="0" rIns="0" bIns="0" rtlCol="0"/>
+          <a:lstStyle/>
+          <a:p>
+            <a:endParaRPr/>
+          </a:p>
+        </p:txBody>
+      </p:sp>
+      <p:sp>
+        <p:nvSpPr>
+          <p:cNvPr id="80" name="object 11"/>
+          <p:cNvSpPr/>
+          <p:nvPr/>
+        </p:nvSpPr>
+        <p:spPr>
+          <a:xfrm>
+            <a:off x="3042030" y="0"/>
+            <a:ext cx="3060065" cy="86995"/>
+          </a:xfrm>
+          <a:custGeom>
+            <a:avLst/>
+            <a:gdLst/>
+            <a:ahLst/>
+            <a:cxnLst/>
+            <a:rect l="l" t="t" r="r" b="b"/>
+            <a:pathLst>
+              <a:path w="3060065" h="86995">
+                <a:moveTo>
+                  <a:pt x="0" y="86409"/>
+                </a:moveTo>
+                <a:lnTo>
+                  <a:pt x="3059938" y="86409"/>
+                </a:lnTo>
+                <a:lnTo>
+                  <a:pt x="3059938" y="0"/>
+                </a:lnTo>
+                <a:lnTo>
+                  <a:pt x="0" y="0"/>
+                </a:lnTo>
+                <a:lnTo>
+                  <a:pt x="0" y="86409"/>
+                </a:lnTo>
+                <a:close/>
+              </a:path>
+            </a:pathLst>
+          </a:custGeom>
+          <a:solidFill>
+            <a:schemeClr val="tx1">
+              <a:lumMod val="50000"/>
+              <a:lumOff val="50000"/>
+            </a:schemeClr>
+          </a:solidFill>
+        </p:spPr>
+        <p:txBody>
+          <a:bodyPr wrap="square" lIns="0" tIns="0" rIns="0" bIns="0" rtlCol="0"/>
+          <a:lstStyle/>
+          <a:p>
+            <a:endParaRPr/>
+          </a:p>
+        </p:txBody>
+      </p:sp>
+      <p:sp>
+        <p:nvSpPr>
+          <p:cNvPr id="81" name="object 12"/>
+          <p:cNvSpPr/>
+          <p:nvPr/>
+        </p:nvSpPr>
+        <p:spPr>
+          <a:xfrm>
+            <a:off x="6084061" y="0"/>
+            <a:ext cx="3060065" cy="86995"/>
+          </a:xfrm>
+          <a:custGeom>
+            <a:avLst/>
+            <a:gdLst/>
+            <a:ahLst/>
+            <a:cxnLst/>
+            <a:rect l="l" t="t" r="r" b="b"/>
+            <a:pathLst>
+              <a:path w="3060065" h="86995">
+                <a:moveTo>
+                  <a:pt x="0" y="86409"/>
+                </a:moveTo>
+                <a:lnTo>
+                  <a:pt x="3059938" y="86409"/>
+                </a:lnTo>
+                <a:lnTo>
+                  <a:pt x="3059938" y="0"/>
+                </a:lnTo>
+                <a:lnTo>
+                  <a:pt x="0" y="0"/>
+                </a:lnTo>
+                <a:lnTo>
+                  <a:pt x="0" y="86409"/>
+                </a:lnTo>
+                <a:close/>
+              </a:path>
+            </a:pathLst>
+          </a:custGeom>
+          <a:solidFill>
+            <a:schemeClr val="bg1">
+              <a:lumMod val="75000"/>
+            </a:schemeClr>
+          </a:solidFill>
+        </p:spPr>
+        <p:txBody>
+          <a:bodyPr wrap="square" lIns="0" tIns="0" rIns="0" bIns="0" rtlCol="0"/>
+          <a:lstStyle/>
+          <a:p>
+            <a:endParaRPr/>
+          </a:p>
+        </p:txBody>
+      </p:sp>
+      <p:sp>
+        <p:nvSpPr>
+          <p:cNvPr id="82" name="object 6"/>
+          <p:cNvSpPr/>
+          <p:nvPr/>
+        </p:nvSpPr>
+        <p:spPr>
+          <a:xfrm>
+            <a:off x="233907" y="250761"/>
+            <a:ext cx="0" cy="417195"/>
+          </a:xfrm>
+          <a:custGeom>
+            <a:avLst/>
+            <a:gdLst/>
+            <a:ahLst/>
+            <a:cxnLst/>
+            <a:rect l="l" t="t" r="r" b="b"/>
+            <a:pathLst>
+              <a:path h="417195">
+                <a:moveTo>
+                  <a:pt x="0" y="0"/>
+                </a:moveTo>
+                <a:lnTo>
+                  <a:pt x="0" y="416750"/>
+                </a:lnTo>
+              </a:path>
+            </a:pathLst>
+          </a:custGeom>
+          <a:ln w="39927">
+            <a:solidFill>
+              <a:schemeClr val="tx1">
+                <a:lumMod val="50000"/>
+                <a:lumOff val="50000"/>
+              </a:schemeClr>
+            </a:solidFill>
+          </a:ln>
+        </p:spPr>
+        <p:txBody>
+          <a:bodyPr wrap="square" lIns="0" tIns="0" rIns="0" bIns="0" rtlCol="0"/>
+          <a:lstStyle/>
+          <a:p>
+            <a:endParaRPr/>
+          </a:p>
+        </p:txBody>
+      </p:sp>
       <p:grpSp>
         <p:nvGrpSpPr>
           <p:cNvPr id="4" name="그룹 3"/>
@@ -17298,10 +19198,10 @@
         </p:nvGrpSpPr>
         <p:grpSpPr>
           <a:xfrm>
-            <a:off x="262107" y="1080872"/>
-            <a:ext cx="3877894" cy="5228128"/>
-            <a:chOff x="262107" y="1080872"/>
-            <a:chExt cx="3589893" cy="5228128"/>
+            <a:off x="262106" y="999943"/>
+            <a:ext cx="8594369" cy="2501066"/>
+            <a:chOff x="262107" y="922237"/>
+            <a:chExt cx="3589893" cy="5386763"/>
           </a:xfrm>
         </p:grpSpPr>
         <p:sp>
@@ -17309,7 +19209,7 @@
             <p:cNvPr id="18" name="직사각형 17">
               <a:extLst>
                 <a:ext uri="{FF2B5EF4-FFF2-40B4-BE49-F238E27FC236}">
-                  <a16:creationId xmlns:a16="http://schemas.microsoft.com/office/drawing/2014/main" xmlns="" id="{DFA00BE3-81FE-4FF2-86E9-DCF50AC1E47F}"/>
+                  <a16:creationId xmlns="" xmlns:a16="http://schemas.microsoft.com/office/drawing/2014/main" id="{DFA00BE3-81FE-4FF2-86E9-DCF50AC1E47F}"/>
                 </a:ext>
               </a:extLst>
             </p:cNvPr>
@@ -17364,8 +19264,8 @@
           </p:nvSpPr>
           <p:spPr>
             <a:xfrm>
-              <a:off x="1195579" y="1080872"/>
-              <a:ext cx="1722947" cy="426654"/>
+              <a:off x="1200987" y="922237"/>
+              <a:ext cx="1722947" cy="693526"/>
             </a:xfrm>
             <a:prstGeom prst="roundRect">
               <a:avLst/>
@@ -17403,12 +19303,12 @@
             <a:p>
               <a:pPr algn="ctr"/>
               <a:r>
-                <a:rPr lang="ko-KR" altLang="en-US" sz="2000" dirty="0">
+                <a:rPr lang="ko-KR" altLang="en-US" sz="2000" dirty="0" smtClean="0">
                   <a:latin typeface="한컴 백제 B" panose="02020603020101020101" pitchFamily="18" charset="-127"/>
                   <a:ea typeface="한컴 백제 B" panose="02020603020101020101" pitchFamily="18" charset="-127"/>
                   <a:cs typeface="Arial"/>
                 </a:rPr>
-                <a:t>서비스 구현</a:t>
+                <a:t>소켓 통신</a:t>
               </a:r>
               <a:endParaRPr lang="ko-KR" altLang="en-US" sz="2000" dirty="0">
                 <a:latin typeface="한컴 백제 B" panose="02020603020101020101" pitchFamily="18" charset="-127"/>
@@ -17419,26 +19319,202 @@
           </p:txBody>
         </p:sp>
       </p:grpSp>
+      <p:sp>
+        <p:nvSpPr>
+          <p:cNvPr id="14" name="TextBox 13"/>
+          <p:cNvSpPr txBox="1"/>
+          <p:nvPr/>
+        </p:nvSpPr>
+        <p:spPr>
+          <a:xfrm>
+            <a:off x="233907" y="198597"/>
+            <a:ext cx="3886200" cy="369332"/>
+          </a:xfrm>
+          <a:prstGeom prst="rect">
+            <a:avLst/>
+          </a:prstGeom>
+          <a:noFill/>
+        </p:spPr>
+        <p:txBody>
+          <a:bodyPr wrap="square" rtlCol="0">
+            <a:spAutoFit/>
+          </a:bodyPr>
+          <a:lstStyle/>
+          <a:p>
+            <a:r>
+              <a:rPr lang="ko-KR" altLang="en-US" dirty="0" smtClean="0">
+                <a:latin typeface="한컴 백제 B" panose="02020603020101020101" pitchFamily="18" charset="-127"/>
+                <a:ea typeface="한컴 백제 B" panose="02020603020101020101" pitchFamily="18" charset="-127"/>
+              </a:rPr>
+              <a:t>개발 </a:t>
+            </a:r>
+            <a:r>
+              <a:rPr lang="ko-KR" altLang="en-US" dirty="0" smtClean="0">
+                <a:latin typeface="한컴 백제 B" panose="02020603020101020101" pitchFamily="18" charset="-127"/>
+                <a:ea typeface="한컴 백제 B" panose="02020603020101020101" pitchFamily="18" charset="-127"/>
+              </a:rPr>
+              <a:t>개요 </a:t>
+            </a:r>
+            <a:r>
+              <a:rPr lang="en-US" altLang="ko-KR" dirty="0" smtClean="0">
+                <a:latin typeface="한컴 백제 B" panose="02020603020101020101" pitchFamily="18" charset="-127"/>
+                <a:ea typeface="한컴 백제 B" panose="02020603020101020101" pitchFamily="18" charset="-127"/>
+              </a:rPr>
+              <a:t>SERVER</a:t>
+            </a:r>
+            <a:endParaRPr lang="ko-KR" altLang="en-US" dirty="0">
+              <a:latin typeface="한컴 백제 B" panose="02020603020101020101" pitchFamily="18" charset="-127"/>
+              <a:ea typeface="한컴 백제 B" panose="02020603020101020101" pitchFamily="18" charset="-127"/>
+            </a:endParaRPr>
+          </a:p>
+        </p:txBody>
+      </p:sp>
+      <p:sp>
+        <p:nvSpPr>
+          <p:cNvPr id="15" name="TextBox 14"/>
+          <p:cNvSpPr txBox="1"/>
+          <p:nvPr/>
+        </p:nvSpPr>
+        <p:spPr>
+          <a:xfrm>
+            <a:off x="244066" y="490667"/>
+            <a:ext cx="3595789" cy="276999"/>
+          </a:xfrm>
+          <a:prstGeom prst="rect">
+            <a:avLst/>
+          </a:prstGeom>
+          <a:noFill/>
+        </p:spPr>
+        <p:txBody>
+          <a:bodyPr wrap="square" rtlCol="0">
+            <a:spAutoFit/>
+          </a:bodyPr>
+          <a:lstStyle/>
+          <a:p>
+            <a:r>
+              <a:rPr lang="ko-KR" altLang="en-US" sz="1200" dirty="0" smtClean="0">
+                <a:solidFill>
+                  <a:schemeClr val="tx1">
+                    <a:lumMod val="50000"/>
+                    <a:lumOff val="50000"/>
+                  </a:schemeClr>
+                </a:solidFill>
+                <a:latin typeface="한컴 백제 M" panose="02020603020101020101" pitchFamily="18" charset="-127"/>
+                <a:ea typeface="한컴 백제 M" panose="02020603020101020101" pitchFamily="18" charset="-127"/>
+              </a:rPr>
+              <a:t>소켓 통신 </a:t>
+            </a:r>
+            <a:r>
+              <a:rPr lang="en-US" altLang="ko-KR" sz="1200" dirty="0" smtClean="0">
+                <a:solidFill>
+                  <a:schemeClr val="tx1">
+                    <a:lumMod val="50000"/>
+                    <a:lumOff val="50000"/>
+                  </a:schemeClr>
+                </a:solidFill>
+                <a:latin typeface="한컴 백제 M" panose="02020603020101020101" pitchFamily="18" charset="-127"/>
+                <a:ea typeface="한컴 백제 M" panose="02020603020101020101" pitchFamily="18" charset="-127"/>
+              </a:rPr>
+              <a:t>&amp; Thread</a:t>
+            </a:r>
+            <a:r>
+              <a:rPr lang="ko-KR" altLang="en-US" sz="1200" dirty="0" smtClean="0">
+                <a:solidFill>
+                  <a:schemeClr val="tx1">
+                    <a:lumMod val="50000"/>
+                    <a:lumOff val="50000"/>
+                  </a:schemeClr>
+                </a:solidFill>
+                <a:latin typeface="한컴 백제 M" panose="02020603020101020101" pitchFamily="18" charset="-127"/>
+                <a:ea typeface="한컴 백제 M" panose="02020603020101020101" pitchFamily="18" charset="-127"/>
+              </a:rPr>
+              <a:t>생성 및 제어</a:t>
+            </a:r>
+            <a:endParaRPr lang="ko-KR" altLang="en-US" sz="1200" dirty="0">
+              <a:solidFill>
+                <a:schemeClr val="tx1">
+                  <a:lumMod val="50000"/>
+                  <a:lumOff val="50000"/>
+                </a:schemeClr>
+              </a:solidFill>
+              <a:latin typeface="한컴 백제 M" panose="02020603020101020101" pitchFamily="18" charset="-127"/>
+              <a:ea typeface="한컴 백제 M" panose="02020603020101020101" pitchFamily="18" charset="-127"/>
+            </a:endParaRPr>
+          </a:p>
+        </p:txBody>
+      </p:sp>
+      <p:pic>
+        <p:nvPicPr>
+          <p:cNvPr id="1027" name="Picture 3"/>
+          <p:cNvPicPr>
+            <a:picLocks noChangeAspect="1" noChangeArrowheads="1"/>
+          </p:cNvPicPr>
+          <p:nvPr/>
+        </p:nvPicPr>
+        <p:blipFill rotWithShape="1">
+          <a:blip r:embed="rId4">
+            <a:extLst>
+              <a:ext uri="{28A0092B-C50C-407E-A947-70E740481C1C}">
+                <a14:useLocalDpi xmlns:a14="http://schemas.microsoft.com/office/drawing/2010/main" val="0"/>
+              </a:ext>
+            </a:extLst>
+          </a:blip>
+          <a:srcRect r="50000" b="86052"/>
+          <a:stretch/>
+        </p:blipFill>
+        <p:spPr bwMode="auto">
+          <a:xfrm>
+            <a:off x="1035321" y="5317814"/>
+            <a:ext cx="4049488" cy="784630"/>
+          </a:xfrm>
+          <a:prstGeom prst="rect">
+            <a:avLst/>
+          </a:prstGeom>
+          <a:noFill/>
+          <a:ln>
+            <a:noFill/>
+          </a:ln>
+          <a:extLst>
+            <a:ext uri="{909E8E84-426E-40DD-AFC4-6F175D3DCCD1}">
+              <a14:hiddenFill xmlns:a14="http://schemas.microsoft.com/office/drawing/2010/main">
+                <a:solidFill>
+                  <a:schemeClr val="accent1"/>
+                </a:solidFill>
+              </a14:hiddenFill>
+            </a:ext>
+            <a:ext uri="{91240B29-F687-4F45-9708-019B960494DF}">
+              <a14:hiddenLine xmlns:a14="http://schemas.microsoft.com/office/drawing/2010/main" w="9525">
+                <a:solidFill>
+                  <a:schemeClr val="tx1"/>
+                </a:solidFill>
+                <a:miter lim="800000"/>
+                <a:headEnd/>
+                <a:tailEnd/>
+              </a14:hiddenLine>
+            </a:ext>
+          </a:extLst>
+        </p:spPr>
+      </p:pic>
       <p:grpSp>
         <p:nvGrpSpPr>
-          <p:cNvPr id="3" name="그룹 2"/>
+          <p:cNvPr id="16" name="그룹 15"/>
           <p:cNvGrpSpPr/>
           <p:nvPr/>
         </p:nvGrpSpPr>
         <p:grpSpPr>
           <a:xfrm>
-            <a:off x="5004000" y="1080872"/>
-            <a:ext cx="3877893" cy="5228128"/>
-            <a:chOff x="5292000" y="1080872"/>
-            <a:chExt cx="3589893" cy="5228128"/>
+            <a:off x="262105" y="3589461"/>
+            <a:ext cx="8594369" cy="2748133"/>
+            <a:chOff x="262107" y="922237"/>
+            <a:chExt cx="3589893" cy="5386763"/>
           </a:xfrm>
         </p:grpSpPr>
         <p:sp>
           <p:nvSpPr>
-            <p:cNvPr id="32" name="직사각형 31">
+            <p:cNvPr id="17" name="직사각형 16">
               <a:extLst>
                 <a:ext uri="{FF2B5EF4-FFF2-40B4-BE49-F238E27FC236}">
-                  <a16:creationId xmlns:a16="http://schemas.microsoft.com/office/drawing/2014/main" xmlns="" id="{DFA00BE3-81FE-4FF2-86E9-DCF50AC1E47F}"/>
+                  <a16:creationId xmlns="" xmlns:a16="http://schemas.microsoft.com/office/drawing/2014/main" id="{DFA00BE3-81FE-4FF2-86E9-DCF50AC1E47F}"/>
                 </a:ext>
               </a:extLst>
             </p:cNvPr>
@@ -17447,14 +19523,14 @@
           </p:nvSpPr>
           <p:spPr>
             <a:xfrm>
-              <a:off x="5292000" y="1269000"/>
+              <a:off x="262107" y="1269000"/>
               <a:ext cx="3589893" cy="5040000"/>
             </a:xfrm>
             <a:prstGeom prst="rect">
               <a:avLst/>
             </a:prstGeom>
             <a:noFill/>
-            <a:ln w="12700">
+            <a:ln w="15875">
               <a:solidFill>
                 <a:schemeClr val="tx1"/>
               </a:solidFill>
@@ -17487,14 +19563,14 @@
         </p:sp>
         <p:sp>
           <p:nvSpPr>
-            <p:cNvPr id="33" name="모서리가 둥근 직사각형 32"/>
+            <p:cNvPr id="19" name="모서리가 둥근 직사각형 18"/>
             <p:cNvSpPr/>
             <p:nvPr/>
           </p:nvSpPr>
           <p:spPr>
             <a:xfrm>
-              <a:off x="6225472" y="1080872"/>
-              <a:ext cx="1722947" cy="426654"/>
+              <a:off x="934635" y="922237"/>
+              <a:ext cx="2255651" cy="693526"/>
             </a:xfrm>
             <a:prstGeom prst="roundRect">
               <a:avLst/>
@@ -17532,12 +19608,36 @@
             <a:p>
               <a:pPr algn="ctr"/>
               <a:r>
-                <a:rPr lang="ko-KR" altLang="en-US" sz="2000" dirty="0">
+                <a:rPr lang="en-US" altLang="ko-KR" sz="2000" dirty="0">
                   <a:latin typeface="한컴 백제 B" panose="02020603020101020101" pitchFamily="18" charset="-127"/>
                   <a:ea typeface="한컴 백제 B" panose="02020603020101020101" pitchFamily="18" charset="-127"/>
                   <a:cs typeface="Arial"/>
                 </a:rPr>
-                <a:t>회의록</a:t>
+                <a:t>Thread </a:t>
+              </a:r>
+              <a:r>
+                <a:rPr lang="ko-KR" altLang="en-US" sz="2000" dirty="0" smtClean="0">
+                  <a:latin typeface="한컴 백제 B" panose="02020603020101020101" pitchFamily="18" charset="-127"/>
+                  <a:ea typeface="한컴 백제 B" panose="02020603020101020101" pitchFamily="18" charset="-127"/>
+                  <a:cs typeface="Arial"/>
+                </a:rPr>
+                <a:t>생성 및 </a:t>
+              </a:r>
+              <a:r>
+                <a:rPr lang="en-US" altLang="ko-KR" sz="2000" dirty="0" err="1" smtClean="0">
+                  <a:latin typeface="한컴 백제 B" panose="02020603020101020101" pitchFamily="18" charset="-127"/>
+                  <a:ea typeface="한컴 백제 B" panose="02020603020101020101" pitchFamily="18" charset="-127"/>
+                  <a:cs typeface="Arial"/>
+                </a:rPr>
+                <a:t>Mutex</a:t>
+              </a:r>
+              <a:r>
+                <a:rPr lang="ko-KR" altLang="en-US" sz="2000" dirty="0" smtClean="0">
+                  <a:latin typeface="한컴 백제 B" panose="02020603020101020101" pitchFamily="18" charset="-127"/>
+                  <a:ea typeface="한컴 백제 B" panose="02020603020101020101" pitchFamily="18" charset="-127"/>
+                  <a:cs typeface="Arial"/>
+                </a:rPr>
+                <a:t>를 이용한 동시성 제어</a:t>
               </a:r>
               <a:endParaRPr lang="ko-KR" altLang="en-US" sz="2000" dirty="0">
                 <a:latin typeface="한컴 백제 B" panose="02020603020101020101" pitchFamily="18" charset="-127"/>
@@ -17548,94 +19648,393 @@
           </p:txBody>
         </p:sp>
       </p:grpSp>
-      <p:sp>
-        <p:nvSpPr>
-          <p:cNvPr id="14" name="TextBox 13"/>
-          <p:cNvSpPr txBox="1"/>
-          <p:nvPr/>
-        </p:nvSpPr>
-        <p:spPr>
-          <a:xfrm>
-            <a:off x="233907" y="198597"/>
-            <a:ext cx="3886200" cy="369332"/>
+      <p:pic>
+        <p:nvPicPr>
+          <p:cNvPr id="20" name="Picture 3"/>
+          <p:cNvPicPr>
+            <a:picLocks noChangeAspect="1" noChangeArrowheads="1"/>
+          </p:cNvPicPr>
+          <p:nvPr/>
+        </p:nvPicPr>
+        <p:blipFill rotWithShape="1">
+          <a:blip r:embed="rId4">
+            <a:extLst>
+              <a:ext uri="{28A0092B-C50C-407E-A947-70E740481C1C}">
+                <a14:useLocalDpi xmlns:a14="http://schemas.microsoft.com/office/drawing/2010/main" val="0"/>
+              </a:ext>
+            </a:extLst>
+          </a:blip>
+          <a:srcRect t="30057" r="36544" b="912"/>
+          <a:stretch/>
+        </p:blipFill>
+        <p:spPr bwMode="auto">
+          <a:xfrm>
+            <a:off x="5369369" y="4048526"/>
+            <a:ext cx="2819891" cy="2130732"/>
           </a:xfrm>
           <a:prstGeom prst="rect">
             <a:avLst/>
           </a:prstGeom>
           <a:noFill/>
-        </p:spPr>
-        <p:txBody>
-          <a:bodyPr wrap="square" rtlCol="0">
-            <a:spAutoFit/>
-          </a:bodyPr>
-          <a:lstStyle/>
-          <a:p>
-            <a:r>
-              <a:rPr lang="ko-KR" altLang="en-US" smtClean="0">
-                <a:latin typeface="한컴 백제 B" panose="02020603020101020101" pitchFamily="18" charset="-127"/>
-                <a:ea typeface="한컴 백제 B" panose="02020603020101020101" pitchFamily="18" charset="-127"/>
-              </a:rPr>
-              <a:t>개발 개요</a:t>
-            </a:r>
-            <a:endParaRPr lang="ko-KR" altLang="en-US" dirty="0">
-              <a:latin typeface="한컴 백제 B" panose="02020603020101020101" pitchFamily="18" charset="-127"/>
-              <a:ea typeface="한컴 백제 B" panose="02020603020101020101" pitchFamily="18" charset="-127"/>
-            </a:endParaRPr>
-          </a:p>
-        </p:txBody>
-      </p:sp>
-      <p:sp>
-        <p:nvSpPr>
-          <p:cNvPr id="15" name="TextBox 14"/>
-          <p:cNvSpPr txBox="1"/>
-          <p:nvPr/>
-        </p:nvSpPr>
-        <p:spPr>
-          <a:xfrm>
-            <a:off x="244066" y="490667"/>
-            <a:ext cx="3595789" cy="276999"/>
+          <a:ln>
+            <a:noFill/>
+          </a:ln>
+          <a:extLst>
+            <a:ext uri="{909E8E84-426E-40DD-AFC4-6F175D3DCCD1}">
+              <a14:hiddenFill xmlns:a14="http://schemas.microsoft.com/office/drawing/2010/main">
+                <a:solidFill>
+                  <a:schemeClr val="accent1"/>
+                </a:solidFill>
+              </a14:hiddenFill>
+            </a:ext>
+            <a:ext uri="{91240B29-F687-4F45-9708-019B960494DF}">
+              <a14:hiddenLine xmlns:a14="http://schemas.microsoft.com/office/drawing/2010/main" w="9525">
+                <a:solidFill>
+                  <a:schemeClr val="tx1"/>
+                </a:solidFill>
+                <a:miter lim="800000"/>
+                <a:headEnd/>
+                <a:tailEnd/>
+              </a14:hiddenLine>
+            </a:ext>
+          </a:extLst>
+        </p:spPr>
+      </p:pic>
+      <p:cxnSp>
+        <p:nvCxnSpPr>
+          <p:cNvPr id="6" name="직선 연결선 5"/>
+          <p:cNvCxnSpPr/>
+          <p:nvPr/>
+        </p:nvCxnSpPr>
+        <p:spPr>
+          <a:xfrm>
+            <a:off x="1035321" y="5537405"/>
+            <a:ext cx="2844000" cy="0"/>
+          </a:xfrm>
+          <a:prstGeom prst="line">
+            <a:avLst/>
+          </a:prstGeom>
+          <a:ln w="28575"/>
+        </p:spPr>
+        <p:style>
+          <a:lnRef idx="1">
+            <a:schemeClr val="accent2"/>
+          </a:lnRef>
+          <a:fillRef idx="0">
+            <a:schemeClr val="accent2"/>
+          </a:fillRef>
+          <a:effectRef idx="0">
+            <a:schemeClr val="accent2"/>
+          </a:effectRef>
+          <a:fontRef idx="minor">
+            <a:schemeClr val="tx1"/>
+          </a:fontRef>
+        </p:style>
+      </p:cxnSp>
+      <p:cxnSp>
+        <p:nvCxnSpPr>
+          <p:cNvPr id="22" name="직선 연결선 21"/>
+          <p:cNvCxnSpPr/>
+          <p:nvPr/>
+        </p:nvCxnSpPr>
+        <p:spPr>
+          <a:xfrm>
+            <a:off x="1035321" y="6142130"/>
+            <a:ext cx="2844000" cy="0"/>
+          </a:xfrm>
+          <a:prstGeom prst="line">
+            <a:avLst/>
+          </a:prstGeom>
+          <a:ln w="28575"/>
+        </p:spPr>
+        <p:style>
+          <a:lnRef idx="1">
+            <a:schemeClr val="accent2"/>
+          </a:lnRef>
+          <a:fillRef idx="0">
+            <a:schemeClr val="accent2"/>
+          </a:fillRef>
+          <a:effectRef idx="0">
+            <a:schemeClr val="accent2"/>
+          </a:effectRef>
+          <a:fontRef idx="minor">
+            <a:schemeClr val="tx1"/>
+          </a:fontRef>
+        </p:style>
+      </p:cxnSp>
+      <p:cxnSp>
+        <p:nvCxnSpPr>
+          <p:cNvPr id="23" name="직선 연결선 22"/>
+          <p:cNvCxnSpPr/>
+          <p:nvPr/>
+        </p:nvCxnSpPr>
+        <p:spPr>
+          <a:xfrm>
+            <a:off x="5369369" y="4257092"/>
+            <a:ext cx="1542891" cy="0"/>
+          </a:xfrm>
+          <a:prstGeom prst="line">
+            <a:avLst/>
+          </a:prstGeom>
+          <a:ln w="28575"/>
+        </p:spPr>
+        <p:style>
+          <a:lnRef idx="1">
+            <a:schemeClr val="accent2"/>
+          </a:lnRef>
+          <a:fillRef idx="0">
+            <a:schemeClr val="accent2"/>
+          </a:fillRef>
+          <a:effectRef idx="0">
+            <a:schemeClr val="accent2"/>
+          </a:effectRef>
+          <a:fontRef idx="minor">
+            <a:schemeClr val="tx1"/>
+          </a:fontRef>
+        </p:style>
+      </p:cxnSp>
+      <p:cxnSp>
+        <p:nvCxnSpPr>
+          <p:cNvPr id="25" name="직선 연결선 24"/>
+          <p:cNvCxnSpPr/>
+          <p:nvPr/>
+        </p:nvCxnSpPr>
+        <p:spPr>
+          <a:xfrm>
+            <a:off x="5369369" y="6179258"/>
+            <a:ext cx="1542891" cy="0"/>
+          </a:xfrm>
+          <a:prstGeom prst="line">
+            <a:avLst/>
+          </a:prstGeom>
+          <a:ln w="28575"/>
+        </p:spPr>
+        <p:style>
+          <a:lnRef idx="1">
+            <a:schemeClr val="accent2"/>
+          </a:lnRef>
+          <a:fillRef idx="0">
+            <a:schemeClr val="accent2"/>
+          </a:fillRef>
+          <a:effectRef idx="0">
+            <a:schemeClr val="accent2"/>
+          </a:effectRef>
+          <a:fontRef idx="minor">
+            <a:schemeClr val="tx1"/>
+          </a:fontRef>
+        </p:style>
+      </p:cxnSp>
+      <p:cxnSp>
+        <p:nvCxnSpPr>
+          <p:cNvPr id="26" name="직선 연결선 25"/>
+          <p:cNvCxnSpPr/>
+          <p:nvPr/>
+        </p:nvCxnSpPr>
+        <p:spPr>
+          <a:xfrm flipV="1">
+            <a:off x="1139866" y="4487478"/>
+            <a:ext cx="3302855" cy="12329"/>
+          </a:xfrm>
+          <a:prstGeom prst="line">
+            <a:avLst/>
+          </a:prstGeom>
+          <a:ln w="28575"/>
+        </p:spPr>
+        <p:style>
+          <a:lnRef idx="1">
+            <a:schemeClr val="accent2"/>
+          </a:lnRef>
+          <a:fillRef idx="0">
+            <a:schemeClr val="accent2"/>
+          </a:fillRef>
+          <a:effectRef idx="0">
+            <a:schemeClr val="accent2"/>
+          </a:effectRef>
+          <a:fontRef idx="minor">
+            <a:schemeClr val="tx1"/>
+          </a:fontRef>
+        </p:style>
+      </p:cxnSp>
+      <p:pic>
+        <p:nvPicPr>
+          <p:cNvPr id="2050" name="Picture 2"/>
+          <p:cNvPicPr>
+            <a:picLocks noChangeAspect="1" noChangeArrowheads="1"/>
+          </p:cNvPicPr>
+          <p:nvPr/>
+        </p:nvPicPr>
+        <p:blipFill rotWithShape="1">
+          <a:blip r:embed="rId3">
+            <a:extLst>
+              <a:ext uri="{28A0092B-C50C-407E-A947-70E740481C1C}">
+                <a14:useLocalDpi xmlns:a14="http://schemas.microsoft.com/office/drawing/2010/main" val="0"/>
+              </a:ext>
+            </a:extLst>
+          </a:blip>
+          <a:srcRect b="33258"/>
+          <a:stretch/>
+        </p:blipFill>
+        <p:spPr bwMode="auto">
+          <a:xfrm>
+            <a:off x="1752172" y="1446460"/>
+            <a:ext cx="5962650" cy="1837216"/>
           </a:xfrm>
           <a:prstGeom prst="rect">
             <a:avLst/>
           </a:prstGeom>
           <a:noFill/>
-        </p:spPr>
-        <p:txBody>
-          <a:bodyPr wrap="square" rtlCol="0">
-            <a:spAutoFit/>
-          </a:bodyPr>
-          <a:lstStyle/>
-          <a:p>
-            <a:r>
-              <a:rPr lang="ko-KR" altLang="en-US" sz="1200" dirty="0" smtClean="0">
+          <a:ln>
+            <a:noFill/>
+          </a:ln>
+          <a:extLst>
+            <a:ext uri="{909E8E84-426E-40DD-AFC4-6F175D3DCCD1}">
+              <a14:hiddenFill xmlns:a14="http://schemas.microsoft.com/office/drawing/2010/main">
                 <a:solidFill>
-                  <a:schemeClr val="tx1">
-                    <a:lumMod val="50000"/>
-                    <a:lumOff val="50000"/>
-                  </a:schemeClr>
+                  <a:schemeClr val="accent1"/>
                 </a:solidFill>
-                <a:latin typeface="한컴 백제 M" panose="02020603020101020101" pitchFamily="18" charset="-127"/>
-                <a:ea typeface="한컴 백제 M" panose="02020603020101020101" pitchFamily="18" charset="-127"/>
-              </a:rPr>
-              <a:t>통신 데이터 및 처리 방식</a:t>
-            </a:r>
-            <a:endParaRPr lang="ko-KR" altLang="en-US" sz="1200" dirty="0">
-              <a:solidFill>
-                <a:schemeClr val="tx1">
-                  <a:lumMod val="50000"/>
-                  <a:lumOff val="50000"/>
-                </a:schemeClr>
-              </a:solidFill>
-              <a:latin typeface="한컴 백제 M" panose="02020603020101020101" pitchFamily="18" charset="-127"/>
-              <a:ea typeface="한컴 백제 M" panose="02020603020101020101" pitchFamily="18" charset="-127"/>
-            </a:endParaRPr>
-          </a:p>
-        </p:txBody>
-      </p:sp>
+              </a14:hiddenFill>
+            </a:ext>
+            <a:ext uri="{91240B29-F687-4F45-9708-019B960494DF}">
+              <a14:hiddenLine xmlns:a14="http://schemas.microsoft.com/office/drawing/2010/main" w="9525">
+                <a:solidFill>
+                  <a:schemeClr val="tx1"/>
+                </a:solidFill>
+                <a:miter lim="800000"/>
+                <a:headEnd/>
+                <a:tailEnd/>
+              </a14:hiddenLine>
+            </a:ext>
+          </a:extLst>
+        </p:spPr>
+      </p:pic>
+      <p:cxnSp>
+        <p:nvCxnSpPr>
+          <p:cNvPr id="27" name="직선 연결선 26"/>
+          <p:cNvCxnSpPr/>
+          <p:nvPr/>
+        </p:nvCxnSpPr>
+        <p:spPr>
+          <a:xfrm flipV="1">
+            <a:off x="1141766" y="4607883"/>
+            <a:ext cx="1200664" cy="4483"/>
+          </a:xfrm>
+          <a:prstGeom prst="line">
+            <a:avLst/>
+          </a:prstGeom>
+          <a:ln w="28575"/>
+        </p:spPr>
+        <p:style>
+          <a:lnRef idx="1">
+            <a:schemeClr val="accent2"/>
+          </a:lnRef>
+          <a:fillRef idx="0">
+            <a:schemeClr val="accent2"/>
+          </a:fillRef>
+          <a:effectRef idx="0">
+            <a:schemeClr val="accent2"/>
+          </a:effectRef>
+          <a:fontRef idx="minor">
+            <a:schemeClr val="tx1"/>
+          </a:fontRef>
+        </p:style>
+      </p:cxnSp>
+      <p:cxnSp>
+        <p:nvCxnSpPr>
+          <p:cNvPr id="32" name="직선 연결선 31"/>
+          <p:cNvCxnSpPr/>
+          <p:nvPr/>
+        </p:nvCxnSpPr>
+        <p:spPr>
+          <a:xfrm flipV="1">
+            <a:off x="2041960" y="1664804"/>
+            <a:ext cx="5230340" cy="12330"/>
+          </a:xfrm>
+          <a:prstGeom prst="line">
+            <a:avLst/>
+          </a:prstGeom>
+          <a:ln w="28575"/>
+        </p:spPr>
+        <p:style>
+          <a:lnRef idx="1">
+            <a:schemeClr val="accent2"/>
+          </a:lnRef>
+          <a:fillRef idx="0">
+            <a:schemeClr val="accent2"/>
+          </a:fillRef>
+          <a:effectRef idx="0">
+            <a:schemeClr val="accent2"/>
+          </a:effectRef>
+          <a:fontRef idx="minor">
+            <a:schemeClr val="tx1"/>
+          </a:fontRef>
+        </p:style>
+      </p:cxnSp>
+      <p:cxnSp>
+        <p:nvCxnSpPr>
+          <p:cNvPr id="33" name="직선 연결선 32"/>
+          <p:cNvCxnSpPr/>
+          <p:nvPr/>
+        </p:nvCxnSpPr>
+        <p:spPr>
+          <a:xfrm flipV="1">
+            <a:off x="2063563" y="2060848"/>
+            <a:ext cx="2056544" cy="12330"/>
+          </a:xfrm>
+          <a:prstGeom prst="line">
+            <a:avLst/>
+          </a:prstGeom>
+          <a:ln w="28575"/>
+        </p:spPr>
+        <p:style>
+          <a:lnRef idx="1">
+            <a:schemeClr val="accent2"/>
+          </a:lnRef>
+          <a:fillRef idx="0">
+            <a:schemeClr val="accent2"/>
+          </a:fillRef>
+          <a:effectRef idx="0">
+            <a:schemeClr val="accent2"/>
+          </a:effectRef>
+          <a:fontRef idx="minor">
+            <a:schemeClr val="tx1"/>
+          </a:fontRef>
+        </p:style>
+      </p:cxnSp>
+      <p:cxnSp>
+        <p:nvCxnSpPr>
+          <p:cNvPr id="34" name="직선 연결선 33"/>
+          <p:cNvCxnSpPr/>
+          <p:nvPr/>
+        </p:nvCxnSpPr>
+        <p:spPr>
+          <a:xfrm>
+            <a:off x="2063563" y="3189302"/>
+            <a:ext cx="5550530" cy="0"/>
+          </a:xfrm>
+          <a:prstGeom prst="line">
+            <a:avLst/>
+          </a:prstGeom>
+          <a:ln w="28575"/>
+        </p:spPr>
+        <p:style>
+          <a:lnRef idx="1">
+            <a:schemeClr val="accent2"/>
+          </a:lnRef>
+          <a:fillRef idx="0">
+            <a:schemeClr val="accent2"/>
+          </a:fillRef>
+          <a:effectRef idx="0">
+            <a:schemeClr val="accent2"/>
+          </a:effectRef>
+          <a:fontRef idx="minor">
+            <a:schemeClr val="tx1"/>
+          </a:fontRef>
+        </p:style>
+      </p:cxnSp>
     </p:spTree>
     <p:extLst>
       <p:ext uri="{BB962C8B-B14F-4D97-AF65-F5344CB8AC3E}">
-        <p14:creationId xmlns:p14="http://schemas.microsoft.com/office/powerpoint/2010/main" val="3378555224"/>
+        <p14:creationId xmlns:p14="http://schemas.microsoft.com/office/powerpoint/2010/main" val="3384982238"/>
       </p:ext>
     </p:extLst>
   </p:cSld>
@@ -17652,7 +20051,7 @@
 </p:sld>
 </file>
 
-<file path=ppt/slides/slide19.xml><?xml version="1.0" encoding="utf-8"?>
+<file path=ppt/slides/slide21.xml><?xml version="1.0" encoding="utf-8"?>
 <p:sld xmlns:a="http://schemas.openxmlformats.org/drawingml/2006/main" xmlns:r="http://schemas.openxmlformats.org/officeDocument/2006/relationships" xmlns:p="http://schemas.openxmlformats.org/presentationml/2006/main" showMasterSp="0">
   <p:cSld>
     <p:spTree>
@@ -17669,6 +20068,58 @@
           <a:chExt cx="0" cy="0"/>
         </a:xfrm>
       </p:grpSpPr>
+      <p:pic>
+        <p:nvPicPr>
+          <p:cNvPr id="1030" name="Picture 6"/>
+          <p:cNvPicPr>
+            <a:picLocks noChangeAspect="1" noChangeArrowheads="1"/>
+          </p:cNvPicPr>
+          <p:nvPr/>
+        </p:nvPicPr>
+        <p:blipFill rotWithShape="1">
+          <a:blip r:embed="rId3">
+            <a:extLst>
+              <a:ext uri="{28A0092B-C50C-407E-A947-70E740481C1C}">
+                <a14:useLocalDpi xmlns:a14="http://schemas.microsoft.com/office/drawing/2010/main" val="0"/>
+              </a:ext>
+            </a:extLst>
+          </a:blip>
+          <a:srcRect t="7236" b="3531"/>
+          <a:stretch/>
+        </p:blipFill>
+        <p:spPr bwMode="auto">
+          <a:xfrm>
+            <a:off x="1651440" y="1620309"/>
+            <a:ext cx="5962654" cy="4514090"/>
+          </a:xfrm>
+          <a:prstGeom prst="rect">
+            <a:avLst/>
+          </a:prstGeom>
+          <a:noFill/>
+          <a:ln>
+            <a:noFill/>
+          </a:ln>
+          <a:extLst>
+            <a:ext uri="{909E8E84-426E-40DD-AFC4-6F175D3DCCD1}">
+              <a14:hiddenFill xmlns:a14="http://schemas.microsoft.com/office/drawing/2010/main">
+                <a:solidFill>
+                  <a:schemeClr val="accent1"/>
+                </a:solidFill>
+              </a14:hiddenFill>
+            </a:ext>
+            <a:ext uri="{91240B29-F687-4F45-9708-019B960494DF}">
+              <a14:hiddenLine xmlns:a14="http://schemas.microsoft.com/office/drawing/2010/main" w="9525">
+                <a:solidFill>
+                  <a:schemeClr val="tx1"/>
+                </a:solidFill>
+                <a:miter lim="800000"/>
+                <a:headEnd/>
+                <a:tailEnd/>
+              </a14:hiddenLine>
+            </a:ext>
+          </a:extLst>
+        </p:spPr>
+      </p:pic>
       <p:sp>
         <p:nvSpPr>
           <p:cNvPr id="79" name="object 10"/>
@@ -17880,10 +20331,10 @@
         </p:nvGrpSpPr>
         <p:grpSpPr>
           <a:xfrm>
-            <a:off x="262107" y="1080872"/>
-            <a:ext cx="3877894" cy="5228128"/>
-            <a:chOff x="262107" y="1080872"/>
-            <a:chExt cx="3589893" cy="5228128"/>
+            <a:off x="262106" y="1175198"/>
+            <a:ext cx="8594369" cy="5231517"/>
+            <a:chOff x="262107" y="1096844"/>
+            <a:chExt cx="3589893" cy="5212156"/>
           </a:xfrm>
         </p:grpSpPr>
         <p:sp>
@@ -17891,7 +20342,7 @@
             <p:cNvPr id="18" name="직사각형 17">
               <a:extLst>
                 <a:ext uri="{FF2B5EF4-FFF2-40B4-BE49-F238E27FC236}">
-                  <a16:creationId xmlns:a16="http://schemas.microsoft.com/office/drawing/2014/main" xmlns="" id="{DFA00BE3-81FE-4FF2-86E9-DCF50AC1E47F}"/>
+                  <a16:creationId xmlns="" xmlns:a16="http://schemas.microsoft.com/office/drawing/2014/main" id="{DFA00BE3-81FE-4FF2-86E9-DCF50AC1E47F}"/>
                 </a:ext>
               </a:extLst>
             </p:cNvPr>
@@ -17946,8 +20397,8 @@
           </p:nvSpPr>
           <p:spPr>
             <a:xfrm>
-              <a:off x="1195579" y="1080872"/>
-              <a:ext cx="1722947" cy="426654"/>
+              <a:off x="1385804" y="1096844"/>
+              <a:ext cx="1353312" cy="344311"/>
             </a:xfrm>
             <a:prstGeom prst="roundRect">
               <a:avLst/>
@@ -17985,12 +20436,44 @@
             <a:p>
               <a:pPr algn="ctr"/>
               <a:r>
-                <a:rPr lang="ko-KR" altLang="en-US" sz="2000" dirty="0">
+                <a:rPr lang="ko-KR" altLang="en-US" sz="2000" dirty="0" smtClean="0">
                   <a:latin typeface="한컴 백제 B" panose="02020603020101020101" pitchFamily="18" charset="-127"/>
                   <a:ea typeface="한컴 백제 B" panose="02020603020101020101" pitchFamily="18" charset="-127"/>
                   <a:cs typeface="Arial"/>
                 </a:rPr>
-                <a:t>서비스 구현</a:t>
+                <a:t>소켓 통신 </a:t>
+              </a:r>
+              <a:r>
+                <a:rPr lang="ko-KR" altLang="en-US" sz="2000" smtClean="0">
+                  <a:latin typeface="한컴 백제 B" panose="02020603020101020101" pitchFamily="18" charset="-127"/>
+                  <a:ea typeface="한컴 백제 B" panose="02020603020101020101" pitchFamily="18" charset="-127"/>
+                  <a:cs typeface="Arial"/>
+                </a:rPr>
+                <a:t>데이터 </a:t>
+              </a:r>
+              <a:r>
+                <a:rPr lang="ko-KR" altLang="en-US" sz="2000" smtClean="0">
+                  <a:latin typeface="한컴 백제 B" panose="02020603020101020101" pitchFamily="18" charset="-127"/>
+                  <a:ea typeface="한컴 백제 B" panose="02020603020101020101" pitchFamily="18" charset="-127"/>
+                  <a:cs typeface="Arial"/>
+                </a:rPr>
+                <a:t>받</a:t>
+              </a:r>
+              <a:r>
+                <a:rPr lang="ko-KR" altLang="en-US" sz="2000">
+                  <a:latin typeface="한컴 백제 B" panose="02020603020101020101" pitchFamily="18" charset="-127"/>
+                  <a:ea typeface="한컴 백제 B" panose="02020603020101020101" pitchFamily="18" charset="-127"/>
+                  <a:cs typeface="Arial"/>
+                </a:rPr>
+                <a:t>기</a:t>
+              </a:r>
+              <a:r>
+                <a:rPr lang="ko-KR" altLang="en-US" sz="2000" smtClean="0">
+                  <a:latin typeface="한컴 백제 B" panose="02020603020101020101" pitchFamily="18" charset="-127"/>
+                  <a:ea typeface="한컴 백제 B" panose="02020603020101020101" pitchFamily="18" charset="-127"/>
+                  <a:cs typeface="Arial"/>
+                </a:rPr>
+                <a:t> </a:t>
               </a:r>
               <a:endParaRPr lang="ko-KR" altLang="en-US" sz="2000" dirty="0">
                 <a:latin typeface="한컴 백제 B" panose="02020603020101020101" pitchFamily="18" charset="-127"/>
@@ -18001,135 +20484,6 @@
           </p:txBody>
         </p:sp>
       </p:grpSp>
-      <p:grpSp>
-        <p:nvGrpSpPr>
-          <p:cNvPr id="3" name="그룹 2"/>
-          <p:cNvGrpSpPr/>
-          <p:nvPr/>
-        </p:nvGrpSpPr>
-        <p:grpSpPr>
-          <a:xfrm>
-            <a:off x="5004000" y="1080872"/>
-            <a:ext cx="3877893" cy="5228128"/>
-            <a:chOff x="5292000" y="1080872"/>
-            <a:chExt cx="3589893" cy="5228128"/>
-          </a:xfrm>
-        </p:grpSpPr>
-        <p:sp>
-          <p:nvSpPr>
-            <p:cNvPr id="32" name="직사각형 31">
-              <a:extLst>
-                <a:ext uri="{FF2B5EF4-FFF2-40B4-BE49-F238E27FC236}">
-                  <a16:creationId xmlns:a16="http://schemas.microsoft.com/office/drawing/2014/main" xmlns="" id="{DFA00BE3-81FE-4FF2-86E9-DCF50AC1E47F}"/>
-                </a:ext>
-              </a:extLst>
-            </p:cNvPr>
-            <p:cNvSpPr/>
-            <p:nvPr/>
-          </p:nvSpPr>
-          <p:spPr>
-            <a:xfrm>
-              <a:off x="5292000" y="1269000"/>
-              <a:ext cx="3589893" cy="5040000"/>
-            </a:xfrm>
-            <a:prstGeom prst="rect">
-              <a:avLst/>
-            </a:prstGeom>
-            <a:noFill/>
-            <a:ln w="12700">
-              <a:solidFill>
-                <a:schemeClr val="tx1"/>
-              </a:solidFill>
-            </a:ln>
-          </p:spPr>
-          <p:style>
-            <a:lnRef idx="2">
-              <a:schemeClr val="accent1">
-                <a:shade val="50000"/>
-              </a:schemeClr>
-            </a:lnRef>
-            <a:fillRef idx="1">
-              <a:schemeClr val="accent1"/>
-            </a:fillRef>
-            <a:effectRef idx="0">
-              <a:schemeClr val="accent1"/>
-            </a:effectRef>
-            <a:fontRef idx="minor">
-              <a:schemeClr val="lt1"/>
-            </a:fontRef>
-          </p:style>
-          <p:txBody>
-            <a:bodyPr rtlCol="0" anchor="ctr"/>
-            <a:lstStyle/>
-            <a:p>
-              <a:pPr algn="ctr"/>
-              <a:endParaRPr lang="ko-KR" altLang="en-US"/>
-            </a:p>
-          </p:txBody>
-        </p:sp>
-        <p:sp>
-          <p:nvSpPr>
-            <p:cNvPr id="33" name="모서리가 둥근 직사각형 32"/>
-            <p:cNvSpPr/>
-            <p:nvPr/>
-          </p:nvSpPr>
-          <p:spPr>
-            <a:xfrm>
-              <a:off x="6225472" y="1080872"/>
-              <a:ext cx="1722947" cy="426654"/>
-            </a:xfrm>
-            <a:prstGeom prst="roundRect">
-              <a:avLst/>
-            </a:prstGeom>
-            <a:solidFill>
-              <a:schemeClr val="bg1">
-                <a:lumMod val="50000"/>
-              </a:schemeClr>
-            </a:solidFill>
-            <a:ln>
-              <a:solidFill>
-                <a:schemeClr val="tx1"/>
-              </a:solidFill>
-            </a:ln>
-          </p:spPr>
-          <p:style>
-            <a:lnRef idx="2">
-              <a:schemeClr val="accent1">
-                <a:shade val="50000"/>
-              </a:schemeClr>
-            </a:lnRef>
-            <a:fillRef idx="1">
-              <a:schemeClr val="accent1"/>
-            </a:fillRef>
-            <a:effectRef idx="0">
-              <a:schemeClr val="accent1"/>
-            </a:effectRef>
-            <a:fontRef idx="minor">
-              <a:schemeClr val="lt1"/>
-            </a:fontRef>
-          </p:style>
-          <p:txBody>
-            <a:bodyPr rtlCol="0" anchor="ctr"/>
-            <a:lstStyle/>
-            <a:p>
-              <a:pPr algn="ctr"/>
-              <a:r>
-                <a:rPr lang="ko-KR" altLang="en-US" sz="2000" dirty="0">
-                  <a:latin typeface="한컴 백제 B" panose="02020603020101020101" pitchFamily="18" charset="-127"/>
-                  <a:ea typeface="한컴 백제 B" panose="02020603020101020101" pitchFamily="18" charset="-127"/>
-                  <a:cs typeface="Arial"/>
-                </a:rPr>
-                <a:t>회의록</a:t>
-              </a:r>
-              <a:endParaRPr lang="ko-KR" altLang="en-US" sz="2000" dirty="0">
-                <a:latin typeface="한컴 백제 B" panose="02020603020101020101" pitchFamily="18" charset="-127"/>
-                <a:ea typeface="한컴 백제 B" panose="02020603020101020101" pitchFamily="18" charset="-127"/>
-                <a:cs typeface="Arial"/>
-              </a:endParaRPr>
-            </a:p>
-          </p:txBody>
-        </p:sp>
-      </p:grpSp>
       <p:sp>
         <p:nvSpPr>
           <p:cNvPr id="14" name="TextBox 13"/>
@@ -18153,11 +20507,18 @@
           <a:lstStyle/>
           <a:p>
             <a:r>
-              <a:rPr lang="ko-KR" altLang="en-US" smtClean="0">
+              <a:rPr lang="ko-KR" altLang="en-US" dirty="0">
                 <a:latin typeface="한컴 백제 B" panose="02020603020101020101" pitchFamily="18" charset="-127"/>
                 <a:ea typeface="한컴 백제 B" panose="02020603020101020101" pitchFamily="18" charset="-127"/>
               </a:rPr>
-              <a:t>개발 개요</a:t>
+              <a:t>개발 개요 </a:t>
+            </a:r>
+            <a:r>
+              <a:rPr lang="en-US" altLang="ko-KR" dirty="0" smtClean="0">
+                <a:latin typeface="한컴 백제 B" panose="02020603020101020101" pitchFamily="18" charset="-127"/>
+                <a:ea typeface="한컴 백제 B" panose="02020603020101020101" pitchFamily="18" charset="-127"/>
+              </a:rPr>
+              <a:t>CUSTOMER</a:t>
             </a:r>
             <a:endParaRPr lang="ko-KR" altLang="en-US" dirty="0">
               <a:latin typeface="한컴 백제 B" panose="02020603020101020101" pitchFamily="18" charset="-127"/>
@@ -18199,7 +20560,7 @@
                 <a:latin typeface="한컴 백제 M" panose="02020603020101020101" pitchFamily="18" charset="-127"/>
                 <a:ea typeface="한컴 백제 M" panose="02020603020101020101" pitchFamily="18" charset="-127"/>
               </a:rPr>
-              <a:t>통신 데이터 및 처리 방식</a:t>
+              <a:t>소켓 통신</a:t>
             </a:r>
             <a:endParaRPr lang="ko-KR" altLang="en-US" sz="1200" dirty="0">
               <a:solidFill>
@@ -18214,10 +20575,49 @@
           </a:p>
         </p:txBody>
       </p:sp>
+      <p:sp>
+        <p:nvSpPr>
+          <p:cNvPr id="10" name="AutoShape 5" descr="http://mail.naver.com/read/image/?mailSN=6389&amp;attachIndex=2&amp;contentType=image/png&amp;offset=2345&amp;size=154796&amp;mimeSN=1545297975.506152.11875.34560&amp;org=1&amp;u=thrk941106"/>
+          <p:cNvSpPr>
+            <a:spLocks noChangeAspect="1" noChangeArrowheads="1"/>
+          </p:cNvSpPr>
+          <p:nvPr/>
+        </p:nvSpPr>
+        <p:spPr bwMode="auto">
+          <a:xfrm>
+            <a:off x="168275" y="-144463"/>
+            <a:ext cx="304800" cy="304801"/>
+          </a:xfrm>
+          <a:prstGeom prst="rect">
+            <a:avLst/>
+          </a:prstGeom>
+          <a:noFill/>
+          <a:extLst>
+            <a:ext uri="{909E8E84-426E-40DD-AFC4-6F175D3DCCD1}">
+              <a14:hiddenFill xmlns:a14="http://schemas.microsoft.com/office/drawing/2010/main">
+                <a:solidFill>
+                  <a:srgbClr val="FFFFFF"/>
+                </a:solidFill>
+              </a14:hiddenFill>
+            </a:ext>
+          </a:extLst>
+        </p:spPr>
+        <p:txBody>
+          <a:bodyPr vert="horz" wrap="square" lIns="91440" tIns="45720" rIns="91440" bIns="45720" numCol="1" anchor="t" anchorCtr="0" compatLnSpc="1">
+            <a:prstTxWarp prst="textNoShape">
+              <a:avLst/>
+            </a:prstTxWarp>
+          </a:bodyPr>
+          <a:lstStyle/>
+          <a:p>
+            <a:endParaRPr lang="ko-KR" altLang="en-US"/>
+          </a:p>
+        </p:txBody>
+      </p:sp>
     </p:spTree>
     <p:extLst>
       <p:ext uri="{BB962C8B-B14F-4D97-AF65-F5344CB8AC3E}">
-        <p14:creationId xmlns:p14="http://schemas.microsoft.com/office/powerpoint/2010/main" val="3328731852"/>
+        <p14:creationId xmlns:p14="http://schemas.microsoft.com/office/powerpoint/2010/main" val="3378555224"/>
       </p:ext>
     </p:extLst>
   </p:cSld>
@@ -18234,1670 +20634,7 @@
 </p:sld>
 </file>
 
-<file path=ppt/slides/slide2.xml><?xml version="1.0" encoding="utf-8"?>
-<p:sld xmlns:a="http://schemas.openxmlformats.org/drawingml/2006/main" xmlns:r="http://schemas.openxmlformats.org/officeDocument/2006/relationships" xmlns:p="http://schemas.openxmlformats.org/presentationml/2006/main" showMasterSp="0">
-  <p:cSld>
-    <p:spTree>
-      <p:nvGrpSpPr>
-        <p:cNvPr id="1" name=""/>
-        <p:cNvGrpSpPr/>
-        <p:nvPr/>
-      </p:nvGrpSpPr>
-      <p:grpSpPr>
-        <a:xfrm>
-          <a:off x="0" y="0"/>
-          <a:ext cx="0" cy="0"/>
-          <a:chOff x="0" y="0"/>
-          <a:chExt cx="0" cy="0"/>
-        </a:xfrm>
-      </p:grpSpPr>
-      <p:sp>
-        <p:nvSpPr>
-          <p:cNvPr id="2" name="object 2"/>
-          <p:cNvSpPr txBox="1"/>
-          <p:nvPr/>
-        </p:nvSpPr>
-        <p:spPr>
-          <a:xfrm>
-            <a:off x="8511285" y="6432441"/>
-            <a:ext cx="84455" cy="203200"/>
-          </a:xfrm>
-          <a:prstGeom prst="rect">
-            <a:avLst/>
-          </a:prstGeom>
-        </p:spPr>
-        <p:txBody>
-          <a:bodyPr vert="horz" wrap="square" lIns="0" tIns="13335" rIns="0" bIns="0" rtlCol="0">
-            <a:spAutoFit/>
-          </a:bodyPr>
-          <a:lstStyle/>
-          <a:p>
-            <a:pPr>
-              <a:lnSpc>
-                <a:spcPct val="100000"/>
-              </a:lnSpc>
-              <a:spcBef>
-                <a:spcPts val="105"/>
-              </a:spcBef>
-            </a:pPr>
-            <a:r>
-              <a:rPr sz="1200" spc="-10" dirty="0">
-                <a:solidFill>
-                  <a:srgbClr val="888888"/>
-                </a:solidFill>
-                <a:latin typeface="Noto Sans CJK JP Regular"/>
-                <a:cs typeface="Noto Sans CJK JP Regular"/>
-              </a:rPr>
-              <a:t>3</a:t>
-            </a:r>
-            <a:endParaRPr sz="1200">
-              <a:latin typeface="Noto Sans CJK JP Regular"/>
-              <a:cs typeface="Noto Sans CJK JP Regular"/>
-            </a:endParaRPr>
-          </a:p>
-        </p:txBody>
-      </p:sp>
-      <p:sp>
-        <p:nvSpPr>
-          <p:cNvPr id="6" name="object 6"/>
-          <p:cNvSpPr/>
-          <p:nvPr/>
-        </p:nvSpPr>
-        <p:spPr>
-          <a:xfrm>
-            <a:off x="6796" y="849884"/>
-            <a:ext cx="9137203" cy="6008114"/>
-          </a:xfrm>
-          <a:prstGeom prst="rect">
-            <a:avLst/>
-          </a:prstGeom>
-          <a:blipFill>
-            <a:blip r:embed="rId3" cstate="print"/>
-            <a:stretch>
-              <a:fillRect/>
-            </a:stretch>
-          </a:blipFill>
-        </p:spPr>
-        <p:txBody>
-          <a:bodyPr wrap="square" lIns="0" tIns="0" rIns="0" bIns="0" rtlCol="0"/>
-          <a:lstStyle/>
-          <a:p>
-            <a:endParaRPr/>
-          </a:p>
-        </p:txBody>
-      </p:sp>
-      <p:sp>
-        <p:nvSpPr>
-          <p:cNvPr id="7" name="object 7"/>
-          <p:cNvSpPr/>
-          <p:nvPr/>
-        </p:nvSpPr>
-        <p:spPr>
-          <a:xfrm>
-            <a:off x="6796" y="1203101"/>
-            <a:ext cx="9137650" cy="5643880"/>
-          </a:xfrm>
-          <a:custGeom>
-            <a:avLst/>
-            <a:gdLst/>
-            <a:ahLst/>
-            <a:cxnLst/>
-            <a:rect l="l" t="t" r="r" b="b"/>
-            <a:pathLst>
-              <a:path w="9137650" h="5643880">
-                <a:moveTo>
-                  <a:pt x="9137203" y="5643495"/>
-                </a:moveTo>
-                <a:lnTo>
-                  <a:pt x="9137203" y="0"/>
-                </a:lnTo>
-                <a:lnTo>
-                  <a:pt x="0" y="0"/>
-                </a:lnTo>
-                <a:lnTo>
-                  <a:pt x="0" y="5643495"/>
-                </a:lnTo>
-                <a:lnTo>
-                  <a:pt x="9137203" y="5643495"/>
-                </a:lnTo>
-                <a:close/>
-              </a:path>
-            </a:pathLst>
-          </a:custGeom>
-          <a:solidFill>
-            <a:srgbClr val="404040">
-              <a:alpha val="87057"/>
-            </a:srgbClr>
-          </a:solidFill>
-        </p:spPr>
-        <p:txBody>
-          <a:bodyPr wrap="square" lIns="0" tIns="0" rIns="0" bIns="0" rtlCol="0"/>
-          <a:lstStyle/>
-          <a:p>
-            <a:endParaRPr dirty="0"/>
-          </a:p>
-        </p:txBody>
-      </p:sp>
-      <p:sp>
-        <p:nvSpPr>
-          <p:cNvPr id="16" name="object 16"/>
-          <p:cNvSpPr/>
-          <p:nvPr/>
-        </p:nvSpPr>
-        <p:spPr>
-          <a:xfrm>
-            <a:off x="4390009" y="2551938"/>
-            <a:ext cx="753110" cy="575310"/>
-          </a:xfrm>
-          <a:custGeom>
-            <a:avLst/>
-            <a:gdLst/>
-            <a:ahLst/>
-            <a:cxnLst/>
-            <a:rect l="l" t="t" r="r" b="b"/>
-            <a:pathLst>
-              <a:path w="753110" h="575310">
-                <a:moveTo>
-                  <a:pt x="722121" y="0"/>
-                </a:moveTo>
-                <a:lnTo>
-                  <a:pt x="673017" y="32508"/>
-                </a:lnTo>
-                <a:lnTo>
-                  <a:pt x="628875" y="66035"/>
-                </a:lnTo>
-                <a:lnTo>
-                  <a:pt x="589689" y="100593"/>
-                </a:lnTo>
-                <a:lnTo>
-                  <a:pt x="555453" y="136192"/>
-                </a:lnTo>
-                <a:lnTo>
-                  <a:pt x="526161" y="172847"/>
-                </a:lnTo>
-                <a:lnTo>
-                  <a:pt x="498304" y="218642"/>
-                </a:lnTo>
-                <a:lnTo>
-                  <a:pt x="476616" y="267326"/>
-                </a:lnTo>
-                <a:lnTo>
-                  <a:pt x="461110" y="318894"/>
-                </a:lnTo>
-                <a:lnTo>
-                  <a:pt x="451797" y="373340"/>
-                </a:lnTo>
-                <a:lnTo>
-                  <a:pt x="448690" y="430657"/>
-                </a:lnTo>
-                <a:lnTo>
-                  <a:pt x="450786" y="458085"/>
-                </a:lnTo>
-                <a:lnTo>
-                  <a:pt x="467550" y="507130"/>
-                </a:lnTo>
-                <a:lnTo>
-                  <a:pt x="503392" y="549036"/>
-                </a:lnTo>
-                <a:lnTo>
-                  <a:pt x="556263" y="572277"/>
-                </a:lnTo>
-                <a:lnTo>
-                  <a:pt x="588010" y="575183"/>
-                </a:lnTo>
-                <a:lnTo>
-                  <a:pt x="618660" y="572277"/>
-                </a:lnTo>
-                <a:lnTo>
-                  <a:pt x="670198" y="549036"/>
-                </a:lnTo>
-                <a:lnTo>
-                  <a:pt x="706969" y="508077"/>
-                </a:lnTo>
-                <a:lnTo>
-                  <a:pt x="725066" y="459067"/>
-                </a:lnTo>
-                <a:lnTo>
-                  <a:pt x="727328" y="430657"/>
-                </a:lnTo>
-                <a:lnTo>
-                  <a:pt x="725066" y="401060"/>
-                </a:lnTo>
-                <a:lnTo>
-                  <a:pt x="706969" y="349486"/>
-                </a:lnTo>
-                <a:lnTo>
-                  <a:pt x="670198" y="308363"/>
-                </a:lnTo>
-                <a:lnTo>
-                  <a:pt x="618660" y="286456"/>
-                </a:lnTo>
-                <a:lnTo>
-                  <a:pt x="588010" y="283717"/>
-                </a:lnTo>
-                <a:lnTo>
-                  <a:pt x="593173" y="253376"/>
-                </a:lnTo>
-                <a:lnTo>
-                  <a:pt x="618978" y="188884"/>
-                </a:lnTo>
-                <a:lnTo>
-                  <a:pt x="639571" y="154686"/>
-                </a:lnTo>
-                <a:lnTo>
-                  <a:pt x="664098" y="121038"/>
-                </a:lnTo>
-                <a:lnTo>
-                  <a:pt x="691197" y="89630"/>
-                </a:lnTo>
-                <a:lnTo>
-                  <a:pt x="720867" y="60459"/>
-                </a:lnTo>
-                <a:lnTo>
-                  <a:pt x="753110" y="33527"/>
-                </a:lnTo>
-                <a:lnTo>
-                  <a:pt x="722121" y="0"/>
-                </a:lnTo>
-                <a:close/>
-              </a:path>
-              <a:path w="753110" h="575310">
-                <a:moveTo>
-                  <a:pt x="273303" y="0"/>
-                </a:moveTo>
-                <a:lnTo>
-                  <a:pt x="224248" y="32508"/>
-                </a:lnTo>
-                <a:lnTo>
-                  <a:pt x="180112" y="66035"/>
-                </a:lnTo>
-                <a:lnTo>
-                  <a:pt x="140908" y="100593"/>
-                </a:lnTo>
-                <a:lnTo>
-                  <a:pt x="106647" y="136192"/>
-                </a:lnTo>
-                <a:lnTo>
-                  <a:pt x="77342" y="172847"/>
-                </a:lnTo>
-                <a:lnTo>
-                  <a:pt x="49499" y="218642"/>
-                </a:lnTo>
-                <a:lnTo>
-                  <a:pt x="27843" y="267326"/>
-                </a:lnTo>
-                <a:lnTo>
-                  <a:pt x="12374" y="318894"/>
-                </a:lnTo>
-                <a:lnTo>
-                  <a:pt x="3093" y="373340"/>
-                </a:lnTo>
-                <a:lnTo>
-                  <a:pt x="0" y="430657"/>
-                </a:lnTo>
-                <a:lnTo>
-                  <a:pt x="2095" y="458085"/>
-                </a:lnTo>
-                <a:lnTo>
-                  <a:pt x="18859" y="507130"/>
-                </a:lnTo>
-                <a:lnTo>
-                  <a:pt x="53645" y="549036"/>
-                </a:lnTo>
-                <a:lnTo>
-                  <a:pt x="106501" y="572277"/>
-                </a:lnTo>
-                <a:lnTo>
-                  <a:pt x="139191" y="575183"/>
-                </a:lnTo>
-                <a:lnTo>
-                  <a:pt x="169862" y="572277"/>
-                </a:lnTo>
-                <a:lnTo>
-                  <a:pt x="221487" y="549036"/>
-                </a:lnTo>
-                <a:lnTo>
-                  <a:pt x="258204" y="508077"/>
-                </a:lnTo>
-                <a:lnTo>
-                  <a:pt x="276250" y="459067"/>
-                </a:lnTo>
-                <a:lnTo>
-                  <a:pt x="278511" y="430657"/>
-                </a:lnTo>
-                <a:lnTo>
-                  <a:pt x="276250" y="401060"/>
-                </a:lnTo>
-                <a:lnTo>
-                  <a:pt x="258204" y="349486"/>
-                </a:lnTo>
-                <a:lnTo>
-                  <a:pt x="221488" y="308363"/>
-                </a:lnTo>
-                <a:lnTo>
-                  <a:pt x="169862" y="286456"/>
-                </a:lnTo>
-                <a:lnTo>
-                  <a:pt x="139191" y="283717"/>
-                </a:lnTo>
-                <a:lnTo>
-                  <a:pt x="144410" y="253376"/>
-                </a:lnTo>
-                <a:lnTo>
-                  <a:pt x="170231" y="188884"/>
-                </a:lnTo>
-                <a:lnTo>
-                  <a:pt x="190880" y="154686"/>
-                </a:lnTo>
-                <a:lnTo>
-                  <a:pt x="215334" y="121038"/>
-                </a:lnTo>
-                <a:lnTo>
-                  <a:pt x="242395" y="89630"/>
-                </a:lnTo>
-                <a:lnTo>
-                  <a:pt x="272051" y="60459"/>
-                </a:lnTo>
-                <a:lnTo>
-                  <a:pt x="304291" y="33527"/>
-                </a:lnTo>
-                <a:lnTo>
-                  <a:pt x="273303" y="0"/>
-                </a:lnTo>
-                <a:close/>
-              </a:path>
-            </a:pathLst>
-          </a:custGeom>
-          <a:solidFill>
-            <a:schemeClr val="bg2">
-              <a:lumMod val="90000"/>
-            </a:schemeClr>
-          </a:solidFill>
-        </p:spPr>
-        <p:txBody>
-          <a:bodyPr wrap="square" lIns="0" tIns="0" rIns="0" bIns="0" rtlCol="0"/>
-          <a:lstStyle/>
-          <a:p>
-            <a:endParaRPr/>
-          </a:p>
-        </p:txBody>
-      </p:sp>
-      <p:sp>
-        <p:nvSpPr>
-          <p:cNvPr id="19" name="object 10"/>
-          <p:cNvSpPr/>
-          <p:nvPr/>
-        </p:nvSpPr>
-        <p:spPr>
-          <a:xfrm>
-            <a:off x="0" y="0"/>
-            <a:ext cx="3060065" cy="86995"/>
-          </a:xfrm>
-          <a:custGeom>
-            <a:avLst/>
-            <a:gdLst/>
-            <a:ahLst/>
-            <a:cxnLst/>
-            <a:rect l="l" t="t" r="r" b="b"/>
-            <a:pathLst>
-              <a:path w="3060065" h="86995">
-                <a:moveTo>
-                  <a:pt x="0" y="86409"/>
-                </a:moveTo>
-                <a:lnTo>
-                  <a:pt x="3059938" y="86409"/>
-                </a:lnTo>
-                <a:lnTo>
-                  <a:pt x="3059938" y="0"/>
-                </a:lnTo>
-                <a:lnTo>
-                  <a:pt x="0" y="0"/>
-                </a:lnTo>
-                <a:lnTo>
-                  <a:pt x="0" y="86409"/>
-                </a:lnTo>
-                <a:close/>
-              </a:path>
-            </a:pathLst>
-          </a:custGeom>
-          <a:solidFill>
-            <a:schemeClr val="tx1">
-              <a:lumMod val="75000"/>
-              <a:lumOff val="25000"/>
-            </a:schemeClr>
-          </a:solidFill>
-        </p:spPr>
-        <p:txBody>
-          <a:bodyPr wrap="square" lIns="0" tIns="0" rIns="0" bIns="0" rtlCol="0"/>
-          <a:lstStyle/>
-          <a:p>
-            <a:endParaRPr/>
-          </a:p>
-        </p:txBody>
-      </p:sp>
-      <p:sp>
-        <p:nvSpPr>
-          <p:cNvPr id="20" name="object 11"/>
-          <p:cNvSpPr/>
-          <p:nvPr/>
-        </p:nvSpPr>
-        <p:spPr>
-          <a:xfrm>
-            <a:off x="3042030" y="0"/>
-            <a:ext cx="3060065" cy="86995"/>
-          </a:xfrm>
-          <a:custGeom>
-            <a:avLst/>
-            <a:gdLst/>
-            <a:ahLst/>
-            <a:cxnLst/>
-            <a:rect l="l" t="t" r="r" b="b"/>
-            <a:pathLst>
-              <a:path w="3060065" h="86995">
-                <a:moveTo>
-                  <a:pt x="0" y="86409"/>
-                </a:moveTo>
-                <a:lnTo>
-                  <a:pt x="3059938" y="86409"/>
-                </a:lnTo>
-                <a:lnTo>
-                  <a:pt x="3059938" y="0"/>
-                </a:lnTo>
-                <a:lnTo>
-                  <a:pt x="0" y="0"/>
-                </a:lnTo>
-                <a:lnTo>
-                  <a:pt x="0" y="86409"/>
-                </a:lnTo>
-                <a:close/>
-              </a:path>
-            </a:pathLst>
-          </a:custGeom>
-          <a:solidFill>
-            <a:schemeClr val="tx1">
-              <a:lumMod val="50000"/>
-              <a:lumOff val="50000"/>
-            </a:schemeClr>
-          </a:solidFill>
-        </p:spPr>
-        <p:txBody>
-          <a:bodyPr wrap="square" lIns="0" tIns="0" rIns="0" bIns="0" rtlCol="0"/>
-          <a:lstStyle/>
-          <a:p>
-            <a:endParaRPr/>
-          </a:p>
-        </p:txBody>
-      </p:sp>
-      <p:sp>
-        <p:nvSpPr>
-          <p:cNvPr id="21" name="object 12"/>
-          <p:cNvSpPr/>
-          <p:nvPr/>
-        </p:nvSpPr>
-        <p:spPr>
-          <a:xfrm>
-            <a:off x="6084061" y="0"/>
-            <a:ext cx="3060065" cy="86995"/>
-          </a:xfrm>
-          <a:custGeom>
-            <a:avLst/>
-            <a:gdLst/>
-            <a:ahLst/>
-            <a:cxnLst/>
-            <a:rect l="l" t="t" r="r" b="b"/>
-            <a:pathLst>
-              <a:path w="3060065" h="86995">
-                <a:moveTo>
-                  <a:pt x="0" y="86409"/>
-                </a:moveTo>
-                <a:lnTo>
-                  <a:pt x="3059938" y="86409"/>
-                </a:lnTo>
-                <a:lnTo>
-                  <a:pt x="3059938" y="0"/>
-                </a:lnTo>
-                <a:lnTo>
-                  <a:pt x="0" y="0"/>
-                </a:lnTo>
-                <a:lnTo>
-                  <a:pt x="0" y="86409"/>
-                </a:lnTo>
-                <a:close/>
-              </a:path>
-            </a:pathLst>
-          </a:custGeom>
-          <a:solidFill>
-            <a:schemeClr val="bg1">
-              <a:lumMod val="75000"/>
-            </a:schemeClr>
-          </a:solidFill>
-        </p:spPr>
-        <p:txBody>
-          <a:bodyPr wrap="square" lIns="0" tIns="0" rIns="0" bIns="0" rtlCol="0"/>
-          <a:lstStyle/>
-          <a:p>
-            <a:endParaRPr/>
-          </a:p>
-        </p:txBody>
-      </p:sp>
-      <p:sp>
-        <p:nvSpPr>
-          <p:cNvPr id="22" name="object 6"/>
-          <p:cNvSpPr/>
-          <p:nvPr/>
-        </p:nvSpPr>
-        <p:spPr>
-          <a:xfrm>
-            <a:off x="233907" y="250761"/>
-            <a:ext cx="0" cy="417195"/>
-          </a:xfrm>
-          <a:custGeom>
-            <a:avLst/>
-            <a:gdLst/>
-            <a:ahLst/>
-            <a:cxnLst/>
-            <a:rect l="l" t="t" r="r" b="b"/>
-            <a:pathLst>
-              <a:path h="417195">
-                <a:moveTo>
-                  <a:pt x="0" y="0"/>
-                </a:moveTo>
-                <a:lnTo>
-                  <a:pt x="0" y="416750"/>
-                </a:lnTo>
-              </a:path>
-            </a:pathLst>
-          </a:custGeom>
-          <a:ln w="39927">
-            <a:solidFill>
-              <a:schemeClr val="tx1">
-                <a:lumMod val="50000"/>
-                <a:lumOff val="50000"/>
-              </a:schemeClr>
-            </a:solidFill>
-          </a:ln>
-        </p:spPr>
-        <p:txBody>
-          <a:bodyPr wrap="square" lIns="0" tIns="0" rIns="0" bIns="0" rtlCol="0"/>
-          <a:lstStyle/>
-          <a:p>
-            <a:endParaRPr/>
-          </a:p>
-        </p:txBody>
-      </p:sp>
-      <p:sp>
-        <p:nvSpPr>
-          <p:cNvPr id="23" name="TextBox 22"/>
-          <p:cNvSpPr txBox="1"/>
-          <p:nvPr/>
-        </p:nvSpPr>
-        <p:spPr>
-          <a:xfrm>
-            <a:off x="233907" y="198597"/>
-            <a:ext cx="3886200" cy="369332"/>
-          </a:xfrm>
-          <a:prstGeom prst="rect">
-            <a:avLst/>
-          </a:prstGeom>
-          <a:noFill/>
-        </p:spPr>
-        <p:txBody>
-          <a:bodyPr wrap="square" rtlCol="0">
-            <a:spAutoFit/>
-          </a:bodyPr>
-          <a:lstStyle/>
-          <a:p>
-            <a:r>
-              <a:rPr lang="ko-KR" altLang="en-US" dirty="0" smtClean="0">
-                <a:latin typeface="한컴 백제 B" panose="02020603020101020101" pitchFamily="18" charset="-127"/>
-                <a:ea typeface="한컴 백제 B" panose="02020603020101020101" pitchFamily="18" charset="-127"/>
-              </a:rPr>
-              <a:t>서비스 소개</a:t>
-            </a:r>
-            <a:endParaRPr lang="ko-KR" altLang="en-US" dirty="0">
-              <a:latin typeface="한컴 백제 B" panose="02020603020101020101" pitchFamily="18" charset="-127"/>
-              <a:ea typeface="한컴 백제 B" panose="02020603020101020101" pitchFamily="18" charset="-127"/>
-            </a:endParaRPr>
-          </a:p>
-        </p:txBody>
-      </p:sp>
-      <p:sp>
-        <p:nvSpPr>
-          <p:cNvPr id="24" name="TextBox 23"/>
-          <p:cNvSpPr txBox="1"/>
-          <p:nvPr/>
-        </p:nvSpPr>
-        <p:spPr>
-          <a:xfrm>
-            <a:off x="244066" y="490667"/>
-            <a:ext cx="3595789" cy="276999"/>
-          </a:xfrm>
-          <a:prstGeom prst="rect">
-            <a:avLst/>
-          </a:prstGeom>
-          <a:noFill/>
-        </p:spPr>
-        <p:txBody>
-          <a:bodyPr wrap="square" rtlCol="0">
-            <a:spAutoFit/>
-          </a:bodyPr>
-          <a:lstStyle/>
-          <a:p>
-            <a:r>
-              <a:rPr lang="ko-KR" altLang="en-US" sz="1200" dirty="0" smtClean="0">
-                <a:solidFill>
-                  <a:schemeClr val="tx1">
-                    <a:lumMod val="50000"/>
-                    <a:lumOff val="50000"/>
-                  </a:schemeClr>
-                </a:solidFill>
-                <a:latin typeface="한컴 백제 M" panose="02020603020101020101" pitchFamily="18" charset="-127"/>
-                <a:ea typeface="한컴 백제 M" panose="02020603020101020101" pitchFamily="18" charset="-127"/>
-              </a:rPr>
-              <a:t>빈 강의실 대여 자동화 서비스</a:t>
-            </a:r>
-            <a:endParaRPr lang="ko-KR" altLang="en-US" sz="1200" dirty="0">
-              <a:solidFill>
-                <a:schemeClr val="tx1">
-                  <a:lumMod val="50000"/>
-                  <a:lumOff val="50000"/>
-                </a:schemeClr>
-              </a:solidFill>
-              <a:latin typeface="한컴 백제 M" panose="02020603020101020101" pitchFamily="18" charset="-127"/>
-              <a:ea typeface="한컴 백제 M" panose="02020603020101020101" pitchFamily="18" charset="-127"/>
-            </a:endParaRPr>
-          </a:p>
-        </p:txBody>
-      </p:sp>
-      <p:sp>
-        <p:nvSpPr>
-          <p:cNvPr id="25" name="TextBox 24"/>
-          <p:cNvSpPr txBox="1"/>
-          <p:nvPr/>
-        </p:nvSpPr>
-        <p:spPr>
-          <a:xfrm>
-            <a:off x="1827305" y="3530775"/>
-            <a:ext cx="5878533" cy="646331"/>
-          </a:xfrm>
-          <a:prstGeom prst="rect">
-            <a:avLst/>
-          </a:prstGeom>
-          <a:noFill/>
-        </p:spPr>
-        <p:txBody>
-          <a:bodyPr wrap="none" rtlCol="0">
-            <a:spAutoFit/>
-          </a:bodyPr>
-          <a:lstStyle/>
-          <a:p>
-            <a:pPr algn="ctr"/>
-            <a:r>
-              <a:rPr lang="ko-KR" altLang="en-US" sz="3600" dirty="0" smtClean="0">
-                <a:solidFill>
-                  <a:schemeClr val="bg1"/>
-                </a:solidFill>
-                <a:latin typeface="HY동녘M" panose="02030600000101010101" pitchFamily="18" charset="-127"/>
-                <a:ea typeface="HY동녘M" panose="02030600000101010101" pitchFamily="18" charset="-127"/>
-              </a:rPr>
-              <a:t>빈 강의실 사용 요청 시스템</a:t>
-            </a:r>
-            <a:endParaRPr lang="ko-KR" altLang="en-US" sz="3600" dirty="0">
-              <a:solidFill>
-                <a:schemeClr val="bg1"/>
-              </a:solidFill>
-              <a:latin typeface="HY동녘M" panose="02030600000101010101" pitchFamily="18" charset="-127"/>
-              <a:ea typeface="HY동녘M" panose="02030600000101010101" pitchFamily="18" charset="-127"/>
-            </a:endParaRPr>
-          </a:p>
-        </p:txBody>
-      </p:sp>
-    </p:spTree>
-    <p:extLst>
-      <p:ext uri="{BB962C8B-B14F-4D97-AF65-F5344CB8AC3E}">
-        <p14:creationId xmlns:p14="http://schemas.microsoft.com/office/powerpoint/2010/main" val="2462795168"/>
-      </p:ext>
-    </p:extLst>
-  </p:cSld>
-  <p:clrMapOvr>
-    <a:masterClrMapping/>
-  </p:clrMapOvr>
-  <p:timing>
-    <p:tnLst>
-      <p:par>
-        <p:cTn id="1" dur="indefinite" restart="never" nodeType="tmRoot"/>
-      </p:par>
-    </p:tnLst>
-  </p:timing>
-</p:sld>
-</file>
-
-<file path=ppt/slides/slide20.xml><?xml version="1.0" encoding="utf-8"?>
-<p:sld xmlns:a="http://schemas.openxmlformats.org/drawingml/2006/main" xmlns:r="http://schemas.openxmlformats.org/officeDocument/2006/relationships" xmlns:p="http://schemas.openxmlformats.org/presentationml/2006/main" showMasterSp="0">
-  <p:cSld>
-    <p:spTree>
-      <p:nvGrpSpPr>
-        <p:cNvPr id="1" name=""/>
-        <p:cNvGrpSpPr/>
-        <p:nvPr/>
-      </p:nvGrpSpPr>
-      <p:grpSpPr>
-        <a:xfrm>
-          <a:off x="0" y="0"/>
-          <a:ext cx="0" cy="0"/>
-          <a:chOff x="0" y="0"/>
-          <a:chExt cx="0" cy="0"/>
-        </a:xfrm>
-      </p:grpSpPr>
-      <p:sp>
-        <p:nvSpPr>
-          <p:cNvPr id="65" name="object 65"/>
-          <p:cNvSpPr/>
-          <p:nvPr/>
-        </p:nvSpPr>
-        <p:spPr>
-          <a:xfrm>
-            <a:off x="0" y="1911095"/>
-            <a:ext cx="1586865" cy="347980"/>
-          </a:xfrm>
-          <a:custGeom>
-            <a:avLst/>
-            <a:gdLst/>
-            <a:ahLst/>
-            <a:cxnLst/>
-            <a:rect l="l" t="t" r="r" b="b"/>
-            <a:pathLst>
-              <a:path w="1586865" h="347980">
-                <a:moveTo>
-                  <a:pt x="0" y="347725"/>
-                </a:moveTo>
-                <a:lnTo>
-                  <a:pt x="1586801" y="347725"/>
-                </a:lnTo>
-                <a:lnTo>
-                  <a:pt x="1586801" y="0"/>
-                </a:lnTo>
-                <a:lnTo>
-                  <a:pt x="0" y="0"/>
-                </a:lnTo>
-                <a:lnTo>
-                  <a:pt x="0" y="347725"/>
-                </a:lnTo>
-                <a:close/>
-              </a:path>
-            </a:pathLst>
-          </a:custGeom>
-          <a:solidFill>
-            <a:schemeClr val="tx1">
-              <a:lumMod val="50000"/>
-              <a:lumOff val="50000"/>
-            </a:schemeClr>
-          </a:solidFill>
-        </p:spPr>
-        <p:txBody>
-          <a:bodyPr wrap="square" lIns="0" tIns="0" rIns="0" bIns="0" rtlCol="0"/>
-          <a:lstStyle/>
-          <a:p>
-            <a:endParaRPr/>
-          </a:p>
-        </p:txBody>
-      </p:sp>
-      <p:sp>
-        <p:nvSpPr>
-          <p:cNvPr id="66" name="object 66"/>
-          <p:cNvSpPr txBox="1"/>
-          <p:nvPr/>
-        </p:nvSpPr>
-        <p:spPr>
-          <a:xfrm>
-            <a:off x="1186688" y="1831974"/>
-            <a:ext cx="417830" cy="452120"/>
-          </a:xfrm>
-          <a:prstGeom prst="rect">
-            <a:avLst/>
-          </a:prstGeom>
-        </p:spPr>
-        <p:txBody>
-          <a:bodyPr vert="horz" wrap="square" lIns="0" tIns="12065" rIns="0" bIns="0" rtlCol="0">
-            <a:spAutoFit/>
-          </a:bodyPr>
-          <a:lstStyle/>
-          <a:p>
-            <a:pPr marL="12700">
-              <a:lnSpc>
-                <a:spcPct val="100000"/>
-              </a:lnSpc>
-              <a:spcBef>
-                <a:spcPts val="95"/>
-              </a:spcBef>
-            </a:pPr>
-            <a:r>
-              <a:rPr sz="2800" spc="-35" dirty="0">
-                <a:solidFill>
-                  <a:srgbClr val="FFFFFF"/>
-                </a:solidFill>
-                <a:latin typeface="Noto Sans CJK JP Regular"/>
-                <a:cs typeface="Noto Sans CJK JP Regular"/>
-              </a:rPr>
-              <a:t>01</a:t>
-            </a:r>
-            <a:endParaRPr sz="2800" dirty="0">
-              <a:latin typeface="Noto Sans CJK JP Regular"/>
-              <a:cs typeface="Noto Sans CJK JP Regular"/>
-            </a:endParaRPr>
-          </a:p>
-        </p:txBody>
-      </p:sp>
-      <p:sp>
-        <p:nvSpPr>
-          <p:cNvPr id="79" name="object 10"/>
-          <p:cNvSpPr/>
-          <p:nvPr/>
-        </p:nvSpPr>
-        <p:spPr>
-          <a:xfrm>
-            <a:off x="0" y="0"/>
-            <a:ext cx="3060065" cy="86995"/>
-          </a:xfrm>
-          <a:custGeom>
-            <a:avLst/>
-            <a:gdLst/>
-            <a:ahLst/>
-            <a:cxnLst/>
-            <a:rect l="l" t="t" r="r" b="b"/>
-            <a:pathLst>
-              <a:path w="3060065" h="86995">
-                <a:moveTo>
-                  <a:pt x="0" y="86409"/>
-                </a:moveTo>
-                <a:lnTo>
-                  <a:pt x="3059938" y="86409"/>
-                </a:lnTo>
-                <a:lnTo>
-                  <a:pt x="3059938" y="0"/>
-                </a:lnTo>
-                <a:lnTo>
-                  <a:pt x="0" y="0"/>
-                </a:lnTo>
-                <a:lnTo>
-                  <a:pt x="0" y="86409"/>
-                </a:lnTo>
-                <a:close/>
-              </a:path>
-            </a:pathLst>
-          </a:custGeom>
-          <a:solidFill>
-            <a:schemeClr val="tx1">
-              <a:lumMod val="75000"/>
-              <a:lumOff val="25000"/>
-            </a:schemeClr>
-          </a:solidFill>
-        </p:spPr>
-        <p:txBody>
-          <a:bodyPr wrap="square" lIns="0" tIns="0" rIns="0" bIns="0" rtlCol="0"/>
-          <a:lstStyle/>
-          <a:p>
-            <a:endParaRPr/>
-          </a:p>
-        </p:txBody>
-      </p:sp>
-      <p:sp>
-        <p:nvSpPr>
-          <p:cNvPr id="80" name="object 11"/>
-          <p:cNvSpPr/>
-          <p:nvPr/>
-        </p:nvSpPr>
-        <p:spPr>
-          <a:xfrm>
-            <a:off x="3042030" y="0"/>
-            <a:ext cx="3060065" cy="86995"/>
-          </a:xfrm>
-          <a:custGeom>
-            <a:avLst/>
-            <a:gdLst/>
-            <a:ahLst/>
-            <a:cxnLst/>
-            <a:rect l="l" t="t" r="r" b="b"/>
-            <a:pathLst>
-              <a:path w="3060065" h="86995">
-                <a:moveTo>
-                  <a:pt x="0" y="86409"/>
-                </a:moveTo>
-                <a:lnTo>
-                  <a:pt x="3059938" y="86409"/>
-                </a:lnTo>
-                <a:lnTo>
-                  <a:pt x="3059938" y="0"/>
-                </a:lnTo>
-                <a:lnTo>
-                  <a:pt x="0" y="0"/>
-                </a:lnTo>
-                <a:lnTo>
-                  <a:pt x="0" y="86409"/>
-                </a:lnTo>
-                <a:close/>
-              </a:path>
-            </a:pathLst>
-          </a:custGeom>
-          <a:solidFill>
-            <a:schemeClr val="tx1">
-              <a:lumMod val="50000"/>
-              <a:lumOff val="50000"/>
-            </a:schemeClr>
-          </a:solidFill>
-        </p:spPr>
-        <p:txBody>
-          <a:bodyPr wrap="square" lIns="0" tIns="0" rIns="0" bIns="0" rtlCol="0"/>
-          <a:lstStyle/>
-          <a:p>
-            <a:endParaRPr/>
-          </a:p>
-        </p:txBody>
-      </p:sp>
-      <p:sp>
-        <p:nvSpPr>
-          <p:cNvPr id="81" name="object 12"/>
-          <p:cNvSpPr/>
-          <p:nvPr/>
-        </p:nvSpPr>
-        <p:spPr>
-          <a:xfrm>
-            <a:off x="6084061" y="0"/>
-            <a:ext cx="3060065" cy="86995"/>
-          </a:xfrm>
-          <a:custGeom>
-            <a:avLst/>
-            <a:gdLst/>
-            <a:ahLst/>
-            <a:cxnLst/>
-            <a:rect l="l" t="t" r="r" b="b"/>
-            <a:pathLst>
-              <a:path w="3060065" h="86995">
-                <a:moveTo>
-                  <a:pt x="0" y="86409"/>
-                </a:moveTo>
-                <a:lnTo>
-                  <a:pt x="3059938" y="86409"/>
-                </a:lnTo>
-                <a:lnTo>
-                  <a:pt x="3059938" y="0"/>
-                </a:lnTo>
-                <a:lnTo>
-                  <a:pt x="0" y="0"/>
-                </a:lnTo>
-                <a:lnTo>
-                  <a:pt x="0" y="86409"/>
-                </a:lnTo>
-                <a:close/>
-              </a:path>
-            </a:pathLst>
-          </a:custGeom>
-          <a:solidFill>
-            <a:schemeClr val="bg1">
-              <a:lumMod val="75000"/>
-            </a:schemeClr>
-          </a:solidFill>
-        </p:spPr>
-        <p:txBody>
-          <a:bodyPr wrap="square" lIns="0" tIns="0" rIns="0" bIns="0" rtlCol="0"/>
-          <a:lstStyle/>
-          <a:p>
-            <a:endParaRPr/>
-          </a:p>
-        </p:txBody>
-      </p:sp>
-      <p:sp>
-        <p:nvSpPr>
-          <p:cNvPr id="82" name="object 6"/>
-          <p:cNvSpPr/>
-          <p:nvPr/>
-        </p:nvSpPr>
-        <p:spPr>
-          <a:xfrm>
-            <a:off x="233907" y="250761"/>
-            <a:ext cx="0" cy="417195"/>
-          </a:xfrm>
-          <a:custGeom>
-            <a:avLst/>
-            <a:gdLst/>
-            <a:ahLst/>
-            <a:cxnLst/>
-            <a:rect l="l" t="t" r="r" b="b"/>
-            <a:pathLst>
-              <a:path h="417195">
-                <a:moveTo>
-                  <a:pt x="0" y="0"/>
-                </a:moveTo>
-                <a:lnTo>
-                  <a:pt x="0" y="416750"/>
-                </a:lnTo>
-              </a:path>
-            </a:pathLst>
-          </a:custGeom>
-          <a:ln w="39927">
-            <a:solidFill>
-              <a:schemeClr val="tx1">
-                <a:lumMod val="50000"/>
-                <a:lumOff val="50000"/>
-              </a:schemeClr>
-            </a:solidFill>
-          </a:ln>
-        </p:spPr>
-        <p:txBody>
-          <a:bodyPr wrap="square" lIns="0" tIns="0" rIns="0" bIns="0" rtlCol="0"/>
-          <a:lstStyle/>
-          <a:p>
-            <a:endParaRPr/>
-          </a:p>
-        </p:txBody>
-      </p:sp>
-      <p:sp>
-        <p:nvSpPr>
-          <p:cNvPr id="83" name="TextBox 82"/>
-          <p:cNvSpPr txBox="1"/>
-          <p:nvPr/>
-        </p:nvSpPr>
-        <p:spPr>
-          <a:xfrm>
-            <a:off x="1787080" y="1889743"/>
-            <a:ext cx="4492880" cy="369332"/>
-          </a:xfrm>
-          <a:prstGeom prst="rect">
-            <a:avLst/>
-          </a:prstGeom>
-          <a:noFill/>
-        </p:spPr>
-        <p:txBody>
-          <a:bodyPr wrap="square" rtlCol="0">
-            <a:spAutoFit/>
-          </a:bodyPr>
-          <a:lstStyle/>
-          <a:p>
-            <a:r>
-              <a:rPr lang="ko-KR" altLang="en-US" dirty="0" smtClean="0"/>
-              <a:t>요소 </a:t>
-            </a:r>
-            <a:r>
-              <a:rPr lang="en-US" altLang="ko-KR" dirty="0" smtClean="0"/>
-              <a:t>1</a:t>
-            </a:r>
-            <a:endParaRPr lang="ko-KR" altLang="en-US" dirty="0"/>
-          </a:p>
-        </p:txBody>
-      </p:sp>
-      <p:sp>
-        <p:nvSpPr>
-          <p:cNvPr id="85" name="object 65"/>
-          <p:cNvSpPr/>
-          <p:nvPr/>
-        </p:nvSpPr>
-        <p:spPr>
-          <a:xfrm>
-            <a:off x="-4954" y="3254018"/>
-            <a:ext cx="1586865" cy="347980"/>
-          </a:xfrm>
-          <a:custGeom>
-            <a:avLst/>
-            <a:gdLst/>
-            <a:ahLst/>
-            <a:cxnLst/>
-            <a:rect l="l" t="t" r="r" b="b"/>
-            <a:pathLst>
-              <a:path w="1586865" h="347980">
-                <a:moveTo>
-                  <a:pt x="0" y="347725"/>
-                </a:moveTo>
-                <a:lnTo>
-                  <a:pt x="1586801" y="347725"/>
-                </a:lnTo>
-                <a:lnTo>
-                  <a:pt x="1586801" y="0"/>
-                </a:lnTo>
-                <a:lnTo>
-                  <a:pt x="0" y="0"/>
-                </a:lnTo>
-                <a:lnTo>
-                  <a:pt x="0" y="347725"/>
-                </a:lnTo>
-                <a:close/>
-              </a:path>
-            </a:pathLst>
-          </a:custGeom>
-          <a:solidFill>
-            <a:schemeClr val="tx1">
-              <a:lumMod val="50000"/>
-              <a:lumOff val="50000"/>
-            </a:schemeClr>
-          </a:solidFill>
-        </p:spPr>
-        <p:txBody>
-          <a:bodyPr wrap="square" lIns="0" tIns="0" rIns="0" bIns="0" rtlCol="0"/>
-          <a:lstStyle/>
-          <a:p>
-            <a:endParaRPr/>
-          </a:p>
-        </p:txBody>
-      </p:sp>
-      <p:sp>
-        <p:nvSpPr>
-          <p:cNvPr id="86" name="object 66"/>
-          <p:cNvSpPr txBox="1"/>
-          <p:nvPr/>
-        </p:nvSpPr>
-        <p:spPr>
-          <a:xfrm>
-            <a:off x="1181734" y="3174897"/>
-            <a:ext cx="417830" cy="452120"/>
-          </a:xfrm>
-          <a:prstGeom prst="rect">
-            <a:avLst/>
-          </a:prstGeom>
-        </p:spPr>
-        <p:txBody>
-          <a:bodyPr vert="horz" wrap="square" lIns="0" tIns="12065" rIns="0" bIns="0" rtlCol="0">
-            <a:spAutoFit/>
-          </a:bodyPr>
-          <a:lstStyle/>
-          <a:p>
-            <a:pPr marL="12700">
-              <a:lnSpc>
-                <a:spcPct val="100000"/>
-              </a:lnSpc>
-              <a:spcBef>
-                <a:spcPts val="95"/>
-              </a:spcBef>
-            </a:pPr>
-            <a:r>
-              <a:rPr sz="2800" spc="-35" dirty="0" smtClean="0">
-                <a:solidFill>
-                  <a:srgbClr val="FFFFFF"/>
-                </a:solidFill>
-                <a:latin typeface="Noto Sans CJK JP Regular"/>
-                <a:cs typeface="Noto Sans CJK JP Regular"/>
-              </a:rPr>
-              <a:t>0</a:t>
-            </a:r>
-            <a:r>
-              <a:rPr lang="en-US" sz="2800" spc="-35" dirty="0" smtClean="0">
-                <a:solidFill>
-                  <a:srgbClr val="FFFFFF"/>
-                </a:solidFill>
-                <a:latin typeface="Noto Sans CJK JP Regular"/>
-                <a:cs typeface="Noto Sans CJK JP Regular"/>
-              </a:rPr>
-              <a:t>2</a:t>
-            </a:r>
-            <a:endParaRPr sz="2800" dirty="0">
-              <a:latin typeface="Noto Sans CJK JP Regular"/>
-              <a:cs typeface="Noto Sans CJK JP Regular"/>
-            </a:endParaRPr>
-          </a:p>
-        </p:txBody>
-      </p:sp>
-      <p:sp>
-        <p:nvSpPr>
-          <p:cNvPr id="87" name="TextBox 86"/>
-          <p:cNvSpPr txBox="1"/>
-          <p:nvPr/>
-        </p:nvSpPr>
-        <p:spPr>
-          <a:xfrm>
-            <a:off x="1782126" y="3232666"/>
-            <a:ext cx="5304474" cy="369332"/>
-          </a:xfrm>
-          <a:prstGeom prst="rect">
-            <a:avLst/>
-          </a:prstGeom>
-          <a:noFill/>
-        </p:spPr>
-        <p:txBody>
-          <a:bodyPr wrap="square" rtlCol="0">
-            <a:spAutoFit/>
-          </a:bodyPr>
-          <a:lstStyle/>
-          <a:p>
-            <a:r>
-              <a:rPr lang="ko-KR" altLang="en-US" dirty="0"/>
-              <a:t>요소 </a:t>
-            </a:r>
-            <a:r>
-              <a:rPr lang="en-US" altLang="ko-KR" dirty="0"/>
-              <a:t>1</a:t>
-            </a:r>
-            <a:endParaRPr lang="ko-KR" altLang="en-US" dirty="0"/>
-          </a:p>
-        </p:txBody>
-      </p:sp>
-      <p:sp>
-        <p:nvSpPr>
-          <p:cNvPr id="88" name="TextBox 87"/>
-          <p:cNvSpPr txBox="1"/>
-          <p:nvPr/>
-        </p:nvSpPr>
-        <p:spPr>
-          <a:xfrm>
-            <a:off x="2281807" y="2349530"/>
-            <a:ext cx="6633593" cy="338554"/>
-          </a:xfrm>
-          <a:prstGeom prst="rect">
-            <a:avLst/>
-          </a:prstGeom>
-          <a:noFill/>
-        </p:spPr>
-        <p:txBody>
-          <a:bodyPr wrap="square" rtlCol="0">
-            <a:spAutoFit/>
-          </a:bodyPr>
-          <a:lstStyle/>
-          <a:p>
-            <a:r>
-              <a:rPr lang="ko-KR" altLang="en-US" sz="1600" b="1" dirty="0" smtClean="0">
-                <a:solidFill>
-                  <a:schemeClr val="tx1">
-                    <a:lumMod val="50000"/>
-                    <a:lumOff val="50000"/>
-                  </a:schemeClr>
-                </a:solidFill>
-              </a:rPr>
-              <a:t>요소</a:t>
-            </a:r>
-            <a:r>
-              <a:rPr lang="en-US" altLang="ko-KR" sz="1600" b="1" dirty="0" smtClean="0">
-                <a:solidFill>
-                  <a:schemeClr val="tx1">
-                    <a:lumMod val="50000"/>
-                    <a:lumOff val="50000"/>
-                  </a:schemeClr>
-                </a:solidFill>
-              </a:rPr>
-              <a:t>1 </a:t>
-            </a:r>
-            <a:r>
-              <a:rPr lang="ko-KR" altLang="en-US" sz="1600" b="1" dirty="0" smtClean="0">
-                <a:solidFill>
-                  <a:schemeClr val="tx1">
-                    <a:lumMod val="50000"/>
-                    <a:lumOff val="50000"/>
-                  </a:schemeClr>
-                </a:solidFill>
-              </a:rPr>
-              <a:t>정리</a:t>
-            </a:r>
-            <a:endParaRPr lang="ko-KR" altLang="en-US" sz="1600" b="1" dirty="0">
-              <a:solidFill>
-                <a:schemeClr val="tx1">
-                  <a:lumMod val="50000"/>
-                  <a:lumOff val="50000"/>
-                </a:schemeClr>
-              </a:solidFill>
-            </a:endParaRPr>
-          </a:p>
-        </p:txBody>
-      </p:sp>
-      <p:sp>
-        <p:nvSpPr>
-          <p:cNvPr id="90" name="TextBox 89"/>
-          <p:cNvSpPr txBox="1"/>
-          <p:nvPr/>
-        </p:nvSpPr>
-        <p:spPr>
-          <a:xfrm>
-            <a:off x="2235199" y="3809897"/>
-            <a:ext cx="5304474" cy="338554"/>
-          </a:xfrm>
-          <a:prstGeom prst="rect">
-            <a:avLst/>
-          </a:prstGeom>
-          <a:noFill/>
-        </p:spPr>
-        <p:txBody>
-          <a:bodyPr wrap="square" rtlCol="0">
-            <a:spAutoFit/>
-          </a:bodyPr>
-          <a:lstStyle/>
-          <a:p>
-            <a:r>
-              <a:rPr lang="ko-KR" altLang="en-US" sz="1600" b="1" dirty="0">
-                <a:solidFill>
-                  <a:schemeClr val="tx1">
-                    <a:lumMod val="50000"/>
-                    <a:lumOff val="50000"/>
-                  </a:schemeClr>
-                </a:solidFill>
-              </a:rPr>
-              <a:t>요소</a:t>
-            </a:r>
-            <a:r>
-              <a:rPr lang="en-US" altLang="ko-KR" sz="1600" b="1" dirty="0">
-                <a:solidFill>
-                  <a:schemeClr val="tx1">
-                    <a:lumMod val="50000"/>
-                    <a:lumOff val="50000"/>
-                  </a:schemeClr>
-                </a:solidFill>
-              </a:rPr>
-              <a:t>1 </a:t>
-            </a:r>
-            <a:r>
-              <a:rPr lang="ko-KR" altLang="en-US" sz="1600" b="1" dirty="0">
-                <a:solidFill>
-                  <a:schemeClr val="tx1">
-                    <a:lumMod val="50000"/>
-                    <a:lumOff val="50000"/>
-                  </a:schemeClr>
-                </a:solidFill>
-              </a:rPr>
-              <a:t>정리</a:t>
-            </a:r>
-          </a:p>
-        </p:txBody>
-      </p:sp>
-      <p:sp>
-        <p:nvSpPr>
-          <p:cNvPr id="91" name="object 65"/>
-          <p:cNvSpPr/>
-          <p:nvPr/>
-        </p:nvSpPr>
-        <p:spPr>
-          <a:xfrm>
-            <a:off x="-18245" y="4800600"/>
-            <a:ext cx="1586865" cy="347980"/>
-          </a:xfrm>
-          <a:custGeom>
-            <a:avLst/>
-            <a:gdLst/>
-            <a:ahLst/>
-            <a:cxnLst/>
-            <a:rect l="l" t="t" r="r" b="b"/>
-            <a:pathLst>
-              <a:path w="1586865" h="347980">
-                <a:moveTo>
-                  <a:pt x="0" y="347725"/>
-                </a:moveTo>
-                <a:lnTo>
-                  <a:pt x="1586801" y="347725"/>
-                </a:lnTo>
-                <a:lnTo>
-                  <a:pt x="1586801" y="0"/>
-                </a:lnTo>
-                <a:lnTo>
-                  <a:pt x="0" y="0"/>
-                </a:lnTo>
-                <a:lnTo>
-                  <a:pt x="0" y="347725"/>
-                </a:lnTo>
-                <a:close/>
-              </a:path>
-            </a:pathLst>
-          </a:custGeom>
-          <a:solidFill>
-            <a:schemeClr val="tx1">
-              <a:lumMod val="50000"/>
-              <a:lumOff val="50000"/>
-            </a:schemeClr>
-          </a:solidFill>
-        </p:spPr>
-        <p:txBody>
-          <a:bodyPr wrap="square" lIns="0" tIns="0" rIns="0" bIns="0" rtlCol="0"/>
-          <a:lstStyle/>
-          <a:p>
-            <a:endParaRPr/>
-          </a:p>
-        </p:txBody>
-      </p:sp>
-      <p:sp>
-        <p:nvSpPr>
-          <p:cNvPr id="92" name="object 66"/>
-          <p:cNvSpPr txBox="1"/>
-          <p:nvPr/>
-        </p:nvSpPr>
-        <p:spPr>
-          <a:xfrm>
-            <a:off x="1168443" y="4721479"/>
-            <a:ext cx="417830" cy="452120"/>
-          </a:xfrm>
-          <a:prstGeom prst="rect">
-            <a:avLst/>
-          </a:prstGeom>
-        </p:spPr>
-        <p:txBody>
-          <a:bodyPr vert="horz" wrap="square" lIns="0" tIns="12065" rIns="0" bIns="0" rtlCol="0">
-            <a:spAutoFit/>
-          </a:bodyPr>
-          <a:lstStyle/>
-          <a:p>
-            <a:pPr marL="12700">
-              <a:lnSpc>
-                <a:spcPct val="100000"/>
-              </a:lnSpc>
-              <a:spcBef>
-                <a:spcPts val="95"/>
-              </a:spcBef>
-            </a:pPr>
-            <a:r>
-              <a:rPr sz="2800" spc="-35" dirty="0" smtClean="0">
-                <a:solidFill>
-                  <a:srgbClr val="FFFFFF"/>
-                </a:solidFill>
-                <a:latin typeface="Noto Sans CJK JP Regular"/>
-                <a:cs typeface="Noto Sans CJK JP Regular"/>
-              </a:rPr>
-              <a:t>0</a:t>
-            </a:r>
-            <a:r>
-              <a:rPr lang="en-US" sz="2800" spc="-35" dirty="0" smtClean="0">
-                <a:solidFill>
-                  <a:srgbClr val="FFFFFF"/>
-                </a:solidFill>
-                <a:latin typeface="Noto Sans CJK JP Regular"/>
-                <a:cs typeface="Noto Sans CJK JP Regular"/>
-              </a:rPr>
-              <a:t>2</a:t>
-            </a:r>
-            <a:endParaRPr sz="2800" dirty="0">
-              <a:latin typeface="Noto Sans CJK JP Regular"/>
-              <a:cs typeface="Noto Sans CJK JP Regular"/>
-            </a:endParaRPr>
-          </a:p>
-        </p:txBody>
-      </p:sp>
-      <p:sp>
-        <p:nvSpPr>
-          <p:cNvPr id="93" name="TextBox 92"/>
-          <p:cNvSpPr txBox="1"/>
-          <p:nvPr/>
-        </p:nvSpPr>
-        <p:spPr>
-          <a:xfrm>
-            <a:off x="1768834" y="4779248"/>
-            <a:ext cx="6079765" cy="369332"/>
-          </a:xfrm>
-          <a:prstGeom prst="rect">
-            <a:avLst/>
-          </a:prstGeom>
-          <a:noFill/>
-        </p:spPr>
-        <p:txBody>
-          <a:bodyPr wrap="square" rtlCol="0">
-            <a:spAutoFit/>
-          </a:bodyPr>
-          <a:lstStyle/>
-          <a:p>
-            <a:r>
-              <a:rPr lang="ko-KR" altLang="en-US" dirty="0"/>
-              <a:t>요소 </a:t>
-            </a:r>
-            <a:r>
-              <a:rPr lang="en-US" altLang="ko-KR" dirty="0"/>
-              <a:t>1</a:t>
-            </a:r>
-            <a:endParaRPr lang="ko-KR" altLang="en-US" dirty="0"/>
-          </a:p>
-        </p:txBody>
-      </p:sp>
-      <p:sp>
-        <p:nvSpPr>
-          <p:cNvPr id="94" name="TextBox 93"/>
-          <p:cNvSpPr txBox="1"/>
-          <p:nvPr/>
-        </p:nvSpPr>
-        <p:spPr>
-          <a:xfrm>
-            <a:off x="2221908" y="5356479"/>
-            <a:ext cx="5304474" cy="338554"/>
-          </a:xfrm>
-          <a:prstGeom prst="rect">
-            <a:avLst/>
-          </a:prstGeom>
-          <a:noFill/>
-        </p:spPr>
-        <p:txBody>
-          <a:bodyPr wrap="square" rtlCol="0">
-            <a:spAutoFit/>
-          </a:bodyPr>
-          <a:lstStyle/>
-          <a:p>
-            <a:r>
-              <a:rPr lang="ko-KR" altLang="en-US" sz="1600" b="1" dirty="0">
-                <a:solidFill>
-                  <a:schemeClr val="tx1">
-                    <a:lumMod val="50000"/>
-                    <a:lumOff val="50000"/>
-                  </a:schemeClr>
-                </a:solidFill>
-              </a:rPr>
-              <a:t>요소</a:t>
-            </a:r>
-            <a:r>
-              <a:rPr lang="en-US" altLang="ko-KR" sz="1600" b="1" dirty="0">
-                <a:solidFill>
-                  <a:schemeClr val="tx1">
-                    <a:lumMod val="50000"/>
-                    <a:lumOff val="50000"/>
-                  </a:schemeClr>
-                </a:solidFill>
-              </a:rPr>
-              <a:t>1 </a:t>
-            </a:r>
-            <a:r>
-              <a:rPr lang="ko-KR" altLang="en-US" sz="1600" b="1" dirty="0">
-                <a:solidFill>
-                  <a:schemeClr val="tx1">
-                    <a:lumMod val="50000"/>
-                    <a:lumOff val="50000"/>
-                  </a:schemeClr>
-                </a:solidFill>
-              </a:rPr>
-              <a:t>정리</a:t>
-            </a:r>
-          </a:p>
-        </p:txBody>
-      </p:sp>
-      <p:sp>
-        <p:nvSpPr>
-          <p:cNvPr id="20" name="TextBox 19"/>
-          <p:cNvSpPr txBox="1"/>
-          <p:nvPr/>
-        </p:nvSpPr>
-        <p:spPr>
-          <a:xfrm>
-            <a:off x="233907" y="198597"/>
-            <a:ext cx="3886200" cy="369332"/>
-          </a:xfrm>
-          <a:prstGeom prst="rect">
-            <a:avLst/>
-          </a:prstGeom>
-          <a:noFill/>
-        </p:spPr>
-        <p:txBody>
-          <a:bodyPr wrap="square" rtlCol="0">
-            <a:spAutoFit/>
-          </a:bodyPr>
-          <a:lstStyle/>
-          <a:p>
-            <a:r>
-              <a:rPr lang="ko-KR" altLang="en-US" smtClean="0">
-                <a:latin typeface="한컴 백제 B" panose="02020603020101020101" pitchFamily="18" charset="-127"/>
-                <a:ea typeface="한컴 백제 B" panose="02020603020101020101" pitchFamily="18" charset="-127"/>
-              </a:rPr>
-              <a:t>개발 개요</a:t>
-            </a:r>
-            <a:endParaRPr lang="ko-KR" altLang="en-US" dirty="0">
-              <a:latin typeface="한컴 백제 B" panose="02020603020101020101" pitchFamily="18" charset="-127"/>
-              <a:ea typeface="한컴 백제 B" panose="02020603020101020101" pitchFamily="18" charset="-127"/>
-            </a:endParaRPr>
-          </a:p>
-        </p:txBody>
-      </p:sp>
-      <p:sp>
-        <p:nvSpPr>
-          <p:cNvPr id="21" name="TextBox 20"/>
-          <p:cNvSpPr txBox="1"/>
-          <p:nvPr/>
-        </p:nvSpPr>
-        <p:spPr>
-          <a:xfrm>
-            <a:off x="244066" y="490667"/>
-            <a:ext cx="3595789" cy="276999"/>
-          </a:xfrm>
-          <a:prstGeom prst="rect">
-            <a:avLst/>
-          </a:prstGeom>
-          <a:noFill/>
-        </p:spPr>
-        <p:txBody>
-          <a:bodyPr wrap="square" rtlCol="0">
-            <a:spAutoFit/>
-          </a:bodyPr>
-          <a:lstStyle/>
-          <a:p>
-            <a:r>
-              <a:rPr lang="ko-KR" altLang="en-US" sz="1200" dirty="0" smtClean="0">
-                <a:solidFill>
-                  <a:schemeClr val="tx1">
-                    <a:lumMod val="50000"/>
-                    <a:lumOff val="50000"/>
-                  </a:schemeClr>
-                </a:solidFill>
-                <a:latin typeface="한컴 백제 M" panose="02020603020101020101" pitchFamily="18" charset="-127"/>
-                <a:ea typeface="한컴 백제 M" panose="02020603020101020101" pitchFamily="18" charset="-127"/>
-              </a:rPr>
-              <a:t>통신 데이터 및 처리 방식</a:t>
-            </a:r>
-            <a:endParaRPr lang="ko-KR" altLang="en-US" sz="1200" dirty="0">
-              <a:solidFill>
-                <a:schemeClr val="tx1">
-                  <a:lumMod val="50000"/>
-                  <a:lumOff val="50000"/>
-                </a:schemeClr>
-              </a:solidFill>
-              <a:latin typeface="한컴 백제 M" panose="02020603020101020101" pitchFamily="18" charset="-127"/>
-              <a:ea typeface="한컴 백제 M" panose="02020603020101020101" pitchFamily="18" charset="-127"/>
-            </a:endParaRPr>
-          </a:p>
-        </p:txBody>
-      </p:sp>
-    </p:spTree>
-    <p:extLst>
-      <p:ext uri="{BB962C8B-B14F-4D97-AF65-F5344CB8AC3E}">
-        <p14:creationId xmlns:p14="http://schemas.microsoft.com/office/powerpoint/2010/main" val="517517008"/>
-      </p:ext>
-    </p:extLst>
-  </p:cSld>
-  <p:clrMapOvr>
-    <a:masterClrMapping/>
-  </p:clrMapOvr>
-  <p:timing>
-    <p:tnLst>
-      <p:par>
-        <p:cTn id="1" dur="indefinite" restart="never" nodeType="tmRoot"/>
-      </p:par>
-    </p:tnLst>
-  </p:timing>
-</p:sld>
-</file>
-
-<file path=ppt/slides/slide21.xml><?xml version="1.0" encoding="utf-8"?>
+<file path=ppt/slides/slide22.xml><?xml version="1.0" encoding="utf-8"?>
 <p:sld xmlns:a="http://schemas.openxmlformats.org/drawingml/2006/main" xmlns:r="http://schemas.openxmlformats.org/officeDocument/2006/relationships" xmlns:p="http://schemas.openxmlformats.org/presentationml/2006/main" showMasterSp="0">
   <p:cSld>
     <p:spTree>
@@ -20271,7 +21008,7 @@
           <p:cNvPr id="10" name="직사각형 9">
             <a:extLst>
               <a:ext uri="{FF2B5EF4-FFF2-40B4-BE49-F238E27FC236}">
-                <a16:creationId xmlns:a16="http://schemas.microsoft.com/office/drawing/2014/main" xmlns="" id="{DFA00BE3-81FE-4FF2-86E9-DCF50AC1E47F}"/>
+                <a16:creationId xmlns="" xmlns:a16="http://schemas.microsoft.com/office/drawing/2014/main" id="{DFA00BE3-81FE-4FF2-86E9-DCF50AC1E47F}"/>
               </a:ext>
             </a:extLst>
           </p:cNvPr>
@@ -20406,7 +21143,7 @@
 </p:sld>
 </file>
 
-<file path=ppt/slides/slide22.xml><?xml version="1.0" encoding="utf-8"?>
+<file path=ppt/slides/slide23.xml><?xml version="1.0" encoding="utf-8"?>
 <p:sld xmlns:a="http://schemas.openxmlformats.org/drawingml/2006/main" xmlns:r="http://schemas.openxmlformats.org/officeDocument/2006/relationships" xmlns:p="http://schemas.openxmlformats.org/presentationml/2006/main" showMasterSp="0">
   <p:cSld>
     <p:spTree>
@@ -20674,7 +21411,7 @@
             <p:cNvPr id="18" name="직사각형 17">
               <a:extLst>
                 <a:ext uri="{FF2B5EF4-FFF2-40B4-BE49-F238E27FC236}">
-                  <a16:creationId xmlns:a16="http://schemas.microsoft.com/office/drawing/2014/main" xmlns="" id="{DFA00BE3-81FE-4FF2-86E9-DCF50AC1E47F}"/>
+                  <a16:creationId xmlns="" xmlns:a16="http://schemas.microsoft.com/office/drawing/2014/main" id="{DFA00BE3-81FE-4FF2-86E9-DCF50AC1E47F}"/>
                 </a:ext>
               </a:extLst>
             </p:cNvPr>
@@ -20801,7 +21538,7 @@
             <p:cNvPr id="32" name="직사각형 31">
               <a:extLst>
                 <a:ext uri="{FF2B5EF4-FFF2-40B4-BE49-F238E27FC236}">
-                  <a16:creationId xmlns:a16="http://schemas.microsoft.com/office/drawing/2014/main" xmlns="" id="{DFA00BE3-81FE-4FF2-86E9-DCF50AC1E47F}"/>
+                  <a16:creationId xmlns="" xmlns:a16="http://schemas.microsoft.com/office/drawing/2014/main" id="{DFA00BE3-81FE-4FF2-86E9-DCF50AC1E47F}"/>
                 </a:ext>
               </a:extLst>
             </p:cNvPr>
@@ -20957,7 +21694,7 @@
             <p:cNvPr id="25" name="직사각형 24">
               <a:extLst>
                 <a:ext uri="{FF2B5EF4-FFF2-40B4-BE49-F238E27FC236}">
-                  <a16:creationId xmlns:a16="http://schemas.microsoft.com/office/drawing/2014/main" xmlns="" id="{DFA00BE3-81FE-4FF2-86E9-DCF50AC1E47F}"/>
+                  <a16:creationId xmlns="" xmlns:a16="http://schemas.microsoft.com/office/drawing/2014/main" id="{DFA00BE3-81FE-4FF2-86E9-DCF50AC1E47F}"/>
                 </a:ext>
               </a:extLst>
             </p:cNvPr>
@@ -21225,1155 +21962,6 @@
 </p:sld>
 </file>
 
-<file path=ppt/slides/slide23.xml><?xml version="1.0" encoding="utf-8"?>
-<p:sld xmlns:a="http://schemas.openxmlformats.org/drawingml/2006/main" xmlns:r="http://schemas.openxmlformats.org/officeDocument/2006/relationships" xmlns:p="http://schemas.openxmlformats.org/presentationml/2006/main" showMasterSp="0">
-  <p:cSld>
-    <p:spTree>
-      <p:nvGrpSpPr>
-        <p:cNvPr id="1" name=""/>
-        <p:cNvGrpSpPr/>
-        <p:nvPr/>
-      </p:nvGrpSpPr>
-      <p:grpSpPr>
-        <a:xfrm>
-          <a:off x="0" y="0"/>
-          <a:ext cx="0" cy="0"/>
-          <a:chOff x="0" y="0"/>
-          <a:chExt cx="0" cy="0"/>
-        </a:xfrm>
-      </p:grpSpPr>
-      <p:sp>
-        <p:nvSpPr>
-          <p:cNvPr id="79" name="object 10"/>
-          <p:cNvSpPr/>
-          <p:nvPr/>
-        </p:nvSpPr>
-        <p:spPr>
-          <a:xfrm>
-            <a:off x="0" y="0"/>
-            <a:ext cx="3060065" cy="86995"/>
-          </a:xfrm>
-          <a:custGeom>
-            <a:avLst/>
-            <a:gdLst/>
-            <a:ahLst/>
-            <a:cxnLst/>
-            <a:rect l="l" t="t" r="r" b="b"/>
-            <a:pathLst>
-              <a:path w="3060065" h="86995">
-                <a:moveTo>
-                  <a:pt x="0" y="86409"/>
-                </a:moveTo>
-                <a:lnTo>
-                  <a:pt x="3059938" y="86409"/>
-                </a:lnTo>
-                <a:lnTo>
-                  <a:pt x="3059938" y="0"/>
-                </a:lnTo>
-                <a:lnTo>
-                  <a:pt x="0" y="0"/>
-                </a:lnTo>
-                <a:lnTo>
-                  <a:pt x="0" y="86409"/>
-                </a:lnTo>
-                <a:close/>
-              </a:path>
-            </a:pathLst>
-          </a:custGeom>
-          <a:solidFill>
-            <a:schemeClr val="tx1">
-              <a:lumMod val="75000"/>
-              <a:lumOff val="25000"/>
-            </a:schemeClr>
-          </a:solidFill>
-        </p:spPr>
-        <p:txBody>
-          <a:bodyPr wrap="square" lIns="0" tIns="0" rIns="0" bIns="0" rtlCol="0"/>
-          <a:lstStyle/>
-          <a:p>
-            <a:endParaRPr/>
-          </a:p>
-        </p:txBody>
-      </p:sp>
-      <p:sp>
-        <p:nvSpPr>
-          <p:cNvPr id="80" name="object 11"/>
-          <p:cNvSpPr/>
-          <p:nvPr/>
-        </p:nvSpPr>
-        <p:spPr>
-          <a:xfrm>
-            <a:off x="3042030" y="0"/>
-            <a:ext cx="3060065" cy="86995"/>
-          </a:xfrm>
-          <a:custGeom>
-            <a:avLst/>
-            <a:gdLst/>
-            <a:ahLst/>
-            <a:cxnLst/>
-            <a:rect l="l" t="t" r="r" b="b"/>
-            <a:pathLst>
-              <a:path w="3060065" h="86995">
-                <a:moveTo>
-                  <a:pt x="0" y="86409"/>
-                </a:moveTo>
-                <a:lnTo>
-                  <a:pt x="3059938" y="86409"/>
-                </a:lnTo>
-                <a:lnTo>
-                  <a:pt x="3059938" y="0"/>
-                </a:lnTo>
-                <a:lnTo>
-                  <a:pt x="0" y="0"/>
-                </a:lnTo>
-                <a:lnTo>
-                  <a:pt x="0" y="86409"/>
-                </a:lnTo>
-                <a:close/>
-              </a:path>
-            </a:pathLst>
-          </a:custGeom>
-          <a:solidFill>
-            <a:schemeClr val="tx1">
-              <a:lumMod val="50000"/>
-              <a:lumOff val="50000"/>
-            </a:schemeClr>
-          </a:solidFill>
-        </p:spPr>
-        <p:txBody>
-          <a:bodyPr wrap="square" lIns="0" tIns="0" rIns="0" bIns="0" rtlCol="0"/>
-          <a:lstStyle/>
-          <a:p>
-            <a:endParaRPr/>
-          </a:p>
-        </p:txBody>
-      </p:sp>
-      <p:sp>
-        <p:nvSpPr>
-          <p:cNvPr id="81" name="object 12"/>
-          <p:cNvSpPr/>
-          <p:nvPr/>
-        </p:nvSpPr>
-        <p:spPr>
-          <a:xfrm>
-            <a:off x="6084061" y="0"/>
-            <a:ext cx="3060065" cy="86995"/>
-          </a:xfrm>
-          <a:custGeom>
-            <a:avLst/>
-            <a:gdLst/>
-            <a:ahLst/>
-            <a:cxnLst/>
-            <a:rect l="l" t="t" r="r" b="b"/>
-            <a:pathLst>
-              <a:path w="3060065" h="86995">
-                <a:moveTo>
-                  <a:pt x="0" y="86409"/>
-                </a:moveTo>
-                <a:lnTo>
-                  <a:pt x="3059938" y="86409"/>
-                </a:lnTo>
-                <a:lnTo>
-                  <a:pt x="3059938" y="0"/>
-                </a:lnTo>
-                <a:lnTo>
-                  <a:pt x="0" y="0"/>
-                </a:lnTo>
-                <a:lnTo>
-                  <a:pt x="0" y="86409"/>
-                </a:lnTo>
-                <a:close/>
-              </a:path>
-            </a:pathLst>
-          </a:custGeom>
-          <a:solidFill>
-            <a:schemeClr val="bg1">
-              <a:lumMod val="75000"/>
-            </a:schemeClr>
-          </a:solidFill>
-        </p:spPr>
-        <p:txBody>
-          <a:bodyPr wrap="square" lIns="0" tIns="0" rIns="0" bIns="0" rtlCol="0"/>
-          <a:lstStyle/>
-          <a:p>
-            <a:endParaRPr/>
-          </a:p>
-        </p:txBody>
-      </p:sp>
-      <p:sp>
-        <p:nvSpPr>
-          <p:cNvPr id="82" name="object 6"/>
-          <p:cNvSpPr/>
-          <p:nvPr/>
-        </p:nvSpPr>
-        <p:spPr>
-          <a:xfrm>
-            <a:off x="233907" y="250761"/>
-            <a:ext cx="0" cy="417195"/>
-          </a:xfrm>
-          <a:custGeom>
-            <a:avLst/>
-            <a:gdLst/>
-            <a:ahLst/>
-            <a:cxnLst/>
-            <a:rect l="l" t="t" r="r" b="b"/>
-            <a:pathLst>
-              <a:path h="417195">
-                <a:moveTo>
-                  <a:pt x="0" y="0"/>
-                </a:moveTo>
-                <a:lnTo>
-                  <a:pt x="0" y="416750"/>
-                </a:lnTo>
-              </a:path>
-            </a:pathLst>
-          </a:custGeom>
-          <a:ln w="39927">
-            <a:solidFill>
-              <a:schemeClr val="tx1">
-                <a:lumMod val="50000"/>
-                <a:lumOff val="50000"/>
-              </a:schemeClr>
-            </a:solidFill>
-          </a:ln>
-        </p:spPr>
-        <p:txBody>
-          <a:bodyPr wrap="square" lIns="0" tIns="0" rIns="0" bIns="0" rtlCol="0"/>
-          <a:lstStyle/>
-          <a:p>
-            <a:endParaRPr/>
-          </a:p>
-        </p:txBody>
-      </p:sp>
-      <p:sp>
-        <p:nvSpPr>
-          <p:cNvPr id="95" name="TextBox 94"/>
-          <p:cNvSpPr txBox="1"/>
-          <p:nvPr/>
-        </p:nvSpPr>
-        <p:spPr>
-          <a:xfrm>
-            <a:off x="233907" y="198597"/>
-            <a:ext cx="3886200" cy="369332"/>
-          </a:xfrm>
-          <a:prstGeom prst="rect">
-            <a:avLst/>
-          </a:prstGeom>
-          <a:noFill/>
-        </p:spPr>
-        <p:txBody>
-          <a:bodyPr wrap="square" rtlCol="0">
-            <a:spAutoFit/>
-          </a:bodyPr>
-          <a:lstStyle/>
-          <a:p>
-            <a:r>
-              <a:rPr lang="ko-KR" altLang="en-US" dirty="0">
-                <a:latin typeface="HY견고딕" panose="02030600000101010101" pitchFamily="18" charset="-127"/>
-                <a:ea typeface="HY견고딕" panose="02030600000101010101" pitchFamily="18" charset="-127"/>
-              </a:rPr>
-              <a:t>회의 모습</a:t>
-            </a:r>
-            <a:r>
-              <a:rPr lang="en-US" altLang="ko-KR" dirty="0">
-                <a:latin typeface="HY견고딕" panose="02030600000101010101" pitchFamily="18" charset="-127"/>
-                <a:ea typeface="HY견고딕" panose="02030600000101010101" pitchFamily="18" charset="-127"/>
-              </a:rPr>
-              <a:t>(</a:t>
-            </a:r>
-            <a:r>
-              <a:rPr lang="ko-KR" altLang="en-US" dirty="0">
-                <a:latin typeface="HY견고딕" panose="02030600000101010101" pitchFamily="18" charset="-127"/>
-                <a:ea typeface="HY견고딕" panose="02030600000101010101" pitchFamily="18" charset="-127"/>
-              </a:rPr>
-              <a:t>보고서용</a:t>
-            </a:r>
-            <a:r>
-              <a:rPr lang="en-US" altLang="ko-KR" dirty="0">
-                <a:latin typeface="HY견고딕" panose="02030600000101010101" pitchFamily="18" charset="-127"/>
-                <a:ea typeface="HY견고딕" panose="02030600000101010101" pitchFamily="18" charset="-127"/>
-              </a:rPr>
-              <a:t>)</a:t>
-            </a:r>
-            <a:endParaRPr lang="ko-KR" altLang="en-US" dirty="0">
-              <a:latin typeface="HY견고딕" panose="02030600000101010101" pitchFamily="18" charset="-127"/>
-              <a:ea typeface="HY견고딕" panose="02030600000101010101" pitchFamily="18" charset="-127"/>
-            </a:endParaRPr>
-          </a:p>
-        </p:txBody>
-      </p:sp>
-      <p:sp>
-        <p:nvSpPr>
-          <p:cNvPr id="96" name="TextBox 95"/>
-          <p:cNvSpPr txBox="1"/>
-          <p:nvPr/>
-        </p:nvSpPr>
-        <p:spPr>
-          <a:xfrm>
-            <a:off x="244067" y="529456"/>
-            <a:ext cx="3184933" cy="276999"/>
-          </a:xfrm>
-          <a:prstGeom prst="rect">
-            <a:avLst/>
-          </a:prstGeom>
-          <a:noFill/>
-        </p:spPr>
-        <p:txBody>
-          <a:bodyPr wrap="square" rtlCol="0">
-            <a:spAutoFit/>
-          </a:bodyPr>
-          <a:lstStyle/>
-          <a:p>
-            <a:r>
-              <a:rPr lang="ko-KR" altLang="en-US" sz="1200" dirty="0" smtClean="0">
-                <a:solidFill>
-                  <a:schemeClr val="tx1">
-                    <a:lumMod val="50000"/>
-                    <a:lumOff val="50000"/>
-                  </a:schemeClr>
-                </a:solidFill>
-                <a:latin typeface="HY견고딕" panose="02030600000101010101" pitchFamily="18" charset="-127"/>
-                <a:ea typeface="HY견고딕" panose="02030600000101010101" pitchFamily="18" charset="-127"/>
-              </a:rPr>
-              <a:t>회의록</a:t>
-            </a:r>
-            <a:r>
-              <a:rPr lang="en-US" altLang="ko-KR" sz="1200" dirty="0" smtClean="0">
-                <a:solidFill>
-                  <a:schemeClr val="tx1">
-                    <a:lumMod val="50000"/>
-                    <a:lumOff val="50000"/>
-                  </a:schemeClr>
-                </a:solidFill>
-                <a:latin typeface="HY견고딕" panose="02030600000101010101" pitchFamily="18" charset="-127"/>
-                <a:ea typeface="HY견고딕" panose="02030600000101010101" pitchFamily="18" charset="-127"/>
-              </a:rPr>
-              <a:t>, </a:t>
-            </a:r>
-            <a:r>
-              <a:rPr lang="ko-KR" altLang="en-US" sz="1200" dirty="0" smtClean="0">
-                <a:solidFill>
-                  <a:schemeClr val="tx1">
-                    <a:lumMod val="50000"/>
-                    <a:lumOff val="50000"/>
-                  </a:schemeClr>
-                </a:solidFill>
-                <a:latin typeface="HY견고딕" panose="02030600000101010101" pitchFamily="18" charset="-127"/>
-                <a:ea typeface="HY견고딕" panose="02030600000101010101" pitchFamily="18" charset="-127"/>
-              </a:rPr>
-              <a:t>회의 사진</a:t>
-            </a:r>
-            <a:endParaRPr lang="ko-KR" altLang="en-US" sz="1200" dirty="0">
-              <a:solidFill>
-                <a:schemeClr val="tx1">
-                  <a:lumMod val="50000"/>
-                  <a:lumOff val="50000"/>
-                </a:schemeClr>
-              </a:solidFill>
-              <a:latin typeface="HY견고딕" panose="02030600000101010101" pitchFamily="18" charset="-127"/>
-              <a:ea typeface="HY견고딕" panose="02030600000101010101" pitchFamily="18" charset="-127"/>
-            </a:endParaRPr>
-          </a:p>
-        </p:txBody>
-      </p:sp>
-      <p:grpSp>
-        <p:nvGrpSpPr>
-          <p:cNvPr id="4" name="그룹 3"/>
-          <p:cNvGrpSpPr/>
-          <p:nvPr/>
-        </p:nvGrpSpPr>
-        <p:grpSpPr>
-          <a:xfrm>
-            <a:off x="262107" y="1137314"/>
-            <a:ext cx="3877894" cy="2466008"/>
-            <a:chOff x="262107" y="1137314"/>
-            <a:chExt cx="3589893" cy="2466008"/>
-          </a:xfrm>
-        </p:grpSpPr>
-        <p:sp>
-          <p:nvSpPr>
-            <p:cNvPr id="18" name="직사각형 17">
-              <a:extLst>
-                <a:ext uri="{FF2B5EF4-FFF2-40B4-BE49-F238E27FC236}">
-                  <a16:creationId xmlns:a16="http://schemas.microsoft.com/office/drawing/2014/main" xmlns="" id="{DFA00BE3-81FE-4FF2-86E9-DCF50AC1E47F}"/>
-                </a:ext>
-              </a:extLst>
-            </p:cNvPr>
-            <p:cNvSpPr/>
-            <p:nvPr/>
-          </p:nvSpPr>
-          <p:spPr>
-            <a:xfrm>
-              <a:off x="262107" y="1269000"/>
-              <a:ext cx="3589893" cy="2334322"/>
-            </a:xfrm>
-            <a:prstGeom prst="rect">
-              <a:avLst/>
-            </a:prstGeom>
-            <a:noFill/>
-            <a:ln w="12700">
-              <a:solidFill>
-                <a:schemeClr val="tx1"/>
-              </a:solidFill>
-            </a:ln>
-          </p:spPr>
-          <p:style>
-            <a:lnRef idx="2">
-              <a:schemeClr val="accent1">
-                <a:shade val="50000"/>
-              </a:schemeClr>
-            </a:lnRef>
-            <a:fillRef idx="1">
-              <a:schemeClr val="accent1"/>
-            </a:fillRef>
-            <a:effectRef idx="0">
-              <a:schemeClr val="accent1"/>
-            </a:effectRef>
-            <a:fontRef idx="minor">
-              <a:schemeClr val="lt1"/>
-            </a:fontRef>
-          </p:style>
-          <p:txBody>
-            <a:bodyPr rtlCol="0" anchor="ctr"/>
-            <a:lstStyle/>
-            <a:p>
-              <a:pPr algn="ctr"/>
-              <a:endParaRPr lang="ko-KR" altLang="en-US"/>
-            </a:p>
-          </p:txBody>
-        </p:sp>
-        <p:sp>
-          <p:nvSpPr>
-            <p:cNvPr id="2" name="모서리가 둥근 직사각형 1"/>
-            <p:cNvSpPr/>
-            <p:nvPr/>
-          </p:nvSpPr>
-          <p:spPr>
-            <a:xfrm>
-              <a:off x="1456342" y="1137314"/>
-              <a:ext cx="1156900" cy="237165"/>
-            </a:xfrm>
-            <a:prstGeom prst="roundRect">
-              <a:avLst/>
-            </a:prstGeom>
-            <a:solidFill>
-              <a:schemeClr val="bg1">
-                <a:lumMod val="50000"/>
-              </a:schemeClr>
-            </a:solidFill>
-            <a:ln>
-              <a:solidFill>
-                <a:schemeClr val="tx1"/>
-              </a:solidFill>
-            </a:ln>
-          </p:spPr>
-          <p:style>
-            <a:lnRef idx="2">
-              <a:schemeClr val="accent1">
-                <a:shade val="50000"/>
-              </a:schemeClr>
-            </a:lnRef>
-            <a:fillRef idx="1">
-              <a:schemeClr val="accent1"/>
-            </a:fillRef>
-            <a:effectRef idx="0">
-              <a:schemeClr val="accent1"/>
-            </a:effectRef>
-            <a:fontRef idx="minor">
-              <a:schemeClr val="lt1"/>
-            </a:fontRef>
-          </p:style>
-          <p:txBody>
-            <a:bodyPr rtlCol="0" anchor="ctr"/>
-            <a:lstStyle/>
-            <a:p>
-              <a:pPr algn="ctr"/>
-              <a:r>
-                <a:rPr lang="ko-KR" altLang="en-US" sz="1600" dirty="0" smtClean="0">
-                  <a:latin typeface="HY견고딕" panose="02030600000101010101" pitchFamily="18" charset="-127"/>
-                  <a:ea typeface="HY견고딕" panose="02030600000101010101" pitchFamily="18" charset="-127"/>
-                </a:rPr>
-                <a:t>회의 사진</a:t>
-              </a:r>
-              <a:endParaRPr lang="ko-KR" altLang="en-US" sz="1600" dirty="0">
-                <a:latin typeface="HY견고딕" panose="02030600000101010101" pitchFamily="18" charset="-127"/>
-                <a:ea typeface="HY견고딕" panose="02030600000101010101" pitchFamily="18" charset="-127"/>
-              </a:endParaRPr>
-            </a:p>
-          </p:txBody>
-        </p:sp>
-      </p:grpSp>
-      <p:grpSp>
-        <p:nvGrpSpPr>
-          <p:cNvPr id="3" name="그룹 2"/>
-          <p:cNvGrpSpPr/>
-          <p:nvPr/>
-        </p:nvGrpSpPr>
-        <p:grpSpPr>
-          <a:xfrm>
-            <a:off x="5004000" y="1080872"/>
-            <a:ext cx="3877893" cy="5228128"/>
-            <a:chOff x="5292000" y="1080872"/>
-            <a:chExt cx="3589893" cy="5228128"/>
-          </a:xfrm>
-        </p:grpSpPr>
-        <p:sp>
-          <p:nvSpPr>
-            <p:cNvPr id="32" name="직사각형 31">
-              <a:extLst>
-                <a:ext uri="{FF2B5EF4-FFF2-40B4-BE49-F238E27FC236}">
-                  <a16:creationId xmlns:a16="http://schemas.microsoft.com/office/drawing/2014/main" xmlns="" id="{DFA00BE3-81FE-4FF2-86E9-DCF50AC1E47F}"/>
-                </a:ext>
-              </a:extLst>
-            </p:cNvPr>
-            <p:cNvSpPr/>
-            <p:nvPr/>
-          </p:nvSpPr>
-          <p:spPr>
-            <a:xfrm>
-              <a:off x="5292000" y="1269000"/>
-              <a:ext cx="3589893" cy="5040000"/>
-            </a:xfrm>
-            <a:prstGeom prst="rect">
-              <a:avLst/>
-            </a:prstGeom>
-            <a:noFill/>
-            <a:ln w="15875">
-              <a:solidFill>
-                <a:schemeClr val="tx1"/>
-              </a:solidFill>
-            </a:ln>
-          </p:spPr>
-          <p:style>
-            <a:lnRef idx="2">
-              <a:schemeClr val="accent1">
-                <a:shade val="50000"/>
-              </a:schemeClr>
-            </a:lnRef>
-            <a:fillRef idx="1">
-              <a:schemeClr val="accent1"/>
-            </a:fillRef>
-            <a:effectRef idx="0">
-              <a:schemeClr val="accent1"/>
-            </a:effectRef>
-            <a:fontRef idx="minor">
-              <a:schemeClr val="lt1"/>
-            </a:fontRef>
-          </p:style>
-          <p:txBody>
-            <a:bodyPr rtlCol="0" anchor="ctr"/>
-            <a:lstStyle/>
-            <a:p>
-              <a:pPr algn="ctr"/>
-              <a:endParaRPr lang="ko-KR" altLang="en-US"/>
-            </a:p>
-          </p:txBody>
-        </p:sp>
-        <p:sp>
-          <p:nvSpPr>
-            <p:cNvPr id="33" name="모서리가 둥근 직사각형 32"/>
-            <p:cNvSpPr/>
-            <p:nvPr/>
-          </p:nvSpPr>
-          <p:spPr>
-            <a:xfrm>
-              <a:off x="6225472" y="1080872"/>
-              <a:ext cx="1722947" cy="426654"/>
-            </a:xfrm>
-            <a:prstGeom prst="roundRect">
-              <a:avLst/>
-            </a:prstGeom>
-            <a:solidFill>
-              <a:schemeClr val="bg1">
-                <a:lumMod val="50000"/>
-              </a:schemeClr>
-            </a:solidFill>
-            <a:ln>
-              <a:solidFill>
-                <a:schemeClr val="tx1"/>
-              </a:solidFill>
-            </a:ln>
-          </p:spPr>
-          <p:style>
-            <a:lnRef idx="2">
-              <a:schemeClr val="accent1">
-                <a:shade val="50000"/>
-              </a:schemeClr>
-            </a:lnRef>
-            <a:fillRef idx="1">
-              <a:schemeClr val="accent1"/>
-            </a:fillRef>
-            <a:effectRef idx="0">
-              <a:schemeClr val="accent1"/>
-            </a:effectRef>
-            <a:fontRef idx="minor">
-              <a:schemeClr val="lt1"/>
-            </a:fontRef>
-          </p:style>
-          <p:txBody>
-            <a:bodyPr rtlCol="0" anchor="ctr"/>
-            <a:lstStyle/>
-            <a:p>
-              <a:pPr algn="ctr"/>
-              <a:r>
-                <a:rPr lang="ko-KR" altLang="en-US" sz="2000" dirty="0" smtClean="0">
-                  <a:latin typeface="HY견고딕" panose="02030600000101010101" pitchFamily="18" charset="-127"/>
-                  <a:ea typeface="HY견고딕" panose="02030600000101010101" pitchFamily="18" charset="-127"/>
-                </a:rPr>
-                <a:t>회의내용</a:t>
-              </a:r>
-              <a:endParaRPr lang="ko-KR" altLang="en-US" sz="2000" dirty="0">
-                <a:latin typeface="HY견고딕" panose="02030600000101010101" pitchFamily="18" charset="-127"/>
-                <a:ea typeface="HY견고딕" panose="02030600000101010101" pitchFamily="18" charset="-127"/>
-              </a:endParaRPr>
-            </a:p>
-          </p:txBody>
-        </p:sp>
-      </p:grpSp>
-      <p:grpSp>
-        <p:nvGrpSpPr>
-          <p:cNvPr id="24" name="그룹 23"/>
-          <p:cNvGrpSpPr/>
-          <p:nvPr/>
-        </p:nvGrpSpPr>
-        <p:grpSpPr>
-          <a:xfrm>
-            <a:off x="252067" y="3842992"/>
-            <a:ext cx="3877894" cy="2466008"/>
-            <a:chOff x="262107" y="1137314"/>
-            <a:chExt cx="3589893" cy="2466008"/>
-          </a:xfrm>
-        </p:grpSpPr>
-        <p:sp>
-          <p:nvSpPr>
-            <p:cNvPr id="25" name="직사각형 24">
-              <a:extLst>
-                <a:ext uri="{FF2B5EF4-FFF2-40B4-BE49-F238E27FC236}">
-                  <a16:creationId xmlns:a16="http://schemas.microsoft.com/office/drawing/2014/main" xmlns="" id="{DFA00BE3-81FE-4FF2-86E9-DCF50AC1E47F}"/>
-                </a:ext>
-              </a:extLst>
-            </p:cNvPr>
-            <p:cNvSpPr/>
-            <p:nvPr/>
-          </p:nvSpPr>
-          <p:spPr>
-            <a:xfrm>
-              <a:off x="262107" y="1269000"/>
-              <a:ext cx="3589893" cy="2334322"/>
-            </a:xfrm>
-            <a:prstGeom prst="rect">
-              <a:avLst/>
-            </a:prstGeom>
-            <a:noFill/>
-            <a:ln w="12700">
-              <a:solidFill>
-                <a:schemeClr val="tx1"/>
-              </a:solidFill>
-            </a:ln>
-          </p:spPr>
-          <p:style>
-            <a:lnRef idx="2">
-              <a:schemeClr val="accent1">
-                <a:shade val="50000"/>
-              </a:schemeClr>
-            </a:lnRef>
-            <a:fillRef idx="1">
-              <a:schemeClr val="accent1"/>
-            </a:fillRef>
-            <a:effectRef idx="0">
-              <a:schemeClr val="accent1"/>
-            </a:effectRef>
-            <a:fontRef idx="minor">
-              <a:schemeClr val="lt1"/>
-            </a:fontRef>
-          </p:style>
-          <p:txBody>
-            <a:bodyPr rtlCol="0" anchor="ctr"/>
-            <a:lstStyle/>
-            <a:p>
-              <a:pPr algn="ctr"/>
-              <a:endParaRPr lang="ko-KR" altLang="en-US"/>
-            </a:p>
-          </p:txBody>
-        </p:sp>
-        <p:sp>
-          <p:nvSpPr>
-            <p:cNvPr id="26" name="모서리가 둥근 직사각형 25"/>
-            <p:cNvSpPr/>
-            <p:nvPr/>
-          </p:nvSpPr>
-          <p:spPr>
-            <a:xfrm>
-              <a:off x="1456342" y="1137314"/>
-              <a:ext cx="1156900" cy="237165"/>
-            </a:xfrm>
-            <a:prstGeom prst="roundRect">
-              <a:avLst/>
-            </a:prstGeom>
-            <a:solidFill>
-              <a:schemeClr val="bg1">
-                <a:lumMod val="50000"/>
-              </a:schemeClr>
-            </a:solidFill>
-            <a:ln>
-              <a:solidFill>
-                <a:schemeClr val="tx1"/>
-              </a:solidFill>
-            </a:ln>
-          </p:spPr>
-          <p:style>
-            <a:lnRef idx="2">
-              <a:schemeClr val="accent1">
-                <a:shade val="50000"/>
-              </a:schemeClr>
-            </a:lnRef>
-            <a:fillRef idx="1">
-              <a:schemeClr val="accent1"/>
-            </a:fillRef>
-            <a:effectRef idx="0">
-              <a:schemeClr val="accent1"/>
-            </a:effectRef>
-            <a:fontRef idx="minor">
-              <a:schemeClr val="lt1"/>
-            </a:fontRef>
-          </p:style>
-          <p:txBody>
-            <a:bodyPr rtlCol="0" anchor="ctr"/>
-            <a:lstStyle/>
-            <a:p>
-              <a:pPr algn="ctr"/>
-              <a:r>
-                <a:rPr lang="ko-KR" altLang="en-US" sz="1600" dirty="0" smtClean="0">
-                  <a:latin typeface="HY견고딕" panose="02030600000101010101" pitchFamily="18" charset="-127"/>
-                  <a:ea typeface="HY견고딕" panose="02030600000101010101" pitchFamily="18" charset="-127"/>
-                </a:rPr>
-                <a:t>회의록</a:t>
-              </a:r>
-              <a:endParaRPr lang="ko-KR" altLang="en-US" sz="1600" dirty="0">
-                <a:latin typeface="HY견고딕" panose="02030600000101010101" pitchFamily="18" charset="-127"/>
-                <a:ea typeface="HY견고딕" panose="02030600000101010101" pitchFamily="18" charset="-127"/>
-              </a:endParaRPr>
-            </a:p>
-          </p:txBody>
-        </p:sp>
-      </p:grpSp>
-      <p:sp>
-        <p:nvSpPr>
-          <p:cNvPr id="5" name="TextBox 4"/>
-          <p:cNvSpPr txBox="1"/>
-          <p:nvPr/>
-        </p:nvSpPr>
-        <p:spPr>
-          <a:xfrm>
-            <a:off x="5085871" y="1704483"/>
-            <a:ext cx="1189749" cy="369332"/>
-          </a:xfrm>
-          <a:prstGeom prst="rect">
-            <a:avLst/>
-          </a:prstGeom>
-          <a:noFill/>
-        </p:spPr>
-        <p:txBody>
-          <a:bodyPr wrap="none" rtlCol="0">
-            <a:spAutoFit/>
-          </a:bodyPr>
-          <a:lstStyle/>
-          <a:p>
-            <a:r>
-              <a:rPr lang="ko-KR" altLang="en-US" dirty="0" smtClean="0"/>
-              <a:t>주제 회의</a:t>
-            </a:r>
-            <a:endParaRPr lang="ko-KR" altLang="en-US" dirty="0"/>
-          </a:p>
-        </p:txBody>
-      </p:sp>
-      <p:sp>
-        <p:nvSpPr>
-          <p:cNvPr id="20" name="TextBox 19"/>
-          <p:cNvSpPr txBox="1"/>
-          <p:nvPr/>
-        </p:nvSpPr>
-        <p:spPr>
-          <a:xfrm>
-            <a:off x="5085871" y="2139160"/>
-            <a:ext cx="1386918" cy="307777"/>
-          </a:xfrm>
-          <a:prstGeom prst="rect">
-            <a:avLst/>
-          </a:prstGeom>
-          <a:noFill/>
-        </p:spPr>
-        <p:txBody>
-          <a:bodyPr wrap="none" rtlCol="0">
-            <a:spAutoFit/>
-          </a:bodyPr>
-          <a:lstStyle/>
-          <a:p>
-            <a:r>
-              <a:rPr lang="ko-KR" altLang="en-US" sz="1400" dirty="0" smtClean="0"/>
-              <a:t>논의 중점 사안</a:t>
-            </a:r>
-            <a:endParaRPr lang="ko-KR" altLang="en-US" sz="1400" dirty="0"/>
-          </a:p>
-        </p:txBody>
-      </p:sp>
-      <p:sp>
-        <p:nvSpPr>
-          <p:cNvPr id="21" name="TextBox 20"/>
-          <p:cNvSpPr txBox="1"/>
-          <p:nvPr/>
-        </p:nvSpPr>
-        <p:spPr>
-          <a:xfrm>
-            <a:off x="5104896" y="2524485"/>
-            <a:ext cx="1854995" cy="307777"/>
-          </a:xfrm>
-          <a:prstGeom prst="rect">
-            <a:avLst/>
-          </a:prstGeom>
-          <a:noFill/>
-        </p:spPr>
-        <p:txBody>
-          <a:bodyPr wrap="none" rtlCol="0">
-            <a:spAutoFit/>
-          </a:bodyPr>
-          <a:lstStyle/>
-          <a:p>
-            <a:pPr marL="285750" indent="-285750">
-              <a:buFontTx/>
-              <a:buChar char="-"/>
-            </a:pPr>
-            <a:r>
-              <a:rPr lang="ko-KR" altLang="en-US" sz="1400" dirty="0" smtClean="0"/>
-              <a:t>기능 구현 가능성</a:t>
-            </a:r>
-            <a:endParaRPr lang="en-US" altLang="ko-KR" sz="1400" dirty="0" smtClean="0"/>
-          </a:p>
-        </p:txBody>
-      </p:sp>
-      <p:sp>
-        <p:nvSpPr>
-          <p:cNvPr id="22" name="TextBox 21"/>
-          <p:cNvSpPr txBox="1"/>
-          <p:nvPr/>
-        </p:nvSpPr>
-        <p:spPr>
-          <a:xfrm>
-            <a:off x="5104896" y="2866501"/>
-            <a:ext cx="2994731" cy="307777"/>
-          </a:xfrm>
-          <a:prstGeom prst="rect">
-            <a:avLst/>
-          </a:prstGeom>
-          <a:noFill/>
-        </p:spPr>
-        <p:txBody>
-          <a:bodyPr wrap="none" rtlCol="0">
-            <a:spAutoFit/>
-          </a:bodyPr>
-          <a:lstStyle/>
-          <a:p>
-            <a:pPr marL="285750" indent="-285750">
-              <a:buFontTx/>
-              <a:buChar char="-"/>
-            </a:pPr>
-            <a:r>
-              <a:rPr lang="ko-KR" altLang="en-US" sz="1400" dirty="0" smtClean="0"/>
-              <a:t>수업시간에서 배운 지식 </a:t>
-            </a:r>
-            <a:r>
-              <a:rPr lang="ko-KR" altLang="en-US" sz="1400" dirty="0" err="1" smtClean="0"/>
-              <a:t>활용성</a:t>
-            </a:r>
-            <a:endParaRPr lang="en-US" altLang="ko-KR" sz="1400" dirty="0" smtClean="0"/>
-          </a:p>
-        </p:txBody>
-      </p:sp>
-      <p:sp>
-        <p:nvSpPr>
-          <p:cNvPr id="23" name="TextBox 22"/>
-          <p:cNvSpPr txBox="1"/>
-          <p:nvPr/>
-        </p:nvSpPr>
-        <p:spPr>
-          <a:xfrm>
-            <a:off x="5131196" y="3360933"/>
-            <a:ext cx="1386918" cy="307777"/>
-          </a:xfrm>
-          <a:prstGeom prst="rect">
-            <a:avLst/>
-          </a:prstGeom>
-          <a:noFill/>
-        </p:spPr>
-        <p:txBody>
-          <a:bodyPr wrap="none" rtlCol="0">
-            <a:spAutoFit/>
-          </a:bodyPr>
-          <a:lstStyle/>
-          <a:p>
-            <a:r>
-              <a:rPr lang="ko-KR" altLang="en-US" sz="1400" dirty="0" smtClean="0"/>
-              <a:t>논의 중점 사안</a:t>
-            </a:r>
-            <a:endParaRPr lang="ko-KR" altLang="en-US" sz="1400" dirty="0"/>
-          </a:p>
-        </p:txBody>
-      </p:sp>
-      <p:sp>
-        <p:nvSpPr>
-          <p:cNvPr id="28" name="TextBox 27"/>
-          <p:cNvSpPr txBox="1"/>
-          <p:nvPr/>
-        </p:nvSpPr>
-        <p:spPr>
-          <a:xfrm>
-            <a:off x="5150221" y="3746258"/>
-            <a:ext cx="3863558" cy="307777"/>
-          </a:xfrm>
-          <a:prstGeom prst="rect">
-            <a:avLst/>
-          </a:prstGeom>
-          <a:noFill/>
-        </p:spPr>
-        <p:txBody>
-          <a:bodyPr wrap="none" rtlCol="0">
-            <a:spAutoFit/>
-          </a:bodyPr>
-          <a:lstStyle/>
-          <a:p>
-            <a:pPr marL="285750" indent="-285750">
-              <a:buFontTx/>
-              <a:buChar char="-"/>
-            </a:pPr>
-            <a:r>
-              <a:rPr lang="ko-KR" altLang="en-US" sz="1400" dirty="0" smtClean="0"/>
-              <a:t>채팅</a:t>
-            </a:r>
-            <a:r>
-              <a:rPr lang="en-US" altLang="ko-KR" sz="1400" dirty="0" smtClean="0"/>
-              <a:t>, </a:t>
-            </a:r>
-            <a:r>
-              <a:rPr lang="ko-KR" altLang="en-US" sz="1400" dirty="0" smtClean="0"/>
-              <a:t>카드게임</a:t>
-            </a:r>
-            <a:r>
-              <a:rPr lang="en-US" altLang="ko-KR" sz="1400" dirty="0" smtClean="0"/>
-              <a:t>, </a:t>
-            </a:r>
-            <a:r>
-              <a:rPr lang="ko-KR" altLang="en-US" sz="1400" dirty="0" err="1" smtClean="0"/>
-              <a:t>블록깨기</a:t>
-            </a:r>
-            <a:r>
-              <a:rPr lang="ko-KR" altLang="en-US" sz="1400" dirty="0" smtClean="0"/>
-              <a:t> 게임</a:t>
-            </a:r>
-            <a:r>
-              <a:rPr lang="en-US" altLang="ko-KR" sz="1400" dirty="0" smtClean="0"/>
-              <a:t> </a:t>
-            </a:r>
-            <a:r>
-              <a:rPr lang="ko-KR" altLang="en-US" sz="1400" dirty="0" smtClean="0"/>
-              <a:t>등 의 주제</a:t>
-            </a:r>
-            <a:r>
-              <a:rPr lang="en-US" altLang="ko-KR" sz="1400" dirty="0" smtClean="0"/>
-              <a:t> </a:t>
-            </a:r>
-            <a:endParaRPr lang="ko-KR" altLang="en-US" sz="1400" dirty="0"/>
-          </a:p>
-        </p:txBody>
-      </p:sp>
-      <p:sp>
-        <p:nvSpPr>
-          <p:cNvPr id="29" name="TextBox 28"/>
-          <p:cNvSpPr txBox="1"/>
-          <p:nvPr/>
-        </p:nvSpPr>
-        <p:spPr>
-          <a:xfrm>
-            <a:off x="5150221" y="4088274"/>
-            <a:ext cx="3478837" cy="307777"/>
-          </a:xfrm>
-          <a:prstGeom prst="rect">
-            <a:avLst/>
-          </a:prstGeom>
-          <a:noFill/>
-        </p:spPr>
-        <p:txBody>
-          <a:bodyPr wrap="none" rtlCol="0">
-            <a:spAutoFit/>
-          </a:bodyPr>
-          <a:lstStyle/>
-          <a:p>
-            <a:pPr marL="285750" indent="-285750">
-              <a:buFontTx/>
-              <a:buChar char="-"/>
-            </a:pPr>
-            <a:r>
-              <a:rPr lang="ko-KR" altLang="en-US" sz="1400" dirty="0" smtClean="0"/>
-              <a:t>주제 중 위의 중점사안에 맞춰 추려냄</a:t>
-            </a:r>
-            <a:endParaRPr lang="en-US" altLang="ko-KR" sz="1400" dirty="0" smtClean="0"/>
-          </a:p>
-        </p:txBody>
-      </p:sp>
-      <p:sp>
-        <p:nvSpPr>
-          <p:cNvPr id="30" name="TextBox 29"/>
-          <p:cNvSpPr txBox="1"/>
-          <p:nvPr/>
-        </p:nvSpPr>
-        <p:spPr>
-          <a:xfrm>
-            <a:off x="5137589" y="4812185"/>
-            <a:ext cx="3491469" cy="738664"/>
-          </a:xfrm>
-          <a:prstGeom prst="rect">
-            <a:avLst/>
-          </a:prstGeom>
-          <a:noFill/>
-        </p:spPr>
-        <p:txBody>
-          <a:bodyPr wrap="none" rtlCol="0">
-            <a:spAutoFit/>
-          </a:bodyPr>
-          <a:lstStyle/>
-          <a:p>
-            <a:pPr marL="285750" indent="-285750">
-              <a:buFontTx/>
-              <a:buChar char="-"/>
-            </a:pPr>
-            <a:r>
-              <a:rPr lang="ko-KR" altLang="en-US" sz="1400" dirty="0" smtClean="0"/>
-              <a:t>수업에서 배운</a:t>
-            </a:r>
-            <a:r>
-              <a:rPr lang="en-US" altLang="ko-KR" sz="1400" dirty="0"/>
-              <a:t> </a:t>
-            </a:r>
-            <a:r>
-              <a:rPr lang="en-US" altLang="ko-KR" sz="1400" dirty="0" smtClean="0"/>
-              <a:t>fork, thread, socket</a:t>
-            </a:r>
-            <a:r>
-              <a:rPr lang="ko-KR" altLang="en-US" sz="1400" dirty="0" smtClean="0"/>
-              <a:t>을 </a:t>
-            </a:r>
-            <a:endParaRPr lang="en-US" altLang="ko-KR" sz="1400" dirty="0" smtClean="0"/>
-          </a:p>
-          <a:p>
-            <a:r>
-              <a:rPr lang="en-US" altLang="ko-KR" sz="1400" dirty="0"/>
-              <a:t> </a:t>
-            </a:r>
-            <a:r>
-              <a:rPr lang="en-US" altLang="ko-KR" sz="1400" dirty="0" smtClean="0"/>
-              <a:t>   </a:t>
-            </a:r>
-            <a:r>
-              <a:rPr lang="ko-KR" altLang="en-US" sz="1400" dirty="0" smtClean="0"/>
-              <a:t>가장 효율적으로 운용 가능할 것 같은</a:t>
-            </a:r>
-            <a:endParaRPr lang="en-US" altLang="ko-KR" sz="1400" dirty="0" smtClean="0"/>
-          </a:p>
-          <a:p>
-            <a:r>
-              <a:rPr lang="en-US" altLang="ko-KR" sz="1400" dirty="0" smtClean="0"/>
-              <a:t>    </a:t>
-            </a:r>
-            <a:r>
-              <a:rPr lang="ko-KR" altLang="en-US" sz="1400" dirty="0" smtClean="0"/>
-              <a:t>채팅 서비스 선택</a:t>
-            </a:r>
-            <a:endParaRPr lang="en-US" altLang="ko-KR" sz="1400" dirty="0" smtClean="0"/>
-          </a:p>
-        </p:txBody>
-      </p:sp>
-      <p:sp>
-        <p:nvSpPr>
-          <p:cNvPr id="34" name="TextBox 33"/>
-          <p:cNvSpPr txBox="1"/>
-          <p:nvPr/>
-        </p:nvSpPr>
-        <p:spPr>
-          <a:xfrm>
-            <a:off x="5150221" y="4429763"/>
-            <a:ext cx="2994731" cy="307777"/>
-          </a:xfrm>
-          <a:prstGeom prst="rect">
-            <a:avLst/>
-          </a:prstGeom>
-          <a:noFill/>
-        </p:spPr>
-        <p:txBody>
-          <a:bodyPr wrap="none" rtlCol="0">
-            <a:spAutoFit/>
-          </a:bodyPr>
-          <a:lstStyle/>
-          <a:p>
-            <a:pPr marL="285750" indent="-285750">
-              <a:buFontTx/>
-              <a:buChar char="-"/>
-            </a:pPr>
-            <a:r>
-              <a:rPr lang="ko-KR" altLang="en-US" sz="1400" dirty="0" smtClean="0"/>
-              <a:t>현실성을 고려하여 주제 간소화</a:t>
-            </a:r>
-            <a:endParaRPr lang="en-US" altLang="ko-KR" sz="1400" dirty="0" smtClean="0"/>
-          </a:p>
-        </p:txBody>
-      </p:sp>
-      <p:pic>
-        <p:nvPicPr>
-          <p:cNvPr id="27" name="그림 26"/>
-          <p:cNvPicPr>
-            <a:picLocks noChangeAspect="1"/>
-          </p:cNvPicPr>
-          <p:nvPr/>
-        </p:nvPicPr>
-        <p:blipFill rotWithShape="1">
-          <a:blip r:embed="rId2" cstate="print">
-            <a:extLst>
-              <a:ext uri="{28A0092B-C50C-407E-A947-70E740481C1C}">
-                <a14:useLocalDpi xmlns:a14="http://schemas.microsoft.com/office/drawing/2010/main" val="0"/>
-              </a:ext>
-            </a:extLst>
-          </a:blip>
-          <a:srcRect l="6" t="18416" r="-6" b="-924"/>
-          <a:stretch/>
-        </p:blipFill>
-        <p:spPr>
-          <a:xfrm>
-            <a:off x="629798" y="1506165"/>
-            <a:ext cx="3142512" cy="1937219"/>
-          </a:xfrm>
-          <a:prstGeom prst="rect">
-            <a:avLst/>
-          </a:prstGeom>
-        </p:spPr>
-      </p:pic>
-    </p:spTree>
-    <p:extLst>
-      <p:ext uri="{BB962C8B-B14F-4D97-AF65-F5344CB8AC3E}">
-        <p14:creationId xmlns:p14="http://schemas.microsoft.com/office/powerpoint/2010/main" val="298064563"/>
-      </p:ext>
-    </p:extLst>
-  </p:cSld>
-  <p:clrMapOvr>
-    <a:masterClrMapping/>
-  </p:clrMapOvr>
-  <p:timing>
-    <p:tnLst>
-      <p:par>
-        <p:cTn id="1" dur="indefinite" restart="never" nodeType="tmRoot"/>
-      </p:par>
-    </p:tnLst>
-  </p:timing>
-</p:sld>
-</file>
-
 <file path=ppt/slides/slide24.xml><?xml version="1.0" encoding="utf-8"?>
 <p:sld xmlns:a="http://schemas.openxmlformats.org/drawingml/2006/main" xmlns:r="http://schemas.openxmlformats.org/officeDocument/2006/relationships" xmlns:p="http://schemas.openxmlformats.org/presentationml/2006/main" showMasterSp="0">
   <p:cSld>
@@ -22391,57 +21979,16 @@
           <a:chExt cx="0" cy="0"/>
         </a:xfrm>
       </p:grpSpPr>
-      <p:pic>
-        <p:nvPicPr>
-          <p:cNvPr id="31" name="Picture 2" descr="C:\Users\basic\Downloads\20181220_165154.jpg"/>
-          <p:cNvPicPr>
-            <a:picLocks noChangeAspect="1" noChangeArrowheads="1"/>
-          </p:cNvPicPr>
-          <p:nvPr/>
-        </p:nvPicPr>
-        <p:blipFill>
-          <a:blip r:embed="rId2" cstate="print">
-            <a:extLst>
-              <a:ext uri="{28A0092B-C50C-407E-A947-70E740481C1C}">
-                <a14:useLocalDpi xmlns:a14="http://schemas.microsoft.com/office/drawing/2010/main" val="0"/>
-              </a:ext>
-            </a:extLst>
-          </a:blip>
-          <a:srcRect/>
-          <a:stretch>
-            <a:fillRect/>
-          </a:stretch>
-        </p:blipFill>
-        <p:spPr bwMode="auto">
-          <a:xfrm>
-            <a:off x="629798" y="1507525"/>
-            <a:ext cx="3142511" cy="1941439"/>
-          </a:xfrm>
-          <a:prstGeom prst="rect">
-            <a:avLst/>
-          </a:prstGeom>
-          <a:noFill/>
-          <a:extLst>
-            <a:ext uri="{909E8E84-426E-40DD-AFC4-6F175D3DCCD1}">
-              <a14:hiddenFill xmlns:a14="http://schemas.microsoft.com/office/drawing/2010/main">
-                <a:solidFill>
-                  <a:srgbClr val="FFFFFF"/>
-                </a:solidFill>
-              </a14:hiddenFill>
-            </a:ext>
-          </a:extLst>
-        </p:spPr>
-      </p:pic>
-      <p:sp>
-        <p:nvSpPr>
-          <p:cNvPr id="79" name="object 10"/>
+      <p:sp>
+        <p:nvSpPr>
+          <p:cNvPr id="20" name="object 7"/>
           <p:cNvSpPr/>
           <p:nvPr/>
         </p:nvSpPr>
         <p:spPr>
           <a:xfrm>
-            <a:off x="0" y="0"/>
-            <a:ext cx="3060065" cy="86995"/>
+            <a:off x="-72516" y="0"/>
+            <a:ext cx="9216516" cy="7920734"/>
           </a:xfrm>
           <a:custGeom>
             <a:avLst/>
@@ -22450,201 +21997,50 @@
             <a:cxnLst/>
             <a:rect l="l" t="t" r="r" b="b"/>
             <a:pathLst>
-              <a:path w="3060065" h="86995">
+              <a:path w="9137650" h="5643880">
                 <a:moveTo>
-                  <a:pt x="0" y="86409"/>
+                  <a:pt x="9137203" y="5643495"/>
                 </a:moveTo>
                 <a:lnTo>
-                  <a:pt x="3059938" y="86409"/>
-                </a:lnTo>
-                <a:lnTo>
-                  <a:pt x="3059938" y="0"/>
+                  <a:pt x="9137203" y="0"/>
                 </a:lnTo>
                 <a:lnTo>
                   <a:pt x="0" y="0"/>
                 </a:lnTo>
                 <a:lnTo>
-                  <a:pt x="0" y="86409"/>
+                  <a:pt x="0" y="5643495"/>
+                </a:lnTo>
+                <a:lnTo>
+                  <a:pt x="9137203" y="5643495"/>
                 </a:lnTo>
                 <a:close/>
               </a:path>
             </a:pathLst>
           </a:custGeom>
           <a:solidFill>
-            <a:schemeClr val="tx1">
-              <a:lumMod val="75000"/>
-              <a:lumOff val="25000"/>
-            </a:schemeClr>
+            <a:srgbClr val="404040">
+              <a:alpha val="87057"/>
+            </a:srgbClr>
           </a:solidFill>
         </p:spPr>
         <p:txBody>
           <a:bodyPr wrap="square" lIns="0" tIns="0" rIns="0" bIns="0" rtlCol="0"/>
           <a:lstStyle/>
           <a:p>
-            <a:endParaRPr/>
-          </a:p>
-        </p:txBody>
-      </p:sp>
-      <p:sp>
-        <p:nvSpPr>
-          <p:cNvPr id="80" name="object 11"/>
-          <p:cNvSpPr/>
-          <p:nvPr/>
-        </p:nvSpPr>
-        <p:spPr>
-          <a:xfrm>
-            <a:off x="3042030" y="0"/>
-            <a:ext cx="3060065" cy="86995"/>
-          </a:xfrm>
-          <a:custGeom>
-            <a:avLst/>
-            <a:gdLst/>
-            <a:ahLst/>
-            <a:cxnLst/>
-            <a:rect l="l" t="t" r="r" b="b"/>
-            <a:pathLst>
-              <a:path w="3060065" h="86995">
-                <a:moveTo>
-                  <a:pt x="0" y="86409"/>
-                </a:moveTo>
-                <a:lnTo>
-                  <a:pt x="3059938" y="86409"/>
-                </a:lnTo>
-                <a:lnTo>
-                  <a:pt x="3059938" y="0"/>
-                </a:lnTo>
-                <a:lnTo>
-                  <a:pt x="0" y="0"/>
-                </a:lnTo>
-                <a:lnTo>
-                  <a:pt x="0" y="86409"/>
-                </a:lnTo>
-                <a:close/>
-              </a:path>
-            </a:pathLst>
-          </a:custGeom>
-          <a:solidFill>
-            <a:schemeClr val="tx1">
-              <a:lumMod val="50000"/>
-              <a:lumOff val="50000"/>
-            </a:schemeClr>
-          </a:solidFill>
-        </p:spPr>
-        <p:txBody>
-          <a:bodyPr wrap="square" lIns="0" tIns="0" rIns="0" bIns="0" rtlCol="0"/>
-          <a:lstStyle/>
-          <a:p>
-            <a:endParaRPr/>
-          </a:p>
-        </p:txBody>
-      </p:sp>
-      <p:sp>
-        <p:nvSpPr>
-          <p:cNvPr id="81" name="object 12"/>
-          <p:cNvSpPr/>
-          <p:nvPr/>
-        </p:nvSpPr>
-        <p:spPr>
-          <a:xfrm>
-            <a:off x="6084061" y="0"/>
-            <a:ext cx="3060065" cy="86995"/>
-          </a:xfrm>
-          <a:custGeom>
-            <a:avLst/>
-            <a:gdLst/>
-            <a:ahLst/>
-            <a:cxnLst/>
-            <a:rect l="l" t="t" r="r" b="b"/>
-            <a:pathLst>
-              <a:path w="3060065" h="86995">
-                <a:moveTo>
-                  <a:pt x="0" y="86409"/>
-                </a:moveTo>
-                <a:lnTo>
-                  <a:pt x="3059938" y="86409"/>
-                </a:lnTo>
-                <a:lnTo>
-                  <a:pt x="3059938" y="0"/>
-                </a:lnTo>
-                <a:lnTo>
-                  <a:pt x="0" y="0"/>
-                </a:lnTo>
-                <a:lnTo>
-                  <a:pt x="0" y="86409"/>
-                </a:lnTo>
-                <a:close/>
-              </a:path>
-            </a:pathLst>
-          </a:custGeom>
-          <a:solidFill>
-            <a:schemeClr val="bg1">
-              <a:lumMod val="75000"/>
-            </a:schemeClr>
-          </a:solidFill>
-        </p:spPr>
-        <p:txBody>
-          <a:bodyPr wrap="square" lIns="0" tIns="0" rIns="0" bIns="0" rtlCol="0"/>
-          <a:lstStyle/>
-          <a:p>
-            <a:endParaRPr/>
-          </a:p>
-        </p:txBody>
-      </p:sp>
-      <p:sp>
-        <p:nvSpPr>
-          <p:cNvPr id="82" name="object 6"/>
-          <p:cNvSpPr/>
-          <p:nvPr/>
-        </p:nvSpPr>
-        <p:spPr>
-          <a:xfrm>
-            <a:off x="233907" y="250761"/>
-            <a:ext cx="0" cy="417195"/>
-          </a:xfrm>
-          <a:custGeom>
-            <a:avLst/>
-            <a:gdLst/>
-            <a:ahLst/>
-            <a:cxnLst/>
-            <a:rect l="l" t="t" r="r" b="b"/>
-            <a:pathLst>
-              <a:path h="417195">
-                <a:moveTo>
-                  <a:pt x="0" y="0"/>
-                </a:moveTo>
-                <a:lnTo>
-                  <a:pt x="0" y="416750"/>
-                </a:lnTo>
-              </a:path>
-            </a:pathLst>
-          </a:custGeom>
-          <a:ln w="39927">
-            <a:solidFill>
-              <a:schemeClr val="tx1">
-                <a:lumMod val="50000"/>
-                <a:lumOff val="50000"/>
-              </a:schemeClr>
-            </a:solidFill>
-          </a:ln>
-        </p:spPr>
-        <p:txBody>
-          <a:bodyPr wrap="square" lIns="0" tIns="0" rIns="0" bIns="0" rtlCol="0"/>
-          <a:lstStyle/>
-          <a:p>
-            <a:endParaRPr/>
-          </a:p>
-        </p:txBody>
-      </p:sp>
-      <p:sp>
-        <p:nvSpPr>
-          <p:cNvPr id="95" name="TextBox 94"/>
+            <a:endParaRPr dirty="0"/>
+          </a:p>
+        </p:txBody>
+      </p:sp>
+      <p:sp>
+        <p:nvSpPr>
+          <p:cNvPr id="23" name="TextBox 22"/>
           <p:cNvSpPr txBox="1"/>
           <p:nvPr/>
         </p:nvSpPr>
         <p:spPr>
           <a:xfrm>
-            <a:off x="233907" y="198597"/>
-            <a:ext cx="3886200" cy="369332"/>
+            <a:off x="2902121" y="3237092"/>
+            <a:ext cx="3267241" cy="1446550"/>
           </a:xfrm>
           <a:prstGeom prst="rect">
             <a:avLst/>
@@ -22652,2007 +22048,40 @@
           <a:noFill/>
         </p:spPr>
         <p:txBody>
-          <a:bodyPr wrap="square" rtlCol="0">
-            <a:spAutoFit/>
-          </a:bodyPr>
-          <a:lstStyle/>
-          <a:p>
-            <a:r>
-              <a:rPr lang="ko-KR" altLang="en-US" dirty="0">
-                <a:latin typeface="HY견고딕" panose="02030600000101010101" pitchFamily="18" charset="-127"/>
-                <a:ea typeface="HY견고딕" panose="02030600000101010101" pitchFamily="18" charset="-127"/>
-              </a:rPr>
-              <a:t>회의 모습</a:t>
-            </a:r>
-            <a:r>
-              <a:rPr lang="en-US" altLang="ko-KR" dirty="0">
-                <a:latin typeface="HY견고딕" panose="02030600000101010101" pitchFamily="18" charset="-127"/>
-                <a:ea typeface="HY견고딕" panose="02030600000101010101" pitchFamily="18" charset="-127"/>
-              </a:rPr>
-              <a:t>(</a:t>
-            </a:r>
-            <a:r>
-              <a:rPr lang="ko-KR" altLang="en-US" dirty="0">
-                <a:latin typeface="HY견고딕" panose="02030600000101010101" pitchFamily="18" charset="-127"/>
-                <a:ea typeface="HY견고딕" panose="02030600000101010101" pitchFamily="18" charset="-127"/>
-              </a:rPr>
-              <a:t>보고서용</a:t>
-            </a:r>
-            <a:r>
-              <a:rPr lang="en-US" altLang="ko-KR" dirty="0">
-                <a:latin typeface="HY견고딕" panose="02030600000101010101" pitchFamily="18" charset="-127"/>
-                <a:ea typeface="HY견고딕" panose="02030600000101010101" pitchFamily="18" charset="-127"/>
-              </a:rPr>
-              <a:t>)</a:t>
-            </a:r>
-            <a:endParaRPr lang="ko-KR" altLang="en-US" dirty="0">
-              <a:latin typeface="HY견고딕" panose="02030600000101010101" pitchFamily="18" charset="-127"/>
-              <a:ea typeface="HY견고딕" panose="02030600000101010101" pitchFamily="18" charset="-127"/>
-            </a:endParaRPr>
-          </a:p>
-        </p:txBody>
-      </p:sp>
-      <p:sp>
-        <p:nvSpPr>
-          <p:cNvPr id="96" name="TextBox 95"/>
-          <p:cNvSpPr txBox="1"/>
-          <p:nvPr/>
-        </p:nvSpPr>
-        <p:spPr>
-          <a:xfrm>
-            <a:off x="244067" y="529456"/>
-            <a:ext cx="3184933" cy="276999"/>
-          </a:xfrm>
-          <a:prstGeom prst="rect">
-            <a:avLst/>
-          </a:prstGeom>
-          <a:noFill/>
-        </p:spPr>
-        <p:txBody>
-          <a:bodyPr wrap="square" rtlCol="0">
-            <a:spAutoFit/>
-          </a:bodyPr>
-          <a:lstStyle/>
-          <a:p>
-            <a:r>
-              <a:rPr lang="ko-KR" altLang="en-US" sz="1200" dirty="0" smtClean="0">
-                <a:solidFill>
-                  <a:schemeClr val="tx1">
-                    <a:lumMod val="50000"/>
-                    <a:lumOff val="50000"/>
-                  </a:schemeClr>
-                </a:solidFill>
-                <a:latin typeface="HY견고딕" panose="02030600000101010101" pitchFamily="18" charset="-127"/>
-                <a:ea typeface="HY견고딕" panose="02030600000101010101" pitchFamily="18" charset="-127"/>
-              </a:rPr>
-              <a:t>회의록</a:t>
-            </a:r>
-            <a:r>
-              <a:rPr lang="en-US" altLang="ko-KR" sz="1200" dirty="0" smtClean="0">
-                <a:solidFill>
-                  <a:schemeClr val="tx1">
-                    <a:lumMod val="50000"/>
-                    <a:lumOff val="50000"/>
-                  </a:schemeClr>
-                </a:solidFill>
-                <a:latin typeface="HY견고딕" panose="02030600000101010101" pitchFamily="18" charset="-127"/>
-                <a:ea typeface="HY견고딕" panose="02030600000101010101" pitchFamily="18" charset="-127"/>
-              </a:rPr>
-              <a:t>, </a:t>
-            </a:r>
-            <a:r>
-              <a:rPr lang="ko-KR" altLang="en-US" sz="1200" dirty="0" smtClean="0">
-                <a:solidFill>
-                  <a:schemeClr val="tx1">
-                    <a:lumMod val="50000"/>
-                    <a:lumOff val="50000"/>
-                  </a:schemeClr>
-                </a:solidFill>
-                <a:latin typeface="HY견고딕" panose="02030600000101010101" pitchFamily="18" charset="-127"/>
-                <a:ea typeface="HY견고딕" panose="02030600000101010101" pitchFamily="18" charset="-127"/>
-              </a:rPr>
-              <a:t>회의 사진</a:t>
-            </a:r>
-            <a:endParaRPr lang="ko-KR" altLang="en-US" sz="1200" dirty="0">
-              <a:solidFill>
-                <a:schemeClr val="tx1">
-                  <a:lumMod val="50000"/>
-                  <a:lumOff val="50000"/>
-                </a:schemeClr>
-              </a:solidFill>
-              <a:latin typeface="HY견고딕" panose="02030600000101010101" pitchFamily="18" charset="-127"/>
-              <a:ea typeface="HY견고딕" panose="02030600000101010101" pitchFamily="18" charset="-127"/>
-            </a:endParaRPr>
-          </a:p>
-        </p:txBody>
-      </p:sp>
-      <p:grpSp>
-        <p:nvGrpSpPr>
-          <p:cNvPr id="4" name="그룹 3"/>
-          <p:cNvGrpSpPr/>
-          <p:nvPr/>
-        </p:nvGrpSpPr>
-        <p:grpSpPr>
-          <a:xfrm>
-            <a:off x="262107" y="1137314"/>
-            <a:ext cx="3877894" cy="2466008"/>
-            <a:chOff x="262107" y="1137314"/>
-            <a:chExt cx="3589893" cy="2466008"/>
-          </a:xfrm>
-        </p:grpSpPr>
-        <p:sp>
-          <p:nvSpPr>
-            <p:cNvPr id="18" name="직사각형 17">
-              <a:extLst>
-                <a:ext uri="{FF2B5EF4-FFF2-40B4-BE49-F238E27FC236}">
-                  <a16:creationId xmlns:a16="http://schemas.microsoft.com/office/drawing/2014/main" xmlns="" id="{DFA00BE3-81FE-4FF2-86E9-DCF50AC1E47F}"/>
-                </a:ext>
-              </a:extLst>
-            </p:cNvPr>
-            <p:cNvSpPr/>
-            <p:nvPr/>
-          </p:nvSpPr>
-          <p:spPr>
-            <a:xfrm>
-              <a:off x="262107" y="1269000"/>
-              <a:ext cx="3589893" cy="2334322"/>
-            </a:xfrm>
-            <a:prstGeom prst="rect">
-              <a:avLst/>
-            </a:prstGeom>
-            <a:noFill/>
-            <a:ln w="12700">
-              <a:solidFill>
-                <a:schemeClr val="tx1"/>
-              </a:solidFill>
-            </a:ln>
-          </p:spPr>
-          <p:style>
-            <a:lnRef idx="2">
-              <a:schemeClr val="accent1">
-                <a:shade val="50000"/>
-              </a:schemeClr>
-            </a:lnRef>
-            <a:fillRef idx="1">
-              <a:schemeClr val="accent1"/>
-            </a:fillRef>
-            <a:effectRef idx="0">
-              <a:schemeClr val="accent1"/>
-            </a:effectRef>
-            <a:fontRef idx="minor">
-              <a:schemeClr val="lt1"/>
-            </a:fontRef>
-          </p:style>
-          <p:txBody>
-            <a:bodyPr rtlCol="0" anchor="ctr"/>
-            <a:lstStyle/>
-            <a:p>
-              <a:pPr algn="ctr"/>
-              <a:endParaRPr lang="ko-KR" altLang="en-US"/>
-            </a:p>
-          </p:txBody>
-        </p:sp>
-        <p:sp>
-          <p:nvSpPr>
-            <p:cNvPr id="2" name="모서리가 둥근 직사각형 1"/>
-            <p:cNvSpPr/>
-            <p:nvPr/>
-          </p:nvSpPr>
-          <p:spPr>
-            <a:xfrm>
-              <a:off x="1456342" y="1137314"/>
-              <a:ext cx="1156900" cy="237165"/>
-            </a:xfrm>
-            <a:prstGeom prst="roundRect">
-              <a:avLst/>
-            </a:prstGeom>
-            <a:solidFill>
-              <a:schemeClr val="bg1">
-                <a:lumMod val="50000"/>
-              </a:schemeClr>
-            </a:solidFill>
-            <a:ln>
-              <a:solidFill>
-                <a:schemeClr val="tx1"/>
-              </a:solidFill>
-            </a:ln>
-          </p:spPr>
-          <p:style>
-            <a:lnRef idx="2">
-              <a:schemeClr val="accent1">
-                <a:shade val="50000"/>
-              </a:schemeClr>
-            </a:lnRef>
-            <a:fillRef idx="1">
-              <a:schemeClr val="accent1"/>
-            </a:fillRef>
-            <a:effectRef idx="0">
-              <a:schemeClr val="accent1"/>
-            </a:effectRef>
-            <a:fontRef idx="minor">
-              <a:schemeClr val="lt1"/>
-            </a:fontRef>
-          </p:style>
-          <p:txBody>
-            <a:bodyPr rtlCol="0" anchor="ctr"/>
-            <a:lstStyle/>
-            <a:p>
-              <a:pPr algn="ctr"/>
-              <a:r>
-                <a:rPr lang="ko-KR" altLang="en-US" sz="1600" dirty="0" smtClean="0">
-                  <a:latin typeface="HY견고딕" panose="02030600000101010101" pitchFamily="18" charset="-127"/>
-                  <a:ea typeface="HY견고딕" panose="02030600000101010101" pitchFamily="18" charset="-127"/>
-                </a:rPr>
-                <a:t>회의 사진</a:t>
-              </a:r>
-              <a:endParaRPr lang="ko-KR" altLang="en-US" sz="1600" dirty="0">
-                <a:latin typeface="HY견고딕" panose="02030600000101010101" pitchFamily="18" charset="-127"/>
-                <a:ea typeface="HY견고딕" panose="02030600000101010101" pitchFamily="18" charset="-127"/>
-              </a:endParaRPr>
-            </a:p>
-          </p:txBody>
-        </p:sp>
-      </p:grpSp>
-      <p:grpSp>
-        <p:nvGrpSpPr>
-          <p:cNvPr id="3" name="그룹 2"/>
-          <p:cNvGrpSpPr/>
-          <p:nvPr/>
-        </p:nvGrpSpPr>
-        <p:grpSpPr>
-          <a:xfrm>
-            <a:off x="5004000" y="1080872"/>
-            <a:ext cx="3877893" cy="5228128"/>
-            <a:chOff x="5292000" y="1080872"/>
-            <a:chExt cx="3589893" cy="5228128"/>
-          </a:xfrm>
-        </p:grpSpPr>
-        <p:sp>
-          <p:nvSpPr>
-            <p:cNvPr id="32" name="직사각형 31">
-              <a:extLst>
-                <a:ext uri="{FF2B5EF4-FFF2-40B4-BE49-F238E27FC236}">
-                  <a16:creationId xmlns:a16="http://schemas.microsoft.com/office/drawing/2014/main" xmlns="" id="{DFA00BE3-81FE-4FF2-86E9-DCF50AC1E47F}"/>
-                </a:ext>
-              </a:extLst>
-            </p:cNvPr>
-            <p:cNvSpPr/>
-            <p:nvPr/>
-          </p:nvSpPr>
-          <p:spPr>
-            <a:xfrm>
-              <a:off x="5292000" y="1269000"/>
-              <a:ext cx="3589893" cy="5040000"/>
-            </a:xfrm>
-            <a:prstGeom prst="rect">
-              <a:avLst/>
-            </a:prstGeom>
-            <a:noFill/>
-            <a:ln w="15875">
-              <a:solidFill>
-                <a:schemeClr val="tx1"/>
-              </a:solidFill>
-            </a:ln>
-          </p:spPr>
-          <p:style>
-            <a:lnRef idx="2">
-              <a:schemeClr val="accent1">
-                <a:shade val="50000"/>
-              </a:schemeClr>
-            </a:lnRef>
-            <a:fillRef idx="1">
-              <a:schemeClr val="accent1"/>
-            </a:fillRef>
-            <a:effectRef idx="0">
-              <a:schemeClr val="accent1"/>
-            </a:effectRef>
-            <a:fontRef idx="minor">
-              <a:schemeClr val="lt1"/>
-            </a:fontRef>
-          </p:style>
-          <p:txBody>
-            <a:bodyPr rtlCol="0" anchor="ctr"/>
-            <a:lstStyle/>
-            <a:p>
-              <a:pPr algn="ctr"/>
-              <a:endParaRPr lang="ko-KR" altLang="en-US"/>
-            </a:p>
-          </p:txBody>
-        </p:sp>
-        <p:sp>
-          <p:nvSpPr>
-            <p:cNvPr id="33" name="모서리가 둥근 직사각형 32"/>
-            <p:cNvSpPr/>
-            <p:nvPr/>
-          </p:nvSpPr>
-          <p:spPr>
-            <a:xfrm>
-              <a:off x="6225472" y="1080872"/>
-              <a:ext cx="1722947" cy="426654"/>
-            </a:xfrm>
-            <a:prstGeom prst="roundRect">
-              <a:avLst/>
-            </a:prstGeom>
-            <a:solidFill>
-              <a:schemeClr val="bg1">
-                <a:lumMod val="50000"/>
-              </a:schemeClr>
-            </a:solidFill>
-            <a:ln>
-              <a:solidFill>
-                <a:schemeClr val="tx1"/>
-              </a:solidFill>
-            </a:ln>
-          </p:spPr>
-          <p:style>
-            <a:lnRef idx="2">
-              <a:schemeClr val="accent1">
-                <a:shade val="50000"/>
-              </a:schemeClr>
-            </a:lnRef>
-            <a:fillRef idx="1">
-              <a:schemeClr val="accent1"/>
-            </a:fillRef>
-            <a:effectRef idx="0">
-              <a:schemeClr val="accent1"/>
-            </a:effectRef>
-            <a:fontRef idx="minor">
-              <a:schemeClr val="lt1"/>
-            </a:fontRef>
-          </p:style>
-          <p:txBody>
-            <a:bodyPr rtlCol="0" anchor="ctr"/>
-            <a:lstStyle/>
-            <a:p>
-              <a:pPr algn="ctr"/>
-              <a:r>
-                <a:rPr lang="ko-KR" altLang="en-US" sz="2000" dirty="0" smtClean="0">
-                  <a:latin typeface="HY견고딕" panose="02030600000101010101" pitchFamily="18" charset="-127"/>
-                  <a:ea typeface="HY견고딕" panose="02030600000101010101" pitchFamily="18" charset="-127"/>
-                </a:rPr>
-                <a:t>회의내용</a:t>
-              </a:r>
-              <a:endParaRPr lang="ko-KR" altLang="en-US" sz="2000" dirty="0">
-                <a:latin typeface="HY견고딕" panose="02030600000101010101" pitchFamily="18" charset="-127"/>
-                <a:ea typeface="HY견고딕" panose="02030600000101010101" pitchFamily="18" charset="-127"/>
-              </a:endParaRPr>
-            </a:p>
-          </p:txBody>
-        </p:sp>
-      </p:grpSp>
-      <p:grpSp>
-        <p:nvGrpSpPr>
-          <p:cNvPr id="24" name="그룹 23"/>
-          <p:cNvGrpSpPr/>
-          <p:nvPr/>
-        </p:nvGrpSpPr>
-        <p:grpSpPr>
-          <a:xfrm>
-            <a:off x="252067" y="3842992"/>
-            <a:ext cx="3877894" cy="2466008"/>
-            <a:chOff x="262107" y="1137314"/>
-            <a:chExt cx="3589893" cy="2466008"/>
-          </a:xfrm>
-        </p:grpSpPr>
-        <p:sp>
-          <p:nvSpPr>
-            <p:cNvPr id="25" name="직사각형 24">
-              <a:extLst>
-                <a:ext uri="{FF2B5EF4-FFF2-40B4-BE49-F238E27FC236}">
-                  <a16:creationId xmlns:a16="http://schemas.microsoft.com/office/drawing/2014/main" xmlns="" id="{DFA00BE3-81FE-4FF2-86E9-DCF50AC1E47F}"/>
-                </a:ext>
-              </a:extLst>
-            </p:cNvPr>
-            <p:cNvSpPr/>
-            <p:nvPr/>
-          </p:nvSpPr>
-          <p:spPr>
-            <a:xfrm>
-              <a:off x="262107" y="1269000"/>
-              <a:ext cx="3589893" cy="2334322"/>
-            </a:xfrm>
-            <a:prstGeom prst="rect">
-              <a:avLst/>
-            </a:prstGeom>
-            <a:noFill/>
-            <a:ln w="12700">
-              <a:solidFill>
-                <a:schemeClr val="tx1"/>
-              </a:solidFill>
-            </a:ln>
-          </p:spPr>
-          <p:style>
-            <a:lnRef idx="2">
-              <a:schemeClr val="accent1">
-                <a:shade val="50000"/>
-              </a:schemeClr>
-            </a:lnRef>
-            <a:fillRef idx="1">
-              <a:schemeClr val="accent1"/>
-            </a:fillRef>
-            <a:effectRef idx="0">
-              <a:schemeClr val="accent1"/>
-            </a:effectRef>
-            <a:fontRef idx="minor">
-              <a:schemeClr val="lt1"/>
-            </a:fontRef>
-          </p:style>
-          <p:txBody>
-            <a:bodyPr rtlCol="0" anchor="ctr"/>
-            <a:lstStyle/>
-            <a:p>
-              <a:pPr algn="ctr"/>
-              <a:endParaRPr lang="ko-KR" altLang="en-US"/>
-            </a:p>
-          </p:txBody>
-        </p:sp>
-        <p:sp>
-          <p:nvSpPr>
-            <p:cNvPr id="26" name="모서리가 둥근 직사각형 25"/>
-            <p:cNvSpPr/>
-            <p:nvPr/>
-          </p:nvSpPr>
-          <p:spPr>
-            <a:xfrm>
-              <a:off x="1456342" y="1137314"/>
-              <a:ext cx="1156900" cy="237165"/>
-            </a:xfrm>
-            <a:prstGeom prst="roundRect">
-              <a:avLst/>
-            </a:prstGeom>
-            <a:solidFill>
-              <a:schemeClr val="bg1">
-                <a:lumMod val="50000"/>
-              </a:schemeClr>
-            </a:solidFill>
-            <a:ln>
-              <a:solidFill>
-                <a:schemeClr val="tx1"/>
-              </a:solidFill>
-            </a:ln>
-          </p:spPr>
-          <p:style>
-            <a:lnRef idx="2">
-              <a:schemeClr val="accent1">
-                <a:shade val="50000"/>
-              </a:schemeClr>
-            </a:lnRef>
-            <a:fillRef idx="1">
-              <a:schemeClr val="accent1"/>
-            </a:fillRef>
-            <a:effectRef idx="0">
-              <a:schemeClr val="accent1"/>
-            </a:effectRef>
-            <a:fontRef idx="minor">
-              <a:schemeClr val="lt1"/>
-            </a:fontRef>
-          </p:style>
-          <p:txBody>
-            <a:bodyPr rtlCol="0" anchor="ctr"/>
-            <a:lstStyle/>
-            <a:p>
-              <a:pPr algn="ctr"/>
-              <a:r>
-                <a:rPr lang="ko-KR" altLang="en-US" sz="1600" dirty="0" smtClean="0">
-                  <a:latin typeface="HY견고딕" panose="02030600000101010101" pitchFamily="18" charset="-127"/>
-                  <a:ea typeface="HY견고딕" panose="02030600000101010101" pitchFamily="18" charset="-127"/>
-                </a:rPr>
-                <a:t>회의록</a:t>
-              </a:r>
-              <a:endParaRPr lang="ko-KR" altLang="en-US" sz="1600" dirty="0">
-                <a:latin typeface="HY견고딕" panose="02030600000101010101" pitchFamily="18" charset="-127"/>
-                <a:ea typeface="HY견고딕" panose="02030600000101010101" pitchFamily="18" charset="-127"/>
-              </a:endParaRPr>
-            </a:p>
-          </p:txBody>
-        </p:sp>
-      </p:grpSp>
-      <p:sp>
-        <p:nvSpPr>
-          <p:cNvPr id="5" name="TextBox 4"/>
-          <p:cNvSpPr txBox="1"/>
-          <p:nvPr/>
-        </p:nvSpPr>
-        <p:spPr>
-          <a:xfrm>
-            <a:off x="5085871" y="1704483"/>
-            <a:ext cx="2507418" cy="369332"/>
-          </a:xfrm>
-          <a:prstGeom prst="rect">
-            <a:avLst/>
-          </a:prstGeom>
-          <a:noFill/>
-        </p:spPr>
-        <p:txBody>
           <a:bodyPr wrap="none" rtlCol="0">
             <a:spAutoFit/>
           </a:bodyPr>
           <a:lstStyle/>
           <a:p>
+            <a:pPr algn="ctr"/>
             <a:r>
-              <a:rPr lang="ko-KR" altLang="en-US" dirty="0" smtClean="0"/>
-              <a:t>주제 및 구현방안 논의</a:t>
+              <a:rPr lang="en-US" altLang="ko-KR" sz="8800" b="1" dirty="0" smtClean="0">
+                <a:solidFill>
+                  <a:schemeClr val="bg1">
+                    <a:lumMod val="85000"/>
+                  </a:schemeClr>
+                </a:solidFill>
+                <a:latin typeface="HY동녘B" panose="02030600000101010101" pitchFamily="18" charset="-127"/>
+                <a:ea typeface="HY동녘B" panose="02030600000101010101" pitchFamily="18" charset="-127"/>
+              </a:rPr>
+              <a:t>Q &amp; A</a:t>
             </a:r>
-            <a:endParaRPr lang="ko-KR" altLang="en-US" dirty="0"/>
-          </a:p>
-        </p:txBody>
-      </p:sp>
-      <p:sp>
-        <p:nvSpPr>
-          <p:cNvPr id="20" name="TextBox 19"/>
-          <p:cNvSpPr txBox="1"/>
-          <p:nvPr/>
-        </p:nvSpPr>
-        <p:spPr>
-          <a:xfrm>
-            <a:off x="5085871" y="2139160"/>
-            <a:ext cx="1503938" cy="307777"/>
-          </a:xfrm>
-          <a:prstGeom prst="rect">
-            <a:avLst/>
-          </a:prstGeom>
-          <a:noFill/>
-        </p:spPr>
-        <p:txBody>
-          <a:bodyPr wrap="none" rtlCol="0">
-            <a:spAutoFit/>
-          </a:bodyPr>
-          <a:lstStyle/>
-          <a:p>
-            <a:r>
-              <a:rPr lang="ko-KR" altLang="en-US" sz="1400" dirty="0" smtClean="0"/>
-              <a:t>구현분야 나누기</a:t>
-            </a:r>
-            <a:endParaRPr lang="ko-KR" altLang="en-US" sz="1400" dirty="0"/>
-          </a:p>
-        </p:txBody>
-      </p:sp>
-      <p:sp>
-        <p:nvSpPr>
-          <p:cNvPr id="21" name="TextBox 20"/>
-          <p:cNvSpPr txBox="1"/>
-          <p:nvPr/>
-        </p:nvSpPr>
-        <p:spPr>
-          <a:xfrm>
-            <a:off x="5104896" y="2524485"/>
-            <a:ext cx="3236784" cy="307777"/>
-          </a:xfrm>
-          <a:prstGeom prst="rect">
-            <a:avLst/>
-          </a:prstGeom>
-          <a:noFill/>
-        </p:spPr>
-        <p:txBody>
-          <a:bodyPr wrap="none" rtlCol="0">
-            <a:spAutoFit/>
-          </a:bodyPr>
-          <a:lstStyle/>
-          <a:p>
-            <a:pPr marL="285750" indent="-285750">
-              <a:buFontTx/>
-              <a:buChar char="-"/>
-            </a:pPr>
-            <a:r>
-              <a:rPr lang="ko-KR" altLang="en-US" sz="1400" dirty="0" smtClean="0"/>
-              <a:t>개발해야 하는 기능에 대한 세분화</a:t>
-            </a:r>
-            <a:endParaRPr lang="en-US" altLang="ko-KR" sz="1400" dirty="0" smtClean="0"/>
-          </a:p>
-        </p:txBody>
-      </p:sp>
-      <p:sp>
-        <p:nvSpPr>
-          <p:cNvPr id="22" name="TextBox 21"/>
-          <p:cNvSpPr txBox="1"/>
-          <p:nvPr/>
-        </p:nvSpPr>
-        <p:spPr>
-          <a:xfrm>
-            <a:off x="5104896" y="2866501"/>
-            <a:ext cx="3720890" cy="307777"/>
-          </a:xfrm>
-          <a:prstGeom prst="rect">
-            <a:avLst/>
-          </a:prstGeom>
-          <a:noFill/>
-        </p:spPr>
-        <p:txBody>
-          <a:bodyPr wrap="none" rtlCol="0">
-            <a:spAutoFit/>
-          </a:bodyPr>
-          <a:lstStyle/>
-          <a:p>
-            <a:pPr marL="285750" indent="-285750">
-              <a:buFontTx/>
-              <a:buChar char="-"/>
-            </a:pPr>
-            <a:r>
-              <a:rPr lang="ko-KR" altLang="en-US" sz="1400" dirty="0" smtClean="0"/>
-              <a:t>어떤 방식으로 분업을 할 지에 대한 논의</a:t>
-            </a:r>
-            <a:endParaRPr lang="en-US" altLang="ko-KR" sz="1400" dirty="0" smtClean="0"/>
-          </a:p>
-        </p:txBody>
-      </p:sp>
-      <p:sp>
-        <p:nvSpPr>
-          <p:cNvPr id="23" name="TextBox 22"/>
-          <p:cNvSpPr txBox="1"/>
-          <p:nvPr/>
-        </p:nvSpPr>
-        <p:spPr>
-          <a:xfrm>
-            <a:off x="5131196" y="3360933"/>
-            <a:ext cx="2050561" cy="307777"/>
-          </a:xfrm>
-          <a:prstGeom prst="rect">
-            <a:avLst/>
-          </a:prstGeom>
-          <a:noFill/>
-        </p:spPr>
-        <p:txBody>
-          <a:bodyPr wrap="none" rtlCol="0">
-            <a:spAutoFit/>
-          </a:bodyPr>
-          <a:lstStyle/>
-          <a:p>
-            <a:r>
-              <a:rPr lang="ko-KR" altLang="en-US" sz="1400" dirty="0" smtClean="0"/>
-              <a:t>중점 구현 기능 및 역할</a:t>
-            </a:r>
-            <a:endParaRPr lang="ko-KR" altLang="en-US" sz="1400" dirty="0"/>
-          </a:p>
-        </p:txBody>
-      </p:sp>
-      <p:sp>
-        <p:nvSpPr>
-          <p:cNvPr id="28" name="TextBox 27"/>
-          <p:cNvSpPr txBox="1"/>
-          <p:nvPr/>
-        </p:nvSpPr>
-        <p:spPr>
-          <a:xfrm>
-            <a:off x="5150221" y="3746258"/>
-            <a:ext cx="3775393" cy="307777"/>
-          </a:xfrm>
-          <a:prstGeom prst="rect">
-            <a:avLst/>
-          </a:prstGeom>
-          <a:noFill/>
-        </p:spPr>
-        <p:txBody>
-          <a:bodyPr wrap="none" rtlCol="0">
-            <a:spAutoFit/>
-          </a:bodyPr>
-          <a:lstStyle/>
-          <a:p>
-            <a:pPr marL="285750" indent="-285750">
-              <a:buFontTx/>
-              <a:buChar char="-"/>
-            </a:pPr>
-            <a:r>
-              <a:rPr lang="ko-KR" altLang="en-US" sz="1400" dirty="0" smtClean="0"/>
-              <a:t>서버에서 정보를 소켓으로 주고받는 기능</a:t>
-            </a:r>
-            <a:endParaRPr lang="ko-KR" altLang="en-US" sz="1400" dirty="0"/>
-          </a:p>
-        </p:txBody>
-      </p:sp>
-      <p:sp>
-        <p:nvSpPr>
-          <p:cNvPr id="29" name="TextBox 28"/>
-          <p:cNvSpPr txBox="1"/>
-          <p:nvPr/>
-        </p:nvSpPr>
-        <p:spPr>
-          <a:xfrm>
-            <a:off x="5150221" y="4088274"/>
-            <a:ext cx="1604927" cy="307777"/>
-          </a:xfrm>
-          <a:prstGeom prst="rect">
-            <a:avLst/>
-          </a:prstGeom>
-          <a:noFill/>
-        </p:spPr>
-        <p:txBody>
-          <a:bodyPr wrap="none" rtlCol="0">
-            <a:spAutoFit/>
-          </a:bodyPr>
-          <a:lstStyle/>
-          <a:p>
-            <a:pPr marL="285750" indent="-285750">
-              <a:buFontTx/>
-              <a:buChar char="-"/>
-            </a:pPr>
-            <a:r>
-              <a:rPr lang="en-US" altLang="ko-KR" sz="1400" dirty="0" smtClean="0"/>
-              <a:t>CUI </a:t>
-            </a:r>
-            <a:r>
-              <a:rPr lang="ko-KR" altLang="en-US" sz="1400" dirty="0" smtClean="0"/>
-              <a:t>및 디자인</a:t>
-            </a:r>
-            <a:endParaRPr lang="en-US" altLang="ko-KR" sz="1400" dirty="0" smtClean="0"/>
-          </a:p>
-        </p:txBody>
-      </p:sp>
-      <p:sp>
-        <p:nvSpPr>
-          <p:cNvPr id="30" name="TextBox 29"/>
-          <p:cNvSpPr txBox="1"/>
-          <p:nvPr/>
-        </p:nvSpPr>
-        <p:spPr>
-          <a:xfrm>
-            <a:off x="5137589" y="4812185"/>
-            <a:ext cx="2523448" cy="307777"/>
-          </a:xfrm>
-          <a:prstGeom prst="rect">
-            <a:avLst/>
-          </a:prstGeom>
-          <a:noFill/>
-        </p:spPr>
-        <p:txBody>
-          <a:bodyPr wrap="none" rtlCol="0">
-            <a:spAutoFit/>
-          </a:bodyPr>
-          <a:lstStyle/>
-          <a:p>
-            <a:pPr marL="285750" indent="-285750">
-              <a:buFontTx/>
-              <a:buChar char="-"/>
-            </a:pPr>
-            <a:r>
-              <a:rPr lang="ko-KR" altLang="en-US" sz="1400" dirty="0" smtClean="0"/>
-              <a:t>세부 기능 및 </a:t>
-            </a:r>
-            <a:r>
-              <a:rPr lang="en-US" altLang="ko-KR" sz="1400" dirty="0" smtClean="0"/>
-              <a:t>PPT </a:t>
-            </a:r>
-            <a:r>
-              <a:rPr lang="ko-KR" altLang="en-US" sz="1400" dirty="0" smtClean="0"/>
-              <a:t>및 발표</a:t>
-            </a:r>
-            <a:endParaRPr lang="en-US" altLang="ko-KR" sz="1400" dirty="0" smtClean="0"/>
-          </a:p>
-        </p:txBody>
-      </p:sp>
-      <p:sp>
-        <p:nvSpPr>
-          <p:cNvPr id="34" name="TextBox 33"/>
-          <p:cNvSpPr txBox="1"/>
-          <p:nvPr/>
-        </p:nvSpPr>
-        <p:spPr>
-          <a:xfrm>
-            <a:off x="5150221" y="4429763"/>
-            <a:ext cx="2932213" cy="307777"/>
-          </a:xfrm>
-          <a:prstGeom prst="rect">
-            <a:avLst/>
-          </a:prstGeom>
-          <a:noFill/>
-        </p:spPr>
-        <p:txBody>
-          <a:bodyPr wrap="none" rtlCol="0">
-            <a:spAutoFit/>
-          </a:bodyPr>
-          <a:lstStyle/>
-          <a:p>
-            <a:pPr marL="285750" indent="-285750">
-              <a:buFontTx/>
-              <a:buChar char="-"/>
-            </a:pPr>
-            <a:r>
-              <a:rPr lang="ko-KR" altLang="en-US" sz="1400" dirty="0" smtClean="0"/>
-              <a:t>클라이언트 단에서의 기능구현</a:t>
-            </a:r>
-            <a:endParaRPr lang="en-US" altLang="ko-KR" sz="1400" dirty="0" smtClean="0"/>
-          </a:p>
-        </p:txBody>
-      </p:sp>
-      <p:pic>
-        <p:nvPicPr>
-          <p:cNvPr id="27" name="그림 26"/>
-          <p:cNvPicPr>
-            <a:picLocks noChangeAspect="1"/>
-          </p:cNvPicPr>
-          <p:nvPr/>
-        </p:nvPicPr>
-        <p:blipFill>
-          <a:blip r:embed="rId3" cstate="print">
-            <a:extLst>
-              <a:ext uri="{28A0092B-C50C-407E-A947-70E740481C1C}">
-                <a14:useLocalDpi xmlns:a14="http://schemas.microsoft.com/office/drawing/2010/main" val="0"/>
-              </a:ext>
-            </a:extLst>
-          </a:blip>
-          <a:stretch>
-            <a:fillRect/>
-          </a:stretch>
-        </p:blipFill>
-        <p:spPr>
-          <a:xfrm rot="16200000">
-            <a:off x="1092169" y="3867093"/>
-            <a:ext cx="2079727" cy="2654970"/>
-          </a:xfrm>
-          <a:prstGeom prst="rect">
-            <a:avLst/>
-          </a:prstGeom>
-        </p:spPr>
-      </p:pic>
+            <a:endParaRPr lang="ko-KR" altLang="en-US" sz="8800" b="1" dirty="0">
+              <a:solidFill>
+                <a:schemeClr val="bg1">
+                  <a:lumMod val="85000"/>
+                </a:schemeClr>
+              </a:solidFill>
+              <a:latin typeface="HY동녘B" panose="02030600000101010101" pitchFamily="18" charset="-127"/>
+              <a:ea typeface="HY동녘B" panose="02030600000101010101" pitchFamily="18" charset="-127"/>
+            </a:endParaRPr>
+          </a:p>
+        </p:txBody>
+      </p:sp>
     </p:spTree>
     <p:extLst>
       <p:ext uri="{BB962C8B-B14F-4D97-AF65-F5344CB8AC3E}">
-        <p14:creationId xmlns:p14="http://schemas.microsoft.com/office/powerpoint/2010/main" val="3602559128"/>
-      </p:ext>
-    </p:extLst>
-  </p:cSld>
-  <p:clrMapOvr>
-    <a:masterClrMapping/>
-  </p:clrMapOvr>
-  <p:timing>
-    <p:tnLst>
-      <p:par>
-        <p:cTn id="1" dur="indefinite" restart="never" nodeType="tmRoot"/>
-      </p:par>
-    </p:tnLst>
-  </p:timing>
-</p:sld>
-</file>
-
-<file path=ppt/slides/slide25.xml><?xml version="1.0" encoding="utf-8"?>
-<p:sld xmlns:a="http://schemas.openxmlformats.org/drawingml/2006/main" xmlns:r="http://schemas.openxmlformats.org/officeDocument/2006/relationships" xmlns:p="http://schemas.openxmlformats.org/presentationml/2006/main" showMasterSp="0">
-  <p:cSld>
-    <p:spTree>
-      <p:nvGrpSpPr>
-        <p:cNvPr id="1" name=""/>
-        <p:cNvGrpSpPr/>
-        <p:nvPr/>
-      </p:nvGrpSpPr>
-      <p:grpSpPr>
-        <a:xfrm>
-          <a:off x="0" y="0"/>
-          <a:ext cx="0" cy="0"/>
-          <a:chOff x="0" y="0"/>
-          <a:chExt cx="0" cy="0"/>
-        </a:xfrm>
-      </p:grpSpPr>
-      <p:pic>
-        <p:nvPicPr>
-          <p:cNvPr id="6" name="그림 5"/>
-          <p:cNvPicPr>
-            <a:picLocks noChangeAspect="1"/>
-          </p:cNvPicPr>
-          <p:nvPr/>
-        </p:nvPicPr>
-        <p:blipFill>
-          <a:blip r:embed="rId2" cstate="print">
-            <a:extLst>
-              <a:ext uri="{28A0092B-C50C-407E-A947-70E740481C1C}">
-                <a14:useLocalDpi xmlns:a14="http://schemas.microsoft.com/office/drawing/2010/main" val="0"/>
-              </a:ext>
-            </a:extLst>
-          </a:blip>
-          <a:stretch>
-            <a:fillRect/>
-          </a:stretch>
-        </p:blipFill>
-        <p:spPr>
-          <a:xfrm rot="16200000">
-            <a:off x="1086464" y="3873841"/>
-            <a:ext cx="2057929" cy="2627143"/>
-          </a:xfrm>
-          <a:prstGeom prst="rect">
-            <a:avLst/>
-          </a:prstGeom>
-        </p:spPr>
-      </p:pic>
-      <p:sp>
-        <p:nvSpPr>
-          <p:cNvPr id="79" name="object 10"/>
-          <p:cNvSpPr/>
-          <p:nvPr/>
-        </p:nvSpPr>
-        <p:spPr>
-          <a:xfrm>
-            <a:off x="0" y="0"/>
-            <a:ext cx="3060065" cy="86995"/>
-          </a:xfrm>
-          <a:custGeom>
-            <a:avLst/>
-            <a:gdLst/>
-            <a:ahLst/>
-            <a:cxnLst/>
-            <a:rect l="l" t="t" r="r" b="b"/>
-            <a:pathLst>
-              <a:path w="3060065" h="86995">
-                <a:moveTo>
-                  <a:pt x="0" y="86409"/>
-                </a:moveTo>
-                <a:lnTo>
-                  <a:pt x="3059938" y="86409"/>
-                </a:lnTo>
-                <a:lnTo>
-                  <a:pt x="3059938" y="0"/>
-                </a:lnTo>
-                <a:lnTo>
-                  <a:pt x="0" y="0"/>
-                </a:lnTo>
-                <a:lnTo>
-                  <a:pt x="0" y="86409"/>
-                </a:lnTo>
-                <a:close/>
-              </a:path>
-            </a:pathLst>
-          </a:custGeom>
-          <a:solidFill>
-            <a:schemeClr val="tx1">
-              <a:lumMod val="75000"/>
-              <a:lumOff val="25000"/>
-            </a:schemeClr>
-          </a:solidFill>
-        </p:spPr>
-        <p:txBody>
-          <a:bodyPr wrap="square" lIns="0" tIns="0" rIns="0" bIns="0" rtlCol="0"/>
-          <a:lstStyle/>
-          <a:p>
-            <a:endParaRPr/>
-          </a:p>
-        </p:txBody>
-      </p:sp>
-      <p:sp>
-        <p:nvSpPr>
-          <p:cNvPr id="80" name="object 11"/>
-          <p:cNvSpPr/>
-          <p:nvPr/>
-        </p:nvSpPr>
-        <p:spPr>
-          <a:xfrm>
-            <a:off x="3042030" y="0"/>
-            <a:ext cx="3060065" cy="86995"/>
-          </a:xfrm>
-          <a:custGeom>
-            <a:avLst/>
-            <a:gdLst/>
-            <a:ahLst/>
-            <a:cxnLst/>
-            <a:rect l="l" t="t" r="r" b="b"/>
-            <a:pathLst>
-              <a:path w="3060065" h="86995">
-                <a:moveTo>
-                  <a:pt x="0" y="86409"/>
-                </a:moveTo>
-                <a:lnTo>
-                  <a:pt x="3059938" y="86409"/>
-                </a:lnTo>
-                <a:lnTo>
-                  <a:pt x="3059938" y="0"/>
-                </a:lnTo>
-                <a:lnTo>
-                  <a:pt x="0" y="0"/>
-                </a:lnTo>
-                <a:lnTo>
-                  <a:pt x="0" y="86409"/>
-                </a:lnTo>
-                <a:close/>
-              </a:path>
-            </a:pathLst>
-          </a:custGeom>
-          <a:solidFill>
-            <a:schemeClr val="tx1">
-              <a:lumMod val="50000"/>
-              <a:lumOff val="50000"/>
-            </a:schemeClr>
-          </a:solidFill>
-        </p:spPr>
-        <p:txBody>
-          <a:bodyPr wrap="square" lIns="0" tIns="0" rIns="0" bIns="0" rtlCol="0"/>
-          <a:lstStyle/>
-          <a:p>
-            <a:endParaRPr/>
-          </a:p>
-        </p:txBody>
-      </p:sp>
-      <p:sp>
-        <p:nvSpPr>
-          <p:cNvPr id="81" name="object 12"/>
-          <p:cNvSpPr/>
-          <p:nvPr/>
-        </p:nvSpPr>
-        <p:spPr>
-          <a:xfrm>
-            <a:off x="6084061" y="0"/>
-            <a:ext cx="3060065" cy="86995"/>
-          </a:xfrm>
-          <a:custGeom>
-            <a:avLst/>
-            <a:gdLst/>
-            <a:ahLst/>
-            <a:cxnLst/>
-            <a:rect l="l" t="t" r="r" b="b"/>
-            <a:pathLst>
-              <a:path w="3060065" h="86995">
-                <a:moveTo>
-                  <a:pt x="0" y="86409"/>
-                </a:moveTo>
-                <a:lnTo>
-                  <a:pt x="3059938" y="86409"/>
-                </a:lnTo>
-                <a:lnTo>
-                  <a:pt x="3059938" y="0"/>
-                </a:lnTo>
-                <a:lnTo>
-                  <a:pt x="0" y="0"/>
-                </a:lnTo>
-                <a:lnTo>
-                  <a:pt x="0" y="86409"/>
-                </a:lnTo>
-                <a:close/>
-              </a:path>
-            </a:pathLst>
-          </a:custGeom>
-          <a:solidFill>
-            <a:schemeClr val="bg1">
-              <a:lumMod val="75000"/>
-            </a:schemeClr>
-          </a:solidFill>
-        </p:spPr>
-        <p:txBody>
-          <a:bodyPr wrap="square" lIns="0" tIns="0" rIns="0" bIns="0" rtlCol="0"/>
-          <a:lstStyle/>
-          <a:p>
-            <a:endParaRPr/>
-          </a:p>
-        </p:txBody>
-      </p:sp>
-      <p:sp>
-        <p:nvSpPr>
-          <p:cNvPr id="82" name="object 6"/>
-          <p:cNvSpPr/>
-          <p:nvPr/>
-        </p:nvSpPr>
-        <p:spPr>
-          <a:xfrm>
-            <a:off x="233907" y="250761"/>
-            <a:ext cx="0" cy="417195"/>
-          </a:xfrm>
-          <a:custGeom>
-            <a:avLst/>
-            <a:gdLst/>
-            <a:ahLst/>
-            <a:cxnLst/>
-            <a:rect l="l" t="t" r="r" b="b"/>
-            <a:pathLst>
-              <a:path h="417195">
-                <a:moveTo>
-                  <a:pt x="0" y="0"/>
-                </a:moveTo>
-                <a:lnTo>
-                  <a:pt x="0" y="416750"/>
-                </a:lnTo>
-              </a:path>
-            </a:pathLst>
-          </a:custGeom>
-          <a:ln w="39927">
-            <a:solidFill>
-              <a:schemeClr val="tx1">
-                <a:lumMod val="50000"/>
-                <a:lumOff val="50000"/>
-              </a:schemeClr>
-            </a:solidFill>
-          </a:ln>
-        </p:spPr>
-        <p:txBody>
-          <a:bodyPr wrap="square" lIns="0" tIns="0" rIns="0" bIns="0" rtlCol="0"/>
-          <a:lstStyle/>
-          <a:p>
-            <a:endParaRPr/>
-          </a:p>
-        </p:txBody>
-      </p:sp>
-      <p:sp>
-        <p:nvSpPr>
-          <p:cNvPr id="95" name="TextBox 94"/>
-          <p:cNvSpPr txBox="1"/>
-          <p:nvPr/>
-        </p:nvSpPr>
-        <p:spPr>
-          <a:xfrm>
-            <a:off x="233907" y="198597"/>
-            <a:ext cx="3886200" cy="369332"/>
-          </a:xfrm>
-          <a:prstGeom prst="rect">
-            <a:avLst/>
-          </a:prstGeom>
-          <a:noFill/>
-        </p:spPr>
-        <p:txBody>
-          <a:bodyPr wrap="square" rtlCol="0">
-            <a:spAutoFit/>
-          </a:bodyPr>
-          <a:lstStyle/>
-          <a:p>
-            <a:r>
-              <a:rPr lang="ko-KR" altLang="en-US" dirty="0">
-                <a:latin typeface="HY견고딕" panose="02030600000101010101" pitchFamily="18" charset="-127"/>
-                <a:ea typeface="HY견고딕" panose="02030600000101010101" pitchFamily="18" charset="-127"/>
-              </a:rPr>
-              <a:t>회의 모습</a:t>
-            </a:r>
-            <a:r>
-              <a:rPr lang="en-US" altLang="ko-KR" dirty="0">
-                <a:latin typeface="HY견고딕" panose="02030600000101010101" pitchFamily="18" charset="-127"/>
-                <a:ea typeface="HY견고딕" panose="02030600000101010101" pitchFamily="18" charset="-127"/>
-              </a:rPr>
-              <a:t>(</a:t>
-            </a:r>
-            <a:r>
-              <a:rPr lang="ko-KR" altLang="en-US" dirty="0">
-                <a:latin typeface="HY견고딕" panose="02030600000101010101" pitchFamily="18" charset="-127"/>
-                <a:ea typeface="HY견고딕" panose="02030600000101010101" pitchFamily="18" charset="-127"/>
-              </a:rPr>
-              <a:t>보고서용</a:t>
-            </a:r>
-            <a:r>
-              <a:rPr lang="en-US" altLang="ko-KR" dirty="0">
-                <a:latin typeface="HY견고딕" panose="02030600000101010101" pitchFamily="18" charset="-127"/>
-                <a:ea typeface="HY견고딕" panose="02030600000101010101" pitchFamily="18" charset="-127"/>
-              </a:rPr>
-              <a:t>)</a:t>
-            </a:r>
-            <a:endParaRPr lang="ko-KR" altLang="en-US" dirty="0">
-              <a:latin typeface="HY견고딕" panose="02030600000101010101" pitchFamily="18" charset="-127"/>
-              <a:ea typeface="HY견고딕" panose="02030600000101010101" pitchFamily="18" charset="-127"/>
-            </a:endParaRPr>
-          </a:p>
-        </p:txBody>
-      </p:sp>
-      <p:sp>
-        <p:nvSpPr>
-          <p:cNvPr id="96" name="TextBox 95"/>
-          <p:cNvSpPr txBox="1"/>
-          <p:nvPr/>
-        </p:nvSpPr>
-        <p:spPr>
-          <a:xfrm>
-            <a:off x="244067" y="529456"/>
-            <a:ext cx="3184933" cy="276999"/>
-          </a:xfrm>
-          <a:prstGeom prst="rect">
-            <a:avLst/>
-          </a:prstGeom>
-          <a:noFill/>
-        </p:spPr>
-        <p:txBody>
-          <a:bodyPr wrap="square" rtlCol="0">
-            <a:spAutoFit/>
-          </a:bodyPr>
-          <a:lstStyle/>
-          <a:p>
-            <a:r>
-              <a:rPr lang="ko-KR" altLang="en-US" sz="1200" dirty="0" smtClean="0">
-                <a:solidFill>
-                  <a:schemeClr val="tx1">
-                    <a:lumMod val="50000"/>
-                    <a:lumOff val="50000"/>
-                  </a:schemeClr>
-                </a:solidFill>
-                <a:latin typeface="HY견고딕" panose="02030600000101010101" pitchFamily="18" charset="-127"/>
-                <a:ea typeface="HY견고딕" panose="02030600000101010101" pitchFamily="18" charset="-127"/>
-              </a:rPr>
-              <a:t>회의록</a:t>
-            </a:r>
-            <a:r>
-              <a:rPr lang="en-US" altLang="ko-KR" sz="1200" dirty="0" smtClean="0">
-                <a:solidFill>
-                  <a:schemeClr val="tx1">
-                    <a:lumMod val="50000"/>
-                    <a:lumOff val="50000"/>
-                  </a:schemeClr>
-                </a:solidFill>
-                <a:latin typeface="HY견고딕" panose="02030600000101010101" pitchFamily="18" charset="-127"/>
-                <a:ea typeface="HY견고딕" panose="02030600000101010101" pitchFamily="18" charset="-127"/>
-              </a:rPr>
-              <a:t>, </a:t>
-            </a:r>
-            <a:r>
-              <a:rPr lang="ko-KR" altLang="en-US" sz="1200" dirty="0" smtClean="0">
-                <a:solidFill>
-                  <a:schemeClr val="tx1">
-                    <a:lumMod val="50000"/>
-                    <a:lumOff val="50000"/>
-                  </a:schemeClr>
-                </a:solidFill>
-                <a:latin typeface="HY견고딕" panose="02030600000101010101" pitchFamily="18" charset="-127"/>
-                <a:ea typeface="HY견고딕" panose="02030600000101010101" pitchFamily="18" charset="-127"/>
-              </a:rPr>
-              <a:t>회의 사진</a:t>
-            </a:r>
-            <a:endParaRPr lang="ko-KR" altLang="en-US" sz="1200" dirty="0">
-              <a:solidFill>
-                <a:schemeClr val="tx1">
-                  <a:lumMod val="50000"/>
-                  <a:lumOff val="50000"/>
-                </a:schemeClr>
-              </a:solidFill>
-              <a:latin typeface="HY견고딕" panose="02030600000101010101" pitchFamily="18" charset="-127"/>
-              <a:ea typeface="HY견고딕" panose="02030600000101010101" pitchFamily="18" charset="-127"/>
-            </a:endParaRPr>
-          </a:p>
-        </p:txBody>
-      </p:sp>
-      <p:grpSp>
-        <p:nvGrpSpPr>
-          <p:cNvPr id="4" name="그룹 3"/>
-          <p:cNvGrpSpPr/>
-          <p:nvPr/>
-        </p:nvGrpSpPr>
-        <p:grpSpPr>
-          <a:xfrm>
-            <a:off x="262107" y="1137314"/>
-            <a:ext cx="3877894" cy="2466008"/>
-            <a:chOff x="262107" y="1137314"/>
-            <a:chExt cx="3589893" cy="2466008"/>
-          </a:xfrm>
-        </p:grpSpPr>
-        <p:sp>
-          <p:nvSpPr>
-            <p:cNvPr id="18" name="직사각형 17">
-              <a:extLst>
-                <a:ext uri="{FF2B5EF4-FFF2-40B4-BE49-F238E27FC236}">
-                  <a16:creationId xmlns:a16="http://schemas.microsoft.com/office/drawing/2014/main" xmlns="" id="{DFA00BE3-81FE-4FF2-86E9-DCF50AC1E47F}"/>
-                </a:ext>
-              </a:extLst>
-            </p:cNvPr>
-            <p:cNvSpPr/>
-            <p:nvPr/>
-          </p:nvSpPr>
-          <p:spPr>
-            <a:xfrm>
-              <a:off x="262107" y="1269000"/>
-              <a:ext cx="3589893" cy="2334322"/>
-            </a:xfrm>
-            <a:prstGeom prst="rect">
-              <a:avLst/>
-            </a:prstGeom>
-            <a:noFill/>
-            <a:ln w="12700">
-              <a:solidFill>
-                <a:schemeClr val="tx1"/>
-              </a:solidFill>
-            </a:ln>
-          </p:spPr>
-          <p:style>
-            <a:lnRef idx="2">
-              <a:schemeClr val="accent1">
-                <a:shade val="50000"/>
-              </a:schemeClr>
-            </a:lnRef>
-            <a:fillRef idx="1">
-              <a:schemeClr val="accent1"/>
-            </a:fillRef>
-            <a:effectRef idx="0">
-              <a:schemeClr val="accent1"/>
-            </a:effectRef>
-            <a:fontRef idx="minor">
-              <a:schemeClr val="lt1"/>
-            </a:fontRef>
-          </p:style>
-          <p:txBody>
-            <a:bodyPr rtlCol="0" anchor="ctr"/>
-            <a:lstStyle/>
-            <a:p>
-              <a:pPr algn="ctr"/>
-              <a:endParaRPr lang="ko-KR" altLang="en-US"/>
-            </a:p>
-          </p:txBody>
-        </p:sp>
-        <p:sp>
-          <p:nvSpPr>
-            <p:cNvPr id="2" name="모서리가 둥근 직사각형 1"/>
-            <p:cNvSpPr/>
-            <p:nvPr/>
-          </p:nvSpPr>
-          <p:spPr>
-            <a:xfrm>
-              <a:off x="1456342" y="1137314"/>
-              <a:ext cx="1156900" cy="237165"/>
-            </a:xfrm>
-            <a:prstGeom prst="roundRect">
-              <a:avLst/>
-            </a:prstGeom>
-            <a:solidFill>
-              <a:schemeClr val="bg1">
-                <a:lumMod val="50000"/>
-              </a:schemeClr>
-            </a:solidFill>
-            <a:ln>
-              <a:solidFill>
-                <a:schemeClr val="tx1"/>
-              </a:solidFill>
-            </a:ln>
-          </p:spPr>
-          <p:style>
-            <a:lnRef idx="2">
-              <a:schemeClr val="accent1">
-                <a:shade val="50000"/>
-              </a:schemeClr>
-            </a:lnRef>
-            <a:fillRef idx="1">
-              <a:schemeClr val="accent1"/>
-            </a:fillRef>
-            <a:effectRef idx="0">
-              <a:schemeClr val="accent1"/>
-            </a:effectRef>
-            <a:fontRef idx="minor">
-              <a:schemeClr val="lt1"/>
-            </a:fontRef>
-          </p:style>
-          <p:txBody>
-            <a:bodyPr rtlCol="0" anchor="ctr"/>
-            <a:lstStyle/>
-            <a:p>
-              <a:pPr algn="ctr"/>
-              <a:r>
-                <a:rPr lang="ko-KR" altLang="en-US" sz="1600" dirty="0" smtClean="0">
-                  <a:latin typeface="HY견고딕" panose="02030600000101010101" pitchFamily="18" charset="-127"/>
-                  <a:ea typeface="HY견고딕" panose="02030600000101010101" pitchFamily="18" charset="-127"/>
-                </a:rPr>
-                <a:t>회의 사진</a:t>
-              </a:r>
-              <a:endParaRPr lang="ko-KR" altLang="en-US" sz="1600" dirty="0">
-                <a:latin typeface="HY견고딕" panose="02030600000101010101" pitchFamily="18" charset="-127"/>
-                <a:ea typeface="HY견고딕" panose="02030600000101010101" pitchFamily="18" charset="-127"/>
-              </a:endParaRPr>
-            </a:p>
-          </p:txBody>
-        </p:sp>
-      </p:grpSp>
-      <p:grpSp>
-        <p:nvGrpSpPr>
-          <p:cNvPr id="3" name="그룹 2"/>
-          <p:cNvGrpSpPr/>
-          <p:nvPr/>
-        </p:nvGrpSpPr>
-        <p:grpSpPr>
-          <a:xfrm>
-            <a:off x="5004000" y="1080872"/>
-            <a:ext cx="3877893" cy="5228128"/>
-            <a:chOff x="5292000" y="1080872"/>
-            <a:chExt cx="3589893" cy="5228128"/>
-          </a:xfrm>
-        </p:grpSpPr>
-        <p:sp>
-          <p:nvSpPr>
-            <p:cNvPr id="32" name="직사각형 31">
-              <a:extLst>
-                <a:ext uri="{FF2B5EF4-FFF2-40B4-BE49-F238E27FC236}">
-                  <a16:creationId xmlns:a16="http://schemas.microsoft.com/office/drawing/2014/main" xmlns="" id="{DFA00BE3-81FE-4FF2-86E9-DCF50AC1E47F}"/>
-                </a:ext>
-              </a:extLst>
-            </p:cNvPr>
-            <p:cNvSpPr/>
-            <p:nvPr/>
-          </p:nvSpPr>
-          <p:spPr>
-            <a:xfrm>
-              <a:off x="5292000" y="1269000"/>
-              <a:ext cx="3589893" cy="5040000"/>
-            </a:xfrm>
-            <a:prstGeom prst="rect">
-              <a:avLst/>
-            </a:prstGeom>
-            <a:noFill/>
-            <a:ln w="15875">
-              <a:solidFill>
-                <a:schemeClr val="tx1"/>
-              </a:solidFill>
-            </a:ln>
-          </p:spPr>
-          <p:style>
-            <a:lnRef idx="2">
-              <a:schemeClr val="accent1">
-                <a:shade val="50000"/>
-              </a:schemeClr>
-            </a:lnRef>
-            <a:fillRef idx="1">
-              <a:schemeClr val="accent1"/>
-            </a:fillRef>
-            <a:effectRef idx="0">
-              <a:schemeClr val="accent1"/>
-            </a:effectRef>
-            <a:fontRef idx="minor">
-              <a:schemeClr val="lt1"/>
-            </a:fontRef>
-          </p:style>
-          <p:txBody>
-            <a:bodyPr rtlCol="0" anchor="ctr"/>
-            <a:lstStyle/>
-            <a:p>
-              <a:pPr algn="ctr"/>
-              <a:endParaRPr lang="ko-KR" altLang="en-US"/>
-            </a:p>
-          </p:txBody>
-        </p:sp>
-        <p:sp>
-          <p:nvSpPr>
-            <p:cNvPr id="33" name="모서리가 둥근 직사각형 32"/>
-            <p:cNvSpPr/>
-            <p:nvPr/>
-          </p:nvSpPr>
-          <p:spPr>
-            <a:xfrm>
-              <a:off x="6225472" y="1080872"/>
-              <a:ext cx="1722947" cy="426654"/>
-            </a:xfrm>
-            <a:prstGeom prst="roundRect">
-              <a:avLst/>
-            </a:prstGeom>
-            <a:solidFill>
-              <a:schemeClr val="bg1">
-                <a:lumMod val="50000"/>
-              </a:schemeClr>
-            </a:solidFill>
-            <a:ln>
-              <a:solidFill>
-                <a:schemeClr val="tx1"/>
-              </a:solidFill>
-            </a:ln>
-          </p:spPr>
-          <p:style>
-            <a:lnRef idx="2">
-              <a:schemeClr val="accent1">
-                <a:shade val="50000"/>
-              </a:schemeClr>
-            </a:lnRef>
-            <a:fillRef idx="1">
-              <a:schemeClr val="accent1"/>
-            </a:fillRef>
-            <a:effectRef idx="0">
-              <a:schemeClr val="accent1"/>
-            </a:effectRef>
-            <a:fontRef idx="minor">
-              <a:schemeClr val="lt1"/>
-            </a:fontRef>
-          </p:style>
-          <p:txBody>
-            <a:bodyPr rtlCol="0" anchor="ctr"/>
-            <a:lstStyle/>
-            <a:p>
-              <a:pPr algn="ctr"/>
-              <a:r>
-                <a:rPr lang="ko-KR" altLang="en-US" sz="2000" dirty="0" smtClean="0">
-                  <a:latin typeface="HY견고딕" panose="02030600000101010101" pitchFamily="18" charset="-127"/>
-                  <a:ea typeface="HY견고딕" panose="02030600000101010101" pitchFamily="18" charset="-127"/>
-                </a:rPr>
-                <a:t>회의내용</a:t>
-              </a:r>
-              <a:endParaRPr lang="ko-KR" altLang="en-US" sz="2000" dirty="0">
-                <a:latin typeface="HY견고딕" panose="02030600000101010101" pitchFamily="18" charset="-127"/>
-                <a:ea typeface="HY견고딕" panose="02030600000101010101" pitchFamily="18" charset="-127"/>
-              </a:endParaRPr>
-            </a:p>
-          </p:txBody>
-        </p:sp>
-      </p:grpSp>
-      <p:grpSp>
-        <p:nvGrpSpPr>
-          <p:cNvPr id="24" name="그룹 23"/>
-          <p:cNvGrpSpPr/>
-          <p:nvPr/>
-        </p:nvGrpSpPr>
-        <p:grpSpPr>
-          <a:xfrm>
-            <a:off x="252067" y="3842992"/>
-            <a:ext cx="3877894" cy="2466008"/>
-            <a:chOff x="262107" y="1137314"/>
-            <a:chExt cx="3589893" cy="2466008"/>
-          </a:xfrm>
-        </p:grpSpPr>
-        <p:sp>
-          <p:nvSpPr>
-            <p:cNvPr id="25" name="직사각형 24">
-              <a:extLst>
-                <a:ext uri="{FF2B5EF4-FFF2-40B4-BE49-F238E27FC236}">
-                  <a16:creationId xmlns:a16="http://schemas.microsoft.com/office/drawing/2014/main" xmlns="" id="{DFA00BE3-81FE-4FF2-86E9-DCF50AC1E47F}"/>
-                </a:ext>
-              </a:extLst>
-            </p:cNvPr>
-            <p:cNvSpPr/>
-            <p:nvPr/>
-          </p:nvSpPr>
-          <p:spPr>
-            <a:xfrm>
-              <a:off x="262107" y="1269000"/>
-              <a:ext cx="3589893" cy="2334322"/>
-            </a:xfrm>
-            <a:prstGeom prst="rect">
-              <a:avLst/>
-            </a:prstGeom>
-            <a:noFill/>
-            <a:ln w="12700">
-              <a:solidFill>
-                <a:schemeClr val="tx1"/>
-              </a:solidFill>
-            </a:ln>
-          </p:spPr>
-          <p:style>
-            <a:lnRef idx="2">
-              <a:schemeClr val="accent1">
-                <a:shade val="50000"/>
-              </a:schemeClr>
-            </a:lnRef>
-            <a:fillRef idx="1">
-              <a:schemeClr val="accent1"/>
-            </a:fillRef>
-            <a:effectRef idx="0">
-              <a:schemeClr val="accent1"/>
-            </a:effectRef>
-            <a:fontRef idx="minor">
-              <a:schemeClr val="lt1"/>
-            </a:fontRef>
-          </p:style>
-          <p:txBody>
-            <a:bodyPr rtlCol="0" anchor="ctr"/>
-            <a:lstStyle/>
-            <a:p>
-              <a:pPr algn="ctr"/>
-              <a:endParaRPr lang="ko-KR" altLang="en-US"/>
-            </a:p>
-          </p:txBody>
-        </p:sp>
-        <p:sp>
-          <p:nvSpPr>
-            <p:cNvPr id="26" name="모서리가 둥근 직사각형 25"/>
-            <p:cNvSpPr/>
-            <p:nvPr/>
-          </p:nvSpPr>
-          <p:spPr>
-            <a:xfrm>
-              <a:off x="1456342" y="1137314"/>
-              <a:ext cx="1156900" cy="237165"/>
-            </a:xfrm>
-            <a:prstGeom prst="roundRect">
-              <a:avLst/>
-            </a:prstGeom>
-            <a:solidFill>
-              <a:schemeClr val="bg1">
-                <a:lumMod val="50000"/>
-              </a:schemeClr>
-            </a:solidFill>
-            <a:ln>
-              <a:solidFill>
-                <a:schemeClr val="tx1"/>
-              </a:solidFill>
-            </a:ln>
-          </p:spPr>
-          <p:style>
-            <a:lnRef idx="2">
-              <a:schemeClr val="accent1">
-                <a:shade val="50000"/>
-              </a:schemeClr>
-            </a:lnRef>
-            <a:fillRef idx="1">
-              <a:schemeClr val="accent1"/>
-            </a:fillRef>
-            <a:effectRef idx="0">
-              <a:schemeClr val="accent1"/>
-            </a:effectRef>
-            <a:fontRef idx="minor">
-              <a:schemeClr val="lt1"/>
-            </a:fontRef>
-          </p:style>
-          <p:txBody>
-            <a:bodyPr rtlCol="0" anchor="ctr"/>
-            <a:lstStyle/>
-            <a:p>
-              <a:pPr algn="ctr"/>
-              <a:r>
-                <a:rPr lang="ko-KR" altLang="en-US" sz="1600" dirty="0" smtClean="0">
-                  <a:latin typeface="HY견고딕" panose="02030600000101010101" pitchFamily="18" charset="-127"/>
-                  <a:ea typeface="HY견고딕" panose="02030600000101010101" pitchFamily="18" charset="-127"/>
-                </a:rPr>
-                <a:t>회의록</a:t>
-              </a:r>
-              <a:endParaRPr lang="ko-KR" altLang="en-US" sz="1600" dirty="0">
-                <a:latin typeface="HY견고딕" panose="02030600000101010101" pitchFamily="18" charset="-127"/>
-                <a:ea typeface="HY견고딕" panose="02030600000101010101" pitchFamily="18" charset="-127"/>
-              </a:endParaRPr>
-            </a:p>
-          </p:txBody>
-        </p:sp>
-      </p:grpSp>
-      <p:sp>
-        <p:nvSpPr>
-          <p:cNvPr id="5" name="TextBox 4"/>
-          <p:cNvSpPr txBox="1"/>
-          <p:nvPr/>
-        </p:nvSpPr>
-        <p:spPr>
-          <a:xfrm>
-            <a:off x="5085871" y="1704483"/>
-            <a:ext cx="2045753" cy="369332"/>
-          </a:xfrm>
-          <a:prstGeom prst="rect">
-            <a:avLst/>
-          </a:prstGeom>
-          <a:noFill/>
-        </p:spPr>
-        <p:txBody>
-          <a:bodyPr wrap="none" rtlCol="0">
-            <a:spAutoFit/>
-          </a:bodyPr>
-          <a:lstStyle/>
-          <a:p>
-            <a:r>
-              <a:rPr lang="ko-KR" altLang="en-US" dirty="0" smtClean="0"/>
-              <a:t>주제 및 구현 논의</a:t>
-            </a:r>
-            <a:endParaRPr lang="ko-KR" altLang="en-US" dirty="0"/>
-          </a:p>
-        </p:txBody>
-      </p:sp>
-      <p:sp>
-        <p:nvSpPr>
-          <p:cNvPr id="20" name="TextBox 19"/>
-          <p:cNvSpPr txBox="1"/>
-          <p:nvPr/>
-        </p:nvSpPr>
-        <p:spPr>
-          <a:xfrm>
-            <a:off x="5085871" y="2139160"/>
-            <a:ext cx="1324402" cy="307777"/>
-          </a:xfrm>
-          <a:prstGeom prst="rect">
-            <a:avLst/>
-          </a:prstGeom>
-          <a:noFill/>
-        </p:spPr>
-        <p:txBody>
-          <a:bodyPr wrap="none" rtlCol="0">
-            <a:spAutoFit/>
-          </a:bodyPr>
-          <a:lstStyle/>
-          <a:p>
-            <a:r>
-              <a:rPr lang="ko-KR" altLang="en-US" sz="1400" dirty="0" smtClean="0"/>
-              <a:t>주제의 문제점</a:t>
-            </a:r>
-            <a:endParaRPr lang="ko-KR" altLang="en-US" sz="1400" dirty="0"/>
-          </a:p>
-        </p:txBody>
-      </p:sp>
-      <p:sp>
-        <p:nvSpPr>
-          <p:cNvPr id="21" name="TextBox 20"/>
-          <p:cNvSpPr txBox="1"/>
-          <p:nvPr/>
-        </p:nvSpPr>
-        <p:spPr>
-          <a:xfrm>
-            <a:off x="5104896" y="2524485"/>
-            <a:ext cx="2940228" cy="307777"/>
-          </a:xfrm>
-          <a:prstGeom prst="rect">
-            <a:avLst/>
-          </a:prstGeom>
-          <a:noFill/>
-        </p:spPr>
-        <p:txBody>
-          <a:bodyPr wrap="none" rtlCol="0">
-            <a:spAutoFit/>
-          </a:bodyPr>
-          <a:lstStyle/>
-          <a:p>
-            <a:pPr marL="285750" indent="-285750">
-              <a:buFontTx/>
-              <a:buChar char="-"/>
-            </a:pPr>
-            <a:r>
-              <a:rPr lang="ko-KR" altLang="en-US" sz="1400" dirty="0" smtClean="0"/>
-              <a:t>너무 흔하고 뻔한 것 같음 인지</a:t>
-            </a:r>
-            <a:endParaRPr lang="en-US" altLang="ko-KR" sz="1400" dirty="0" smtClean="0"/>
-          </a:p>
-        </p:txBody>
-      </p:sp>
-      <p:sp>
-        <p:nvSpPr>
-          <p:cNvPr id="22" name="TextBox 21"/>
-          <p:cNvSpPr txBox="1"/>
-          <p:nvPr/>
-        </p:nvSpPr>
-        <p:spPr>
-          <a:xfrm>
-            <a:off x="5104896" y="2866501"/>
-            <a:ext cx="3339376" cy="523220"/>
-          </a:xfrm>
-          <a:prstGeom prst="rect">
-            <a:avLst/>
-          </a:prstGeom>
-          <a:noFill/>
-        </p:spPr>
-        <p:txBody>
-          <a:bodyPr wrap="none" rtlCol="0">
-            <a:spAutoFit/>
-          </a:bodyPr>
-          <a:lstStyle/>
-          <a:p>
-            <a:pPr marL="285750" indent="-285750">
-              <a:buFontTx/>
-              <a:buChar char="-"/>
-            </a:pPr>
-            <a:r>
-              <a:rPr lang="ko-KR" altLang="en-US" sz="1400" dirty="0" smtClean="0"/>
-              <a:t>차별화 되고</a:t>
-            </a:r>
-            <a:r>
-              <a:rPr lang="en-US" altLang="ko-KR" sz="1400" dirty="0" smtClean="0"/>
-              <a:t>, </a:t>
-            </a:r>
-            <a:r>
-              <a:rPr lang="ko-KR" altLang="en-US" sz="1400" dirty="0" smtClean="0"/>
-              <a:t>좀더 실생활에 근접한 </a:t>
-            </a:r>
-            <a:endParaRPr lang="en-US" altLang="ko-KR" sz="1400" dirty="0" smtClean="0"/>
-          </a:p>
-          <a:p>
-            <a:r>
-              <a:rPr lang="en-US" altLang="ko-KR" sz="1400" dirty="0"/>
-              <a:t> </a:t>
-            </a:r>
-            <a:r>
-              <a:rPr lang="en-US" altLang="ko-KR" sz="1400" dirty="0" smtClean="0"/>
-              <a:t>   </a:t>
-            </a:r>
-            <a:r>
-              <a:rPr lang="ko-KR" altLang="en-US" sz="1400" dirty="0" smtClean="0"/>
-              <a:t>문제 접근</a:t>
-            </a:r>
-            <a:endParaRPr lang="en-US" altLang="ko-KR" sz="1400" dirty="0" smtClean="0"/>
-          </a:p>
-        </p:txBody>
-      </p:sp>
-      <p:sp>
-        <p:nvSpPr>
-          <p:cNvPr id="23" name="TextBox 22"/>
-          <p:cNvSpPr txBox="1"/>
-          <p:nvPr/>
-        </p:nvSpPr>
-        <p:spPr>
-          <a:xfrm>
-            <a:off x="5104896" y="3463896"/>
-            <a:ext cx="2050561" cy="307777"/>
-          </a:xfrm>
-          <a:prstGeom prst="rect">
-            <a:avLst/>
-          </a:prstGeom>
-          <a:noFill/>
-        </p:spPr>
-        <p:txBody>
-          <a:bodyPr wrap="none" rtlCol="0">
-            <a:spAutoFit/>
-          </a:bodyPr>
-          <a:lstStyle/>
-          <a:p>
-            <a:r>
-              <a:rPr lang="ko-KR" altLang="en-US" sz="1400" dirty="0" smtClean="0"/>
-              <a:t>주제 논의 및 구현 방향</a:t>
-            </a:r>
-            <a:endParaRPr lang="ko-KR" altLang="en-US" sz="1400" dirty="0"/>
-          </a:p>
-        </p:txBody>
-      </p:sp>
-      <p:sp>
-        <p:nvSpPr>
-          <p:cNvPr id="28" name="TextBox 27"/>
-          <p:cNvSpPr txBox="1"/>
-          <p:nvPr/>
-        </p:nvSpPr>
-        <p:spPr>
-          <a:xfrm>
-            <a:off x="5123921" y="3849221"/>
-            <a:ext cx="2877711" cy="523220"/>
-          </a:xfrm>
-          <a:prstGeom prst="rect">
-            <a:avLst/>
-          </a:prstGeom>
-          <a:noFill/>
-        </p:spPr>
-        <p:txBody>
-          <a:bodyPr wrap="none" rtlCol="0">
-            <a:spAutoFit/>
-          </a:bodyPr>
-          <a:lstStyle/>
-          <a:p>
-            <a:pPr marL="285750" indent="-285750">
-              <a:buFontTx/>
-              <a:buChar char="-"/>
-            </a:pPr>
-            <a:r>
-              <a:rPr lang="ko-KR" altLang="en-US" sz="1400" dirty="0" smtClean="0"/>
-              <a:t>현재 구현된 기능을 살리면서 </a:t>
-            </a:r>
-            <a:endParaRPr lang="en-US" altLang="ko-KR" sz="1400" dirty="0"/>
-          </a:p>
-          <a:p>
-            <a:r>
-              <a:rPr lang="en-US" altLang="ko-KR" sz="1400" dirty="0" smtClean="0"/>
-              <a:t>     </a:t>
-            </a:r>
-            <a:r>
-              <a:rPr lang="ko-KR" altLang="en-US" sz="1400" dirty="0" smtClean="0"/>
-              <a:t>다른 주제로의 접근</a:t>
-            </a:r>
-            <a:endParaRPr lang="ko-KR" altLang="en-US" sz="1400" dirty="0"/>
-          </a:p>
-        </p:txBody>
-      </p:sp>
-      <p:sp>
-        <p:nvSpPr>
-          <p:cNvPr id="29" name="TextBox 28"/>
-          <p:cNvSpPr txBox="1"/>
-          <p:nvPr/>
-        </p:nvSpPr>
-        <p:spPr>
-          <a:xfrm>
-            <a:off x="5123921" y="5478086"/>
-            <a:ext cx="2940228" cy="307777"/>
-          </a:xfrm>
-          <a:prstGeom prst="rect">
-            <a:avLst/>
-          </a:prstGeom>
-          <a:noFill/>
-        </p:spPr>
-        <p:txBody>
-          <a:bodyPr wrap="none" rtlCol="0">
-            <a:spAutoFit/>
-          </a:bodyPr>
-          <a:lstStyle/>
-          <a:p>
-            <a:pPr marL="285750" indent="-285750">
-              <a:buFontTx/>
-              <a:buChar char="-"/>
-            </a:pPr>
-            <a:r>
-              <a:rPr lang="ko-KR" altLang="en-US" sz="1400" dirty="0" smtClean="0"/>
-              <a:t>필요 구현 기능 세분화 및 분담</a:t>
-            </a:r>
-            <a:endParaRPr lang="en-US" altLang="ko-KR" sz="1400" dirty="0" smtClean="0"/>
-          </a:p>
-        </p:txBody>
-      </p:sp>
-      <p:sp>
-        <p:nvSpPr>
-          <p:cNvPr id="30" name="TextBox 29"/>
-          <p:cNvSpPr txBox="1"/>
-          <p:nvPr/>
-        </p:nvSpPr>
-        <p:spPr>
-          <a:xfrm>
-            <a:off x="5104896" y="5042744"/>
-            <a:ext cx="3299301" cy="307777"/>
-          </a:xfrm>
-          <a:prstGeom prst="rect">
-            <a:avLst/>
-          </a:prstGeom>
-          <a:noFill/>
-        </p:spPr>
-        <p:txBody>
-          <a:bodyPr wrap="none" rtlCol="0">
-            <a:spAutoFit/>
-          </a:bodyPr>
-          <a:lstStyle/>
-          <a:p>
-            <a:pPr marL="285750" indent="-285750">
-              <a:buFontTx/>
-              <a:buChar char="-"/>
-            </a:pPr>
-            <a:r>
-              <a:rPr lang="ko-KR" altLang="en-US" sz="1400" dirty="0" smtClean="0"/>
-              <a:t>강의실 대여 안내 시스템 주제 선정</a:t>
-            </a:r>
-            <a:endParaRPr lang="en-US" altLang="ko-KR" sz="1400" dirty="0" smtClean="0"/>
-          </a:p>
-        </p:txBody>
-      </p:sp>
-      <p:sp>
-        <p:nvSpPr>
-          <p:cNvPr id="34" name="TextBox 33"/>
-          <p:cNvSpPr txBox="1"/>
-          <p:nvPr/>
-        </p:nvSpPr>
-        <p:spPr>
-          <a:xfrm>
-            <a:off x="5123921" y="4449989"/>
-            <a:ext cx="3182281" cy="523220"/>
-          </a:xfrm>
-          <a:prstGeom prst="rect">
-            <a:avLst/>
-          </a:prstGeom>
-          <a:noFill/>
-        </p:spPr>
-        <p:txBody>
-          <a:bodyPr wrap="none" rtlCol="0">
-            <a:spAutoFit/>
-          </a:bodyPr>
-          <a:lstStyle/>
-          <a:p>
-            <a:pPr marL="285750" indent="-285750">
-              <a:buFontTx/>
-              <a:buChar char="-"/>
-            </a:pPr>
-            <a:r>
-              <a:rPr lang="ko-KR" altLang="en-US" sz="1400" dirty="0" smtClean="0"/>
-              <a:t>의논 시 강의실 열리는 것에 대한 </a:t>
-            </a:r>
-            <a:endParaRPr lang="en-US" altLang="ko-KR" sz="1400" dirty="0" smtClean="0"/>
-          </a:p>
-          <a:p>
-            <a:r>
-              <a:rPr lang="en-US" altLang="ko-KR" sz="1400" dirty="0"/>
-              <a:t> </a:t>
-            </a:r>
-            <a:r>
-              <a:rPr lang="en-US" altLang="ko-KR" sz="1400" dirty="0" smtClean="0"/>
-              <a:t>   </a:t>
-            </a:r>
-            <a:r>
-              <a:rPr lang="ko-KR" altLang="en-US" sz="1400" dirty="0" smtClean="0"/>
-              <a:t>공통적 불편함 발견</a:t>
-            </a:r>
-            <a:endParaRPr lang="en-US" altLang="ko-KR" sz="1400" dirty="0" smtClean="0"/>
-          </a:p>
-        </p:txBody>
-      </p:sp>
-      <p:pic>
-        <p:nvPicPr>
-          <p:cNvPr id="35" name="Picture 2" descr="C:\Users\basic\Downloads\20181220_165154.jpg"/>
-          <p:cNvPicPr>
-            <a:picLocks noChangeAspect="1" noChangeArrowheads="1"/>
-          </p:cNvPicPr>
-          <p:nvPr/>
-        </p:nvPicPr>
-        <p:blipFill>
-          <a:blip r:embed="rId3" cstate="print">
-            <a:extLst>
-              <a:ext uri="{28A0092B-C50C-407E-A947-70E740481C1C}">
-                <a14:useLocalDpi xmlns:a14="http://schemas.microsoft.com/office/drawing/2010/main" val="0"/>
-              </a:ext>
-            </a:extLst>
-          </a:blip>
-          <a:srcRect/>
-          <a:stretch>
-            <a:fillRect/>
-          </a:stretch>
-        </p:blipFill>
-        <p:spPr bwMode="auto">
-          <a:xfrm>
-            <a:off x="629798" y="1507525"/>
-            <a:ext cx="3142511" cy="1941439"/>
-          </a:xfrm>
-          <a:prstGeom prst="rect">
-            <a:avLst/>
-          </a:prstGeom>
-          <a:noFill/>
-          <a:extLst>
-            <a:ext uri="{909E8E84-426E-40DD-AFC4-6F175D3DCCD1}">
-              <a14:hiddenFill xmlns:a14="http://schemas.microsoft.com/office/drawing/2010/main">
-                <a:solidFill>
-                  <a:srgbClr val="FFFFFF"/>
-                </a:solidFill>
-              </a14:hiddenFill>
-            </a:ext>
-          </a:extLst>
-        </p:spPr>
-      </p:pic>
-    </p:spTree>
-    <p:extLst>
-      <p:ext uri="{BB962C8B-B14F-4D97-AF65-F5344CB8AC3E}">
-        <p14:creationId xmlns:p14="http://schemas.microsoft.com/office/powerpoint/2010/main" val="2436521312"/>
+        <p14:creationId xmlns:p14="http://schemas.microsoft.com/office/powerpoint/2010/main" val="444575980"/>
       </p:ext>
     </p:extLst>
   </p:cSld>
@@ -30641,7 +28070,7 @@
   <a:extraClrSchemeLst/>
   <a:extLst>
     <a:ext uri="{05A4C25C-085E-4340-85A3-A5531E510DB2}">
-      <thm15:themeFamily xmlns:thm15="http://schemas.microsoft.com/office/thememl/2012/main" xmlns="" name="Office Theme" id="{62F939B6-93AF-4DB8-9C6B-D6C7DFDC589F}" vid="{4A3C46E8-61CC-4603-A589-7422A47A8E4A}"/>
+      <thm15:themeFamily xmlns="" xmlns:thm15="http://schemas.microsoft.com/office/thememl/2012/main" name="Office Theme" id="{62F939B6-93AF-4DB8-9C6B-D6C7DFDC589F}" vid="{4A3C46E8-61CC-4603-A589-7422A47A8E4A}"/>
     </a:ext>
   </a:extLst>
 </a:theme>
@@ -30902,7 +28331,7 @@
   <a:extraClrSchemeLst/>
   <a:extLst>
     <a:ext uri="{05A4C25C-085E-4340-85A3-A5531E510DB2}">
-      <thm15:themeFamily xmlns:thm15="http://schemas.microsoft.com/office/thememl/2012/main" xmlns="" name="Office Theme" id="{62F939B6-93AF-4DB8-9C6B-D6C7DFDC589F}" vid="{4A3C46E8-61CC-4603-A589-7422A47A8E4A}"/>
+      <thm15:themeFamily xmlns="" xmlns:thm15="http://schemas.microsoft.com/office/thememl/2012/main" name="Office Theme" id="{62F939B6-93AF-4DB8-9C6B-D6C7DFDC589F}" vid="{4A3C46E8-61CC-4603-A589-7422A47A8E4A}"/>
     </a:ext>
   </a:extLst>
 </a:theme>
